--- a/FINAl_PRESENTATION.pptx
+++ b/FINAl_PRESENTATION.pptx
@@ -5,25 +5,26 @@
     <p:sldMasterId id="2147483804" r:id="rId1"/>
   </p:sldMasterIdLst>
   <p:notesMasterIdLst>
-    <p:notesMasterId r:id="rId10"/>
+    <p:notesMasterId r:id="rId11"/>
   </p:notesMasterIdLst>
   <p:handoutMasterIdLst>
-    <p:handoutMasterId r:id="rId11"/>
+    <p:handoutMasterId r:id="rId12"/>
   </p:handoutMasterIdLst>
   <p:sldIdLst>
     <p:sldId id="256" r:id="rId2"/>
     <p:sldId id="257" r:id="rId3"/>
     <p:sldId id="258" r:id="rId4"/>
-    <p:sldId id="259" r:id="rId5"/>
-    <p:sldId id="263" r:id="rId6"/>
-    <p:sldId id="260" r:id="rId7"/>
-    <p:sldId id="261" r:id="rId8"/>
-    <p:sldId id="262" r:id="rId9"/>
+    <p:sldId id="264" r:id="rId5"/>
+    <p:sldId id="259" r:id="rId6"/>
+    <p:sldId id="263" r:id="rId7"/>
+    <p:sldId id="260" r:id="rId8"/>
+    <p:sldId id="261" r:id="rId9"/>
+    <p:sldId id="262" r:id="rId10"/>
   </p:sldIdLst>
   <p:sldSz cx="9144000" cy="6858000" type="screen4x3"/>
   <p:notesSz cx="7315200" cy="9601200"/>
   <p:custDataLst>
-    <p:tags r:id="rId12"/>
+    <p:tags r:id="rId13"/>
   </p:custDataLst>
   <p:defaultTextStyle>
     <a:defPPr>
@@ -157,8 +158,8 @@
 <pc:chgInfo xmlns:a="http://schemas.openxmlformats.org/drawingml/2006/main" xmlns:r="http://schemas.openxmlformats.org/officeDocument/2006/relationships" xmlns:ac="http://schemas.microsoft.com/office/drawing/2013/main/command" xmlns:pc="http://schemas.microsoft.com/office/powerpoint/2013/main/command">
   <pc:docChgLst>
     <pc:chgData name="Chad Northey" userId="308779fc8549898c" providerId="LiveId" clId="{6BCE3C86-BC29-41B6-B98A-63C84030C149}"/>
-    <pc:docChg chg="undo custSel modSld">
-      <pc:chgData name="Chad Northey" userId="308779fc8549898c" providerId="LiveId" clId="{6BCE3C86-BC29-41B6-B98A-63C84030C149}" dt="2023-12-05T23:03:18.555" v="37" actId="20577"/>
+    <pc:docChg chg="undo custSel addSld modSld">
+      <pc:chgData name="Chad Northey" userId="308779fc8549898c" providerId="LiveId" clId="{6BCE3C86-BC29-41B6-B98A-63C84030C149}" dt="2023-12-08T00:14:38.555" v="42" actId="20577"/>
       <pc:docMkLst>
         <pc:docMk/>
       </pc:docMkLst>
@@ -201,6 +202,37 @@
           </ac:graphicFrameMkLst>
         </pc:graphicFrameChg>
       </pc:sldChg>
+      <pc:sldChg chg="addSp delSp modSp new mod">
+        <pc:chgData name="Chad Northey" userId="308779fc8549898c" providerId="LiveId" clId="{6BCE3C86-BC29-41B6-B98A-63C84030C149}" dt="2023-12-08T00:14:38.555" v="42" actId="20577"/>
+        <pc:sldMkLst>
+          <pc:docMk/>
+          <pc:sldMk cId="1663137508" sldId="264"/>
+        </pc:sldMkLst>
+        <pc:spChg chg="del">
+          <ac:chgData name="Chad Northey" userId="308779fc8549898c" providerId="LiveId" clId="{6BCE3C86-BC29-41B6-B98A-63C84030C149}" dt="2023-12-08T00:14:21.235" v="39" actId="22"/>
+          <ac:spMkLst>
+            <pc:docMk/>
+            <pc:sldMk cId="1663137508" sldId="264"/>
+            <ac:spMk id="3" creationId="{E9470A12-E7FA-15EF-0B35-21495F745005}"/>
+          </ac:spMkLst>
+        </pc:spChg>
+        <pc:spChg chg="add mod">
+          <ac:chgData name="Chad Northey" userId="308779fc8549898c" providerId="LiveId" clId="{6BCE3C86-BC29-41B6-B98A-63C84030C149}" dt="2023-12-08T00:14:38.555" v="42" actId="20577"/>
+          <ac:spMkLst>
+            <pc:docMk/>
+            <pc:sldMk cId="1663137508" sldId="264"/>
+            <ac:spMk id="7" creationId="{F3C44B2D-60EE-E0D5-ACC8-373B46E06EAC}"/>
+          </ac:spMkLst>
+        </pc:spChg>
+        <pc:picChg chg="add del mod ord">
+          <ac:chgData name="Chad Northey" userId="308779fc8549898c" providerId="LiveId" clId="{6BCE3C86-BC29-41B6-B98A-63C84030C149}" dt="2023-12-08T00:14:23.962" v="40" actId="478"/>
+          <ac:picMkLst>
+            <pc:docMk/>
+            <pc:sldMk cId="1663137508" sldId="264"/>
+            <ac:picMk id="5" creationId="{0174B831-521E-A0FF-B363-3B3F9EEABE02}"/>
+          </ac:picMkLst>
+        </pc:picChg>
+      </pc:sldChg>
     </pc:docChg>
   </pc:docChgLst>
 </pc:chgInfo>
@@ -288,7 +320,7 @@
           <a:p>
             <a:fld id="{98944DA0-7E15-49AE-9E1A-06C658B442E2}" type="datetimeFigureOut">
               <a:rPr lang="en-US" smtClean="0"/>
-              <a:t>12/5/2023</a:t>
+              <a:t>12/7/2023</a:t>
             </a:fld>
             <a:endParaRPr lang="en-US"/>
           </a:p>
@@ -453,7 +485,7 @@
           <a:p>
             <a:fld id="{18A1A218-A232-42EB-9526-47647B116190}" type="datetimeFigureOut">
               <a:rPr lang="en-US" smtClean="0"/>
-              <a:t>12/5/2023</a:t>
+              <a:t>12/7/2023</a:t>
             </a:fld>
             <a:endParaRPr lang="en-US"/>
           </a:p>
@@ -3892,10 +3924,9 @@
               <a:t>Diraq</a:t>
             </a:r>
             <a:r>
-              <a:rPr lang="en-US"/>
+              <a:rPr lang="en-US" dirty="0"/>
               <a:t> Analysis (Do we need both)</a:t>
             </a:r>
-            <a:endParaRPr lang="en-US" dirty="0"/>
           </a:p>
           <a:p>
             <a:pPr marL="342900" indent="-342900">
@@ -3958,6 +3989,141 @@
       </p:grpSpPr>
       <p:sp>
         <p:nvSpPr>
+          <p:cNvPr id="2" name="Title 1">
+            <a:extLst>
+              <a:ext uri="{FF2B5EF4-FFF2-40B4-BE49-F238E27FC236}">
+                <a16:creationId xmlns:a16="http://schemas.microsoft.com/office/drawing/2014/main" id="{1AFD1DD3-1C1C-D6F1-2320-ACADE46388B8}"/>
+              </a:ext>
+            </a:extLst>
+          </p:cNvPr>
+          <p:cNvSpPr>
+            <a:spLocks noGrp="1"/>
+          </p:cNvSpPr>
+          <p:nvPr>
+            <p:ph type="title"/>
+          </p:nvPr>
+        </p:nvSpPr>
+        <p:spPr/>
+        <p:txBody>
+          <a:bodyPr/>
+          <a:lstStyle/>
+          <a:p>
+            <a:endParaRPr lang="en-US"/>
+          </a:p>
+        </p:txBody>
+      </p:sp>
+      <p:sp>
+        <p:nvSpPr>
+          <p:cNvPr id="7" name="Content Placeholder 6">
+            <a:extLst>
+              <a:ext uri="{FF2B5EF4-FFF2-40B4-BE49-F238E27FC236}">
+                <a16:creationId xmlns:a16="http://schemas.microsoft.com/office/drawing/2014/main" id="{F3C44B2D-60EE-E0D5-ACC8-373B46E06EAC}"/>
+              </a:ext>
+            </a:extLst>
+          </p:cNvPr>
+          <p:cNvSpPr>
+            <a:spLocks noGrp="1"/>
+          </p:cNvSpPr>
+          <p:nvPr>
+            <p:ph idx="1"/>
+          </p:nvPr>
+        </p:nvSpPr>
+        <p:spPr/>
+        <p:txBody>
+          <a:bodyPr/>
+          <a:lstStyle/>
+          <a:p>
+            <a:r>
+              <a:rPr lang="en-US" kern="100" dirty="0">
+                <a:latin typeface="Calibri" panose="020F0502020204030204" pitchFamily="34" charset="0"/>
+                <a:ea typeface="Calibri" panose="020F0502020204030204" pitchFamily="34" charset="0"/>
+                <a:cs typeface="Times New Roman" panose="02020603050405020304" pitchFamily="18" charset="0"/>
+              </a:rPr>
+              <a:t>PIS’ center frequency =(1/2)(</a:t>
+            </a:r>
+            <a:r>
+              <a:rPr lang="en-US" kern="100" dirty="0" err="1">
+                <a:latin typeface="Calibri" panose="020F0502020204030204" pitchFamily="34" charset="0"/>
+                <a:ea typeface="Calibri" panose="020F0502020204030204" pitchFamily="34" charset="0"/>
+                <a:cs typeface="Times New Roman" panose="02020603050405020304" pitchFamily="18" charset="0"/>
+              </a:rPr>
+              <a:t>f</a:t>
+            </a:r>
+            <a:r>
+              <a:rPr lang="en-US" kern="100" baseline="-25000" dirty="0" err="1">
+                <a:latin typeface="Calibri" panose="020F0502020204030204" pitchFamily="34" charset="0"/>
+                <a:ea typeface="Calibri" panose="020F0502020204030204" pitchFamily="34" charset="0"/>
+                <a:cs typeface="Times New Roman" panose="02020603050405020304" pitchFamily="18" charset="0"/>
+              </a:rPr>
+              <a:t>PISmin</a:t>
+            </a:r>
+            <a:r>
+              <a:rPr lang="en-US" kern="100" dirty="0">
+                <a:latin typeface="Calibri" panose="020F0502020204030204" pitchFamily="34" charset="0"/>
+                <a:ea typeface="Calibri" panose="020F0502020204030204" pitchFamily="34" charset="0"/>
+                <a:cs typeface="Times New Roman" panose="02020603050405020304" pitchFamily="18" charset="0"/>
+              </a:rPr>
+              <a:t> + </a:t>
+            </a:r>
+            <a:r>
+              <a:rPr lang="en-US" kern="100" dirty="0" err="1">
+                <a:latin typeface="Calibri" panose="020F0502020204030204" pitchFamily="34" charset="0"/>
+                <a:ea typeface="Calibri" panose="020F0502020204030204" pitchFamily="34" charset="0"/>
+                <a:cs typeface="Times New Roman" panose="02020603050405020304" pitchFamily="18" charset="0"/>
+              </a:rPr>
+              <a:t>f</a:t>
+            </a:r>
+            <a:r>
+              <a:rPr lang="en-US" kern="100" baseline="-25000" dirty="0" err="1">
+                <a:latin typeface="Calibri" panose="020F0502020204030204" pitchFamily="34" charset="0"/>
+                <a:ea typeface="Calibri" panose="020F0502020204030204" pitchFamily="34" charset="0"/>
+                <a:cs typeface="Times New Roman" panose="02020603050405020304" pitchFamily="18" charset="0"/>
+              </a:rPr>
+              <a:t>PISmax</a:t>
+            </a:r>
+            <a:r>
+              <a:rPr lang="en-US" kern="100" dirty="0">
+                <a:latin typeface="Calibri" panose="020F0502020204030204" pitchFamily="34" charset="0"/>
+                <a:ea typeface="Calibri" panose="020F0502020204030204" pitchFamily="34" charset="0"/>
+                <a:cs typeface="Times New Roman" panose="02020603050405020304" pitchFamily="18" charset="0"/>
+              </a:rPr>
+              <a:t>)</a:t>
+            </a:r>
+          </a:p>
+        </p:txBody>
+      </p:sp>
+    </p:spTree>
+    <p:extLst>
+      <p:ext uri="{BB962C8B-B14F-4D97-AF65-F5344CB8AC3E}">
+        <p14:creationId xmlns:p14="http://schemas.microsoft.com/office/powerpoint/2010/main" val="1663137508"/>
+      </p:ext>
+    </p:extLst>
+  </p:cSld>
+  <p:clrMapOvr>
+    <a:masterClrMapping/>
+  </p:clrMapOvr>
+</p:sld>
+</file>
+
+<file path=ppt/slides/slide5.xml><?xml version="1.0" encoding="utf-8"?>
+<p:sld xmlns:a="http://schemas.openxmlformats.org/drawingml/2006/main" xmlns:r="http://schemas.openxmlformats.org/officeDocument/2006/relationships" xmlns:p="http://schemas.openxmlformats.org/presentationml/2006/main">
+  <p:cSld>
+    <p:spTree>
+      <p:nvGrpSpPr>
+        <p:cNvPr id="1" name=""/>
+        <p:cNvGrpSpPr/>
+        <p:nvPr/>
+      </p:nvGrpSpPr>
+      <p:grpSpPr>
+        <a:xfrm>
+          <a:off x="0" y="0"/>
+          <a:ext cx="0" cy="0"/>
+          <a:chOff x="0" y="0"/>
+          <a:chExt cx="0" cy="0"/>
+        </a:xfrm>
+      </p:grpSpPr>
+      <p:sp>
+        <p:nvSpPr>
           <p:cNvPr id="2" name="Title 1"/>
           <p:cNvSpPr>
             <a:spLocks noGrp="1"/>
@@ -4010,7 +4176,7 @@
 </p:sld>
 </file>
 
-<file path=ppt/slides/slide5.xml><?xml version="1.0" encoding="utf-8"?>
+<file path=ppt/slides/slide6.xml><?xml version="1.0" encoding="utf-8"?>
 <p:sld xmlns:a="http://schemas.openxmlformats.org/drawingml/2006/main" xmlns:r="http://schemas.openxmlformats.org/officeDocument/2006/relationships" xmlns:p="http://schemas.openxmlformats.org/presentationml/2006/main">
   <p:cSld>
     <p:spTree>
@@ -4125,74 +4291,6 @@
 </p:sld>
 </file>
 
-<file path=ppt/slides/slide6.xml><?xml version="1.0" encoding="utf-8"?>
-<p:sld xmlns:a="http://schemas.openxmlformats.org/drawingml/2006/main" xmlns:r="http://schemas.openxmlformats.org/officeDocument/2006/relationships" xmlns:p="http://schemas.openxmlformats.org/presentationml/2006/main">
-  <p:cSld>
-    <p:spTree>
-      <p:nvGrpSpPr>
-        <p:cNvPr id="1" name=""/>
-        <p:cNvGrpSpPr/>
-        <p:nvPr/>
-      </p:nvGrpSpPr>
-      <p:grpSpPr>
-        <a:xfrm>
-          <a:off x="0" y="0"/>
-          <a:ext cx="0" cy="0"/>
-          <a:chOff x="0" y="0"/>
-          <a:chExt cx="0" cy="0"/>
-        </a:xfrm>
-      </p:grpSpPr>
-      <p:sp>
-        <p:nvSpPr>
-          <p:cNvPr id="2" name="Content Placeholder 1"/>
-          <p:cNvSpPr>
-            <a:spLocks noGrp="1"/>
-          </p:cNvSpPr>
-          <p:nvPr>
-            <p:ph idx="1"/>
-          </p:nvPr>
-        </p:nvSpPr>
-        <p:spPr/>
-        <p:txBody>
-          <a:bodyPr/>
-          <a:lstStyle/>
-          <a:p>
-            <a:endParaRPr lang="en-US"/>
-          </a:p>
-        </p:txBody>
-      </p:sp>
-      <p:sp>
-        <p:nvSpPr>
-          <p:cNvPr id="3" name="Title 2"/>
-          <p:cNvSpPr>
-            <a:spLocks noGrp="1"/>
-          </p:cNvSpPr>
-          <p:nvPr>
-            <p:ph type="title"/>
-          </p:nvPr>
-        </p:nvSpPr>
-        <p:spPr/>
-        <p:txBody>
-          <a:bodyPr/>
-          <a:lstStyle/>
-          <a:p>
-            <a:endParaRPr lang="en-US"/>
-          </a:p>
-        </p:txBody>
-      </p:sp>
-    </p:spTree>
-    <p:extLst>
-      <p:ext uri="{BB962C8B-B14F-4D97-AF65-F5344CB8AC3E}">
-        <p14:creationId xmlns:p14="http://schemas.microsoft.com/office/powerpoint/2010/main" val="131623498"/>
-      </p:ext>
-    </p:extLst>
-  </p:cSld>
-  <p:clrMapOvr>
-    <a:masterClrMapping/>
-  </p:clrMapOvr>
-</p:sld>
-</file>
-
 <file path=ppt/slides/slide7.xml><?xml version="1.0" encoding="utf-8"?>
 <p:sld xmlns:a="http://schemas.openxmlformats.org/drawingml/2006/main" xmlns:r="http://schemas.openxmlformats.org/officeDocument/2006/relationships" xmlns:p="http://schemas.openxmlformats.org/presentationml/2006/main">
   <p:cSld>
@@ -4212,6 +4310,74 @@
       </p:grpSpPr>
       <p:sp>
         <p:nvSpPr>
+          <p:cNvPr id="2" name="Content Placeholder 1"/>
+          <p:cNvSpPr>
+            <a:spLocks noGrp="1"/>
+          </p:cNvSpPr>
+          <p:nvPr>
+            <p:ph idx="1"/>
+          </p:nvPr>
+        </p:nvSpPr>
+        <p:spPr/>
+        <p:txBody>
+          <a:bodyPr/>
+          <a:lstStyle/>
+          <a:p>
+            <a:endParaRPr lang="en-US"/>
+          </a:p>
+        </p:txBody>
+      </p:sp>
+      <p:sp>
+        <p:nvSpPr>
+          <p:cNvPr id="3" name="Title 2"/>
+          <p:cNvSpPr>
+            <a:spLocks noGrp="1"/>
+          </p:cNvSpPr>
+          <p:nvPr>
+            <p:ph type="title"/>
+          </p:nvPr>
+        </p:nvSpPr>
+        <p:spPr/>
+        <p:txBody>
+          <a:bodyPr/>
+          <a:lstStyle/>
+          <a:p>
+            <a:endParaRPr lang="en-US"/>
+          </a:p>
+        </p:txBody>
+      </p:sp>
+    </p:spTree>
+    <p:extLst>
+      <p:ext uri="{BB962C8B-B14F-4D97-AF65-F5344CB8AC3E}">
+        <p14:creationId xmlns:p14="http://schemas.microsoft.com/office/powerpoint/2010/main" val="131623498"/>
+      </p:ext>
+    </p:extLst>
+  </p:cSld>
+  <p:clrMapOvr>
+    <a:masterClrMapping/>
+  </p:clrMapOvr>
+</p:sld>
+</file>
+
+<file path=ppt/slides/slide8.xml><?xml version="1.0" encoding="utf-8"?>
+<p:sld xmlns:a="http://schemas.openxmlformats.org/drawingml/2006/main" xmlns:r="http://schemas.openxmlformats.org/officeDocument/2006/relationships" xmlns:p="http://schemas.openxmlformats.org/presentationml/2006/main">
+  <p:cSld>
+    <p:spTree>
+      <p:nvGrpSpPr>
+        <p:cNvPr id="1" name=""/>
+        <p:cNvGrpSpPr/>
+        <p:nvPr/>
+      </p:nvGrpSpPr>
+      <p:grpSpPr>
+        <a:xfrm>
+          <a:off x="0" y="0"/>
+          <a:ext cx="0" cy="0"/>
+          <a:chOff x="0" y="0"/>
+          <a:chExt cx="0" cy="0"/>
+        </a:xfrm>
+      </p:grpSpPr>
+      <p:sp>
+        <p:nvSpPr>
           <p:cNvPr id="2" name="Title 1"/>
           <p:cNvSpPr>
             <a:spLocks noGrp="1"/>
@@ -4242,7 +4408,7 @@
 </p:sld>
 </file>
 
-<file path=ppt/slides/slide8.xml><?xml version="1.0" encoding="utf-8"?>
+<file path=ppt/slides/slide9.xml><?xml version="1.0" encoding="utf-8"?>
 <p:sld xmlns:a="http://schemas.openxmlformats.org/drawingml/2006/main" xmlns:r="http://schemas.openxmlformats.org/officeDocument/2006/relationships" xmlns:p="http://schemas.openxmlformats.org/presentationml/2006/main">
   <p:cSld>
     <p:spTree>

--- a/FINAl_PRESENTATION.pptx
+++ b/FINAl_PRESENTATION.pptx
@@ -5,26 +5,32 @@
     <p:sldMasterId id="2147483804" r:id="rId1"/>
   </p:sldMasterIdLst>
   <p:notesMasterIdLst>
-    <p:notesMasterId r:id="rId11"/>
+    <p:notesMasterId r:id="rId17"/>
   </p:notesMasterIdLst>
   <p:handoutMasterIdLst>
-    <p:handoutMasterId r:id="rId12"/>
+    <p:handoutMasterId r:id="rId18"/>
   </p:handoutMasterIdLst>
   <p:sldIdLst>
     <p:sldId id="256" r:id="rId2"/>
     <p:sldId id="257" r:id="rId3"/>
     <p:sldId id="258" r:id="rId4"/>
     <p:sldId id="264" r:id="rId5"/>
-    <p:sldId id="259" r:id="rId6"/>
-    <p:sldId id="263" r:id="rId7"/>
-    <p:sldId id="260" r:id="rId8"/>
-    <p:sldId id="261" r:id="rId9"/>
-    <p:sldId id="262" r:id="rId10"/>
+    <p:sldId id="265" r:id="rId6"/>
+    <p:sldId id="266" r:id="rId7"/>
+    <p:sldId id="267" r:id="rId8"/>
+    <p:sldId id="268" r:id="rId9"/>
+    <p:sldId id="269" r:id="rId10"/>
+    <p:sldId id="270" r:id="rId11"/>
+    <p:sldId id="259" r:id="rId12"/>
+    <p:sldId id="263" r:id="rId13"/>
+    <p:sldId id="260" r:id="rId14"/>
+    <p:sldId id="261" r:id="rId15"/>
+    <p:sldId id="262" r:id="rId16"/>
   </p:sldIdLst>
   <p:sldSz cx="9144000" cy="6858000" type="screen4x3"/>
   <p:notesSz cx="7315200" cy="9601200"/>
   <p:custDataLst>
-    <p:tags r:id="rId13"/>
+    <p:tags r:id="rId19"/>
   </p:custDataLst>
   <p:defaultTextStyle>
     <a:defPPr>
@@ -3726,14 +3732,13 @@
           </a:p>
           <a:p>
             <a:r>
+              <a:rPr lang="en-US" dirty="0" err="1"/>
+              <a:t>GabE</a:t>
+            </a:r>
+            <a:r>
               <a:rPr lang="en-US" dirty="0"/>
-              <a:t>Gab </a:t>
-            </a:r>
-            <a:r>
-              <a:rPr lang="en-US" dirty="0" err="1"/>
-              <a:t>Bettley</a:t>
-            </a:r>
-            <a:endParaRPr lang="en-US" dirty="0"/>
+              <a:t> Bettley</a:t>
+            </a:r>
           </a:p>
         </p:txBody>
       </p:sp>
@@ -3750,7 +3755,7 @@
 </p:sld>
 </file>
 
-<file path=ppt/slides/slide2.xml><?xml version="1.0" encoding="utf-8"?>
+<file path=ppt/slides/slide10.xml><?xml version="1.0" encoding="utf-8"?>
 <p:sld xmlns:a="http://schemas.openxmlformats.org/drawingml/2006/main" xmlns:r="http://schemas.openxmlformats.org/officeDocument/2006/relationships" xmlns:p="http://schemas.openxmlformats.org/presentationml/2006/main">
   <p:cSld>
     <p:spTree>
@@ -3769,29 +3774,10 @@
       </p:grpSpPr>
       <p:sp>
         <p:nvSpPr>
-          <p:cNvPr id="3" name="Text Placeholder 2"/>
-          <p:cNvSpPr>
-            <a:spLocks noGrp="1"/>
-          </p:cNvSpPr>
-          <p:nvPr>
-            <p:ph type="body" idx="1"/>
-          </p:nvPr>
-        </p:nvSpPr>
-        <p:spPr/>
-        <p:txBody>
-          <a:bodyPr/>
-          <a:lstStyle/>
-          <a:p>
-            <a:endParaRPr lang="en-US" dirty="0"/>
-          </a:p>
-        </p:txBody>
-      </p:sp>
-      <p:sp>
-        <p:nvSpPr>
-          <p:cNvPr id="5" name="Title 4">
+          <p:cNvPr id="2" name="Title 1">
             <a:extLst>
               <a:ext uri="{FF2B5EF4-FFF2-40B4-BE49-F238E27FC236}">
-                <a16:creationId xmlns:a16="http://schemas.microsoft.com/office/drawing/2014/main" id="{276E0631-0FF8-1405-1919-B21BBB722D73}"/>
+                <a16:creationId xmlns:a16="http://schemas.microsoft.com/office/drawing/2014/main" id="{6BBDFEFC-643D-1E91-F069-487F3FBAD5D1}"/>
               </a:ext>
             </a:extLst>
           </p:cNvPr>
@@ -3807,14 +3793,114 @@
           <a:bodyPr/>
           <a:lstStyle/>
           <a:p>
-            <a:endParaRPr lang="en-US"/>
+            <a:r>
+              <a:rPr lang="en-US" dirty="0"/>
+              <a:t>Activity 3 Cont.</a:t>
+            </a:r>
+          </a:p>
+        </p:txBody>
+      </p:sp>
+      <p:sp>
+        <p:nvSpPr>
+          <p:cNvPr id="3" name="Content Placeholder 2">
+            <a:extLst>
+              <a:ext uri="{FF2B5EF4-FFF2-40B4-BE49-F238E27FC236}">
+                <a16:creationId xmlns:a16="http://schemas.microsoft.com/office/drawing/2014/main" id="{C5246BD0-DF04-9EDB-6EE3-EAE913D32D0E}"/>
+              </a:ext>
+            </a:extLst>
+          </p:cNvPr>
+          <p:cNvSpPr>
+            <a:spLocks noGrp="1"/>
+          </p:cNvSpPr>
+          <p:nvPr>
+            <p:ph idx="1"/>
+          </p:nvPr>
+        </p:nvSpPr>
+        <p:spPr/>
+        <p:txBody>
+          <a:bodyPr/>
+          <a:lstStyle/>
+          <a:p>
+            <a:pPr marL="342900" indent="-342900">
+              <a:buFont typeface="Arial" panose="020B0604020202020204" pitchFamily="34" charset="0"/>
+              <a:buChar char="•"/>
+            </a:pPr>
+            <a:r>
+              <a:rPr lang="en-US" sz="2000" b="1" kern="100" dirty="0">
+                <a:latin typeface="Calibri" panose="020F0502020204030204" pitchFamily="34" charset="0"/>
+                <a:ea typeface="Calibri" panose="020F0502020204030204" pitchFamily="34" charset="0"/>
+                <a:cs typeface="Times New Roman" panose="02020603050405020304" pitchFamily="18" charset="0"/>
+              </a:rPr>
+              <a:t>Comparison of Narrow Band (NB) Broad Band (BB) Noise Filtering</a:t>
+            </a:r>
+          </a:p>
+          <a:p>
+            <a:pPr marL="800100" lvl="1" indent="-342900"/>
+            <a:r>
+              <a:rPr lang="en-US" kern="100" dirty="0">
+                <a:latin typeface="Calibri" panose="020F0502020204030204" pitchFamily="34" charset="0"/>
+                <a:ea typeface="Calibri" panose="020F0502020204030204" pitchFamily="34" charset="0"/>
+                <a:cs typeface="Times New Roman" panose="02020603050405020304" pitchFamily="18" charset="0"/>
+              </a:rPr>
+              <a:t>Which type of noise signal is the easiest to filter?</a:t>
+            </a:r>
+          </a:p>
+          <a:p>
+            <a:pPr marL="800100" lvl="1" indent="-342900"/>
+            <a:r>
+              <a:rPr lang="en-US" sz="2000" kern="100" dirty="0">
+                <a:latin typeface="Calibri" panose="020F0502020204030204" pitchFamily="34" charset="0"/>
+                <a:ea typeface="Calibri" panose="020F0502020204030204" pitchFamily="34" charset="0"/>
+                <a:cs typeface="Times New Roman" panose="02020603050405020304" pitchFamily="18" charset="0"/>
+              </a:rPr>
+              <a:t>What filter is most efficient in protecting against:</a:t>
+            </a:r>
+          </a:p>
+          <a:p>
+            <a:pPr marL="1485900" lvl="2" indent="-342900"/>
+            <a:r>
+              <a:rPr lang="en-US" kern="100" dirty="0">
+                <a:latin typeface="Calibri" panose="020F0502020204030204" pitchFamily="34" charset="0"/>
+                <a:ea typeface="Calibri" panose="020F0502020204030204" pitchFamily="34" charset="0"/>
+                <a:cs typeface="Times New Roman" panose="02020603050405020304" pitchFamily="18" charset="0"/>
+              </a:rPr>
+              <a:t>NBN</a:t>
+            </a:r>
+          </a:p>
+          <a:p>
+            <a:pPr marL="1485900" lvl="2" indent="-342900"/>
+            <a:r>
+              <a:rPr lang="en-US" sz="2000" kern="100" dirty="0">
+                <a:latin typeface="Calibri" panose="020F0502020204030204" pitchFamily="34" charset="0"/>
+                <a:ea typeface="Calibri" panose="020F0502020204030204" pitchFamily="34" charset="0"/>
+                <a:cs typeface="Times New Roman" panose="02020603050405020304" pitchFamily="18" charset="0"/>
+              </a:rPr>
+              <a:t>BBN</a:t>
+            </a:r>
+          </a:p>
+          <a:p>
+            <a:pPr marL="342900" indent="-342900">
+              <a:buFont typeface="Arial" panose="020B0604020202020204" pitchFamily="34" charset="0"/>
+              <a:buChar char="•"/>
+            </a:pPr>
+            <a:r>
+              <a:rPr lang="en-US" sz="2000" kern="100" dirty="0">
+                <a:latin typeface="Calibri" panose="020F0502020204030204" pitchFamily="34" charset="0"/>
+                <a:ea typeface="Calibri" panose="020F0502020204030204" pitchFamily="34" charset="0"/>
+                <a:cs typeface="Times New Roman" panose="02020603050405020304" pitchFamily="18" charset="0"/>
+              </a:rPr>
+              <a:t>Need to propose a redesign of the filter that will improve the Signal to Noise ratio by at least 6 dB for NBN given the noise characteristics</a:t>
+            </a:r>
+          </a:p>
+          <a:p>
+            <a:endParaRPr lang="en-US" dirty="0"/>
           </a:p>
         </p:txBody>
       </p:sp>
     </p:spTree>
     <p:extLst>
       <p:ext uri="{BB962C8B-B14F-4D97-AF65-F5344CB8AC3E}">
-        <p14:creationId xmlns:p14="http://schemas.microsoft.com/office/powerpoint/2010/main" val="1531908288"/>
+        <p14:creationId xmlns:p14="http://schemas.microsoft.com/office/powerpoint/2010/main" val="1208810237"/>
       </p:ext>
     </p:extLst>
   </p:cSld>
@@ -3824,7 +3910,7 @@
 </p:sld>
 </file>
 
-<file path=ppt/slides/slide3.xml><?xml version="1.0" encoding="utf-8"?>
+<file path=ppt/slides/slide11.xml><?xml version="1.0" encoding="utf-8"?>
 <p:sld xmlns:a="http://schemas.openxmlformats.org/drawingml/2006/main" xmlns:r="http://schemas.openxmlformats.org/officeDocument/2006/relationships" xmlns:p="http://schemas.openxmlformats.org/presentationml/2006/main">
   <p:cSld>
     <p:spTree>
@@ -3858,287 +3944,6 @@
           <a:p>
             <a:r>
               <a:rPr lang="en-US" dirty="0"/>
-              <a:t>Layout</a:t>
-            </a:r>
-          </a:p>
-        </p:txBody>
-      </p:sp>
-      <p:sp>
-        <p:nvSpPr>
-          <p:cNvPr id="3" name="Content Placeholder 2"/>
-          <p:cNvSpPr>
-            <a:spLocks noGrp="1"/>
-          </p:cNvSpPr>
-          <p:nvPr>
-            <p:ph idx="1"/>
-          </p:nvPr>
-        </p:nvSpPr>
-        <p:spPr/>
-        <p:txBody>
-          <a:bodyPr/>
-          <a:lstStyle/>
-          <a:p>
-            <a:pPr marL="342900" indent="-342900">
-              <a:buFont typeface="Arial" panose="020B0604020202020204" pitchFamily="34" charset="0"/>
-              <a:buChar char="•"/>
-            </a:pPr>
-            <a:r>
-              <a:rPr lang="en-US" dirty="0"/>
-              <a:t>Filter Design</a:t>
-            </a:r>
-          </a:p>
-          <a:p>
-            <a:pPr marL="800100" lvl="1" indent="-342900"/>
-            <a:r>
-              <a:rPr lang="en-US" dirty="0"/>
-              <a:t>For both high pass and band pass</a:t>
-            </a:r>
-          </a:p>
-          <a:p>
-            <a:pPr marL="342900" indent="-342900">
-              <a:buFont typeface="Arial" panose="020B0604020202020204" pitchFamily="34" charset="0"/>
-              <a:buChar char="•"/>
-            </a:pPr>
-            <a:r>
-              <a:rPr lang="en-US" dirty="0"/>
-              <a:t>Filter Analysis</a:t>
-            </a:r>
-          </a:p>
-          <a:p>
-            <a:pPr marL="342900" indent="-342900">
-              <a:buFont typeface="Arial" panose="020B0604020202020204" pitchFamily="34" charset="0"/>
-              <a:buChar char="•"/>
-            </a:pPr>
-            <a:r>
-              <a:rPr lang="en-US" dirty="0"/>
-              <a:t>Sine Wave Analysis</a:t>
-            </a:r>
-          </a:p>
-          <a:p>
-            <a:pPr marL="342900" indent="-342900">
-              <a:buFont typeface="Arial" panose="020B0604020202020204" pitchFamily="34" charset="0"/>
-              <a:buChar char="•"/>
-            </a:pPr>
-            <a:r>
-              <a:rPr lang="en-US" dirty="0" err="1"/>
-              <a:t>Diraq</a:t>
-            </a:r>
-            <a:r>
-              <a:rPr lang="en-US" dirty="0"/>
-              <a:t> Analysis (Do we need both)</a:t>
-            </a:r>
-          </a:p>
-          <a:p>
-            <a:pPr marL="342900" indent="-342900">
-              <a:buFont typeface="Arial" panose="020B0604020202020204" pitchFamily="34" charset="0"/>
-              <a:buChar char="•"/>
-            </a:pPr>
-            <a:endParaRPr lang="en-US" dirty="0"/>
-          </a:p>
-          <a:p>
-            <a:pPr marL="800100" lvl="1" indent="-342900"/>
-            <a:endParaRPr lang="en-US" dirty="0"/>
-          </a:p>
-          <a:p>
-            <a:pPr marL="800100" lvl="1" indent="-342900"/>
-            <a:endParaRPr lang="en-US" dirty="0"/>
-          </a:p>
-          <a:p>
-            <a:pPr marL="800100" lvl="1" indent="-342900"/>
-            <a:endParaRPr lang="en-US" dirty="0"/>
-          </a:p>
-          <a:p>
-            <a:pPr marL="342900" indent="-342900"/>
-            <a:endParaRPr lang="en-US" dirty="0"/>
-          </a:p>
-          <a:p>
-            <a:pPr marL="342900" indent="-342900"/>
-            <a:endParaRPr lang="en-US" dirty="0"/>
-          </a:p>
-        </p:txBody>
-      </p:sp>
-    </p:spTree>
-    <p:extLst>
-      <p:ext uri="{BB962C8B-B14F-4D97-AF65-F5344CB8AC3E}">
-        <p14:creationId xmlns:p14="http://schemas.microsoft.com/office/powerpoint/2010/main" val="2025067195"/>
-      </p:ext>
-    </p:extLst>
-  </p:cSld>
-  <p:clrMapOvr>
-    <a:masterClrMapping/>
-  </p:clrMapOvr>
-</p:sld>
-</file>
-
-<file path=ppt/slides/slide4.xml><?xml version="1.0" encoding="utf-8"?>
-<p:sld xmlns:a="http://schemas.openxmlformats.org/drawingml/2006/main" xmlns:r="http://schemas.openxmlformats.org/officeDocument/2006/relationships" xmlns:p="http://schemas.openxmlformats.org/presentationml/2006/main">
-  <p:cSld>
-    <p:spTree>
-      <p:nvGrpSpPr>
-        <p:cNvPr id="1" name=""/>
-        <p:cNvGrpSpPr/>
-        <p:nvPr/>
-      </p:nvGrpSpPr>
-      <p:grpSpPr>
-        <a:xfrm>
-          <a:off x="0" y="0"/>
-          <a:ext cx="0" cy="0"/>
-          <a:chOff x="0" y="0"/>
-          <a:chExt cx="0" cy="0"/>
-        </a:xfrm>
-      </p:grpSpPr>
-      <p:sp>
-        <p:nvSpPr>
-          <p:cNvPr id="2" name="Title 1">
-            <a:extLst>
-              <a:ext uri="{FF2B5EF4-FFF2-40B4-BE49-F238E27FC236}">
-                <a16:creationId xmlns:a16="http://schemas.microsoft.com/office/drawing/2014/main" id="{1AFD1DD3-1C1C-D6F1-2320-ACADE46388B8}"/>
-              </a:ext>
-            </a:extLst>
-          </p:cNvPr>
-          <p:cNvSpPr>
-            <a:spLocks noGrp="1"/>
-          </p:cNvSpPr>
-          <p:nvPr>
-            <p:ph type="title"/>
-          </p:nvPr>
-        </p:nvSpPr>
-        <p:spPr/>
-        <p:txBody>
-          <a:bodyPr/>
-          <a:lstStyle/>
-          <a:p>
-            <a:endParaRPr lang="en-US"/>
-          </a:p>
-        </p:txBody>
-      </p:sp>
-      <p:sp>
-        <p:nvSpPr>
-          <p:cNvPr id="7" name="Content Placeholder 6">
-            <a:extLst>
-              <a:ext uri="{FF2B5EF4-FFF2-40B4-BE49-F238E27FC236}">
-                <a16:creationId xmlns:a16="http://schemas.microsoft.com/office/drawing/2014/main" id="{F3C44B2D-60EE-E0D5-ACC8-373B46E06EAC}"/>
-              </a:ext>
-            </a:extLst>
-          </p:cNvPr>
-          <p:cNvSpPr>
-            <a:spLocks noGrp="1"/>
-          </p:cNvSpPr>
-          <p:nvPr>
-            <p:ph idx="1"/>
-          </p:nvPr>
-        </p:nvSpPr>
-        <p:spPr/>
-        <p:txBody>
-          <a:bodyPr/>
-          <a:lstStyle/>
-          <a:p>
-            <a:r>
-              <a:rPr lang="en-US" kern="100" dirty="0">
-                <a:latin typeface="Calibri" panose="020F0502020204030204" pitchFamily="34" charset="0"/>
-                <a:ea typeface="Calibri" panose="020F0502020204030204" pitchFamily="34" charset="0"/>
-                <a:cs typeface="Times New Roman" panose="02020603050405020304" pitchFamily="18" charset="0"/>
-              </a:rPr>
-              <a:t>PIS’ center frequency =(1/2)(</a:t>
-            </a:r>
-            <a:r>
-              <a:rPr lang="en-US" kern="100" dirty="0" err="1">
-                <a:latin typeface="Calibri" panose="020F0502020204030204" pitchFamily="34" charset="0"/>
-                <a:ea typeface="Calibri" panose="020F0502020204030204" pitchFamily="34" charset="0"/>
-                <a:cs typeface="Times New Roman" panose="02020603050405020304" pitchFamily="18" charset="0"/>
-              </a:rPr>
-              <a:t>f</a:t>
-            </a:r>
-            <a:r>
-              <a:rPr lang="en-US" kern="100" baseline="-25000" dirty="0" err="1">
-                <a:latin typeface="Calibri" panose="020F0502020204030204" pitchFamily="34" charset="0"/>
-                <a:ea typeface="Calibri" panose="020F0502020204030204" pitchFamily="34" charset="0"/>
-                <a:cs typeface="Times New Roman" panose="02020603050405020304" pitchFamily="18" charset="0"/>
-              </a:rPr>
-              <a:t>PISmin</a:t>
-            </a:r>
-            <a:r>
-              <a:rPr lang="en-US" kern="100" dirty="0">
-                <a:latin typeface="Calibri" panose="020F0502020204030204" pitchFamily="34" charset="0"/>
-                <a:ea typeface="Calibri" panose="020F0502020204030204" pitchFamily="34" charset="0"/>
-                <a:cs typeface="Times New Roman" panose="02020603050405020304" pitchFamily="18" charset="0"/>
-              </a:rPr>
-              <a:t> + </a:t>
-            </a:r>
-            <a:r>
-              <a:rPr lang="en-US" kern="100" dirty="0" err="1">
-                <a:latin typeface="Calibri" panose="020F0502020204030204" pitchFamily="34" charset="0"/>
-                <a:ea typeface="Calibri" panose="020F0502020204030204" pitchFamily="34" charset="0"/>
-                <a:cs typeface="Times New Roman" panose="02020603050405020304" pitchFamily="18" charset="0"/>
-              </a:rPr>
-              <a:t>f</a:t>
-            </a:r>
-            <a:r>
-              <a:rPr lang="en-US" kern="100" baseline="-25000" dirty="0" err="1">
-                <a:latin typeface="Calibri" panose="020F0502020204030204" pitchFamily="34" charset="0"/>
-                <a:ea typeface="Calibri" panose="020F0502020204030204" pitchFamily="34" charset="0"/>
-                <a:cs typeface="Times New Roman" panose="02020603050405020304" pitchFamily="18" charset="0"/>
-              </a:rPr>
-              <a:t>PISmax</a:t>
-            </a:r>
-            <a:r>
-              <a:rPr lang="en-US" kern="100" dirty="0">
-                <a:latin typeface="Calibri" panose="020F0502020204030204" pitchFamily="34" charset="0"/>
-                <a:ea typeface="Calibri" panose="020F0502020204030204" pitchFamily="34" charset="0"/>
-                <a:cs typeface="Times New Roman" panose="02020603050405020304" pitchFamily="18" charset="0"/>
-              </a:rPr>
-              <a:t>)</a:t>
-            </a:r>
-          </a:p>
-        </p:txBody>
-      </p:sp>
-    </p:spTree>
-    <p:extLst>
-      <p:ext uri="{BB962C8B-B14F-4D97-AF65-F5344CB8AC3E}">
-        <p14:creationId xmlns:p14="http://schemas.microsoft.com/office/powerpoint/2010/main" val="1663137508"/>
-      </p:ext>
-    </p:extLst>
-  </p:cSld>
-  <p:clrMapOvr>
-    <a:masterClrMapping/>
-  </p:clrMapOvr>
-</p:sld>
-</file>
-
-<file path=ppt/slides/slide5.xml><?xml version="1.0" encoding="utf-8"?>
-<p:sld xmlns:a="http://schemas.openxmlformats.org/drawingml/2006/main" xmlns:r="http://schemas.openxmlformats.org/officeDocument/2006/relationships" xmlns:p="http://schemas.openxmlformats.org/presentationml/2006/main">
-  <p:cSld>
-    <p:spTree>
-      <p:nvGrpSpPr>
-        <p:cNvPr id="1" name=""/>
-        <p:cNvGrpSpPr/>
-        <p:nvPr/>
-      </p:nvGrpSpPr>
-      <p:grpSpPr>
-        <a:xfrm>
-          <a:off x="0" y="0"/>
-          <a:ext cx="0" cy="0"/>
-          <a:chOff x="0" y="0"/>
-          <a:chExt cx="0" cy="0"/>
-        </a:xfrm>
-      </p:grpSpPr>
-      <p:sp>
-        <p:nvSpPr>
-          <p:cNvPr id="2" name="Title 1"/>
-          <p:cNvSpPr>
-            <a:spLocks noGrp="1"/>
-          </p:cNvSpPr>
-          <p:nvPr>
-            <p:ph type="title"/>
-          </p:nvPr>
-        </p:nvSpPr>
-        <p:spPr/>
-        <p:txBody>
-          <a:bodyPr/>
-          <a:lstStyle/>
-          <a:p>
-            <a:r>
-              <a:rPr lang="en-US" dirty="0"/>
               <a:t>Filter Design</a:t>
             </a:r>
           </a:p>
@@ -4176,7 +3981,7 @@
 </p:sld>
 </file>
 
-<file path=ppt/slides/slide6.xml><?xml version="1.0" encoding="utf-8"?>
+<file path=ppt/slides/slide12.xml><?xml version="1.0" encoding="utf-8"?>
 <p:sld xmlns:a="http://schemas.openxmlformats.org/drawingml/2006/main" xmlns:r="http://schemas.openxmlformats.org/officeDocument/2006/relationships" xmlns:p="http://schemas.openxmlformats.org/presentationml/2006/main">
   <p:cSld>
     <p:spTree>
@@ -4291,6 +4096,877 @@
 </p:sld>
 </file>
 
+<file path=ppt/slides/slide13.xml><?xml version="1.0" encoding="utf-8"?>
+<p:sld xmlns:a="http://schemas.openxmlformats.org/drawingml/2006/main" xmlns:r="http://schemas.openxmlformats.org/officeDocument/2006/relationships" xmlns:p="http://schemas.openxmlformats.org/presentationml/2006/main">
+  <p:cSld>
+    <p:spTree>
+      <p:nvGrpSpPr>
+        <p:cNvPr id="1" name=""/>
+        <p:cNvGrpSpPr/>
+        <p:nvPr/>
+      </p:nvGrpSpPr>
+      <p:grpSpPr>
+        <a:xfrm>
+          <a:off x="0" y="0"/>
+          <a:ext cx="0" cy="0"/>
+          <a:chOff x="0" y="0"/>
+          <a:chExt cx="0" cy="0"/>
+        </a:xfrm>
+      </p:grpSpPr>
+      <p:sp>
+        <p:nvSpPr>
+          <p:cNvPr id="2" name="Content Placeholder 1"/>
+          <p:cNvSpPr>
+            <a:spLocks noGrp="1"/>
+          </p:cNvSpPr>
+          <p:nvPr>
+            <p:ph idx="1"/>
+          </p:nvPr>
+        </p:nvSpPr>
+        <p:spPr/>
+        <p:txBody>
+          <a:bodyPr/>
+          <a:lstStyle/>
+          <a:p>
+            <a:endParaRPr lang="en-US"/>
+          </a:p>
+        </p:txBody>
+      </p:sp>
+      <p:sp>
+        <p:nvSpPr>
+          <p:cNvPr id="3" name="Title 2"/>
+          <p:cNvSpPr>
+            <a:spLocks noGrp="1"/>
+          </p:cNvSpPr>
+          <p:nvPr>
+            <p:ph type="title"/>
+          </p:nvPr>
+        </p:nvSpPr>
+        <p:spPr/>
+        <p:txBody>
+          <a:bodyPr/>
+          <a:lstStyle/>
+          <a:p>
+            <a:endParaRPr lang="en-US"/>
+          </a:p>
+        </p:txBody>
+      </p:sp>
+    </p:spTree>
+    <p:extLst>
+      <p:ext uri="{BB962C8B-B14F-4D97-AF65-F5344CB8AC3E}">
+        <p14:creationId xmlns:p14="http://schemas.microsoft.com/office/powerpoint/2010/main" val="131623498"/>
+      </p:ext>
+    </p:extLst>
+  </p:cSld>
+  <p:clrMapOvr>
+    <a:masterClrMapping/>
+  </p:clrMapOvr>
+</p:sld>
+</file>
+
+<file path=ppt/slides/slide14.xml><?xml version="1.0" encoding="utf-8"?>
+<p:sld xmlns:a="http://schemas.openxmlformats.org/drawingml/2006/main" xmlns:r="http://schemas.openxmlformats.org/officeDocument/2006/relationships" xmlns:p="http://schemas.openxmlformats.org/presentationml/2006/main">
+  <p:cSld>
+    <p:spTree>
+      <p:nvGrpSpPr>
+        <p:cNvPr id="1" name=""/>
+        <p:cNvGrpSpPr/>
+        <p:nvPr/>
+      </p:nvGrpSpPr>
+      <p:grpSpPr>
+        <a:xfrm>
+          <a:off x="0" y="0"/>
+          <a:ext cx="0" cy="0"/>
+          <a:chOff x="0" y="0"/>
+          <a:chExt cx="0" cy="0"/>
+        </a:xfrm>
+      </p:grpSpPr>
+      <p:sp>
+        <p:nvSpPr>
+          <p:cNvPr id="2" name="Title 1"/>
+          <p:cNvSpPr>
+            <a:spLocks noGrp="1"/>
+          </p:cNvSpPr>
+          <p:nvPr>
+            <p:ph type="title"/>
+          </p:nvPr>
+        </p:nvSpPr>
+        <p:spPr/>
+        <p:txBody>
+          <a:bodyPr/>
+          <a:lstStyle/>
+          <a:p>
+            <a:endParaRPr lang="en-US"/>
+          </a:p>
+        </p:txBody>
+      </p:sp>
+    </p:spTree>
+    <p:extLst>
+      <p:ext uri="{BB962C8B-B14F-4D97-AF65-F5344CB8AC3E}">
+        <p14:creationId xmlns:p14="http://schemas.microsoft.com/office/powerpoint/2010/main" val="3583307725"/>
+      </p:ext>
+    </p:extLst>
+  </p:cSld>
+  <p:clrMapOvr>
+    <a:masterClrMapping/>
+  </p:clrMapOvr>
+</p:sld>
+</file>
+
+<file path=ppt/slides/slide15.xml><?xml version="1.0" encoding="utf-8"?>
+<p:sld xmlns:a="http://schemas.openxmlformats.org/drawingml/2006/main" xmlns:r="http://schemas.openxmlformats.org/officeDocument/2006/relationships" xmlns:p="http://schemas.openxmlformats.org/presentationml/2006/main">
+  <p:cSld>
+    <p:spTree>
+      <p:nvGrpSpPr>
+        <p:cNvPr id="1" name=""/>
+        <p:cNvGrpSpPr/>
+        <p:nvPr/>
+      </p:nvGrpSpPr>
+      <p:grpSpPr>
+        <a:xfrm>
+          <a:off x="0" y="0"/>
+          <a:ext cx="0" cy="0"/>
+          <a:chOff x="0" y="0"/>
+          <a:chExt cx="0" cy="0"/>
+        </a:xfrm>
+      </p:grpSpPr>
+    </p:spTree>
+    <p:extLst>
+      <p:ext uri="{BB962C8B-B14F-4D97-AF65-F5344CB8AC3E}">
+        <p14:creationId xmlns:p14="http://schemas.microsoft.com/office/powerpoint/2010/main" val="1784640093"/>
+      </p:ext>
+    </p:extLst>
+  </p:cSld>
+  <p:clrMapOvr>
+    <a:masterClrMapping/>
+  </p:clrMapOvr>
+</p:sld>
+</file>
+
+<file path=ppt/slides/slide2.xml><?xml version="1.0" encoding="utf-8"?>
+<p:sld xmlns:a="http://schemas.openxmlformats.org/drawingml/2006/main" xmlns:r="http://schemas.openxmlformats.org/officeDocument/2006/relationships" xmlns:p="http://schemas.openxmlformats.org/presentationml/2006/main">
+  <p:cSld>
+    <p:spTree>
+      <p:nvGrpSpPr>
+        <p:cNvPr id="1" name=""/>
+        <p:cNvGrpSpPr/>
+        <p:nvPr/>
+      </p:nvGrpSpPr>
+      <p:grpSpPr>
+        <a:xfrm>
+          <a:off x="0" y="0"/>
+          <a:ext cx="0" cy="0"/>
+          <a:chOff x="0" y="0"/>
+          <a:chExt cx="0" cy="0"/>
+        </a:xfrm>
+      </p:grpSpPr>
+      <p:sp>
+        <p:nvSpPr>
+          <p:cNvPr id="3" name="Text Placeholder 2"/>
+          <p:cNvSpPr>
+            <a:spLocks noGrp="1"/>
+          </p:cNvSpPr>
+          <p:nvPr>
+            <p:ph type="body" idx="1"/>
+          </p:nvPr>
+        </p:nvSpPr>
+        <p:spPr/>
+        <p:txBody>
+          <a:bodyPr/>
+          <a:lstStyle/>
+          <a:p>
+            <a:endParaRPr lang="en-US" dirty="0"/>
+          </a:p>
+        </p:txBody>
+      </p:sp>
+      <p:sp>
+        <p:nvSpPr>
+          <p:cNvPr id="5" name="Title 4">
+            <a:extLst>
+              <a:ext uri="{FF2B5EF4-FFF2-40B4-BE49-F238E27FC236}">
+                <a16:creationId xmlns:a16="http://schemas.microsoft.com/office/drawing/2014/main" id="{276E0631-0FF8-1405-1919-B21BBB722D73}"/>
+              </a:ext>
+            </a:extLst>
+          </p:cNvPr>
+          <p:cNvSpPr>
+            <a:spLocks noGrp="1"/>
+          </p:cNvSpPr>
+          <p:nvPr>
+            <p:ph type="title"/>
+          </p:nvPr>
+        </p:nvSpPr>
+        <p:spPr/>
+        <p:txBody>
+          <a:bodyPr/>
+          <a:lstStyle/>
+          <a:p>
+            <a:endParaRPr lang="en-US"/>
+          </a:p>
+        </p:txBody>
+      </p:sp>
+    </p:spTree>
+    <p:extLst>
+      <p:ext uri="{BB962C8B-B14F-4D97-AF65-F5344CB8AC3E}">
+        <p14:creationId xmlns:p14="http://schemas.microsoft.com/office/powerpoint/2010/main" val="1531908288"/>
+      </p:ext>
+    </p:extLst>
+  </p:cSld>
+  <p:clrMapOvr>
+    <a:masterClrMapping/>
+  </p:clrMapOvr>
+</p:sld>
+</file>
+
+<file path=ppt/slides/slide3.xml><?xml version="1.0" encoding="utf-8"?>
+<p:sld xmlns:a="http://schemas.openxmlformats.org/drawingml/2006/main" xmlns:r="http://schemas.openxmlformats.org/officeDocument/2006/relationships" xmlns:p="http://schemas.openxmlformats.org/presentationml/2006/main">
+  <p:cSld>
+    <p:spTree>
+      <p:nvGrpSpPr>
+        <p:cNvPr id="1" name=""/>
+        <p:cNvGrpSpPr/>
+        <p:nvPr/>
+      </p:nvGrpSpPr>
+      <p:grpSpPr>
+        <a:xfrm>
+          <a:off x="0" y="0"/>
+          <a:ext cx="0" cy="0"/>
+          <a:chOff x="0" y="0"/>
+          <a:chExt cx="0" cy="0"/>
+        </a:xfrm>
+      </p:grpSpPr>
+      <p:sp>
+        <p:nvSpPr>
+          <p:cNvPr id="2" name="Title 1"/>
+          <p:cNvSpPr>
+            <a:spLocks noGrp="1"/>
+          </p:cNvSpPr>
+          <p:nvPr>
+            <p:ph type="title"/>
+          </p:nvPr>
+        </p:nvSpPr>
+        <p:spPr/>
+        <p:txBody>
+          <a:bodyPr/>
+          <a:lstStyle/>
+          <a:p>
+            <a:r>
+              <a:rPr lang="en-US" dirty="0"/>
+              <a:t>Layout</a:t>
+            </a:r>
+          </a:p>
+        </p:txBody>
+      </p:sp>
+      <p:sp>
+        <p:nvSpPr>
+          <p:cNvPr id="3" name="Content Placeholder 2"/>
+          <p:cNvSpPr>
+            <a:spLocks noGrp="1"/>
+          </p:cNvSpPr>
+          <p:nvPr>
+            <p:ph idx="1"/>
+          </p:nvPr>
+        </p:nvSpPr>
+        <p:spPr/>
+        <p:txBody>
+          <a:bodyPr/>
+          <a:lstStyle/>
+          <a:p>
+            <a:pPr marL="342900" indent="-342900">
+              <a:buFont typeface="Arial" panose="020B0604020202020204" pitchFamily="34" charset="0"/>
+              <a:buChar char="•"/>
+            </a:pPr>
+            <a:r>
+              <a:rPr lang="en-US" dirty="0"/>
+              <a:t>Filter Design</a:t>
+            </a:r>
+          </a:p>
+          <a:p>
+            <a:pPr marL="800100" lvl="1" indent="-342900"/>
+            <a:r>
+              <a:rPr lang="en-US" dirty="0"/>
+              <a:t>For both high pass and band pass</a:t>
+            </a:r>
+          </a:p>
+          <a:p>
+            <a:pPr marL="342900" indent="-342900">
+              <a:buFont typeface="Arial" panose="020B0604020202020204" pitchFamily="34" charset="0"/>
+              <a:buChar char="•"/>
+            </a:pPr>
+            <a:r>
+              <a:rPr lang="en-US" dirty="0"/>
+              <a:t>Filter Analysis</a:t>
+            </a:r>
+          </a:p>
+          <a:p>
+            <a:pPr marL="342900" indent="-342900">
+              <a:buFont typeface="Arial" panose="020B0604020202020204" pitchFamily="34" charset="0"/>
+              <a:buChar char="•"/>
+            </a:pPr>
+            <a:r>
+              <a:rPr lang="en-US" dirty="0"/>
+              <a:t>Sine Wave Analysis</a:t>
+            </a:r>
+          </a:p>
+          <a:p>
+            <a:pPr marL="342900" indent="-342900">
+              <a:buFont typeface="Arial" panose="020B0604020202020204" pitchFamily="34" charset="0"/>
+              <a:buChar char="•"/>
+            </a:pPr>
+            <a:r>
+              <a:rPr lang="en-US" dirty="0" err="1"/>
+              <a:t>Diraq</a:t>
+            </a:r>
+            <a:r>
+              <a:rPr lang="en-US" dirty="0"/>
+              <a:t> Analysis (Do we need both)</a:t>
+            </a:r>
+          </a:p>
+          <a:p>
+            <a:pPr marL="342900" indent="-342900">
+              <a:buFont typeface="Arial" panose="020B0604020202020204" pitchFamily="34" charset="0"/>
+              <a:buChar char="•"/>
+            </a:pPr>
+            <a:endParaRPr lang="en-US" dirty="0"/>
+          </a:p>
+          <a:p>
+            <a:pPr marL="800100" lvl="1" indent="-342900"/>
+            <a:endParaRPr lang="en-US" dirty="0"/>
+          </a:p>
+          <a:p>
+            <a:pPr marL="800100" lvl="1" indent="-342900"/>
+            <a:endParaRPr lang="en-US" dirty="0"/>
+          </a:p>
+          <a:p>
+            <a:pPr marL="800100" lvl="1" indent="-342900"/>
+            <a:endParaRPr lang="en-US" dirty="0"/>
+          </a:p>
+          <a:p>
+            <a:pPr marL="342900" indent="-342900"/>
+            <a:endParaRPr lang="en-US" dirty="0"/>
+          </a:p>
+          <a:p>
+            <a:pPr marL="342900" indent="-342900"/>
+            <a:endParaRPr lang="en-US" dirty="0"/>
+          </a:p>
+        </p:txBody>
+      </p:sp>
+    </p:spTree>
+    <p:extLst>
+      <p:ext uri="{BB962C8B-B14F-4D97-AF65-F5344CB8AC3E}">
+        <p14:creationId xmlns:p14="http://schemas.microsoft.com/office/powerpoint/2010/main" val="2025067195"/>
+      </p:ext>
+    </p:extLst>
+  </p:cSld>
+  <p:clrMapOvr>
+    <a:masterClrMapping/>
+  </p:clrMapOvr>
+</p:sld>
+</file>
+
+<file path=ppt/slides/slide4.xml><?xml version="1.0" encoding="utf-8"?>
+<p:sld xmlns:a="http://schemas.openxmlformats.org/drawingml/2006/main" xmlns:r="http://schemas.openxmlformats.org/officeDocument/2006/relationships" xmlns:p="http://schemas.openxmlformats.org/presentationml/2006/main">
+  <p:cSld>
+    <p:spTree>
+      <p:nvGrpSpPr>
+        <p:cNvPr id="1" name=""/>
+        <p:cNvGrpSpPr/>
+        <p:nvPr/>
+      </p:nvGrpSpPr>
+      <p:grpSpPr>
+        <a:xfrm>
+          <a:off x="0" y="0"/>
+          <a:ext cx="0" cy="0"/>
+          <a:chOff x="0" y="0"/>
+          <a:chExt cx="0" cy="0"/>
+        </a:xfrm>
+      </p:grpSpPr>
+      <p:sp>
+        <p:nvSpPr>
+          <p:cNvPr id="2" name="Title 1">
+            <a:extLst>
+              <a:ext uri="{FF2B5EF4-FFF2-40B4-BE49-F238E27FC236}">
+                <a16:creationId xmlns:a16="http://schemas.microsoft.com/office/drawing/2014/main" id="{1AFD1DD3-1C1C-D6F1-2320-ACADE46388B8}"/>
+              </a:ext>
+            </a:extLst>
+          </p:cNvPr>
+          <p:cNvSpPr>
+            <a:spLocks noGrp="1"/>
+          </p:cNvSpPr>
+          <p:nvPr>
+            <p:ph type="title"/>
+          </p:nvPr>
+        </p:nvSpPr>
+        <p:spPr/>
+        <p:txBody>
+          <a:bodyPr/>
+          <a:lstStyle/>
+          <a:p>
+            <a:endParaRPr lang="en-US"/>
+          </a:p>
+        </p:txBody>
+      </p:sp>
+      <p:sp>
+        <p:nvSpPr>
+          <p:cNvPr id="7" name="Content Placeholder 6">
+            <a:extLst>
+              <a:ext uri="{FF2B5EF4-FFF2-40B4-BE49-F238E27FC236}">
+                <a16:creationId xmlns:a16="http://schemas.microsoft.com/office/drawing/2014/main" id="{F3C44B2D-60EE-E0D5-ACC8-373B46E06EAC}"/>
+              </a:ext>
+            </a:extLst>
+          </p:cNvPr>
+          <p:cNvSpPr>
+            <a:spLocks noGrp="1"/>
+          </p:cNvSpPr>
+          <p:nvPr>
+            <p:ph idx="1"/>
+          </p:nvPr>
+        </p:nvSpPr>
+        <p:spPr/>
+        <p:txBody>
+          <a:bodyPr/>
+          <a:lstStyle/>
+          <a:p>
+            <a:r>
+              <a:rPr lang="en-US" kern="100" dirty="0">
+                <a:latin typeface="Calibri" panose="020F0502020204030204" pitchFamily="34" charset="0"/>
+                <a:ea typeface="Calibri" panose="020F0502020204030204" pitchFamily="34" charset="0"/>
+                <a:cs typeface="Times New Roman" panose="02020603050405020304" pitchFamily="18" charset="0"/>
+              </a:rPr>
+              <a:t>PIS’ center frequency =(1/2)(</a:t>
+            </a:r>
+            <a:r>
+              <a:rPr lang="en-US" kern="100" dirty="0" err="1">
+                <a:latin typeface="Calibri" panose="020F0502020204030204" pitchFamily="34" charset="0"/>
+                <a:ea typeface="Calibri" panose="020F0502020204030204" pitchFamily="34" charset="0"/>
+                <a:cs typeface="Times New Roman" panose="02020603050405020304" pitchFamily="18" charset="0"/>
+              </a:rPr>
+              <a:t>f</a:t>
+            </a:r>
+            <a:r>
+              <a:rPr lang="en-US" kern="100" baseline="-25000" dirty="0" err="1">
+                <a:latin typeface="Calibri" panose="020F0502020204030204" pitchFamily="34" charset="0"/>
+                <a:ea typeface="Calibri" panose="020F0502020204030204" pitchFamily="34" charset="0"/>
+                <a:cs typeface="Times New Roman" panose="02020603050405020304" pitchFamily="18" charset="0"/>
+              </a:rPr>
+              <a:t>PISmin</a:t>
+            </a:r>
+            <a:r>
+              <a:rPr lang="en-US" kern="100" dirty="0">
+                <a:latin typeface="Calibri" panose="020F0502020204030204" pitchFamily="34" charset="0"/>
+                <a:ea typeface="Calibri" panose="020F0502020204030204" pitchFamily="34" charset="0"/>
+                <a:cs typeface="Times New Roman" panose="02020603050405020304" pitchFamily="18" charset="0"/>
+              </a:rPr>
+              <a:t> + </a:t>
+            </a:r>
+            <a:r>
+              <a:rPr lang="en-US" kern="100" dirty="0" err="1">
+                <a:latin typeface="Calibri" panose="020F0502020204030204" pitchFamily="34" charset="0"/>
+                <a:ea typeface="Calibri" panose="020F0502020204030204" pitchFamily="34" charset="0"/>
+                <a:cs typeface="Times New Roman" panose="02020603050405020304" pitchFamily="18" charset="0"/>
+              </a:rPr>
+              <a:t>f</a:t>
+            </a:r>
+            <a:r>
+              <a:rPr lang="en-US" kern="100" baseline="-25000" dirty="0" err="1">
+                <a:latin typeface="Calibri" panose="020F0502020204030204" pitchFamily="34" charset="0"/>
+                <a:ea typeface="Calibri" panose="020F0502020204030204" pitchFamily="34" charset="0"/>
+                <a:cs typeface="Times New Roman" panose="02020603050405020304" pitchFamily="18" charset="0"/>
+              </a:rPr>
+              <a:t>PISmax</a:t>
+            </a:r>
+            <a:r>
+              <a:rPr lang="en-US" kern="100" dirty="0">
+                <a:latin typeface="Calibri" panose="020F0502020204030204" pitchFamily="34" charset="0"/>
+                <a:ea typeface="Calibri" panose="020F0502020204030204" pitchFamily="34" charset="0"/>
+                <a:cs typeface="Times New Roman" panose="02020603050405020304" pitchFamily="18" charset="0"/>
+              </a:rPr>
+              <a:t>)</a:t>
+            </a:r>
+          </a:p>
+        </p:txBody>
+      </p:sp>
+    </p:spTree>
+    <p:extLst>
+      <p:ext uri="{BB962C8B-B14F-4D97-AF65-F5344CB8AC3E}">
+        <p14:creationId xmlns:p14="http://schemas.microsoft.com/office/powerpoint/2010/main" val="1663137508"/>
+      </p:ext>
+    </p:extLst>
+  </p:cSld>
+  <p:clrMapOvr>
+    <a:masterClrMapping/>
+  </p:clrMapOvr>
+</p:sld>
+</file>
+
+<file path=ppt/slides/slide5.xml><?xml version="1.0" encoding="utf-8"?>
+<p:sld xmlns:a="http://schemas.openxmlformats.org/drawingml/2006/main" xmlns:r="http://schemas.openxmlformats.org/officeDocument/2006/relationships" xmlns:p="http://schemas.openxmlformats.org/presentationml/2006/main">
+  <p:cSld>
+    <p:spTree>
+      <p:nvGrpSpPr>
+        <p:cNvPr id="1" name=""/>
+        <p:cNvGrpSpPr/>
+        <p:nvPr/>
+      </p:nvGrpSpPr>
+      <p:grpSpPr>
+        <a:xfrm>
+          <a:off x="0" y="0"/>
+          <a:ext cx="0" cy="0"/>
+          <a:chOff x="0" y="0"/>
+          <a:chExt cx="0" cy="0"/>
+        </a:xfrm>
+      </p:grpSpPr>
+      <p:sp>
+        <p:nvSpPr>
+          <p:cNvPr id="2" name="Title 1">
+            <a:extLst>
+              <a:ext uri="{FF2B5EF4-FFF2-40B4-BE49-F238E27FC236}">
+                <a16:creationId xmlns:a16="http://schemas.microsoft.com/office/drawing/2014/main" id="{BE7560B2-2EF5-FA60-94F3-F5BB21FB0E9E}"/>
+              </a:ext>
+            </a:extLst>
+          </p:cNvPr>
+          <p:cNvSpPr>
+            <a:spLocks noGrp="1"/>
+          </p:cNvSpPr>
+          <p:nvPr>
+            <p:ph type="title"/>
+          </p:nvPr>
+        </p:nvSpPr>
+        <p:spPr/>
+        <p:txBody>
+          <a:bodyPr/>
+          <a:lstStyle/>
+          <a:p>
+            <a:r>
+              <a:rPr lang="en-US" dirty="0"/>
+              <a:t>Activity 1</a:t>
+            </a:r>
+          </a:p>
+        </p:txBody>
+      </p:sp>
+      <p:sp>
+        <p:nvSpPr>
+          <p:cNvPr id="3" name="Content Placeholder 2">
+            <a:extLst>
+              <a:ext uri="{FF2B5EF4-FFF2-40B4-BE49-F238E27FC236}">
+                <a16:creationId xmlns:a16="http://schemas.microsoft.com/office/drawing/2014/main" id="{4EB42B85-6145-2759-554C-AD060A02F5E9}"/>
+              </a:ext>
+            </a:extLst>
+          </p:cNvPr>
+          <p:cNvSpPr>
+            <a:spLocks noGrp="1"/>
+          </p:cNvSpPr>
+          <p:nvPr>
+            <p:ph idx="1"/>
+          </p:nvPr>
+        </p:nvSpPr>
+        <p:spPr/>
+        <p:txBody>
+          <a:bodyPr/>
+          <a:lstStyle/>
+          <a:p>
+            <a:r>
+              <a:rPr lang="en-US" dirty="0"/>
+              <a:t>Building each filter</a:t>
+            </a:r>
+          </a:p>
+          <a:p>
+            <a:pPr marL="342900" indent="-342900">
+              <a:buFont typeface="Arial" panose="020B0604020202020204" pitchFamily="34" charset="0"/>
+              <a:buChar char="•"/>
+            </a:pPr>
+            <a:r>
+              <a:rPr lang="en-US" dirty="0"/>
+              <a:t>Should have screenshots of the layout and brief description of each.</a:t>
+            </a:r>
+          </a:p>
+          <a:p>
+            <a:pPr marL="342900" indent="-342900">
+              <a:buFont typeface="Arial" panose="020B0604020202020204" pitchFamily="34" charset="0"/>
+              <a:buChar char="•"/>
+            </a:pPr>
+            <a:r>
+              <a:rPr lang="en-US" dirty="0"/>
+              <a:t>Should performance requirements be added here or later?</a:t>
+            </a:r>
+          </a:p>
+        </p:txBody>
+      </p:sp>
+    </p:spTree>
+    <p:extLst>
+      <p:ext uri="{BB962C8B-B14F-4D97-AF65-F5344CB8AC3E}">
+        <p14:creationId xmlns:p14="http://schemas.microsoft.com/office/powerpoint/2010/main" val="1276224201"/>
+      </p:ext>
+    </p:extLst>
+  </p:cSld>
+  <p:clrMapOvr>
+    <a:masterClrMapping/>
+  </p:clrMapOvr>
+</p:sld>
+</file>
+
+<file path=ppt/slides/slide6.xml><?xml version="1.0" encoding="utf-8"?>
+<p:sld xmlns:a="http://schemas.openxmlformats.org/drawingml/2006/main" xmlns:r="http://schemas.openxmlformats.org/officeDocument/2006/relationships" xmlns:p="http://schemas.openxmlformats.org/presentationml/2006/main">
+  <p:cSld>
+    <p:spTree>
+      <p:nvGrpSpPr>
+        <p:cNvPr id="1" name=""/>
+        <p:cNvGrpSpPr/>
+        <p:nvPr/>
+      </p:nvGrpSpPr>
+      <p:grpSpPr>
+        <a:xfrm>
+          <a:off x="0" y="0"/>
+          <a:ext cx="0" cy="0"/>
+          <a:chOff x="0" y="0"/>
+          <a:chExt cx="0" cy="0"/>
+        </a:xfrm>
+      </p:grpSpPr>
+      <p:sp>
+        <p:nvSpPr>
+          <p:cNvPr id="2" name="Title 1">
+            <a:extLst>
+              <a:ext uri="{FF2B5EF4-FFF2-40B4-BE49-F238E27FC236}">
+                <a16:creationId xmlns:a16="http://schemas.microsoft.com/office/drawing/2014/main" id="{561B0710-5705-7BAA-1ED3-990CFF57DEEC}"/>
+              </a:ext>
+            </a:extLst>
+          </p:cNvPr>
+          <p:cNvSpPr>
+            <a:spLocks noGrp="1"/>
+          </p:cNvSpPr>
+          <p:nvPr>
+            <p:ph type="title"/>
+          </p:nvPr>
+        </p:nvSpPr>
+        <p:spPr/>
+        <p:txBody>
+          <a:bodyPr/>
+          <a:lstStyle/>
+          <a:p>
+            <a:r>
+              <a:rPr lang="en-US" dirty="0"/>
+              <a:t>Activity 2</a:t>
+            </a:r>
+          </a:p>
+        </p:txBody>
+      </p:sp>
+      <mc:AlternateContent xmlns:mc="http://schemas.openxmlformats.org/markup-compatibility/2006">
+        <mc:Choice xmlns:a14="http://schemas.microsoft.com/office/drawing/2010/main" Requires="a14">
+          <p:sp>
+            <p:nvSpPr>
+              <p:cNvPr id="3" name="Content Placeholder 2">
+                <a:extLst>
+                  <a:ext uri="{FF2B5EF4-FFF2-40B4-BE49-F238E27FC236}">
+                    <a16:creationId xmlns:a16="http://schemas.microsoft.com/office/drawing/2014/main" id="{FF90A426-9216-4A23-A49F-4450E6D167F7}"/>
+                  </a:ext>
+                </a:extLst>
+              </p:cNvPr>
+              <p:cNvSpPr>
+                <a:spLocks noGrp="1"/>
+              </p:cNvSpPr>
+              <p:nvPr>
+                <p:ph idx="1"/>
+              </p:nvPr>
+            </p:nvSpPr>
+            <p:spPr/>
+            <p:txBody>
+              <a:bodyPr/>
+              <a:lstStyle/>
+              <a:p>
+                <a:r>
+                  <a:rPr lang="en-US" dirty="0"/>
+                  <a:t>Filter Performance</a:t>
+                </a:r>
+              </a:p>
+              <a:p>
+                <a:pPr marL="342900" indent="-342900">
+                  <a:buFont typeface="Arial" panose="020B0604020202020204" pitchFamily="34" charset="0"/>
+                  <a:buChar char="•"/>
+                </a:pPr>
+                <a:r>
+                  <a:rPr lang="en-US" dirty="0"/>
+                  <a:t>Plot the magnitude </a:t>
+                </a:r>
+                <a14:m>
+                  <m:oMath xmlns:m="http://schemas.openxmlformats.org/officeDocument/2006/math">
+                    <m:d>
+                      <m:dPr>
+                        <m:begChr m:val="|"/>
+                        <m:endChr m:val="|"/>
+                        <m:ctrlPr>
+                          <a:rPr lang="en-US" sz="2000" i="1" smtClean="0">
+                            <a:latin typeface="Cambria Math" panose="02040503050406030204" pitchFamily="18" charset="0"/>
+                          </a:rPr>
+                        </m:ctrlPr>
+                      </m:dPr>
+                      <m:e>
+                        <m:r>
+                          <a:rPr lang="en-US" sz="2000" b="0" i="1" smtClean="0">
+                            <a:latin typeface="Cambria Math" panose="02040503050406030204" pitchFamily="18" charset="0"/>
+                          </a:rPr>
+                          <m:t>𝐻</m:t>
+                        </m:r>
+                        <m:r>
+                          <a:rPr lang="en-US" sz="2000" b="0" i="1" smtClean="0">
+                            <a:latin typeface="Cambria Math" panose="02040503050406030204" pitchFamily="18" charset="0"/>
+                          </a:rPr>
+                          <m:t>(</m:t>
+                        </m:r>
+                        <m:r>
+                          <a:rPr lang="en-US" sz="2000" b="0" i="1" smtClean="0">
+                            <a:latin typeface="Cambria Math" panose="02040503050406030204" pitchFamily="18" charset="0"/>
+                          </a:rPr>
+                          <m:t>𝑓</m:t>
+                        </m:r>
+                        <m:r>
+                          <a:rPr lang="en-US" sz="2000" b="0" i="1" smtClean="0">
+                            <a:latin typeface="Cambria Math" panose="02040503050406030204" pitchFamily="18" charset="0"/>
+                          </a:rPr>
+                          <m:t>)</m:t>
+                        </m:r>
+                      </m:e>
+                    </m:d>
+                  </m:oMath>
+                </a14:m>
+                <a:r>
+                  <a:rPr lang="en-US" dirty="0"/>
+                  <a:t> of the filter’s transfer function by:</a:t>
+                </a:r>
+              </a:p>
+              <a:p>
+                <a:pPr marL="800100" lvl="1" indent="-342900"/>
+                <a:r>
+                  <a:rPr lang="en-US" dirty="0"/>
+                  <a:t>Calculating the ratio of output amplitude to input amplitude in dB</a:t>
+                </a:r>
+              </a:p>
+              <a:p>
+                <a:pPr marL="800100" lvl="1" indent="-342900"/>
+                <a:endParaRPr lang="en-US" dirty="0"/>
+              </a:p>
+              <a:p>
+                <a:pPr marL="342900" indent="-342900">
+                  <a:buFont typeface="Arial" panose="020B0604020202020204" pitchFamily="34" charset="0"/>
+                  <a:buChar char="•"/>
+                </a:pPr>
+                <a:r>
+                  <a:rPr lang="en-US" dirty="0"/>
+                  <a:t>Plot the magnitude </a:t>
+                </a:r>
+                <a14:m>
+                  <m:oMath xmlns:m="http://schemas.openxmlformats.org/officeDocument/2006/math">
+                    <m:d>
+                      <m:dPr>
+                        <m:begChr m:val="|"/>
+                        <m:endChr m:val="|"/>
+                        <m:ctrlPr>
+                          <a:rPr lang="en-US" sz="2000" i="1" smtClean="0">
+                            <a:latin typeface="Cambria Math" panose="02040503050406030204" pitchFamily="18" charset="0"/>
+                          </a:rPr>
+                        </m:ctrlPr>
+                      </m:dPr>
+                      <m:e>
+                        <m:r>
+                          <a:rPr lang="en-US" sz="2000" b="0" i="1" smtClean="0">
+                            <a:latin typeface="Cambria Math" panose="02040503050406030204" pitchFamily="18" charset="0"/>
+                          </a:rPr>
+                          <m:t>𝐻</m:t>
+                        </m:r>
+                        <m:r>
+                          <a:rPr lang="en-US" sz="2000" b="0" i="1" smtClean="0">
+                            <a:latin typeface="Cambria Math" panose="02040503050406030204" pitchFamily="18" charset="0"/>
+                          </a:rPr>
+                          <m:t>(</m:t>
+                        </m:r>
+                        <m:r>
+                          <a:rPr lang="en-US" sz="2000" b="0" i="1" smtClean="0">
+                            <a:latin typeface="Cambria Math" panose="02040503050406030204" pitchFamily="18" charset="0"/>
+                          </a:rPr>
+                          <m:t>𝑓</m:t>
+                        </m:r>
+                        <m:r>
+                          <a:rPr lang="en-US" sz="2000" b="0" i="1" smtClean="0">
+                            <a:latin typeface="Cambria Math" panose="02040503050406030204" pitchFamily="18" charset="0"/>
+                          </a:rPr>
+                          <m:t>)</m:t>
+                        </m:r>
+                      </m:e>
+                    </m:d>
+                  </m:oMath>
+                </a14:m>
+                <a:r>
+                  <a:rPr lang="en-US" dirty="0"/>
+                  <a:t> of the filter’s transfer function by:</a:t>
+                </a:r>
+              </a:p>
+              <a:p>
+                <a:pPr marL="800100" lvl="1" indent="-342900"/>
+                <a:r>
+                  <a:rPr lang="en-US" dirty="0"/>
+                  <a:t>Graphing the filter response to the Dirac unit pulse</a:t>
+                </a:r>
+              </a:p>
+              <a:p>
+                <a:pPr lvl="1" indent="0">
+                  <a:buNone/>
+                </a:pPr>
+                <a:endParaRPr lang="en-US" dirty="0"/>
+              </a:p>
+            </p:txBody>
+          </p:sp>
+        </mc:Choice>
+        <mc:Fallback>
+          <p:sp>
+            <p:nvSpPr>
+              <p:cNvPr id="3" name="Content Placeholder 2">
+                <a:extLst>
+                  <a:ext uri="{FF2B5EF4-FFF2-40B4-BE49-F238E27FC236}">
+                    <a16:creationId xmlns:a16="http://schemas.microsoft.com/office/drawing/2014/main" id="{FF90A426-9216-4A23-A49F-4450E6D167F7}"/>
+                  </a:ext>
+                </a:extLst>
+              </p:cNvPr>
+              <p:cNvSpPr>
+                <a:spLocks noGrp="1" noRot="1" noChangeAspect="1" noMove="1" noResize="1" noEditPoints="1" noAdjustHandles="1" noChangeArrowheads="1" noChangeShapeType="1" noTextEdit="1"/>
+              </p:cNvSpPr>
+              <p:nvPr>
+                <p:ph idx="1"/>
+              </p:nvPr>
+            </p:nvSpPr>
+            <p:spPr>
+              <a:blipFill>
+                <a:blip r:embed="rId2"/>
+                <a:stretch>
+                  <a:fillRect l="-741" t="-444" r="-74"/>
+                </a:stretch>
+              </a:blipFill>
+            </p:spPr>
+            <p:txBody>
+              <a:bodyPr/>
+              <a:lstStyle/>
+              <a:p>
+                <a:r>
+                  <a:rPr lang="en-US">
+                    <a:noFill/>
+                  </a:rPr>
+                  <a:t> </a:t>
+                </a:r>
+              </a:p>
+            </p:txBody>
+          </p:sp>
+        </mc:Fallback>
+      </mc:AlternateContent>
+    </p:spTree>
+    <p:extLst>
+      <p:ext uri="{BB962C8B-B14F-4D97-AF65-F5344CB8AC3E}">
+        <p14:creationId xmlns:p14="http://schemas.microsoft.com/office/powerpoint/2010/main" val="16199144"/>
+      </p:ext>
+    </p:extLst>
+  </p:cSld>
+  <p:clrMapOvr>
+    <a:masterClrMapping/>
+  </p:clrMapOvr>
+</p:sld>
+</file>
+
 <file path=ppt/slides/slide7.xml><?xml version="1.0" encoding="utf-8"?>
 <p:sld xmlns:a="http://schemas.openxmlformats.org/drawingml/2006/main" xmlns:r="http://schemas.openxmlformats.org/officeDocument/2006/relationships" xmlns:p="http://schemas.openxmlformats.org/presentationml/2006/main">
   <p:cSld>
@@ -4310,12 +4986,18 @@
       </p:grpSpPr>
       <p:sp>
         <p:nvSpPr>
-          <p:cNvPr id="2" name="Content Placeholder 1"/>
-          <p:cNvSpPr>
-            <a:spLocks noGrp="1"/>
-          </p:cNvSpPr>
-          <p:nvPr>
-            <p:ph idx="1"/>
+          <p:cNvPr id="2" name="Title 1">
+            <a:extLst>
+              <a:ext uri="{FF2B5EF4-FFF2-40B4-BE49-F238E27FC236}">
+                <a16:creationId xmlns:a16="http://schemas.microsoft.com/office/drawing/2014/main" id="{C778E3D7-EDB8-FB1A-B95E-8E8279798820}"/>
+              </a:ext>
+            </a:extLst>
+          </p:cNvPr>
+          <p:cNvSpPr>
+            <a:spLocks noGrp="1"/>
+          </p:cNvSpPr>
+          <p:nvPr>
+            <p:ph type="title"/>
           </p:nvPr>
         </p:nvSpPr>
         <p:spPr/>
@@ -4323,18 +5005,27 @@
           <a:bodyPr/>
           <a:lstStyle/>
           <a:p>
-            <a:endParaRPr lang="en-US"/>
-          </a:p>
-        </p:txBody>
-      </p:sp>
-      <p:sp>
-        <p:nvSpPr>
-          <p:cNvPr id="3" name="Title 2"/>
-          <p:cNvSpPr>
-            <a:spLocks noGrp="1"/>
-          </p:cNvSpPr>
-          <p:nvPr>
-            <p:ph type="title"/>
+            <a:r>
+              <a:rPr lang="en-US" dirty="0"/>
+              <a:t>Activity 3</a:t>
+            </a:r>
+          </a:p>
+        </p:txBody>
+      </p:sp>
+      <p:sp>
+        <p:nvSpPr>
+          <p:cNvPr id="3" name="Content Placeholder 2">
+            <a:extLst>
+              <a:ext uri="{FF2B5EF4-FFF2-40B4-BE49-F238E27FC236}">
+                <a16:creationId xmlns:a16="http://schemas.microsoft.com/office/drawing/2014/main" id="{78A5FF63-E4E5-CF82-625E-96C579770BE5}"/>
+              </a:ext>
+            </a:extLst>
+          </p:cNvPr>
+          <p:cNvSpPr>
+            <a:spLocks noGrp="1"/>
+          </p:cNvSpPr>
+          <p:nvPr>
+            <p:ph idx="1"/>
           </p:nvPr>
         </p:nvSpPr>
         <p:spPr/>
@@ -4342,14 +5033,109 @@
           <a:bodyPr/>
           <a:lstStyle/>
           <a:p>
-            <a:endParaRPr lang="en-US"/>
+            <a:r>
+              <a:rPr lang="en-US" dirty="0"/>
+              <a:t>Filter ability to clean up input signal (noise)</a:t>
+            </a:r>
+          </a:p>
+          <a:p>
+            <a:pPr marL="342900" indent="-342900">
+              <a:buFont typeface="Arial" panose="020B0604020202020204" pitchFamily="34" charset="0"/>
+              <a:buChar char="•"/>
+            </a:pPr>
+            <a:r>
+              <a:rPr lang="en-US" dirty="0"/>
+              <a:t>Must compare PIS before and after</a:t>
+            </a:r>
+          </a:p>
+          <a:p>
+            <a:pPr marL="342900" indent="-342900">
+              <a:buFont typeface="Arial" panose="020B0604020202020204" pitchFamily="34" charset="0"/>
+              <a:buChar char="•"/>
+            </a:pPr>
+            <a:r>
+              <a:rPr lang="en-US" dirty="0">
+                <a:highlight>
+                  <a:srgbClr val="FFFF00"/>
+                </a:highlight>
+              </a:rPr>
+              <a:t>Noise must be one of the following</a:t>
+            </a:r>
+          </a:p>
+          <a:p>
+            <a:pPr marL="800100" lvl="1" indent="-342900"/>
+            <a:r>
+              <a:rPr lang="en-US" kern="100" dirty="0">
+                <a:latin typeface="Calibri" panose="020F0502020204030204" pitchFamily="34" charset="0"/>
+                <a:ea typeface="Calibri" panose="020F0502020204030204" pitchFamily="34" charset="0"/>
+                <a:cs typeface="Times New Roman" panose="02020603050405020304" pitchFamily="18" charset="0"/>
+              </a:rPr>
+              <a:t>A sinewave alone applied to the </a:t>
+            </a:r>
+            <a:r>
+              <a:rPr lang="en-US" sz="2000" kern="100" dirty="0">
+                <a:latin typeface="Calibri" panose="020F0502020204030204" pitchFamily="34" charset="0"/>
+                <a:ea typeface="Calibri" panose="020F0502020204030204" pitchFamily="34" charset="0"/>
+                <a:cs typeface="Times New Roman" panose="02020603050405020304" pitchFamily="18" charset="0"/>
+              </a:rPr>
+              <a:t>Narrow Band Noise (NBN) block</a:t>
+            </a:r>
+            <a:r>
+              <a:rPr lang="en-US" sz="2000" kern="100" dirty="0">
+                <a:solidFill>
+                  <a:srgbClr val="FF0000"/>
+                </a:solidFill>
+                <a:latin typeface="Calibri" panose="020F0502020204030204" pitchFamily="34" charset="0"/>
+                <a:ea typeface="Calibri" panose="020F0502020204030204" pitchFamily="34" charset="0"/>
+                <a:cs typeface="Times New Roman" panose="02020603050405020304" pitchFamily="18" charset="0"/>
+              </a:rPr>
+              <a:t> (See slide 8)</a:t>
+            </a:r>
+          </a:p>
+          <a:p>
+            <a:pPr marL="800100" lvl="1" indent="-342900"/>
+            <a:r>
+              <a:rPr lang="en-US" sz="2000" kern="100" dirty="0">
+                <a:latin typeface="Calibri" panose="020F0502020204030204" pitchFamily="34" charset="0"/>
+                <a:ea typeface="Calibri" panose="020F0502020204030204" pitchFamily="34" charset="0"/>
+                <a:cs typeface="Times New Roman" panose="02020603050405020304" pitchFamily="18" charset="0"/>
+              </a:rPr>
+              <a:t>A Gaussian white noise alone applied  to the Random Source block. This signal is also called Broad Band Noise (BBN) </a:t>
+            </a:r>
+            <a:r>
+              <a:rPr lang="en-US" sz="2000" kern="100" dirty="0">
+                <a:solidFill>
+                  <a:srgbClr val="FF0000"/>
+                </a:solidFill>
+                <a:latin typeface="Calibri" panose="020F0502020204030204" pitchFamily="34" charset="0"/>
+                <a:ea typeface="Calibri" panose="020F0502020204030204" pitchFamily="34" charset="0"/>
+                <a:cs typeface="Times New Roman" panose="02020603050405020304" pitchFamily="18" charset="0"/>
+              </a:rPr>
+              <a:t>(See slide 9)</a:t>
+            </a:r>
+            <a:endParaRPr lang="en-US" sz="2000" kern="100" dirty="0">
+              <a:latin typeface="Calibri" panose="020F0502020204030204" pitchFamily="34" charset="0"/>
+              <a:ea typeface="Calibri" panose="020F0502020204030204" pitchFamily="34" charset="0"/>
+              <a:cs typeface="Times New Roman" panose="02020603050405020304" pitchFamily="18" charset="0"/>
+            </a:endParaRPr>
+          </a:p>
+          <a:p>
+            <a:pPr marL="800100" lvl="1" indent="-342900"/>
+            <a:r>
+              <a:rPr lang="en-US" sz="2000" kern="100" dirty="0">
+                <a:latin typeface="Calibri" panose="020F0502020204030204" pitchFamily="34" charset="0"/>
+                <a:ea typeface="Calibri" panose="020F0502020204030204" pitchFamily="34" charset="0"/>
+                <a:cs typeface="Times New Roman" panose="02020603050405020304" pitchFamily="18" charset="0"/>
+              </a:rPr>
+              <a:t>Both NBN and BBN applied at the same time.</a:t>
+            </a:r>
           </a:p>
         </p:txBody>
       </p:sp>
     </p:spTree>
     <p:extLst>
       <p:ext uri="{BB962C8B-B14F-4D97-AF65-F5344CB8AC3E}">
-        <p14:creationId xmlns:p14="http://schemas.microsoft.com/office/powerpoint/2010/main" val="131623498"/>
+        <p14:creationId xmlns:p14="http://schemas.microsoft.com/office/powerpoint/2010/main" val="830721782"/>
       </p:ext>
     </p:extLst>
   </p:cSld>
@@ -4378,7 +5164,13 @@
       </p:grpSpPr>
       <p:sp>
         <p:nvSpPr>
-          <p:cNvPr id="2" name="Title 1"/>
+          <p:cNvPr id="2" name="Title 1">
+            <a:extLst>
+              <a:ext uri="{FF2B5EF4-FFF2-40B4-BE49-F238E27FC236}">
+                <a16:creationId xmlns:a16="http://schemas.microsoft.com/office/drawing/2014/main" id="{1D866218-7451-3785-5799-91F1A20951D9}"/>
+              </a:ext>
+            </a:extLst>
+          </p:cNvPr>
           <p:cNvSpPr>
             <a:spLocks noGrp="1"/>
           </p:cNvSpPr>
@@ -4391,14 +5183,315 @@
           <a:bodyPr/>
           <a:lstStyle/>
           <a:p>
-            <a:endParaRPr lang="en-US"/>
+            <a:r>
+              <a:rPr lang="en-US" dirty="0"/>
+              <a:t>NBN</a:t>
+            </a:r>
+          </a:p>
+        </p:txBody>
+      </p:sp>
+      <p:sp>
+        <p:nvSpPr>
+          <p:cNvPr id="3" name="Content Placeholder 2">
+            <a:extLst>
+              <a:ext uri="{FF2B5EF4-FFF2-40B4-BE49-F238E27FC236}">
+                <a16:creationId xmlns:a16="http://schemas.microsoft.com/office/drawing/2014/main" id="{8ABBC50B-5C6E-F0C9-BC4A-72EA7755B90C}"/>
+              </a:ext>
+            </a:extLst>
+          </p:cNvPr>
+          <p:cNvSpPr>
+            <a:spLocks noGrp="1"/>
+          </p:cNvSpPr>
+          <p:nvPr>
+            <p:ph idx="1"/>
+          </p:nvPr>
+        </p:nvSpPr>
+        <p:spPr/>
+        <p:txBody>
+          <a:bodyPr>
+            <a:normAutofit fontScale="85000" lnSpcReduction="10000"/>
+          </a:bodyPr>
+          <a:lstStyle/>
+          <a:p>
+            <a:pPr marL="342900" indent="-342900">
+              <a:buFont typeface="Arial" panose="020B0604020202020204" pitchFamily="34" charset="0"/>
+              <a:buChar char="•"/>
+            </a:pPr>
+            <a:r>
+              <a:rPr lang="en-US" kern="100" dirty="0">
+                <a:latin typeface="Calibri" panose="020F0502020204030204" pitchFamily="34" charset="0"/>
+                <a:ea typeface="Calibri" panose="020F0502020204030204" pitchFamily="34" charset="0"/>
+                <a:cs typeface="Times New Roman" panose="02020603050405020304" pitchFamily="18" charset="0"/>
+              </a:rPr>
+              <a:t>Characterize the PIS spectrum in dB value in identifying its half-power bandwidth [</a:t>
+            </a:r>
+            <a:r>
+              <a:rPr lang="en-US" kern="100" dirty="0" err="1">
+                <a:latin typeface="Calibri" panose="020F0502020204030204" pitchFamily="34" charset="0"/>
+                <a:ea typeface="Calibri" panose="020F0502020204030204" pitchFamily="34" charset="0"/>
+                <a:cs typeface="Times New Roman" panose="02020603050405020304" pitchFamily="18" charset="0"/>
+              </a:rPr>
+              <a:t>f</a:t>
+            </a:r>
+            <a:r>
+              <a:rPr lang="en-US" kern="100" baseline="-25000" dirty="0" err="1">
+                <a:latin typeface="Calibri" panose="020F0502020204030204" pitchFamily="34" charset="0"/>
+                <a:ea typeface="Calibri" panose="020F0502020204030204" pitchFamily="34" charset="0"/>
+                <a:cs typeface="Times New Roman" panose="02020603050405020304" pitchFamily="18" charset="0"/>
+              </a:rPr>
+              <a:t>PISmin</a:t>
+            </a:r>
+            <a:r>
+              <a:rPr lang="en-US" kern="100" dirty="0">
+                <a:latin typeface="Calibri" panose="020F0502020204030204" pitchFamily="34" charset="0"/>
+                <a:ea typeface="Calibri" panose="020F0502020204030204" pitchFamily="34" charset="0"/>
+                <a:cs typeface="Times New Roman" panose="02020603050405020304" pitchFamily="18" charset="0"/>
+              </a:rPr>
+              <a:t>, </a:t>
+            </a:r>
+            <a:r>
+              <a:rPr lang="en-US" kern="100" dirty="0" err="1">
+                <a:latin typeface="Calibri" panose="020F0502020204030204" pitchFamily="34" charset="0"/>
+                <a:ea typeface="Calibri" panose="020F0502020204030204" pitchFamily="34" charset="0"/>
+                <a:cs typeface="Times New Roman" panose="02020603050405020304" pitchFamily="18" charset="0"/>
+              </a:rPr>
+              <a:t>f</a:t>
+            </a:r>
+            <a:r>
+              <a:rPr lang="en-US" kern="100" baseline="-25000" dirty="0" err="1">
+                <a:latin typeface="Calibri" panose="020F0502020204030204" pitchFamily="34" charset="0"/>
+                <a:ea typeface="Calibri" panose="020F0502020204030204" pitchFamily="34" charset="0"/>
+                <a:cs typeface="Times New Roman" panose="02020603050405020304" pitchFamily="18" charset="0"/>
+              </a:rPr>
+              <a:t>PISmax</a:t>
+            </a:r>
+            <a:r>
+              <a:rPr lang="en-US" kern="100" dirty="0">
+                <a:latin typeface="Calibri" panose="020F0502020204030204" pitchFamily="34" charset="0"/>
+                <a:ea typeface="Calibri" panose="020F0502020204030204" pitchFamily="34" charset="0"/>
+                <a:cs typeface="Times New Roman" panose="02020603050405020304" pitchFamily="18" charset="0"/>
+              </a:rPr>
+              <a:t>]</a:t>
+            </a:r>
+          </a:p>
+          <a:p>
+            <a:pPr marL="342900" indent="-342900">
+              <a:buFont typeface="Arial" panose="020B0604020202020204" pitchFamily="34" charset="0"/>
+              <a:buChar char="•"/>
+            </a:pPr>
+            <a:r>
+              <a:rPr lang="en-US" kern="100" dirty="0">
+                <a:latin typeface="Calibri" panose="020F0502020204030204" pitchFamily="34" charset="0"/>
+                <a:ea typeface="Calibri" panose="020F0502020204030204" pitchFamily="34" charset="0"/>
+                <a:cs typeface="Times New Roman" panose="02020603050405020304" pitchFamily="18" charset="0"/>
+              </a:rPr>
+              <a:t>Mix the PIS with a Narrowband Noise (NBN) defined as follows:</a:t>
+            </a:r>
+          </a:p>
+          <a:p>
+            <a:pPr marL="800100" lvl="1" indent="-342900"/>
+            <a:r>
+              <a:rPr lang="en-US" kern="100" dirty="0">
+                <a:latin typeface="Calibri" panose="020F0502020204030204" pitchFamily="34" charset="0"/>
+                <a:ea typeface="Calibri" panose="020F0502020204030204" pitchFamily="34" charset="0"/>
+                <a:cs typeface="Times New Roman" panose="02020603050405020304" pitchFamily="18" charset="0"/>
+              </a:rPr>
+              <a:t>Signal type: sinewave</a:t>
+            </a:r>
+          </a:p>
+          <a:p>
+            <a:pPr marL="800100" lvl="1" indent="-342900"/>
+            <a:r>
+              <a:rPr lang="en-US" kern="100" dirty="0">
+                <a:latin typeface="Calibri" panose="020F0502020204030204" pitchFamily="34" charset="0"/>
+                <a:ea typeface="Calibri" panose="020F0502020204030204" pitchFamily="34" charset="0"/>
+                <a:cs typeface="Times New Roman" panose="02020603050405020304" pitchFamily="18" charset="0"/>
+              </a:rPr>
+              <a:t>Frequency = PIS’ center frequency =(1/2)(</a:t>
+            </a:r>
+            <a:r>
+              <a:rPr lang="en-US" kern="100" dirty="0" err="1">
+                <a:latin typeface="Calibri" panose="020F0502020204030204" pitchFamily="34" charset="0"/>
+                <a:ea typeface="Calibri" panose="020F0502020204030204" pitchFamily="34" charset="0"/>
+                <a:cs typeface="Times New Roman" panose="02020603050405020304" pitchFamily="18" charset="0"/>
+              </a:rPr>
+              <a:t>f</a:t>
+            </a:r>
+            <a:r>
+              <a:rPr lang="en-US" kern="100" baseline="-25000" dirty="0" err="1">
+                <a:latin typeface="Calibri" panose="020F0502020204030204" pitchFamily="34" charset="0"/>
+                <a:ea typeface="Calibri" panose="020F0502020204030204" pitchFamily="34" charset="0"/>
+                <a:cs typeface="Times New Roman" panose="02020603050405020304" pitchFamily="18" charset="0"/>
+              </a:rPr>
+              <a:t>PISmin</a:t>
+            </a:r>
+            <a:r>
+              <a:rPr lang="en-US" kern="100" dirty="0">
+                <a:latin typeface="Calibri" panose="020F0502020204030204" pitchFamily="34" charset="0"/>
+                <a:ea typeface="Calibri" panose="020F0502020204030204" pitchFamily="34" charset="0"/>
+                <a:cs typeface="Times New Roman" panose="02020603050405020304" pitchFamily="18" charset="0"/>
+              </a:rPr>
+              <a:t> + </a:t>
+            </a:r>
+            <a:r>
+              <a:rPr lang="en-US" kern="100" dirty="0" err="1">
+                <a:latin typeface="Calibri" panose="020F0502020204030204" pitchFamily="34" charset="0"/>
+                <a:ea typeface="Calibri" panose="020F0502020204030204" pitchFamily="34" charset="0"/>
+                <a:cs typeface="Times New Roman" panose="02020603050405020304" pitchFamily="18" charset="0"/>
+              </a:rPr>
+              <a:t>f</a:t>
+            </a:r>
+            <a:r>
+              <a:rPr lang="en-US" kern="100" baseline="-25000" dirty="0" err="1">
+                <a:latin typeface="Calibri" panose="020F0502020204030204" pitchFamily="34" charset="0"/>
+                <a:ea typeface="Calibri" panose="020F0502020204030204" pitchFamily="34" charset="0"/>
+                <a:cs typeface="Times New Roman" panose="02020603050405020304" pitchFamily="18" charset="0"/>
+              </a:rPr>
+              <a:t>PISmax</a:t>
+            </a:r>
+            <a:r>
+              <a:rPr lang="en-US" kern="100" dirty="0">
+                <a:latin typeface="Calibri" panose="020F0502020204030204" pitchFamily="34" charset="0"/>
+                <a:ea typeface="Calibri" panose="020F0502020204030204" pitchFamily="34" charset="0"/>
+                <a:cs typeface="Times New Roman" panose="02020603050405020304" pitchFamily="18" charset="0"/>
+              </a:rPr>
+              <a:t>)</a:t>
+            </a:r>
+          </a:p>
+          <a:p>
+            <a:pPr marL="800100" lvl="1" indent="-342900"/>
+            <a:r>
+              <a:rPr lang="en-US" kern="100" dirty="0">
+                <a:latin typeface="Calibri" panose="020F0502020204030204" pitchFamily="34" charset="0"/>
+                <a:ea typeface="Calibri" panose="020F0502020204030204" pitchFamily="34" charset="0"/>
+                <a:cs typeface="Times New Roman" panose="02020603050405020304" pitchFamily="18" charset="0"/>
+              </a:rPr>
+              <a:t>RMS amplitude =  PIS’ average amplitude over the half-power bandwidth [</a:t>
+            </a:r>
+            <a:r>
+              <a:rPr lang="en-US" kern="100" dirty="0" err="1">
+                <a:latin typeface="Calibri" panose="020F0502020204030204" pitchFamily="34" charset="0"/>
+                <a:ea typeface="Calibri" panose="020F0502020204030204" pitchFamily="34" charset="0"/>
+                <a:cs typeface="Times New Roman" panose="02020603050405020304" pitchFamily="18" charset="0"/>
+              </a:rPr>
+              <a:t>fmin</a:t>
+            </a:r>
+            <a:r>
+              <a:rPr lang="en-US" kern="100" dirty="0">
+                <a:latin typeface="Calibri" panose="020F0502020204030204" pitchFamily="34" charset="0"/>
+                <a:ea typeface="Calibri" panose="020F0502020204030204" pitchFamily="34" charset="0"/>
+                <a:cs typeface="Times New Roman" panose="02020603050405020304" pitchFamily="18" charset="0"/>
+              </a:rPr>
+              <a:t>, fmax]</a:t>
+            </a:r>
+          </a:p>
+          <a:p>
+            <a:pPr marL="342900" indent="-342900">
+              <a:buFont typeface="Arial" panose="020B0604020202020204" pitchFamily="34" charset="0"/>
+              <a:buChar char="•"/>
+            </a:pPr>
+            <a:r>
+              <a:rPr lang="en-US" kern="100" dirty="0">
+                <a:latin typeface="Calibri" panose="020F0502020204030204" pitchFamily="34" charset="0"/>
+                <a:ea typeface="Calibri" panose="020F0502020204030204" pitchFamily="34" charset="0"/>
+                <a:cs typeface="Times New Roman" panose="02020603050405020304" pitchFamily="18" charset="0"/>
+              </a:rPr>
+              <a:t>Display the spectrum of the non-filtered compound signal PIS mixed with NBN denoted as PIS&amp;NBN</a:t>
+            </a:r>
+          </a:p>
+          <a:p>
+            <a:pPr marL="800100" lvl="1" indent="-342900"/>
+            <a:r>
+              <a:rPr lang="en-US" kern="100" dirty="0">
+                <a:latin typeface="Calibri" panose="020F0502020204030204" pitchFamily="34" charset="0"/>
+                <a:ea typeface="Calibri" panose="020F0502020204030204" pitchFamily="34" charset="0"/>
+                <a:cs typeface="Times New Roman" panose="02020603050405020304" pitchFamily="18" charset="0"/>
+              </a:rPr>
+              <a:t>Characterize the Signal to Noise ratio of PIS&amp;NBN</a:t>
+            </a:r>
+          </a:p>
+          <a:p>
+            <a:pPr marL="342900" indent="-342900">
+              <a:buFont typeface="Arial" panose="020B0604020202020204" pitchFamily="34" charset="0"/>
+              <a:buChar char="•"/>
+            </a:pPr>
+            <a:r>
+              <a:rPr lang="en-US" kern="100" dirty="0">
+                <a:latin typeface="Calibri" panose="020F0502020204030204" pitchFamily="34" charset="0"/>
+                <a:ea typeface="Calibri" panose="020F0502020204030204" pitchFamily="34" charset="0"/>
+                <a:cs typeface="Times New Roman" panose="02020603050405020304" pitchFamily="18" charset="0"/>
+              </a:rPr>
+              <a:t>Display the spectrum of the filtered PIS&amp;NBN denoted as F_ PIS&amp;NBN</a:t>
+            </a:r>
+          </a:p>
+          <a:p>
+            <a:pPr marL="800100" lvl="1" indent="-342900"/>
+            <a:r>
+              <a:rPr lang="en-US" kern="100" dirty="0">
+                <a:latin typeface="Calibri" panose="020F0502020204030204" pitchFamily="34" charset="0"/>
+                <a:ea typeface="Calibri" panose="020F0502020204030204" pitchFamily="34" charset="0"/>
+                <a:cs typeface="Times New Roman" panose="02020603050405020304" pitchFamily="18" charset="0"/>
+              </a:rPr>
+              <a:t>Characterize the Signal to Noise ratio of F_ PIS&amp;NBN </a:t>
+            </a:r>
+          </a:p>
+          <a:p>
+            <a:pPr marL="342900" indent="-342900">
+              <a:buFont typeface="Arial" panose="020B0604020202020204" pitchFamily="34" charset="0"/>
+              <a:buChar char="•"/>
+            </a:pPr>
+            <a:r>
+              <a:rPr lang="en-US" kern="100" dirty="0">
+                <a:latin typeface="Calibri" panose="020F0502020204030204" pitchFamily="34" charset="0"/>
+                <a:ea typeface="Calibri" panose="020F0502020204030204" pitchFamily="34" charset="0"/>
+                <a:cs typeface="Times New Roman" panose="02020603050405020304" pitchFamily="18" charset="0"/>
+              </a:rPr>
+              <a:t>Use the Spectrum Analyzer capability or use a subtractor block to compare PIS with PIS&amp;NBN</a:t>
+            </a:r>
+          </a:p>
+          <a:p>
+            <a:pPr marL="342900" indent="-342900">
+              <a:buFont typeface="Arial" panose="020B0604020202020204" pitchFamily="34" charset="0"/>
+              <a:buChar char="•"/>
+            </a:pPr>
+            <a:r>
+              <a:rPr lang="en-US" kern="100" dirty="0">
+                <a:latin typeface="Calibri" panose="020F0502020204030204" pitchFamily="34" charset="0"/>
+                <a:ea typeface="Calibri" panose="020F0502020204030204" pitchFamily="34" charset="0"/>
+                <a:cs typeface="Times New Roman" panose="02020603050405020304" pitchFamily="18" charset="0"/>
+              </a:rPr>
+              <a:t>Summarize your findings and conclude as to the efficiency of the filtering. If you have determined that the filter is not efficient, provide an explanation as to why. Which of the 2 assigned is most capable to protect the PIS against a Broad Band noise? </a:t>
+            </a:r>
+            <a:r>
+              <a:rPr lang="en-US" kern="100" dirty="0">
+                <a:solidFill>
+                  <a:srgbClr val="FF0000"/>
+                </a:solidFill>
+                <a:latin typeface="Calibri" panose="020F0502020204030204" pitchFamily="34" charset="0"/>
+                <a:ea typeface="Calibri" panose="020F0502020204030204" pitchFamily="34" charset="0"/>
+                <a:cs typeface="Times New Roman" panose="02020603050405020304" pitchFamily="18" charset="0"/>
+              </a:rPr>
+              <a:t>This can be a few bullet points here, then discussed more in depth in report</a:t>
+            </a:r>
+            <a:endParaRPr lang="en-US" kern="100" dirty="0">
+              <a:latin typeface="Calibri" panose="020F0502020204030204" pitchFamily="34" charset="0"/>
+              <a:ea typeface="Calibri" panose="020F0502020204030204" pitchFamily="34" charset="0"/>
+              <a:cs typeface="Times New Roman" panose="02020603050405020304" pitchFamily="18" charset="0"/>
+            </a:endParaRPr>
+          </a:p>
+          <a:p>
+            <a:pPr marL="342900" indent="-342900">
+              <a:buFont typeface="Arial" panose="020B0604020202020204" pitchFamily="34" charset="0"/>
+              <a:buChar char="•"/>
+            </a:pPr>
+            <a:endParaRPr lang="en-US" dirty="0"/>
           </a:p>
         </p:txBody>
       </p:sp>
     </p:spTree>
     <p:extLst>
       <p:ext uri="{BB962C8B-B14F-4D97-AF65-F5344CB8AC3E}">
-        <p14:creationId xmlns:p14="http://schemas.microsoft.com/office/powerpoint/2010/main" val="3583307725"/>
+        <p14:creationId xmlns:p14="http://schemas.microsoft.com/office/powerpoint/2010/main" val="4078861040"/>
       </p:ext>
     </p:extLst>
   </p:cSld>
@@ -4425,10 +5518,389 @@
           <a:chExt cx="0" cy="0"/>
         </a:xfrm>
       </p:grpSpPr>
+      <p:sp>
+        <p:nvSpPr>
+          <p:cNvPr id="2" name="Title 1">
+            <a:extLst>
+              <a:ext uri="{FF2B5EF4-FFF2-40B4-BE49-F238E27FC236}">
+                <a16:creationId xmlns:a16="http://schemas.microsoft.com/office/drawing/2014/main" id="{11536382-0D5D-0564-57DD-0CA4B5938F30}"/>
+              </a:ext>
+            </a:extLst>
+          </p:cNvPr>
+          <p:cNvSpPr>
+            <a:spLocks noGrp="1"/>
+          </p:cNvSpPr>
+          <p:nvPr>
+            <p:ph type="title"/>
+          </p:nvPr>
+        </p:nvSpPr>
+        <p:spPr/>
+        <p:txBody>
+          <a:bodyPr/>
+          <a:lstStyle/>
+          <a:p>
+            <a:r>
+              <a:rPr lang="en-US" dirty="0"/>
+              <a:t>BBN</a:t>
+            </a:r>
+          </a:p>
+        </p:txBody>
+      </p:sp>
+      <p:sp>
+        <p:nvSpPr>
+          <p:cNvPr id="3" name="Content Placeholder 2">
+            <a:extLst>
+              <a:ext uri="{FF2B5EF4-FFF2-40B4-BE49-F238E27FC236}">
+                <a16:creationId xmlns:a16="http://schemas.microsoft.com/office/drawing/2014/main" id="{C303818C-AB32-FF4E-EDF0-A8314B961A59}"/>
+              </a:ext>
+            </a:extLst>
+          </p:cNvPr>
+          <p:cNvSpPr>
+            <a:spLocks noGrp="1"/>
+          </p:cNvSpPr>
+          <p:nvPr>
+            <p:ph idx="1"/>
+          </p:nvPr>
+        </p:nvSpPr>
+        <p:spPr/>
+        <p:txBody>
+          <a:bodyPr>
+            <a:normAutofit fontScale="85000" lnSpcReduction="20000"/>
+          </a:bodyPr>
+          <a:lstStyle/>
+          <a:p>
+            <a:pPr marL="342900" indent="-342900">
+              <a:buFont typeface="Arial" panose="020B0604020202020204" pitchFamily="34" charset="0"/>
+              <a:buChar char="•"/>
+            </a:pPr>
+            <a:r>
+              <a:rPr lang="en-US" kern="100" dirty="0">
+                <a:latin typeface="Calibri" panose="020F0502020204030204" pitchFamily="34" charset="0"/>
+                <a:ea typeface="Calibri" panose="020F0502020204030204" pitchFamily="34" charset="0"/>
+                <a:cs typeface="Times New Roman" panose="02020603050405020304" pitchFamily="18" charset="0"/>
+              </a:rPr>
+              <a:t>Characterize the PIS spectrum in dB value in identifying its half-power bandwidth [</a:t>
+            </a:r>
+            <a:r>
+              <a:rPr lang="en-US" kern="100" dirty="0" err="1">
+                <a:latin typeface="Calibri" panose="020F0502020204030204" pitchFamily="34" charset="0"/>
+                <a:ea typeface="Calibri" panose="020F0502020204030204" pitchFamily="34" charset="0"/>
+                <a:cs typeface="Times New Roman" panose="02020603050405020304" pitchFamily="18" charset="0"/>
+              </a:rPr>
+              <a:t>f</a:t>
+            </a:r>
+            <a:r>
+              <a:rPr lang="en-US" kern="100" baseline="-25000" dirty="0" err="1">
+                <a:latin typeface="Calibri" panose="020F0502020204030204" pitchFamily="34" charset="0"/>
+                <a:ea typeface="Calibri" panose="020F0502020204030204" pitchFamily="34" charset="0"/>
+                <a:cs typeface="Times New Roman" panose="02020603050405020304" pitchFamily="18" charset="0"/>
+              </a:rPr>
+              <a:t>PISmin</a:t>
+            </a:r>
+            <a:r>
+              <a:rPr lang="en-US" kern="100" dirty="0">
+                <a:latin typeface="Calibri" panose="020F0502020204030204" pitchFamily="34" charset="0"/>
+                <a:ea typeface="Calibri" panose="020F0502020204030204" pitchFamily="34" charset="0"/>
+                <a:cs typeface="Times New Roman" panose="02020603050405020304" pitchFamily="18" charset="0"/>
+              </a:rPr>
+              <a:t>, </a:t>
+            </a:r>
+            <a:r>
+              <a:rPr lang="en-US" kern="100" dirty="0" err="1">
+                <a:latin typeface="Calibri" panose="020F0502020204030204" pitchFamily="34" charset="0"/>
+                <a:ea typeface="Calibri" panose="020F0502020204030204" pitchFamily="34" charset="0"/>
+                <a:cs typeface="Times New Roman" panose="02020603050405020304" pitchFamily="18" charset="0"/>
+              </a:rPr>
+              <a:t>f</a:t>
+            </a:r>
+            <a:r>
+              <a:rPr lang="en-US" kern="100" baseline="-25000" dirty="0" err="1">
+                <a:latin typeface="Calibri" panose="020F0502020204030204" pitchFamily="34" charset="0"/>
+                <a:ea typeface="Calibri" panose="020F0502020204030204" pitchFamily="34" charset="0"/>
+                <a:cs typeface="Times New Roman" panose="02020603050405020304" pitchFamily="18" charset="0"/>
+              </a:rPr>
+              <a:t>PISmax</a:t>
+            </a:r>
+            <a:r>
+              <a:rPr lang="en-US" kern="100" dirty="0">
+                <a:latin typeface="Calibri" panose="020F0502020204030204" pitchFamily="34" charset="0"/>
+                <a:ea typeface="Calibri" panose="020F0502020204030204" pitchFamily="34" charset="0"/>
+                <a:cs typeface="Times New Roman" panose="02020603050405020304" pitchFamily="18" charset="0"/>
+              </a:rPr>
+              <a:t>]</a:t>
+            </a:r>
+          </a:p>
+          <a:p>
+            <a:pPr marL="342900" indent="-342900">
+              <a:buFont typeface="Arial" panose="020B0604020202020204" pitchFamily="34" charset="0"/>
+              <a:buChar char="•"/>
+            </a:pPr>
+            <a:r>
+              <a:rPr lang="en-US" kern="100" dirty="0">
+                <a:latin typeface="Calibri" panose="020F0502020204030204" pitchFamily="34" charset="0"/>
+                <a:ea typeface="Calibri" panose="020F0502020204030204" pitchFamily="34" charset="0"/>
+                <a:cs typeface="Times New Roman" panose="02020603050405020304" pitchFamily="18" charset="0"/>
+              </a:rPr>
+              <a:t>Mix the PIS with a Broad Band Noise (BBN) defined as follows:</a:t>
+            </a:r>
+          </a:p>
+          <a:p>
+            <a:pPr marL="800100" lvl="1" indent="-342900"/>
+            <a:r>
+              <a:rPr lang="en-US" kern="100" dirty="0">
+                <a:latin typeface="Calibri" panose="020F0502020204030204" pitchFamily="34" charset="0"/>
+                <a:ea typeface="Calibri" panose="020F0502020204030204" pitchFamily="34" charset="0"/>
+                <a:cs typeface="Times New Roman" panose="02020603050405020304" pitchFamily="18" charset="0"/>
+              </a:rPr>
+              <a:t>Signal type: White Noise Gaussian</a:t>
+            </a:r>
+          </a:p>
+          <a:p>
+            <a:pPr marL="800100" lvl="1" indent="-342900"/>
+            <a:r>
+              <a:rPr lang="en-US" kern="100" dirty="0">
+                <a:latin typeface="Calibri" panose="020F0502020204030204" pitchFamily="34" charset="0"/>
+                <a:ea typeface="Calibri" panose="020F0502020204030204" pitchFamily="34" charset="0"/>
+                <a:cs typeface="Times New Roman" panose="02020603050405020304" pitchFamily="18" charset="0"/>
+              </a:rPr>
+              <a:t>Mean amplitude = PIS’ average amplitude over the half-power bandwidth [</a:t>
+            </a:r>
+            <a:r>
+              <a:rPr lang="en-US" kern="100" dirty="0" err="1">
+                <a:latin typeface="Calibri" panose="020F0502020204030204" pitchFamily="34" charset="0"/>
+                <a:ea typeface="Calibri" panose="020F0502020204030204" pitchFamily="34" charset="0"/>
+                <a:cs typeface="Times New Roman" panose="02020603050405020304" pitchFamily="18" charset="0"/>
+              </a:rPr>
+              <a:t>f</a:t>
+            </a:r>
+            <a:r>
+              <a:rPr lang="en-US" kern="100" baseline="-25000" dirty="0" err="1">
+                <a:latin typeface="Calibri" panose="020F0502020204030204" pitchFamily="34" charset="0"/>
+                <a:ea typeface="Calibri" panose="020F0502020204030204" pitchFamily="34" charset="0"/>
+                <a:cs typeface="Times New Roman" panose="02020603050405020304" pitchFamily="18" charset="0"/>
+              </a:rPr>
+              <a:t>PISmin</a:t>
+            </a:r>
+            <a:r>
+              <a:rPr lang="en-US" kern="100" dirty="0">
+                <a:latin typeface="Calibri" panose="020F0502020204030204" pitchFamily="34" charset="0"/>
+                <a:ea typeface="Calibri" panose="020F0502020204030204" pitchFamily="34" charset="0"/>
+                <a:cs typeface="Times New Roman" panose="02020603050405020304" pitchFamily="18" charset="0"/>
+              </a:rPr>
+              <a:t>, </a:t>
+            </a:r>
+            <a:r>
+              <a:rPr lang="en-US" kern="100" dirty="0" err="1">
+                <a:latin typeface="Calibri" panose="020F0502020204030204" pitchFamily="34" charset="0"/>
+                <a:ea typeface="Calibri" panose="020F0502020204030204" pitchFamily="34" charset="0"/>
+                <a:cs typeface="Times New Roman" panose="02020603050405020304" pitchFamily="18" charset="0"/>
+              </a:rPr>
+              <a:t>f</a:t>
+            </a:r>
+            <a:r>
+              <a:rPr lang="en-US" kern="100" baseline="-25000" dirty="0" err="1">
+                <a:latin typeface="Calibri" panose="020F0502020204030204" pitchFamily="34" charset="0"/>
+                <a:ea typeface="Calibri" panose="020F0502020204030204" pitchFamily="34" charset="0"/>
+                <a:cs typeface="Times New Roman" panose="02020603050405020304" pitchFamily="18" charset="0"/>
+              </a:rPr>
+              <a:t>PISmax</a:t>
+            </a:r>
+            <a:r>
+              <a:rPr lang="en-US" kern="100" dirty="0">
+                <a:latin typeface="Calibri" panose="020F0502020204030204" pitchFamily="34" charset="0"/>
+                <a:ea typeface="Calibri" panose="020F0502020204030204" pitchFamily="34" charset="0"/>
+                <a:cs typeface="Times New Roman" panose="02020603050405020304" pitchFamily="18" charset="0"/>
+              </a:rPr>
+              <a:t>]</a:t>
+            </a:r>
+          </a:p>
+          <a:p>
+            <a:pPr marL="800100" lvl="1" indent="-342900"/>
+            <a:r>
+              <a:rPr lang="en-US" kern="100" dirty="0">
+                <a:latin typeface="Calibri" panose="020F0502020204030204" pitchFamily="34" charset="0"/>
+                <a:ea typeface="Calibri" panose="020F0502020204030204" pitchFamily="34" charset="0"/>
+                <a:cs typeface="Times New Roman" panose="02020603050405020304" pitchFamily="18" charset="0"/>
+              </a:rPr>
+              <a:t>Standard deviation = RMS value of the PIS spectrum over its half-power bandwidth [</a:t>
+            </a:r>
+            <a:r>
+              <a:rPr lang="en-US" kern="100" dirty="0" err="1">
+                <a:latin typeface="Calibri" panose="020F0502020204030204" pitchFamily="34" charset="0"/>
+                <a:ea typeface="Calibri" panose="020F0502020204030204" pitchFamily="34" charset="0"/>
+                <a:cs typeface="Times New Roman" panose="02020603050405020304" pitchFamily="18" charset="0"/>
+              </a:rPr>
+              <a:t>f</a:t>
+            </a:r>
+            <a:r>
+              <a:rPr lang="en-US" kern="100" baseline="-25000" dirty="0" err="1">
+                <a:latin typeface="Calibri" panose="020F0502020204030204" pitchFamily="34" charset="0"/>
+                <a:ea typeface="Calibri" panose="020F0502020204030204" pitchFamily="34" charset="0"/>
+                <a:cs typeface="Times New Roman" panose="02020603050405020304" pitchFamily="18" charset="0"/>
+              </a:rPr>
+              <a:t>PISmin</a:t>
+            </a:r>
+            <a:r>
+              <a:rPr lang="en-US" kern="100" dirty="0">
+                <a:latin typeface="Calibri" panose="020F0502020204030204" pitchFamily="34" charset="0"/>
+                <a:ea typeface="Calibri" panose="020F0502020204030204" pitchFamily="34" charset="0"/>
+                <a:cs typeface="Times New Roman" panose="02020603050405020304" pitchFamily="18" charset="0"/>
+              </a:rPr>
+              <a:t>, </a:t>
+            </a:r>
+            <a:r>
+              <a:rPr lang="en-US" kern="100" dirty="0" err="1">
+                <a:latin typeface="Calibri" panose="020F0502020204030204" pitchFamily="34" charset="0"/>
+                <a:ea typeface="Calibri" panose="020F0502020204030204" pitchFamily="34" charset="0"/>
+                <a:cs typeface="Times New Roman" panose="02020603050405020304" pitchFamily="18" charset="0"/>
+              </a:rPr>
+              <a:t>f</a:t>
+            </a:r>
+            <a:r>
+              <a:rPr lang="en-US" kern="100" baseline="-25000" dirty="0" err="1">
+                <a:latin typeface="Calibri" panose="020F0502020204030204" pitchFamily="34" charset="0"/>
+                <a:ea typeface="Calibri" panose="020F0502020204030204" pitchFamily="34" charset="0"/>
+                <a:cs typeface="Times New Roman" panose="02020603050405020304" pitchFamily="18" charset="0"/>
+              </a:rPr>
+              <a:t>PISmax</a:t>
+            </a:r>
+            <a:r>
+              <a:rPr lang="en-US" kern="100" dirty="0">
+                <a:latin typeface="Calibri" panose="020F0502020204030204" pitchFamily="34" charset="0"/>
+                <a:ea typeface="Calibri" panose="020F0502020204030204" pitchFamily="34" charset="0"/>
+                <a:cs typeface="Times New Roman" panose="02020603050405020304" pitchFamily="18" charset="0"/>
+              </a:rPr>
+              <a:t>]</a:t>
+            </a:r>
+          </a:p>
+          <a:p>
+            <a:pPr marL="342900" indent="-342900">
+              <a:buFont typeface="Arial" panose="020B0604020202020204" pitchFamily="34" charset="0"/>
+              <a:buChar char="•"/>
+            </a:pPr>
+            <a:r>
+              <a:rPr lang="en-US" kern="100" dirty="0">
+                <a:latin typeface="Calibri" panose="020F0502020204030204" pitchFamily="34" charset="0"/>
+                <a:ea typeface="Calibri" panose="020F0502020204030204" pitchFamily="34" charset="0"/>
+                <a:cs typeface="Times New Roman" panose="02020603050405020304" pitchFamily="18" charset="0"/>
+              </a:rPr>
+              <a:t>Display the spectrum of the non-filtered compound signal PIS mixed with BBN denoted as PIS&amp;BBN</a:t>
+            </a:r>
+          </a:p>
+          <a:p>
+            <a:pPr marL="800100" lvl="1" indent="-342900"/>
+            <a:r>
+              <a:rPr lang="en-US" kern="100" dirty="0">
+                <a:latin typeface="Calibri" panose="020F0502020204030204" pitchFamily="34" charset="0"/>
+                <a:ea typeface="Calibri" panose="020F0502020204030204" pitchFamily="34" charset="0"/>
+                <a:cs typeface="Times New Roman" panose="02020603050405020304" pitchFamily="18" charset="0"/>
+              </a:rPr>
+              <a:t>Characterize the Signal to Noise ratio of PIS&amp;BBN</a:t>
+            </a:r>
+          </a:p>
+          <a:p>
+            <a:pPr marL="342900" indent="-342900">
+              <a:buFont typeface="Arial" panose="020B0604020202020204" pitchFamily="34" charset="0"/>
+              <a:buChar char="•"/>
+            </a:pPr>
+            <a:r>
+              <a:rPr lang="en-US" kern="100" dirty="0">
+                <a:latin typeface="Calibri" panose="020F0502020204030204" pitchFamily="34" charset="0"/>
+                <a:ea typeface="Calibri" panose="020F0502020204030204" pitchFamily="34" charset="0"/>
+                <a:cs typeface="Times New Roman" panose="02020603050405020304" pitchFamily="18" charset="0"/>
+              </a:rPr>
+              <a:t>Display the spectrum of the filtered PIS&amp;BBN denoted as F_ PIS&amp;BBN </a:t>
+            </a:r>
+          </a:p>
+          <a:p>
+            <a:pPr marL="800100" lvl="1" indent="-342900"/>
+            <a:r>
+              <a:rPr lang="en-US" kern="100" dirty="0">
+                <a:latin typeface="Calibri" panose="020F0502020204030204" pitchFamily="34" charset="0"/>
+                <a:ea typeface="Calibri" panose="020F0502020204030204" pitchFamily="34" charset="0"/>
+                <a:cs typeface="Times New Roman" panose="02020603050405020304" pitchFamily="18" charset="0"/>
+              </a:rPr>
+              <a:t>Characterize the Signal to Noise ratio of F_ PIS&amp;BBN</a:t>
+            </a:r>
+          </a:p>
+          <a:p>
+            <a:pPr marL="342900" indent="-342900">
+              <a:buFont typeface="Arial" panose="020B0604020202020204" pitchFamily="34" charset="0"/>
+              <a:buChar char="•"/>
+            </a:pPr>
+            <a:r>
+              <a:rPr lang="en-US" kern="100" dirty="0">
+                <a:latin typeface="Calibri" panose="020F0502020204030204" pitchFamily="34" charset="0"/>
+                <a:ea typeface="Calibri" panose="020F0502020204030204" pitchFamily="34" charset="0"/>
+                <a:cs typeface="Times New Roman" panose="02020603050405020304" pitchFamily="18" charset="0"/>
+              </a:rPr>
+              <a:t>Use the Spectrum Analyzer capability or use a subtractor block to compare PIS with PIS&amp;BBN</a:t>
+            </a:r>
+          </a:p>
+          <a:p>
+            <a:pPr marL="342900" indent="-342900">
+              <a:buFont typeface="Arial" panose="020B0604020202020204" pitchFamily="34" charset="0"/>
+              <a:buChar char="•"/>
+            </a:pPr>
+            <a:r>
+              <a:rPr lang="en-US" kern="100" dirty="0">
+                <a:latin typeface="Calibri" panose="020F0502020204030204" pitchFamily="34" charset="0"/>
+                <a:ea typeface="Calibri" panose="020F0502020204030204" pitchFamily="34" charset="0"/>
+                <a:cs typeface="Times New Roman" panose="02020603050405020304" pitchFamily="18" charset="0"/>
+              </a:rPr>
+              <a:t>Summarize your findings and conclude as to the efficiency of the filtering. If you have determined that the filter is not efficient, provide an explanation as to why. Which of the 2 assigned is most capable to protect the PIS against a Broad Band noise? </a:t>
+            </a:r>
+            <a:r>
+              <a:rPr lang="en-US" kern="100" dirty="0">
+                <a:solidFill>
+                  <a:srgbClr val="FF0000"/>
+                </a:solidFill>
+                <a:latin typeface="Calibri" panose="020F0502020204030204" pitchFamily="34" charset="0"/>
+                <a:ea typeface="Calibri" panose="020F0502020204030204" pitchFamily="34" charset="0"/>
+                <a:cs typeface="Times New Roman" panose="02020603050405020304" pitchFamily="18" charset="0"/>
+              </a:rPr>
+              <a:t>This can be a few bullet points here, then discussed more in depth in report</a:t>
+            </a:r>
+            <a:endParaRPr lang="en-US" kern="100" dirty="0">
+              <a:latin typeface="Calibri" panose="020F0502020204030204" pitchFamily="34" charset="0"/>
+              <a:ea typeface="Calibri" panose="020F0502020204030204" pitchFamily="34" charset="0"/>
+              <a:cs typeface="Times New Roman" panose="02020603050405020304" pitchFamily="18" charset="0"/>
+            </a:endParaRPr>
+          </a:p>
+          <a:p>
+            <a:pPr marL="342900" indent="-342900">
+              <a:buFont typeface="Arial" panose="020B0604020202020204" pitchFamily="34" charset="0"/>
+              <a:buChar char="•"/>
+            </a:pPr>
+            <a:endParaRPr lang="en-US" kern="100" dirty="0">
+              <a:latin typeface="Calibri" panose="020F0502020204030204" pitchFamily="34" charset="0"/>
+              <a:ea typeface="Calibri" panose="020F0502020204030204" pitchFamily="34" charset="0"/>
+              <a:cs typeface="Times New Roman" panose="02020603050405020304" pitchFamily="18" charset="0"/>
+            </a:endParaRPr>
+          </a:p>
+          <a:p>
+            <a:pPr lvl="1" indent="0">
+              <a:buNone/>
+            </a:pPr>
+            <a:endParaRPr lang="en-US" kern="100" dirty="0">
+              <a:latin typeface="Calibri" panose="020F0502020204030204" pitchFamily="34" charset="0"/>
+              <a:ea typeface="Calibri" panose="020F0502020204030204" pitchFamily="34" charset="0"/>
+              <a:cs typeface="Times New Roman" panose="02020603050405020304" pitchFamily="18" charset="0"/>
+            </a:endParaRPr>
+          </a:p>
+          <a:p>
+            <a:pPr marL="342900" indent="-342900">
+              <a:buFont typeface="Arial" panose="020B0604020202020204" pitchFamily="34" charset="0"/>
+              <a:buChar char="•"/>
+            </a:pPr>
+            <a:endParaRPr lang="en-US" dirty="0"/>
+          </a:p>
+        </p:txBody>
+      </p:sp>
     </p:spTree>
     <p:extLst>
       <p:ext uri="{BB962C8B-B14F-4D97-AF65-F5344CB8AC3E}">
-        <p14:creationId xmlns:p14="http://schemas.microsoft.com/office/powerpoint/2010/main" val="1784640093"/>
+        <p14:creationId xmlns:p14="http://schemas.microsoft.com/office/powerpoint/2010/main" val="1814202724"/>
       </p:ext>
     </p:extLst>
   </p:cSld>

--- a/FINAl_PRESENTATION.pptx
+++ b/FINAl_PRESENTATION.pptx
@@ -5,32 +5,27 @@
     <p:sldMasterId id="2147483804" r:id="rId1"/>
   </p:sldMasterIdLst>
   <p:notesMasterIdLst>
-    <p:notesMasterId r:id="rId17"/>
+    <p:notesMasterId r:id="rId12"/>
   </p:notesMasterIdLst>
   <p:handoutMasterIdLst>
-    <p:handoutMasterId r:id="rId18"/>
+    <p:handoutMasterId r:id="rId13"/>
   </p:handoutMasterIdLst>
   <p:sldIdLst>
     <p:sldId id="256" r:id="rId2"/>
-    <p:sldId id="257" r:id="rId3"/>
-    <p:sldId id="258" r:id="rId4"/>
-    <p:sldId id="264" r:id="rId5"/>
-    <p:sldId id="265" r:id="rId6"/>
-    <p:sldId id="266" r:id="rId7"/>
-    <p:sldId id="267" r:id="rId8"/>
-    <p:sldId id="268" r:id="rId9"/>
-    <p:sldId id="269" r:id="rId10"/>
-    <p:sldId id="270" r:id="rId11"/>
-    <p:sldId id="259" r:id="rId12"/>
-    <p:sldId id="263" r:id="rId13"/>
-    <p:sldId id="260" r:id="rId14"/>
-    <p:sldId id="261" r:id="rId15"/>
-    <p:sldId id="262" r:id="rId16"/>
+    <p:sldId id="258" r:id="rId3"/>
+    <p:sldId id="264" r:id="rId4"/>
+    <p:sldId id="265" r:id="rId5"/>
+    <p:sldId id="266" r:id="rId6"/>
+    <p:sldId id="267" r:id="rId7"/>
+    <p:sldId id="268" r:id="rId8"/>
+    <p:sldId id="269" r:id="rId9"/>
+    <p:sldId id="270" r:id="rId10"/>
+    <p:sldId id="263" r:id="rId11"/>
   </p:sldIdLst>
   <p:sldSz cx="9144000" cy="6858000" type="screen4x3"/>
   <p:notesSz cx="7315200" cy="9601200"/>
   <p:custDataLst>
-    <p:tags r:id="rId19"/>
+    <p:tags r:id="rId14"/>
   </p:custDataLst>
   <p:defaultTextStyle>
     <a:defPPr>
@@ -326,7 +321,7 @@
           <a:p>
             <a:fld id="{98944DA0-7E15-49AE-9E1A-06C658B442E2}" type="datetimeFigureOut">
               <a:rPr lang="en-US" smtClean="0"/>
-              <a:t>12/7/2023</a:t>
+              <a:t>12/10/2023</a:t>
             </a:fld>
             <a:endParaRPr lang="en-US"/>
           </a:p>
@@ -491,7 +486,7 @@
           <a:p>
             <a:fld id="{18A1A218-A232-42EB-9526-47647B116190}" type="datetimeFigureOut">
               <a:rPr lang="en-US" smtClean="0"/>
-              <a:t>12/7/2023</a:t>
+              <a:t>12/10/2023</a:t>
             </a:fld>
             <a:endParaRPr lang="en-US"/>
           </a:p>
@@ -3777,232 +3772,6 @@
           <p:cNvPr id="2" name="Title 1">
             <a:extLst>
               <a:ext uri="{FF2B5EF4-FFF2-40B4-BE49-F238E27FC236}">
-                <a16:creationId xmlns:a16="http://schemas.microsoft.com/office/drawing/2014/main" id="{6BBDFEFC-643D-1E91-F069-487F3FBAD5D1}"/>
-              </a:ext>
-            </a:extLst>
-          </p:cNvPr>
-          <p:cNvSpPr>
-            <a:spLocks noGrp="1"/>
-          </p:cNvSpPr>
-          <p:nvPr>
-            <p:ph type="title"/>
-          </p:nvPr>
-        </p:nvSpPr>
-        <p:spPr/>
-        <p:txBody>
-          <a:bodyPr/>
-          <a:lstStyle/>
-          <a:p>
-            <a:r>
-              <a:rPr lang="en-US" dirty="0"/>
-              <a:t>Activity 3 Cont.</a:t>
-            </a:r>
-          </a:p>
-        </p:txBody>
-      </p:sp>
-      <p:sp>
-        <p:nvSpPr>
-          <p:cNvPr id="3" name="Content Placeholder 2">
-            <a:extLst>
-              <a:ext uri="{FF2B5EF4-FFF2-40B4-BE49-F238E27FC236}">
-                <a16:creationId xmlns:a16="http://schemas.microsoft.com/office/drawing/2014/main" id="{C5246BD0-DF04-9EDB-6EE3-EAE913D32D0E}"/>
-              </a:ext>
-            </a:extLst>
-          </p:cNvPr>
-          <p:cNvSpPr>
-            <a:spLocks noGrp="1"/>
-          </p:cNvSpPr>
-          <p:nvPr>
-            <p:ph idx="1"/>
-          </p:nvPr>
-        </p:nvSpPr>
-        <p:spPr/>
-        <p:txBody>
-          <a:bodyPr/>
-          <a:lstStyle/>
-          <a:p>
-            <a:pPr marL="342900" indent="-342900">
-              <a:buFont typeface="Arial" panose="020B0604020202020204" pitchFamily="34" charset="0"/>
-              <a:buChar char="•"/>
-            </a:pPr>
-            <a:r>
-              <a:rPr lang="en-US" sz="2000" b="1" kern="100" dirty="0">
-                <a:latin typeface="Calibri" panose="020F0502020204030204" pitchFamily="34" charset="0"/>
-                <a:ea typeface="Calibri" panose="020F0502020204030204" pitchFamily="34" charset="0"/>
-                <a:cs typeface="Times New Roman" panose="02020603050405020304" pitchFamily="18" charset="0"/>
-              </a:rPr>
-              <a:t>Comparison of Narrow Band (NB) Broad Band (BB) Noise Filtering</a:t>
-            </a:r>
-          </a:p>
-          <a:p>
-            <a:pPr marL="800100" lvl="1" indent="-342900"/>
-            <a:r>
-              <a:rPr lang="en-US" kern="100" dirty="0">
-                <a:latin typeface="Calibri" panose="020F0502020204030204" pitchFamily="34" charset="0"/>
-                <a:ea typeface="Calibri" panose="020F0502020204030204" pitchFamily="34" charset="0"/>
-                <a:cs typeface="Times New Roman" panose="02020603050405020304" pitchFamily="18" charset="0"/>
-              </a:rPr>
-              <a:t>Which type of noise signal is the easiest to filter?</a:t>
-            </a:r>
-          </a:p>
-          <a:p>
-            <a:pPr marL="800100" lvl="1" indent="-342900"/>
-            <a:r>
-              <a:rPr lang="en-US" sz="2000" kern="100" dirty="0">
-                <a:latin typeface="Calibri" panose="020F0502020204030204" pitchFamily="34" charset="0"/>
-                <a:ea typeface="Calibri" panose="020F0502020204030204" pitchFamily="34" charset="0"/>
-                <a:cs typeface="Times New Roman" panose="02020603050405020304" pitchFamily="18" charset="0"/>
-              </a:rPr>
-              <a:t>What filter is most efficient in protecting against:</a:t>
-            </a:r>
-          </a:p>
-          <a:p>
-            <a:pPr marL="1485900" lvl="2" indent="-342900"/>
-            <a:r>
-              <a:rPr lang="en-US" kern="100" dirty="0">
-                <a:latin typeface="Calibri" panose="020F0502020204030204" pitchFamily="34" charset="0"/>
-                <a:ea typeface="Calibri" panose="020F0502020204030204" pitchFamily="34" charset="0"/>
-                <a:cs typeface="Times New Roman" panose="02020603050405020304" pitchFamily="18" charset="0"/>
-              </a:rPr>
-              <a:t>NBN</a:t>
-            </a:r>
-          </a:p>
-          <a:p>
-            <a:pPr marL="1485900" lvl="2" indent="-342900"/>
-            <a:r>
-              <a:rPr lang="en-US" sz="2000" kern="100" dirty="0">
-                <a:latin typeface="Calibri" panose="020F0502020204030204" pitchFamily="34" charset="0"/>
-                <a:ea typeface="Calibri" panose="020F0502020204030204" pitchFamily="34" charset="0"/>
-                <a:cs typeface="Times New Roman" panose="02020603050405020304" pitchFamily="18" charset="0"/>
-              </a:rPr>
-              <a:t>BBN</a:t>
-            </a:r>
-          </a:p>
-          <a:p>
-            <a:pPr marL="342900" indent="-342900">
-              <a:buFont typeface="Arial" panose="020B0604020202020204" pitchFamily="34" charset="0"/>
-              <a:buChar char="•"/>
-            </a:pPr>
-            <a:r>
-              <a:rPr lang="en-US" sz="2000" kern="100" dirty="0">
-                <a:latin typeface="Calibri" panose="020F0502020204030204" pitchFamily="34" charset="0"/>
-                <a:ea typeface="Calibri" panose="020F0502020204030204" pitchFamily="34" charset="0"/>
-                <a:cs typeface="Times New Roman" panose="02020603050405020304" pitchFamily="18" charset="0"/>
-              </a:rPr>
-              <a:t>Need to propose a redesign of the filter that will improve the Signal to Noise ratio by at least 6 dB for NBN given the noise characteristics</a:t>
-            </a:r>
-          </a:p>
-          <a:p>
-            <a:endParaRPr lang="en-US" dirty="0"/>
-          </a:p>
-        </p:txBody>
-      </p:sp>
-    </p:spTree>
-    <p:extLst>
-      <p:ext uri="{BB962C8B-B14F-4D97-AF65-F5344CB8AC3E}">
-        <p14:creationId xmlns:p14="http://schemas.microsoft.com/office/powerpoint/2010/main" val="1208810237"/>
-      </p:ext>
-    </p:extLst>
-  </p:cSld>
-  <p:clrMapOvr>
-    <a:masterClrMapping/>
-  </p:clrMapOvr>
-</p:sld>
-</file>
-
-<file path=ppt/slides/slide11.xml><?xml version="1.0" encoding="utf-8"?>
-<p:sld xmlns:a="http://schemas.openxmlformats.org/drawingml/2006/main" xmlns:r="http://schemas.openxmlformats.org/officeDocument/2006/relationships" xmlns:p="http://schemas.openxmlformats.org/presentationml/2006/main">
-  <p:cSld>
-    <p:spTree>
-      <p:nvGrpSpPr>
-        <p:cNvPr id="1" name=""/>
-        <p:cNvGrpSpPr/>
-        <p:nvPr/>
-      </p:nvGrpSpPr>
-      <p:grpSpPr>
-        <a:xfrm>
-          <a:off x="0" y="0"/>
-          <a:ext cx="0" cy="0"/>
-          <a:chOff x="0" y="0"/>
-          <a:chExt cx="0" cy="0"/>
-        </a:xfrm>
-      </p:grpSpPr>
-      <p:sp>
-        <p:nvSpPr>
-          <p:cNvPr id="2" name="Title 1"/>
-          <p:cNvSpPr>
-            <a:spLocks noGrp="1"/>
-          </p:cNvSpPr>
-          <p:nvPr>
-            <p:ph type="title"/>
-          </p:nvPr>
-        </p:nvSpPr>
-        <p:spPr/>
-        <p:txBody>
-          <a:bodyPr/>
-          <a:lstStyle/>
-          <a:p>
-            <a:r>
-              <a:rPr lang="en-US" dirty="0"/>
-              <a:t>Filter Design</a:t>
-            </a:r>
-          </a:p>
-        </p:txBody>
-      </p:sp>
-      <p:sp>
-        <p:nvSpPr>
-          <p:cNvPr id="3" name="Content Placeholder 2"/>
-          <p:cNvSpPr>
-            <a:spLocks noGrp="1"/>
-          </p:cNvSpPr>
-          <p:nvPr>
-            <p:ph sz="half" idx="1"/>
-          </p:nvPr>
-        </p:nvSpPr>
-        <p:spPr/>
-        <p:txBody>
-          <a:bodyPr/>
-          <a:lstStyle/>
-          <a:p>
-            <a:endParaRPr lang="en-US"/>
-          </a:p>
-        </p:txBody>
-      </p:sp>
-    </p:spTree>
-    <p:extLst>
-      <p:ext uri="{BB962C8B-B14F-4D97-AF65-F5344CB8AC3E}">
-        <p14:creationId xmlns:p14="http://schemas.microsoft.com/office/powerpoint/2010/main" val="1025293086"/>
-      </p:ext>
-    </p:extLst>
-  </p:cSld>
-  <p:clrMapOvr>
-    <a:masterClrMapping/>
-  </p:clrMapOvr>
-</p:sld>
-</file>
-
-<file path=ppt/slides/slide12.xml><?xml version="1.0" encoding="utf-8"?>
-<p:sld xmlns:a="http://schemas.openxmlformats.org/drawingml/2006/main" xmlns:r="http://schemas.openxmlformats.org/officeDocument/2006/relationships" xmlns:p="http://schemas.openxmlformats.org/presentationml/2006/main">
-  <p:cSld>
-    <p:spTree>
-      <p:nvGrpSpPr>
-        <p:cNvPr id="1" name=""/>
-        <p:cNvGrpSpPr/>
-        <p:nvPr/>
-      </p:nvGrpSpPr>
-      <p:grpSpPr>
-        <a:xfrm>
-          <a:off x="0" y="0"/>
-          <a:ext cx="0" cy="0"/>
-          <a:chOff x="0" y="0"/>
-          <a:chExt cx="0" cy="0"/>
-        </a:xfrm>
-      </p:grpSpPr>
-      <p:sp>
-        <p:nvSpPr>
-          <p:cNvPr id="2" name="Title 1">
-            <a:extLst>
-              <a:ext uri="{FF2B5EF4-FFF2-40B4-BE49-F238E27FC236}">
                 <a16:creationId xmlns:a16="http://schemas.microsoft.com/office/drawing/2014/main" id="{1AFB9272-951B-398C-8A9F-FEF6C6CD5E6C}"/>
               </a:ext>
             </a:extLst>
@@ -4096,153 +3865,6 @@
 </p:sld>
 </file>
 
-<file path=ppt/slides/slide13.xml><?xml version="1.0" encoding="utf-8"?>
-<p:sld xmlns:a="http://schemas.openxmlformats.org/drawingml/2006/main" xmlns:r="http://schemas.openxmlformats.org/officeDocument/2006/relationships" xmlns:p="http://schemas.openxmlformats.org/presentationml/2006/main">
-  <p:cSld>
-    <p:spTree>
-      <p:nvGrpSpPr>
-        <p:cNvPr id="1" name=""/>
-        <p:cNvGrpSpPr/>
-        <p:nvPr/>
-      </p:nvGrpSpPr>
-      <p:grpSpPr>
-        <a:xfrm>
-          <a:off x="0" y="0"/>
-          <a:ext cx="0" cy="0"/>
-          <a:chOff x="0" y="0"/>
-          <a:chExt cx="0" cy="0"/>
-        </a:xfrm>
-      </p:grpSpPr>
-      <p:sp>
-        <p:nvSpPr>
-          <p:cNvPr id="2" name="Content Placeholder 1"/>
-          <p:cNvSpPr>
-            <a:spLocks noGrp="1"/>
-          </p:cNvSpPr>
-          <p:nvPr>
-            <p:ph idx="1"/>
-          </p:nvPr>
-        </p:nvSpPr>
-        <p:spPr/>
-        <p:txBody>
-          <a:bodyPr/>
-          <a:lstStyle/>
-          <a:p>
-            <a:endParaRPr lang="en-US"/>
-          </a:p>
-        </p:txBody>
-      </p:sp>
-      <p:sp>
-        <p:nvSpPr>
-          <p:cNvPr id="3" name="Title 2"/>
-          <p:cNvSpPr>
-            <a:spLocks noGrp="1"/>
-          </p:cNvSpPr>
-          <p:nvPr>
-            <p:ph type="title"/>
-          </p:nvPr>
-        </p:nvSpPr>
-        <p:spPr/>
-        <p:txBody>
-          <a:bodyPr/>
-          <a:lstStyle/>
-          <a:p>
-            <a:endParaRPr lang="en-US"/>
-          </a:p>
-        </p:txBody>
-      </p:sp>
-    </p:spTree>
-    <p:extLst>
-      <p:ext uri="{BB962C8B-B14F-4D97-AF65-F5344CB8AC3E}">
-        <p14:creationId xmlns:p14="http://schemas.microsoft.com/office/powerpoint/2010/main" val="131623498"/>
-      </p:ext>
-    </p:extLst>
-  </p:cSld>
-  <p:clrMapOvr>
-    <a:masterClrMapping/>
-  </p:clrMapOvr>
-</p:sld>
-</file>
-
-<file path=ppt/slides/slide14.xml><?xml version="1.0" encoding="utf-8"?>
-<p:sld xmlns:a="http://schemas.openxmlformats.org/drawingml/2006/main" xmlns:r="http://schemas.openxmlformats.org/officeDocument/2006/relationships" xmlns:p="http://schemas.openxmlformats.org/presentationml/2006/main">
-  <p:cSld>
-    <p:spTree>
-      <p:nvGrpSpPr>
-        <p:cNvPr id="1" name=""/>
-        <p:cNvGrpSpPr/>
-        <p:nvPr/>
-      </p:nvGrpSpPr>
-      <p:grpSpPr>
-        <a:xfrm>
-          <a:off x="0" y="0"/>
-          <a:ext cx="0" cy="0"/>
-          <a:chOff x="0" y="0"/>
-          <a:chExt cx="0" cy="0"/>
-        </a:xfrm>
-      </p:grpSpPr>
-      <p:sp>
-        <p:nvSpPr>
-          <p:cNvPr id="2" name="Title 1"/>
-          <p:cNvSpPr>
-            <a:spLocks noGrp="1"/>
-          </p:cNvSpPr>
-          <p:nvPr>
-            <p:ph type="title"/>
-          </p:nvPr>
-        </p:nvSpPr>
-        <p:spPr/>
-        <p:txBody>
-          <a:bodyPr/>
-          <a:lstStyle/>
-          <a:p>
-            <a:endParaRPr lang="en-US"/>
-          </a:p>
-        </p:txBody>
-      </p:sp>
-    </p:spTree>
-    <p:extLst>
-      <p:ext uri="{BB962C8B-B14F-4D97-AF65-F5344CB8AC3E}">
-        <p14:creationId xmlns:p14="http://schemas.microsoft.com/office/powerpoint/2010/main" val="3583307725"/>
-      </p:ext>
-    </p:extLst>
-  </p:cSld>
-  <p:clrMapOvr>
-    <a:masterClrMapping/>
-  </p:clrMapOvr>
-</p:sld>
-</file>
-
-<file path=ppt/slides/slide15.xml><?xml version="1.0" encoding="utf-8"?>
-<p:sld xmlns:a="http://schemas.openxmlformats.org/drawingml/2006/main" xmlns:r="http://schemas.openxmlformats.org/officeDocument/2006/relationships" xmlns:p="http://schemas.openxmlformats.org/presentationml/2006/main">
-  <p:cSld>
-    <p:spTree>
-      <p:nvGrpSpPr>
-        <p:cNvPr id="1" name=""/>
-        <p:cNvGrpSpPr/>
-        <p:nvPr/>
-      </p:nvGrpSpPr>
-      <p:grpSpPr>
-        <a:xfrm>
-          <a:off x="0" y="0"/>
-          <a:ext cx="0" cy="0"/>
-          <a:chOff x="0" y="0"/>
-          <a:chExt cx="0" cy="0"/>
-        </a:xfrm>
-      </p:grpSpPr>
-    </p:spTree>
-    <p:extLst>
-      <p:ext uri="{BB962C8B-B14F-4D97-AF65-F5344CB8AC3E}">
-        <p14:creationId xmlns:p14="http://schemas.microsoft.com/office/powerpoint/2010/main" val="1784640093"/>
-      </p:ext>
-    </p:extLst>
-  </p:cSld>
-  <p:clrMapOvr>
-    <a:masterClrMapping/>
-  </p:clrMapOvr>
-</p:sld>
-</file>
-
 <file path=ppt/slides/slide2.xml><?xml version="1.0" encoding="utf-8"?>
 <p:sld xmlns:a="http://schemas.openxmlformats.org/drawingml/2006/main" xmlns:r="http://schemas.openxmlformats.org/officeDocument/2006/relationships" xmlns:p="http://schemas.openxmlformats.org/presentationml/2006/main">
   <p:cSld>
@@ -4262,32 +3884,7 @@
       </p:grpSpPr>
       <p:sp>
         <p:nvSpPr>
-          <p:cNvPr id="3" name="Text Placeholder 2"/>
-          <p:cNvSpPr>
-            <a:spLocks noGrp="1"/>
-          </p:cNvSpPr>
-          <p:nvPr>
-            <p:ph type="body" idx="1"/>
-          </p:nvPr>
-        </p:nvSpPr>
-        <p:spPr/>
-        <p:txBody>
-          <a:bodyPr/>
-          <a:lstStyle/>
-          <a:p>
-            <a:endParaRPr lang="en-US" dirty="0"/>
-          </a:p>
-        </p:txBody>
-      </p:sp>
-      <p:sp>
-        <p:nvSpPr>
-          <p:cNvPr id="5" name="Title 4">
-            <a:extLst>
-              <a:ext uri="{FF2B5EF4-FFF2-40B4-BE49-F238E27FC236}">
-                <a16:creationId xmlns:a16="http://schemas.microsoft.com/office/drawing/2014/main" id="{276E0631-0FF8-1405-1919-B21BBB722D73}"/>
-              </a:ext>
-            </a:extLst>
-          </p:cNvPr>
+          <p:cNvPr id="2" name="Title 1"/>
           <p:cNvSpPr>
             <a:spLocks noGrp="1"/>
           </p:cNvSpPr>
@@ -4300,14 +3897,111 @@
           <a:bodyPr/>
           <a:lstStyle/>
           <a:p>
-            <a:endParaRPr lang="en-US"/>
+            <a:r>
+              <a:rPr lang="en-US" dirty="0"/>
+              <a:t>Layout</a:t>
+            </a:r>
+          </a:p>
+        </p:txBody>
+      </p:sp>
+      <p:sp>
+        <p:nvSpPr>
+          <p:cNvPr id="3" name="Content Placeholder 2"/>
+          <p:cNvSpPr>
+            <a:spLocks noGrp="1"/>
+          </p:cNvSpPr>
+          <p:nvPr>
+            <p:ph idx="1"/>
+          </p:nvPr>
+        </p:nvSpPr>
+        <p:spPr/>
+        <p:txBody>
+          <a:bodyPr/>
+          <a:lstStyle/>
+          <a:p>
+            <a:pPr marL="342900" indent="-342900">
+              <a:buFont typeface="Arial" panose="020B0604020202020204" pitchFamily="34" charset="0"/>
+              <a:buChar char="•"/>
+            </a:pPr>
+            <a:r>
+              <a:rPr lang="en-US" dirty="0"/>
+              <a:t>Filter Design</a:t>
+            </a:r>
+          </a:p>
+          <a:p>
+            <a:pPr marL="800100" lvl="1" indent="-342900"/>
+            <a:r>
+              <a:rPr lang="en-US" dirty="0"/>
+              <a:t>For both high pass and band pass</a:t>
+            </a:r>
+          </a:p>
+          <a:p>
+            <a:pPr marL="342900" indent="-342900">
+              <a:buFont typeface="Arial" panose="020B0604020202020204" pitchFamily="34" charset="0"/>
+              <a:buChar char="•"/>
+            </a:pPr>
+            <a:r>
+              <a:rPr lang="en-US" dirty="0"/>
+              <a:t>Filter Analysis</a:t>
+            </a:r>
+          </a:p>
+          <a:p>
+            <a:pPr marL="342900" indent="-342900">
+              <a:buFont typeface="Arial" panose="020B0604020202020204" pitchFamily="34" charset="0"/>
+              <a:buChar char="•"/>
+            </a:pPr>
+            <a:r>
+              <a:rPr lang="en-US" dirty="0"/>
+              <a:t>Sine Wave Analysis</a:t>
+            </a:r>
+          </a:p>
+          <a:p>
+            <a:pPr marL="342900" indent="-342900">
+              <a:buFont typeface="Arial" panose="020B0604020202020204" pitchFamily="34" charset="0"/>
+              <a:buChar char="•"/>
+            </a:pPr>
+            <a:r>
+              <a:rPr lang="en-US" dirty="0" err="1"/>
+              <a:t>Diraq</a:t>
+            </a:r>
+            <a:r>
+              <a:rPr lang="en-US" dirty="0"/>
+              <a:t> Analysis (Do we need both)</a:t>
+            </a:r>
+          </a:p>
+          <a:p>
+            <a:pPr marL="342900" indent="-342900">
+              <a:buFont typeface="Arial" panose="020B0604020202020204" pitchFamily="34" charset="0"/>
+              <a:buChar char="•"/>
+            </a:pPr>
+            <a:endParaRPr lang="en-US" dirty="0"/>
+          </a:p>
+          <a:p>
+            <a:pPr marL="800100" lvl="1" indent="-342900"/>
+            <a:endParaRPr lang="en-US" dirty="0"/>
+          </a:p>
+          <a:p>
+            <a:pPr marL="800100" lvl="1" indent="-342900"/>
+            <a:endParaRPr lang="en-US" dirty="0"/>
+          </a:p>
+          <a:p>
+            <a:pPr marL="800100" lvl="1" indent="-342900"/>
+            <a:endParaRPr lang="en-US" dirty="0"/>
+          </a:p>
+          <a:p>
+            <a:pPr marL="342900" indent="-342900"/>
+            <a:endParaRPr lang="en-US" dirty="0"/>
+          </a:p>
+          <a:p>
+            <a:pPr marL="342900" indent="-342900"/>
+            <a:endParaRPr lang="en-US" dirty="0"/>
           </a:p>
         </p:txBody>
       </p:sp>
     </p:spTree>
     <p:extLst>
       <p:ext uri="{BB962C8B-B14F-4D97-AF65-F5344CB8AC3E}">
-        <p14:creationId xmlns:p14="http://schemas.microsoft.com/office/powerpoint/2010/main" val="1531908288"/>
+        <p14:creationId xmlns:p14="http://schemas.microsoft.com/office/powerpoint/2010/main" val="2025067195"/>
       </p:ext>
     </p:extLst>
   </p:cSld>
@@ -4336,7 +4030,13 @@
       </p:grpSpPr>
       <p:sp>
         <p:nvSpPr>
-          <p:cNvPr id="2" name="Title 1"/>
+          <p:cNvPr id="2" name="Title 1">
+            <a:extLst>
+              <a:ext uri="{FF2B5EF4-FFF2-40B4-BE49-F238E27FC236}">
+                <a16:creationId xmlns:a16="http://schemas.microsoft.com/office/drawing/2014/main" id="{1AFD1DD3-1C1C-D6F1-2320-ACADE46388B8}"/>
+              </a:ext>
+            </a:extLst>
+          </p:cNvPr>
           <p:cNvSpPr>
             <a:spLocks noGrp="1"/>
           </p:cNvSpPr>
@@ -4349,16 +4049,19 @@
           <a:bodyPr/>
           <a:lstStyle/>
           <a:p>
-            <a:r>
-              <a:rPr lang="en-US" dirty="0"/>
-              <a:t>Layout</a:t>
-            </a:r>
-          </a:p>
-        </p:txBody>
-      </p:sp>
-      <p:sp>
-        <p:nvSpPr>
-          <p:cNvPr id="3" name="Content Placeholder 2"/>
+            <a:endParaRPr lang="en-US"/>
+          </a:p>
+        </p:txBody>
+      </p:sp>
+      <p:sp>
+        <p:nvSpPr>
+          <p:cNvPr id="7" name="Content Placeholder 6">
+            <a:extLst>
+              <a:ext uri="{FF2B5EF4-FFF2-40B4-BE49-F238E27FC236}">
+                <a16:creationId xmlns:a16="http://schemas.microsoft.com/office/drawing/2014/main" id="{F3C44B2D-60EE-E0D5-ACC8-373B46E06EAC}"/>
+              </a:ext>
+            </a:extLst>
+          </p:cNvPr>
           <p:cNvSpPr>
             <a:spLocks noGrp="1"/>
           </p:cNvSpPr>
@@ -4371,89 +4074,69 @@
           <a:bodyPr/>
           <a:lstStyle/>
           <a:p>
-            <a:pPr marL="342900" indent="-342900">
-              <a:buFont typeface="Arial" panose="020B0604020202020204" pitchFamily="34" charset="0"/>
-              <a:buChar char="•"/>
-            </a:pPr>
-            <a:r>
-              <a:rPr lang="en-US" dirty="0"/>
-              <a:t>Filter Design</a:t>
-            </a:r>
-          </a:p>
-          <a:p>
-            <a:pPr marL="800100" lvl="1" indent="-342900"/>
-            <a:r>
-              <a:rPr lang="en-US" dirty="0"/>
-              <a:t>For both high pass and band pass</a:t>
-            </a:r>
-          </a:p>
-          <a:p>
-            <a:pPr marL="342900" indent="-342900">
-              <a:buFont typeface="Arial" panose="020B0604020202020204" pitchFamily="34" charset="0"/>
-              <a:buChar char="•"/>
-            </a:pPr>
-            <a:r>
-              <a:rPr lang="en-US" dirty="0"/>
-              <a:t>Filter Analysis</a:t>
-            </a:r>
-          </a:p>
-          <a:p>
-            <a:pPr marL="342900" indent="-342900">
-              <a:buFont typeface="Arial" panose="020B0604020202020204" pitchFamily="34" charset="0"/>
-              <a:buChar char="•"/>
-            </a:pPr>
-            <a:r>
-              <a:rPr lang="en-US" dirty="0"/>
-              <a:t>Sine Wave Analysis</a:t>
-            </a:r>
-          </a:p>
-          <a:p>
-            <a:pPr marL="342900" indent="-342900">
-              <a:buFont typeface="Arial" panose="020B0604020202020204" pitchFamily="34" charset="0"/>
-              <a:buChar char="•"/>
-            </a:pPr>
-            <a:r>
-              <a:rPr lang="en-US" dirty="0" err="1"/>
-              <a:t>Diraq</a:t>
-            </a:r>
-            <a:r>
-              <a:rPr lang="en-US" dirty="0"/>
-              <a:t> Analysis (Do we need both)</a:t>
-            </a:r>
-          </a:p>
-          <a:p>
-            <a:pPr marL="342900" indent="-342900">
-              <a:buFont typeface="Arial" panose="020B0604020202020204" pitchFamily="34" charset="0"/>
-              <a:buChar char="•"/>
-            </a:pPr>
-            <a:endParaRPr lang="en-US" dirty="0"/>
-          </a:p>
-          <a:p>
-            <a:pPr marL="800100" lvl="1" indent="-342900"/>
-            <a:endParaRPr lang="en-US" dirty="0"/>
-          </a:p>
-          <a:p>
-            <a:pPr marL="800100" lvl="1" indent="-342900"/>
-            <a:endParaRPr lang="en-US" dirty="0"/>
-          </a:p>
-          <a:p>
-            <a:pPr marL="800100" lvl="1" indent="-342900"/>
-            <a:endParaRPr lang="en-US" dirty="0"/>
-          </a:p>
-          <a:p>
-            <a:pPr marL="342900" indent="-342900"/>
-            <a:endParaRPr lang="en-US" dirty="0"/>
-          </a:p>
-          <a:p>
-            <a:pPr marL="342900" indent="-342900"/>
-            <a:endParaRPr lang="en-US" dirty="0"/>
+            <a:r>
+              <a:rPr lang="en-US" kern="100" dirty="0">
+                <a:latin typeface="Calibri" panose="020F0502020204030204" pitchFamily="34" charset="0"/>
+                <a:ea typeface="Calibri" panose="020F0502020204030204" pitchFamily="34" charset="0"/>
+                <a:cs typeface="Times New Roman" panose="02020603050405020304" pitchFamily="18" charset="0"/>
+              </a:rPr>
+              <a:t>PIS’ center frequency =(1/2)(</a:t>
+            </a:r>
+            <a:r>
+              <a:rPr lang="en-US" kern="100" dirty="0" err="1">
+                <a:latin typeface="Calibri" panose="020F0502020204030204" pitchFamily="34" charset="0"/>
+                <a:ea typeface="Calibri" panose="020F0502020204030204" pitchFamily="34" charset="0"/>
+                <a:cs typeface="Times New Roman" panose="02020603050405020304" pitchFamily="18" charset="0"/>
+              </a:rPr>
+              <a:t>f</a:t>
+            </a:r>
+            <a:r>
+              <a:rPr lang="en-US" kern="100" baseline="-25000" dirty="0" err="1">
+                <a:latin typeface="Calibri" panose="020F0502020204030204" pitchFamily="34" charset="0"/>
+                <a:ea typeface="Calibri" panose="020F0502020204030204" pitchFamily="34" charset="0"/>
+                <a:cs typeface="Times New Roman" panose="02020603050405020304" pitchFamily="18" charset="0"/>
+              </a:rPr>
+              <a:t>PISmin</a:t>
+            </a:r>
+            <a:r>
+              <a:rPr lang="en-US" kern="100" dirty="0">
+                <a:latin typeface="Calibri" panose="020F0502020204030204" pitchFamily="34" charset="0"/>
+                <a:ea typeface="Calibri" panose="020F0502020204030204" pitchFamily="34" charset="0"/>
+                <a:cs typeface="Times New Roman" panose="02020603050405020304" pitchFamily="18" charset="0"/>
+              </a:rPr>
+              <a:t> + </a:t>
+            </a:r>
+            <a:r>
+              <a:rPr lang="en-US" kern="100" dirty="0" err="1">
+                <a:latin typeface="Calibri" panose="020F0502020204030204" pitchFamily="34" charset="0"/>
+                <a:ea typeface="Calibri" panose="020F0502020204030204" pitchFamily="34" charset="0"/>
+                <a:cs typeface="Times New Roman" panose="02020603050405020304" pitchFamily="18" charset="0"/>
+              </a:rPr>
+              <a:t>f</a:t>
+            </a:r>
+            <a:r>
+              <a:rPr lang="en-US" kern="100" baseline="-25000" dirty="0" err="1">
+                <a:latin typeface="Calibri" panose="020F0502020204030204" pitchFamily="34" charset="0"/>
+                <a:ea typeface="Calibri" panose="020F0502020204030204" pitchFamily="34" charset="0"/>
+                <a:cs typeface="Times New Roman" panose="02020603050405020304" pitchFamily="18" charset="0"/>
+              </a:rPr>
+              <a:t>PISmax</a:t>
+            </a:r>
+            <a:r>
+              <a:rPr lang="en-US" kern="100" dirty="0">
+                <a:latin typeface="Calibri" panose="020F0502020204030204" pitchFamily="34" charset="0"/>
+                <a:ea typeface="Calibri" panose="020F0502020204030204" pitchFamily="34" charset="0"/>
+                <a:cs typeface="Times New Roman" panose="02020603050405020304" pitchFamily="18" charset="0"/>
+              </a:rPr>
+              <a:t>)</a:t>
+            </a:r>
           </a:p>
         </p:txBody>
       </p:sp>
     </p:spTree>
     <p:extLst>
       <p:ext uri="{BB962C8B-B14F-4D97-AF65-F5344CB8AC3E}">
-        <p14:creationId xmlns:p14="http://schemas.microsoft.com/office/powerpoint/2010/main" val="2025067195"/>
+        <p14:creationId xmlns:p14="http://schemas.microsoft.com/office/powerpoint/2010/main" val="1663137508"/>
       </p:ext>
     </p:extLst>
   </p:cSld>
@@ -4485,7 +4168,7 @@
           <p:cNvPr id="2" name="Title 1">
             <a:extLst>
               <a:ext uri="{FF2B5EF4-FFF2-40B4-BE49-F238E27FC236}">
-                <a16:creationId xmlns:a16="http://schemas.microsoft.com/office/drawing/2014/main" id="{1AFD1DD3-1C1C-D6F1-2320-ACADE46388B8}"/>
+                <a16:creationId xmlns:a16="http://schemas.microsoft.com/office/drawing/2014/main" id="{BE7560B2-2EF5-FA60-94F3-F5BB21FB0E9E}"/>
               </a:ext>
             </a:extLst>
           </p:cNvPr>
@@ -4501,16 +4184,19 @@
           <a:bodyPr/>
           <a:lstStyle/>
           <a:p>
-            <a:endParaRPr lang="en-US"/>
-          </a:p>
-        </p:txBody>
-      </p:sp>
-      <p:sp>
-        <p:nvSpPr>
-          <p:cNvPr id="7" name="Content Placeholder 6">
+            <a:r>
+              <a:rPr lang="en-US" dirty="0"/>
+              <a:t>Activity 1</a:t>
+            </a:r>
+          </a:p>
+        </p:txBody>
+      </p:sp>
+      <p:sp>
+        <p:nvSpPr>
+          <p:cNvPr id="3" name="Content Placeholder 2">
             <a:extLst>
               <a:ext uri="{FF2B5EF4-FFF2-40B4-BE49-F238E27FC236}">
-                <a16:creationId xmlns:a16="http://schemas.microsoft.com/office/drawing/2014/main" id="{F3C44B2D-60EE-E0D5-ACC8-373B46E06EAC}"/>
+                <a16:creationId xmlns:a16="http://schemas.microsoft.com/office/drawing/2014/main" id="{4EB42B85-6145-2759-554C-AD060A02F5E9}"/>
               </a:ext>
             </a:extLst>
           </p:cNvPr>
@@ -4527,60 +4213,28 @@
           <a:lstStyle/>
           <a:p>
             <a:r>
-              <a:rPr lang="en-US" kern="100" dirty="0">
-                <a:latin typeface="Calibri" panose="020F0502020204030204" pitchFamily="34" charset="0"/>
-                <a:ea typeface="Calibri" panose="020F0502020204030204" pitchFamily="34" charset="0"/>
-                <a:cs typeface="Times New Roman" panose="02020603050405020304" pitchFamily="18" charset="0"/>
-              </a:rPr>
-              <a:t>PIS’ center frequency =(1/2)(</a:t>
-            </a:r>
-            <a:r>
-              <a:rPr lang="en-US" kern="100" dirty="0" err="1">
-                <a:latin typeface="Calibri" panose="020F0502020204030204" pitchFamily="34" charset="0"/>
-                <a:ea typeface="Calibri" panose="020F0502020204030204" pitchFamily="34" charset="0"/>
-                <a:cs typeface="Times New Roman" panose="02020603050405020304" pitchFamily="18" charset="0"/>
-              </a:rPr>
-              <a:t>f</a:t>
-            </a:r>
-            <a:r>
-              <a:rPr lang="en-US" kern="100" baseline="-25000" dirty="0" err="1">
-                <a:latin typeface="Calibri" panose="020F0502020204030204" pitchFamily="34" charset="0"/>
-                <a:ea typeface="Calibri" panose="020F0502020204030204" pitchFamily="34" charset="0"/>
-                <a:cs typeface="Times New Roman" panose="02020603050405020304" pitchFamily="18" charset="0"/>
-              </a:rPr>
-              <a:t>PISmin</a:t>
-            </a:r>
-            <a:r>
-              <a:rPr lang="en-US" kern="100" dirty="0">
-                <a:latin typeface="Calibri" panose="020F0502020204030204" pitchFamily="34" charset="0"/>
-                <a:ea typeface="Calibri" panose="020F0502020204030204" pitchFamily="34" charset="0"/>
-                <a:cs typeface="Times New Roman" panose="02020603050405020304" pitchFamily="18" charset="0"/>
-              </a:rPr>
-              <a:t> + </a:t>
-            </a:r>
-            <a:r>
-              <a:rPr lang="en-US" kern="100" dirty="0" err="1">
-                <a:latin typeface="Calibri" panose="020F0502020204030204" pitchFamily="34" charset="0"/>
-                <a:ea typeface="Calibri" panose="020F0502020204030204" pitchFamily="34" charset="0"/>
-                <a:cs typeface="Times New Roman" panose="02020603050405020304" pitchFamily="18" charset="0"/>
-              </a:rPr>
-              <a:t>f</a:t>
-            </a:r>
-            <a:r>
-              <a:rPr lang="en-US" kern="100" baseline="-25000" dirty="0" err="1">
-                <a:latin typeface="Calibri" panose="020F0502020204030204" pitchFamily="34" charset="0"/>
-                <a:ea typeface="Calibri" panose="020F0502020204030204" pitchFamily="34" charset="0"/>
-                <a:cs typeface="Times New Roman" panose="02020603050405020304" pitchFamily="18" charset="0"/>
-              </a:rPr>
-              <a:t>PISmax</a:t>
-            </a:r>
-            <a:r>
-              <a:rPr lang="en-US" kern="100" dirty="0">
-                <a:latin typeface="Calibri" panose="020F0502020204030204" pitchFamily="34" charset="0"/>
-                <a:ea typeface="Calibri" panose="020F0502020204030204" pitchFamily="34" charset="0"/>
-                <a:cs typeface="Times New Roman" panose="02020603050405020304" pitchFamily="18" charset="0"/>
-              </a:rPr>
-              <a:t>)</a:t>
+              <a:rPr lang="en-US" dirty="0"/>
+              <a:t>Building each filter</a:t>
+            </a:r>
+          </a:p>
+          <a:p>
+            <a:pPr marL="342900" indent="-342900">
+              <a:buFont typeface="Arial" panose="020B0604020202020204" pitchFamily="34" charset="0"/>
+              <a:buChar char="•"/>
+            </a:pPr>
+            <a:r>
+              <a:rPr lang="en-US" dirty="0"/>
+              <a:t>Should have screenshots of the layout and brief description of each.</a:t>
+            </a:r>
+          </a:p>
+          <a:p>
+            <a:pPr marL="342900" indent="-342900">
+              <a:buFont typeface="Arial" panose="020B0604020202020204" pitchFamily="34" charset="0"/>
+              <a:buChar char="•"/>
+            </a:pPr>
+            <a:r>
+              <a:rPr lang="en-US" dirty="0"/>
+              <a:t>Should performance requirements be added here or later?</a:t>
             </a:r>
           </a:p>
         </p:txBody>
@@ -4588,7 +4242,7 @@
     </p:spTree>
     <p:extLst>
       <p:ext uri="{BB962C8B-B14F-4D97-AF65-F5344CB8AC3E}">
-        <p14:creationId xmlns:p14="http://schemas.microsoft.com/office/powerpoint/2010/main" val="1663137508"/>
+        <p14:creationId xmlns:p14="http://schemas.microsoft.com/office/powerpoint/2010/main" val="1276224201"/>
       </p:ext>
     </p:extLst>
   </p:cSld>
@@ -4620,112 +4274,6 @@
           <p:cNvPr id="2" name="Title 1">
             <a:extLst>
               <a:ext uri="{FF2B5EF4-FFF2-40B4-BE49-F238E27FC236}">
-                <a16:creationId xmlns:a16="http://schemas.microsoft.com/office/drawing/2014/main" id="{BE7560B2-2EF5-FA60-94F3-F5BB21FB0E9E}"/>
-              </a:ext>
-            </a:extLst>
-          </p:cNvPr>
-          <p:cNvSpPr>
-            <a:spLocks noGrp="1"/>
-          </p:cNvSpPr>
-          <p:nvPr>
-            <p:ph type="title"/>
-          </p:nvPr>
-        </p:nvSpPr>
-        <p:spPr/>
-        <p:txBody>
-          <a:bodyPr/>
-          <a:lstStyle/>
-          <a:p>
-            <a:r>
-              <a:rPr lang="en-US" dirty="0"/>
-              <a:t>Activity 1</a:t>
-            </a:r>
-          </a:p>
-        </p:txBody>
-      </p:sp>
-      <p:sp>
-        <p:nvSpPr>
-          <p:cNvPr id="3" name="Content Placeholder 2">
-            <a:extLst>
-              <a:ext uri="{FF2B5EF4-FFF2-40B4-BE49-F238E27FC236}">
-                <a16:creationId xmlns:a16="http://schemas.microsoft.com/office/drawing/2014/main" id="{4EB42B85-6145-2759-554C-AD060A02F5E9}"/>
-              </a:ext>
-            </a:extLst>
-          </p:cNvPr>
-          <p:cNvSpPr>
-            <a:spLocks noGrp="1"/>
-          </p:cNvSpPr>
-          <p:nvPr>
-            <p:ph idx="1"/>
-          </p:nvPr>
-        </p:nvSpPr>
-        <p:spPr/>
-        <p:txBody>
-          <a:bodyPr/>
-          <a:lstStyle/>
-          <a:p>
-            <a:r>
-              <a:rPr lang="en-US" dirty="0"/>
-              <a:t>Building each filter</a:t>
-            </a:r>
-          </a:p>
-          <a:p>
-            <a:pPr marL="342900" indent="-342900">
-              <a:buFont typeface="Arial" panose="020B0604020202020204" pitchFamily="34" charset="0"/>
-              <a:buChar char="•"/>
-            </a:pPr>
-            <a:r>
-              <a:rPr lang="en-US" dirty="0"/>
-              <a:t>Should have screenshots of the layout and brief description of each.</a:t>
-            </a:r>
-          </a:p>
-          <a:p>
-            <a:pPr marL="342900" indent="-342900">
-              <a:buFont typeface="Arial" panose="020B0604020202020204" pitchFamily="34" charset="0"/>
-              <a:buChar char="•"/>
-            </a:pPr>
-            <a:r>
-              <a:rPr lang="en-US" dirty="0"/>
-              <a:t>Should performance requirements be added here or later?</a:t>
-            </a:r>
-          </a:p>
-        </p:txBody>
-      </p:sp>
-    </p:spTree>
-    <p:extLst>
-      <p:ext uri="{BB962C8B-B14F-4D97-AF65-F5344CB8AC3E}">
-        <p14:creationId xmlns:p14="http://schemas.microsoft.com/office/powerpoint/2010/main" val="1276224201"/>
-      </p:ext>
-    </p:extLst>
-  </p:cSld>
-  <p:clrMapOvr>
-    <a:masterClrMapping/>
-  </p:clrMapOvr>
-</p:sld>
-</file>
-
-<file path=ppt/slides/slide6.xml><?xml version="1.0" encoding="utf-8"?>
-<p:sld xmlns:a="http://schemas.openxmlformats.org/drawingml/2006/main" xmlns:r="http://schemas.openxmlformats.org/officeDocument/2006/relationships" xmlns:p="http://schemas.openxmlformats.org/presentationml/2006/main">
-  <p:cSld>
-    <p:spTree>
-      <p:nvGrpSpPr>
-        <p:cNvPr id="1" name=""/>
-        <p:cNvGrpSpPr/>
-        <p:nvPr/>
-      </p:nvGrpSpPr>
-      <p:grpSpPr>
-        <a:xfrm>
-          <a:off x="0" y="0"/>
-          <a:ext cx="0" cy="0"/>
-          <a:chOff x="0" y="0"/>
-          <a:chExt cx="0" cy="0"/>
-        </a:xfrm>
-      </p:grpSpPr>
-      <p:sp>
-        <p:nvSpPr>
-          <p:cNvPr id="2" name="Title 1">
-            <a:extLst>
-              <a:ext uri="{FF2B5EF4-FFF2-40B4-BE49-F238E27FC236}">
                 <a16:creationId xmlns:a16="http://schemas.microsoft.com/office/drawing/2014/main" id="{561B0710-5705-7BAA-1ED3-990CFF57DEEC}"/>
               </a:ext>
             </a:extLst>
@@ -4749,8 +4297,8 @@
           </a:p>
         </p:txBody>
       </p:sp>
-      <mc:AlternateContent xmlns:mc="http://schemas.openxmlformats.org/markup-compatibility/2006">
-        <mc:Choice xmlns:a14="http://schemas.microsoft.com/office/drawing/2010/main" Requires="a14">
+      <mc:AlternateContent xmlns:mc="http://schemas.openxmlformats.org/markup-compatibility/2006" xmlns:a14="http://schemas.microsoft.com/office/drawing/2010/main">
+        <mc:Choice Requires="a14">
           <p:sp>
             <p:nvSpPr>
               <p:cNvPr id="3" name="Content Placeholder 2">
@@ -4914,7 +4462,7 @@
             </p:txBody>
           </p:sp>
         </mc:Choice>
-        <mc:Fallback>
+        <mc:Fallback xmlns="">
           <p:sp>
             <p:nvSpPr>
               <p:cNvPr id="3" name="Content Placeholder 2">
@@ -4967,6 +4515,184 @@
 </p:sld>
 </file>
 
+<file path=ppt/slides/slide6.xml><?xml version="1.0" encoding="utf-8"?>
+<p:sld xmlns:a="http://schemas.openxmlformats.org/drawingml/2006/main" xmlns:r="http://schemas.openxmlformats.org/officeDocument/2006/relationships" xmlns:p="http://schemas.openxmlformats.org/presentationml/2006/main">
+  <p:cSld>
+    <p:spTree>
+      <p:nvGrpSpPr>
+        <p:cNvPr id="1" name=""/>
+        <p:cNvGrpSpPr/>
+        <p:nvPr/>
+      </p:nvGrpSpPr>
+      <p:grpSpPr>
+        <a:xfrm>
+          <a:off x="0" y="0"/>
+          <a:ext cx="0" cy="0"/>
+          <a:chOff x="0" y="0"/>
+          <a:chExt cx="0" cy="0"/>
+        </a:xfrm>
+      </p:grpSpPr>
+      <p:sp>
+        <p:nvSpPr>
+          <p:cNvPr id="2" name="Title 1">
+            <a:extLst>
+              <a:ext uri="{FF2B5EF4-FFF2-40B4-BE49-F238E27FC236}">
+                <a16:creationId xmlns:a16="http://schemas.microsoft.com/office/drawing/2014/main" id="{C778E3D7-EDB8-FB1A-B95E-8E8279798820}"/>
+              </a:ext>
+            </a:extLst>
+          </p:cNvPr>
+          <p:cNvSpPr>
+            <a:spLocks noGrp="1"/>
+          </p:cNvSpPr>
+          <p:nvPr>
+            <p:ph type="title"/>
+          </p:nvPr>
+        </p:nvSpPr>
+        <p:spPr/>
+        <p:txBody>
+          <a:bodyPr/>
+          <a:lstStyle/>
+          <a:p>
+            <a:r>
+              <a:rPr lang="en-US" dirty="0"/>
+              <a:t>Activity 3</a:t>
+            </a:r>
+          </a:p>
+        </p:txBody>
+      </p:sp>
+      <p:sp>
+        <p:nvSpPr>
+          <p:cNvPr id="3" name="Content Placeholder 2">
+            <a:extLst>
+              <a:ext uri="{FF2B5EF4-FFF2-40B4-BE49-F238E27FC236}">
+                <a16:creationId xmlns:a16="http://schemas.microsoft.com/office/drawing/2014/main" id="{78A5FF63-E4E5-CF82-625E-96C579770BE5}"/>
+              </a:ext>
+            </a:extLst>
+          </p:cNvPr>
+          <p:cNvSpPr>
+            <a:spLocks noGrp="1"/>
+          </p:cNvSpPr>
+          <p:nvPr>
+            <p:ph idx="1"/>
+          </p:nvPr>
+        </p:nvSpPr>
+        <p:spPr/>
+        <p:txBody>
+          <a:bodyPr/>
+          <a:lstStyle/>
+          <a:p>
+            <a:r>
+              <a:rPr lang="en-US" dirty="0"/>
+              <a:t>Filter ability to clean up input signal (noise)</a:t>
+            </a:r>
+          </a:p>
+          <a:p>
+            <a:pPr marL="342900" indent="-342900">
+              <a:buFont typeface="Arial" panose="020B0604020202020204" pitchFamily="34" charset="0"/>
+              <a:buChar char="•"/>
+            </a:pPr>
+            <a:r>
+              <a:rPr lang="en-US" dirty="0"/>
+              <a:t>Must compare PIS before and after</a:t>
+            </a:r>
+          </a:p>
+          <a:p>
+            <a:pPr marL="342900" indent="-342900">
+              <a:buFont typeface="Arial" panose="020B0604020202020204" pitchFamily="34" charset="0"/>
+              <a:buChar char="•"/>
+            </a:pPr>
+            <a:r>
+              <a:rPr lang="en-US" dirty="0">
+                <a:highlight>
+                  <a:srgbClr val="FFFF00"/>
+                </a:highlight>
+              </a:rPr>
+              <a:t>Noise must be one of the following</a:t>
+            </a:r>
+          </a:p>
+          <a:p>
+            <a:pPr marL="800100" lvl="1" indent="-342900"/>
+            <a:r>
+              <a:rPr lang="en-US" kern="100" dirty="0">
+                <a:latin typeface="Calibri" panose="020F0502020204030204" pitchFamily="34" charset="0"/>
+                <a:ea typeface="Calibri" panose="020F0502020204030204" pitchFamily="34" charset="0"/>
+                <a:cs typeface="Times New Roman" panose="02020603050405020304" pitchFamily="18" charset="0"/>
+              </a:rPr>
+              <a:t>A sinewave alone applied to the </a:t>
+            </a:r>
+            <a:r>
+              <a:rPr lang="en-US" sz="2000" kern="100" dirty="0">
+                <a:latin typeface="Calibri" panose="020F0502020204030204" pitchFamily="34" charset="0"/>
+                <a:ea typeface="Calibri" panose="020F0502020204030204" pitchFamily="34" charset="0"/>
+                <a:cs typeface="Times New Roman" panose="02020603050405020304" pitchFamily="18" charset="0"/>
+              </a:rPr>
+              <a:t>Narrow Band Noise (NBN) block</a:t>
+            </a:r>
+            <a:r>
+              <a:rPr lang="en-US" sz="2000" kern="100" dirty="0">
+                <a:solidFill>
+                  <a:srgbClr val="FF0000"/>
+                </a:solidFill>
+                <a:latin typeface="Calibri" panose="020F0502020204030204" pitchFamily="34" charset="0"/>
+                <a:ea typeface="Calibri" panose="020F0502020204030204" pitchFamily="34" charset="0"/>
+                <a:cs typeface="Times New Roman" panose="02020603050405020304" pitchFamily="18" charset="0"/>
+              </a:rPr>
+              <a:t> (See slide 8)</a:t>
+            </a:r>
+          </a:p>
+          <a:p>
+            <a:pPr marL="800100" lvl="1" indent="-342900"/>
+            <a:r>
+              <a:rPr lang="en-US" sz="2000" kern="100" dirty="0">
+                <a:latin typeface="Calibri" panose="020F0502020204030204" pitchFamily="34" charset="0"/>
+                <a:ea typeface="Calibri" panose="020F0502020204030204" pitchFamily="34" charset="0"/>
+                <a:cs typeface="Times New Roman" panose="02020603050405020304" pitchFamily="18" charset="0"/>
+              </a:rPr>
+              <a:t>A Gaussian white noise alone applied  to the Random Source block. This signal is also called Broad Band Noise (BBN) </a:t>
+            </a:r>
+            <a:r>
+              <a:rPr lang="en-US" sz="2000" kern="100" dirty="0">
+                <a:solidFill>
+                  <a:srgbClr val="FF0000"/>
+                </a:solidFill>
+                <a:latin typeface="Calibri" panose="020F0502020204030204" pitchFamily="34" charset="0"/>
+                <a:ea typeface="Calibri" panose="020F0502020204030204" pitchFamily="34" charset="0"/>
+                <a:cs typeface="Times New Roman" panose="02020603050405020304" pitchFamily="18" charset="0"/>
+              </a:rPr>
+              <a:t>(See slide 9)</a:t>
+            </a:r>
+            <a:endParaRPr lang="en-US" sz="2000" kern="100" dirty="0">
+              <a:latin typeface="Calibri" panose="020F0502020204030204" pitchFamily="34" charset="0"/>
+              <a:ea typeface="Calibri" panose="020F0502020204030204" pitchFamily="34" charset="0"/>
+              <a:cs typeface="Times New Roman" panose="02020603050405020304" pitchFamily="18" charset="0"/>
+            </a:endParaRPr>
+          </a:p>
+          <a:p>
+            <a:pPr marL="800100" lvl="1" indent="-342900"/>
+            <a:r>
+              <a:rPr lang="en-US" sz="2000" kern="100" dirty="0">
+                <a:latin typeface="Calibri" panose="020F0502020204030204" pitchFamily="34" charset="0"/>
+                <a:ea typeface="Calibri" panose="020F0502020204030204" pitchFamily="34" charset="0"/>
+                <a:cs typeface="Times New Roman" panose="02020603050405020304" pitchFamily="18" charset="0"/>
+              </a:rPr>
+              <a:t>Both NBN and BBN applied at the same time.</a:t>
+            </a:r>
+          </a:p>
+        </p:txBody>
+      </p:sp>
+    </p:spTree>
+    <p:extLst>
+      <p:ext uri="{BB962C8B-B14F-4D97-AF65-F5344CB8AC3E}">
+        <p14:creationId xmlns:p14="http://schemas.microsoft.com/office/powerpoint/2010/main" val="830721782"/>
+      </p:ext>
+    </p:extLst>
+  </p:cSld>
+  <p:clrMapOvr>
+    <a:masterClrMapping/>
+  </p:clrMapOvr>
+</p:sld>
+</file>
+
 <file path=ppt/slides/slide7.xml><?xml version="1.0" encoding="utf-8"?>
 <p:sld xmlns:a="http://schemas.openxmlformats.org/drawingml/2006/main" xmlns:r="http://schemas.openxmlformats.org/officeDocument/2006/relationships" xmlns:p="http://schemas.openxmlformats.org/presentationml/2006/main">
   <p:cSld>
@@ -4989,7 +4715,7 @@
           <p:cNvPr id="2" name="Title 1">
             <a:extLst>
               <a:ext uri="{FF2B5EF4-FFF2-40B4-BE49-F238E27FC236}">
-                <a16:creationId xmlns:a16="http://schemas.microsoft.com/office/drawing/2014/main" id="{C778E3D7-EDB8-FB1A-B95E-8E8279798820}"/>
+                <a16:creationId xmlns:a16="http://schemas.microsoft.com/office/drawing/2014/main" id="{1D866218-7451-3785-5799-91F1A20951D9}"/>
               </a:ext>
             </a:extLst>
           </p:cNvPr>
@@ -5007,7 +4733,7 @@
           <a:p>
             <a:r>
               <a:rPr lang="en-US" dirty="0"/>
-              <a:t>Activity 3</a:t>
+              <a:t>NBN</a:t>
             </a:r>
           </a:p>
         </p:txBody>
@@ -5017,7 +4743,7 @@
           <p:cNvPr id="3" name="Content Placeholder 2">
             <a:extLst>
               <a:ext uri="{FF2B5EF4-FFF2-40B4-BE49-F238E27FC236}">
-                <a16:creationId xmlns:a16="http://schemas.microsoft.com/office/drawing/2014/main" id="{78A5FF63-E4E5-CF82-625E-96C579770BE5}"/>
+                <a16:creationId xmlns:a16="http://schemas.microsoft.com/office/drawing/2014/main" id="{8ABBC50B-5C6E-F0C9-BC4A-72EA7755B90C}"/>
               </a:ext>
             </a:extLst>
           </p:cNvPr>
@@ -5030,22 +4756,70 @@
         </p:nvSpPr>
         <p:spPr/>
         <p:txBody>
-          <a:bodyPr/>
+          <a:bodyPr>
+            <a:normAutofit fontScale="85000" lnSpcReduction="10000"/>
+          </a:bodyPr>
           <a:lstStyle/>
-          <a:p>
-            <a:r>
-              <a:rPr lang="en-US" dirty="0"/>
-              <a:t>Filter ability to clean up input signal (noise)</a:t>
-            </a:r>
-          </a:p>
           <a:p>
             <a:pPr marL="342900" indent="-342900">
               <a:buFont typeface="Arial" panose="020B0604020202020204" pitchFamily="34" charset="0"/>
               <a:buChar char="•"/>
             </a:pPr>
             <a:r>
-              <a:rPr lang="en-US" dirty="0"/>
-              <a:t>Must compare PIS before and after</a:t>
+              <a:rPr lang="en-US" kern="100" dirty="0">
+                <a:latin typeface="Calibri" panose="020F0502020204030204" pitchFamily="34" charset="0"/>
+                <a:ea typeface="Calibri" panose="020F0502020204030204" pitchFamily="34" charset="0"/>
+                <a:cs typeface="Times New Roman" panose="02020603050405020304" pitchFamily="18" charset="0"/>
+              </a:rPr>
+              <a:t>Characterize the PIS spectrum in dB value in identifying its half-power bandwidth [</a:t>
+            </a:r>
+            <a:r>
+              <a:rPr lang="en-US" kern="100" dirty="0" err="1">
+                <a:latin typeface="Calibri" panose="020F0502020204030204" pitchFamily="34" charset="0"/>
+                <a:ea typeface="Calibri" panose="020F0502020204030204" pitchFamily="34" charset="0"/>
+                <a:cs typeface="Times New Roman" panose="02020603050405020304" pitchFamily="18" charset="0"/>
+              </a:rPr>
+              <a:t>f</a:t>
+            </a:r>
+            <a:r>
+              <a:rPr lang="en-US" kern="100" baseline="-25000" dirty="0" err="1">
+                <a:latin typeface="Calibri" panose="020F0502020204030204" pitchFamily="34" charset="0"/>
+                <a:ea typeface="Calibri" panose="020F0502020204030204" pitchFamily="34" charset="0"/>
+                <a:cs typeface="Times New Roman" panose="02020603050405020304" pitchFamily="18" charset="0"/>
+              </a:rPr>
+              <a:t>PISmin</a:t>
+            </a:r>
+            <a:r>
+              <a:rPr lang="en-US" kern="100" dirty="0">
+                <a:latin typeface="Calibri" panose="020F0502020204030204" pitchFamily="34" charset="0"/>
+                <a:ea typeface="Calibri" panose="020F0502020204030204" pitchFamily="34" charset="0"/>
+                <a:cs typeface="Times New Roman" panose="02020603050405020304" pitchFamily="18" charset="0"/>
+              </a:rPr>
+              <a:t>, </a:t>
+            </a:r>
+            <a:r>
+              <a:rPr lang="en-US" kern="100" dirty="0" err="1">
+                <a:latin typeface="Calibri" panose="020F0502020204030204" pitchFamily="34" charset="0"/>
+                <a:ea typeface="Calibri" panose="020F0502020204030204" pitchFamily="34" charset="0"/>
+                <a:cs typeface="Times New Roman" panose="02020603050405020304" pitchFamily="18" charset="0"/>
+              </a:rPr>
+              <a:t>f</a:t>
+            </a:r>
+            <a:r>
+              <a:rPr lang="en-US" kern="100" baseline="-25000" dirty="0" err="1">
+                <a:latin typeface="Calibri" panose="020F0502020204030204" pitchFamily="34" charset="0"/>
+                <a:ea typeface="Calibri" panose="020F0502020204030204" pitchFamily="34" charset="0"/>
+                <a:cs typeface="Times New Roman" panose="02020603050405020304" pitchFamily="18" charset="0"/>
+              </a:rPr>
+              <a:t>PISmax</a:t>
+            </a:r>
+            <a:r>
+              <a:rPr lang="en-US" kern="100" dirty="0">
+                <a:latin typeface="Calibri" panose="020F0502020204030204" pitchFamily="34" charset="0"/>
+                <a:ea typeface="Calibri" panose="020F0502020204030204" pitchFamily="34" charset="0"/>
+                <a:cs typeface="Times New Roman" panose="02020603050405020304" pitchFamily="18" charset="0"/>
+              </a:rPr>
+              <a:t>]</a:t>
             </a:r>
           </a:p>
           <a:p>
@@ -5054,12 +4828,12 @@
               <a:buChar char="•"/>
             </a:pPr>
             <a:r>
-              <a:rPr lang="en-US" dirty="0">
-                <a:highlight>
-                  <a:srgbClr val="FFFF00"/>
-                </a:highlight>
-              </a:rPr>
-              <a:t>Noise must be one of the following</a:t>
+              <a:rPr lang="en-US" kern="100" dirty="0">
+                <a:latin typeface="Calibri" panose="020F0502020204030204" pitchFamily="34" charset="0"/>
+                <a:ea typeface="Calibri" panose="020F0502020204030204" pitchFamily="34" charset="0"/>
+                <a:cs typeface="Times New Roman" panose="02020603050405020304" pitchFamily="18" charset="0"/>
+              </a:rPr>
+              <a:t>Mix the PIS with a Narrowband Noise (NBN) defined as follows:</a:t>
             </a:r>
           </a:p>
           <a:p>
@@ -5070,18 +4844,174 @@
                 <a:ea typeface="Calibri" panose="020F0502020204030204" pitchFamily="34" charset="0"/>
                 <a:cs typeface="Times New Roman" panose="02020603050405020304" pitchFamily="18" charset="0"/>
               </a:rPr>
-              <a:t>A sinewave alone applied to the </a:t>
-            </a:r>
-            <a:r>
-              <a:rPr lang="en-US" sz="2000" kern="100" dirty="0">
-                <a:latin typeface="Calibri" panose="020F0502020204030204" pitchFamily="34" charset="0"/>
-                <a:ea typeface="Calibri" panose="020F0502020204030204" pitchFamily="34" charset="0"/>
-                <a:cs typeface="Times New Roman" panose="02020603050405020304" pitchFamily="18" charset="0"/>
-              </a:rPr>
-              <a:t>Narrow Band Noise (NBN) block</a:t>
-            </a:r>
-            <a:r>
-              <a:rPr lang="en-US" sz="2000" kern="100" dirty="0">
+              <a:t>Signal type: sinewave</a:t>
+            </a:r>
+          </a:p>
+          <a:p>
+            <a:pPr marL="800100" lvl="1" indent="-342900"/>
+            <a:r>
+              <a:rPr lang="en-US" kern="100" dirty="0">
+                <a:latin typeface="Calibri" panose="020F0502020204030204" pitchFamily="34" charset="0"/>
+                <a:ea typeface="Calibri" panose="020F0502020204030204" pitchFamily="34" charset="0"/>
+                <a:cs typeface="Times New Roman" panose="02020603050405020304" pitchFamily="18" charset="0"/>
+              </a:rPr>
+              <a:t>Frequency = PIS’ center frequency =(1/2)(</a:t>
+            </a:r>
+            <a:r>
+              <a:rPr lang="en-US" kern="100" dirty="0" err="1">
+                <a:latin typeface="Calibri" panose="020F0502020204030204" pitchFamily="34" charset="0"/>
+                <a:ea typeface="Calibri" panose="020F0502020204030204" pitchFamily="34" charset="0"/>
+                <a:cs typeface="Times New Roman" panose="02020603050405020304" pitchFamily="18" charset="0"/>
+              </a:rPr>
+              <a:t>f</a:t>
+            </a:r>
+            <a:r>
+              <a:rPr lang="en-US" kern="100" baseline="-25000" dirty="0" err="1">
+                <a:latin typeface="Calibri" panose="020F0502020204030204" pitchFamily="34" charset="0"/>
+                <a:ea typeface="Calibri" panose="020F0502020204030204" pitchFamily="34" charset="0"/>
+                <a:cs typeface="Times New Roman" panose="02020603050405020304" pitchFamily="18" charset="0"/>
+              </a:rPr>
+              <a:t>PISmin</a:t>
+            </a:r>
+            <a:r>
+              <a:rPr lang="en-US" kern="100" dirty="0">
+                <a:latin typeface="Calibri" panose="020F0502020204030204" pitchFamily="34" charset="0"/>
+                <a:ea typeface="Calibri" panose="020F0502020204030204" pitchFamily="34" charset="0"/>
+                <a:cs typeface="Times New Roman" panose="02020603050405020304" pitchFamily="18" charset="0"/>
+              </a:rPr>
+              <a:t> + </a:t>
+            </a:r>
+            <a:r>
+              <a:rPr lang="en-US" kern="100" dirty="0" err="1">
+                <a:latin typeface="Calibri" panose="020F0502020204030204" pitchFamily="34" charset="0"/>
+                <a:ea typeface="Calibri" panose="020F0502020204030204" pitchFamily="34" charset="0"/>
+                <a:cs typeface="Times New Roman" panose="02020603050405020304" pitchFamily="18" charset="0"/>
+              </a:rPr>
+              <a:t>f</a:t>
+            </a:r>
+            <a:r>
+              <a:rPr lang="en-US" kern="100" baseline="-25000" dirty="0" err="1">
+                <a:latin typeface="Calibri" panose="020F0502020204030204" pitchFamily="34" charset="0"/>
+                <a:ea typeface="Calibri" panose="020F0502020204030204" pitchFamily="34" charset="0"/>
+                <a:cs typeface="Times New Roman" panose="02020603050405020304" pitchFamily="18" charset="0"/>
+              </a:rPr>
+              <a:t>PISmax</a:t>
+            </a:r>
+            <a:r>
+              <a:rPr lang="en-US" kern="100" dirty="0">
+                <a:latin typeface="Calibri" panose="020F0502020204030204" pitchFamily="34" charset="0"/>
+                <a:ea typeface="Calibri" panose="020F0502020204030204" pitchFamily="34" charset="0"/>
+                <a:cs typeface="Times New Roman" panose="02020603050405020304" pitchFamily="18" charset="0"/>
+              </a:rPr>
+              <a:t>)</a:t>
+            </a:r>
+          </a:p>
+          <a:p>
+            <a:pPr marL="800100" lvl="1" indent="-342900"/>
+            <a:r>
+              <a:rPr lang="en-US" kern="100" dirty="0">
+                <a:latin typeface="Calibri" panose="020F0502020204030204" pitchFamily="34" charset="0"/>
+                <a:ea typeface="Calibri" panose="020F0502020204030204" pitchFamily="34" charset="0"/>
+                <a:cs typeface="Times New Roman" panose="02020603050405020304" pitchFamily="18" charset="0"/>
+              </a:rPr>
+              <a:t>RMS amplitude =  PIS’ average amplitude over the half-power bandwidth [</a:t>
+            </a:r>
+            <a:r>
+              <a:rPr lang="en-US" kern="100" dirty="0" err="1">
+                <a:latin typeface="Calibri" panose="020F0502020204030204" pitchFamily="34" charset="0"/>
+                <a:ea typeface="Calibri" panose="020F0502020204030204" pitchFamily="34" charset="0"/>
+                <a:cs typeface="Times New Roman" panose="02020603050405020304" pitchFamily="18" charset="0"/>
+              </a:rPr>
+              <a:t>fmin</a:t>
+            </a:r>
+            <a:r>
+              <a:rPr lang="en-US" kern="100" dirty="0">
+                <a:latin typeface="Calibri" panose="020F0502020204030204" pitchFamily="34" charset="0"/>
+                <a:ea typeface="Calibri" panose="020F0502020204030204" pitchFamily="34" charset="0"/>
+                <a:cs typeface="Times New Roman" panose="02020603050405020304" pitchFamily="18" charset="0"/>
+              </a:rPr>
+              <a:t>, fmax]</a:t>
+            </a:r>
+          </a:p>
+          <a:p>
+            <a:pPr marL="342900" indent="-342900">
+              <a:buFont typeface="Arial" panose="020B0604020202020204" pitchFamily="34" charset="0"/>
+              <a:buChar char="•"/>
+            </a:pPr>
+            <a:r>
+              <a:rPr lang="en-US" kern="100" dirty="0">
+                <a:latin typeface="Calibri" panose="020F0502020204030204" pitchFamily="34" charset="0"/>
+                <a:ea typeface="Calibri" panose="020F0502020204030204" pitchFamily="34" charset="0"/>
+                <a:cs typeface="Times New Roman" panose="02020603050405020304" pitchFamily="18" charset="0"/>
+              </a:rPr>
+              <a:t>Display the spectrum of the non-filtered compound signal PIS mixed with NBN denoted as PIS&amp;NBN</a:t>
+            </a:r>
+          </a:p>
+          <a:p>
+            <a:pPr marL="800100" lvl="1" indent="-342900"/>
+            <a:r>
+              <a:rPr lang="en-US" kern="100" dirty="0">
+                <a:latin typeface="Calibri" panose="020F0502020204030204" pitchFamily="34" charset="0"/>
+                <a:ea typeface="Calibri" panose="020F0502020204030204" pitchFamily="34" charset="0"/>
+                <a:cs typeface="Times New Roman" panose="02020603050405020304" pitchFamily="18" charset="0"/>
+              </a:rPr>
+              <a:t>Characterize the Signal to Noise ratio of PIS&amp;NBN</a:t>
+            </a:r>
+          </a:p>
+          <a:p>
+            <a:pPr marL="342900" indent="-342900">
+              <a:buFont typeface="Arial" panose="020B0604020202020204" pitchFamily="34" charset="0"/>
+              <a:buChar char="•"/>
+            </a:pPr>
+            <a:r>
+              <a:rPr lang="en-US" kern="100" dirty="0">
+                <a:latin typeface="Calibri" panose="020F0502020204030204" pitchFamily="34" charset="0"/>
+                <a:ea typeface="Calibri" panose="020F0502020204030204" pitchFamily="34" charset="0"/>
+                <a:cs typeface="Times New Roman" panose="02020603050405020304" pitchFamily="18" charset="0"/>
+              </a:rPr>
+              <a:t>Display the spectrum of the filtered PIS&amp;NBN denoted as F_ PIS&amp;NBN</a:t>
+            </a:r>
+          </a:p>
+          <a:p>
+            <a:pPr marL="800100" lvl="1" indent="-342900"/>
+            <a:r>
+              <a:rPr lang="en-US" kern="100" dirty="0">
+                <a:latin typeface="Calibri" panose="020F0502020204030204" pitchFamily="34" charset="0"/>
+                <a:ea typeface="Calibri" panose="020F0502020204030204" pitchFamily="34" charset="0"/>
+                <a:cs typeface="Times New Roman" panose="02020603050405020304" pitchFamily="18" charset="0"/>
+              </a:rPr>
+              <a:t>Characterize the Signal to Noise ratio of F_ PIS&amp;NBN </a:t>
+            </a:r>
+          </a:p>
+          <a:p>
+            <a:pPr marL="342900" indent="-342900">
+              <a:buFont typeface="Arial" panose="020B0604020202020204" pitchFamily="34" charset="0"/>
+              <a:buChar char="•"/>
+            </a:pPr>
+            <a:r>
+              <a:rPr lang="en-US" kern="100" dirty="0">
+                <a:latin typeface="Calibri" panose="020F0502020204030204" pitchFamily="34" charset="0"/>
+                <a:ea typeface="Calibri" panose="020F0502020204030204" pitchFamily="34" charset="0"/>
+                <a:cs typeface="Times New Roman" panose="02020603050405020304" pitchFamily="18" charset="0"/>
+              </a:rPr>
+              <a:t>Use the Spectrum Analyzer capability or use a subtractor block to compare PIS with PIS&amp;NBN</a:t>
+            </a:r>
+          </a:p>
+          <a:p>
+            <a:pPr marL="342900" indent="-342900">
+              <a:buFont typeface="Arial" panose="020B0604020202020204" pitchFamily="34" charset="0"/>
+              <a:buChar char="•"/>
+            </a:pPr>
+            <a:r>
+              <a:rPr lang="en-US" kern="100" dirty="0">
+                <a:latin typeface="Calibri" panose="020F0502020204030204" pitchFamily="34" charset="0"/>
+                <a:ea typeface="Calibri" panose="020F0502020204030204" pitchFamily="34" charset="0"/>
+                <a:cs typeface="Times New Roman" panose="02020603050405020304" pitchFamily="18" charset="0"/>
+              </a:rPr>
+              <a:t>Summarize your findings and conclude as to the efficiency of the filtering. If you have determined that the filter is not efficient, provide an explanation as to why. Which of the 2 assigned is most capable to protect the PIS against a Broad Band noise? </a:t>
+            </a:r>
+            <a:r>
+              <a:rPr lang="en-US" kern="100" dirty="0">
                 <a:solidFill>
                   <a:srgbClr val="FF0000"/>
                 </a:solidFill>
@@ -5089,53 +5019,27 @@
                 <a:ea typeface="Calibri" panose="020F0502020204030204" pitchFamily="34" charset="0"/>
                 <a:cs typeface="Times New Roman" panose="02020603050405020304" pitchFamily="18" charset="0"/>
               </a:rPr>
-              <a:t> (See slide 8)</a:t>
-            </a:r>
-          </a:p>
-          <a:p>
-            <a:pPr marL="800100" lvl="1" indent="-342900"/>
-            <a:r>
-              <a:rPr lang="en-US" sz="2000" kern="100" dirty="0">
-                <a:latin typeface="Calibri" panose="020F0502020204030204" pitchFamily="34" charset="0"/>
-                <a:ea typeface="Calibri" panose="020F0502020204030204" pitchFamily="34" charset="0"/>
-                <a:cs typeface="Times New Roman" panose="02020603050405020304" pitchFamily="18" charset="0"/>
-              </a:rPr>
-              <a:t>A Gaussian white noise alone applied  to the Random Source block. This signal is also called Broad Band Noise (BBN) </a:t>
-            </a:r>
-            <a:r>
-              <a:rPr lang="en-US" sz="2000" kern="100" dirty="0">
-                <a:solidFill>
-                  <a:srgbClr val="FF0000"/>
-                </a:solidFill>
-                <a:latin typeface="Calibri" panose="020F0502020204030204" pitchFamily="34" charset="0"/>
-                <a:ea typeface="Calibri" panose="020F0502020204030204" pitchFamily="34" charset="0"/>
-                <a:cs typeface="Times New Roman" panose="02020603050405020304" pitchFamily="18" charset="0"/>
-              </a:rPr>
-              <a:t>(See slide 9)</a:t>
-            </a:r>
-            <a:endParaRPr lang="en-US" sz="2000" kern="100" dirty="0">
+              <a:t>This can be a few bullet points here, then discussed more in depth in report</a:t>
+            </a:r>
+            <a:endParaRPr lang="en-US" kern="100" dirty="0">
               <a:latin typeface="Calibri" panose="020F0502020204030204" pitchFamily="34" charset="0"/>
               <a:ea typeface="Calibri" panose="020F0502020204030204" pitchFamily="34" charset="0"/>
               <a:cs typeface="Times New Roman" panose="02020603050405020304" pitchFamily="18" charset="0"/>
             </a:endParaRPr>
           </a:p>
           <a:p>
-            <a:pPr marL="800100" lvl="1" indent="-342900"/>
-            <a:r>
-              <a:rPr lang="en-US" sz="2000" kern="100" dirty="0">
-                <a:latin typeface="Calibri" panose="020F0502020204030204" pitchFamily="34" charset="0"/>
-                <a:ea typeface="Calibri" panose="020F0502020204030204" pitchFamily="34" charset="0"/>
-                <a:cs typeface="Times New Roman" panose="02020603050405020304" pitchFamily="18" charset="0"/>
-              </a:rPr>
-              <a:t>Both NBN and BBN applied at the same time.</a:t>
-            </a:r>
+            <a:pPr marL="342900" indent="-342900">
+              <a:buFont typeface="Arial" panose="020B0604020202020204" pitchFamily="34" charset="0"/>
+              <a:buChar char="•"/>
+            </a:pPr>
+            <a:endParaRPr lang="en-US" dirty="0"/>
           </a:p>
         </p:txBody>
       </p:sp>
     </p:spTree>
     <p:extLst>
       <p:ext uri="{BB962C8B-B14F-4D97-AF65-F5344CB8AC3E}">
-        <p14:creationId xmlns:p14="http://schemas.microsoft.com/office/powerpoint/2010/main" val="830721782"/>
+        <p14:creationId xmlns:p14="http://schemas.microsoft.com/office/powerpoint/2010/main" val="4078861040"/>
       </p:ext>
     </p:extLst>
   </p:cSld>
@@ -5167,7 +5071,7 @@
           <p:cNvPr id="2" name="Title 1">
             <a:extLst>
               <a:ext uri="{FF2B5EF4-FFF2-40B4-BE49-F238E27FC236}">
-                <a16:creationId xmlns:a16="http://schemas.microsoft.com/office/drawing/2014/main" id="{1D866218-7451-3785-5799-91F1A20951D9}"/>
+                <a16:creationId xmlns:a16="http://schemas.microsoft.com/office/drawing/2014/main" id="{11536382-0D5D-0564-57DD-0CA4B5938F30}"/>
               </a:ext>
             </a:extLst>
           </p:cNvPr>
@@ -5185,7 +5089,7 @@
           <a:p>
             <a:r>
               <a:rPr lang="en-US" dirty="0"/>
-              <a:t>NBN</a:t>
+              <a:t>BBN</a:t>
             </a:r>
           </a:p>
         </p:txBody>
@@ -5195,7 +5099,7 @@
           <p:cNvPr id="3" name="Content Placeholder 2">
             <a:extLst>
               <a:ext uri="{FF2B5EF4-FFF2-40B4-BE49-F238E27FC236}">
-                <a16:creationId xmlns:a16="http://schemas.microsoft.com/office/drawing/2014/main" id="{8ABBC50B-5C6E-F0C9-BC4A-72EA7755B90C}"/>
+                <a16:creationId xmlns:a16="http://schemas.microsoft.com/office/drawing/2014/main" id="{C303818C-AB32-FF4E-EDF0-A8314B961A59}"/>
               </a:ext>
             </a:extLst>
           </p:cNvPr>
@@ -5209,7 +5113,7 @@
         <p:spPr/>
         <p:txBody>
           <a:bodyPr>
-            <a:normAutofit fontScale="85000" lnSpcReduction="10000"/>
+            <a:normAutofit fontScale="85000" lnSpcReduction="20000"/>
           </a:bodyPr>
           <a:lstStyle/>
           <a:p>
@@ -5285,7 +5189,7 @@
                 <a:ea typeface="Calibri" panose="020F0502020204030204" pitchFamily="34" charset="0"/>
                 <a:cs typeface="Times New Roman" panose="02020603050405020304" pitchFamily="18" charset="0"/>
               </a:rPr>
-              <a:t>Mix the PIS with a Narrowband Noise (NBN) defined as follows:</a:t>
+              <a:t>Mix the PIS with a Broad Band Noise (BBN) defined as follows:</a:t>
             </a:r>
           </a:p>
           <a:p>
@@ -5296,7 +5200,7 @@
                 <a:ea typeface="Calibri" panose="020F0502020204030204" pitchFamily="34" charset="0"/>
                 <a:cs typeface="Times New Roman" panose="02020603050405020304" pitchFamily="18" charset="0"/>
               </a:rPr>
-              <a:t>Signal type: sinewave</a:t>
+              <a:t>Signal type: White Noise Gaussian</a:t>
             </a:r>
           </a:p>
           <a:p>
@@ -5307,7 +5211,7 @@
                 <a:ea typeface="Calibri" panose="020F0502020204030204" pitchFamily="34" charset="0"/>
                 <a:cs typeface="Times New Roman" panose="02020603050405020304" pitchFamily="18" charset="0"/>
               </a:rPr>
-              <a:t>Frequency = PIS’ center frequency =(1/2)(</a:t>
+              <a:t>Mean amplitude = PIS’ average amplitude over the half-power bandwidth [</a:t>
             </a:r>
             <a:r>
               <a:rPr lang="en-US" kern="100" dirty="0" err="1">
@@ -5331,7 +5235,7 @@
                 <a:ea typeface="Calibri" panose="020F0502020204030204" pitchFamily="34" charset="0"/>
                 <a:cs typeface="Times New Roman" panose="02020603050405020304" pitchFamily="18" charset="0"/>
               </a:rPr>
-              <a:t> + </a:t>
+              <a:t>, </a:t>
             </a:r>
             <a:r>
               <a:rPr lang="en-US" kern="100" dirty="0" err="1">
@@ -5355,7 +5259,7 @@
                 <a:ea typeface="Calibri" panose="020F0502020204030204" pitchFamily="34" charset="0"/>
                 <a:cs typeface="Times New Roman" panose="02020603050405020304" pitchFamily="18" charset="0"/>
               </a:rPr>
-              <a:t>)</a:t>
+              <a:t>]</a:t>
             </a:r>
           </a:p>
           <a:p>
@@ -5366,7 +5270,7 @@
                 <a:ea typeface="Calibri" panose="020F0502020204030204" pitchFamily="34" charset="0"/>
                 <a:cs typeface="Times New Roman" panose="02020603050405020304" pitchFamily="18" charset="0"/>
               </a:rPr>
-              <a:t>RMS amplitude =  PIS’ average amplitude over the half-power bandwidth [</a:t>
+              <a:t>Standard deviation = RMS value of the PIS spectrum over its half-power bandwidth [</a:t>
             </a:r>
             <a:r>
               <a:rPr lang="en-US" kern="100" dirty="0" err="1">
@@ -5374,7 +5278,15 @@
                 <a:ea typeface="Calibri" panose="020F0502020204030204" pitchFamily="34" charset="0"/>
                 <a:cs typeface="Times New Roman" panose="02020603050405020304" pitchFamily="18" charset="0"/>
               </a:rPr>
-              <a:t>fmin</a:t>
+              <a:t>f</a:t>
+            </a:r>
+            <a:r>
+              <a:rPr lang="en-US" kern="100" baseline="-25000" dirty="0" err="1">
+                <a:latin typeface="Calibri" panose="020F0502020204030204" pitchFamily="34" charset="0"/>
+                <a:ea typeface="Calibri" panose="020F0502020204030204" pitchFamily="34" charset="0"/>
+                <a:cs typeface="Times New Roman" panose="02020603050405020304" pitchFamily="18" charset="0"/>
+              </a:rPr>
+              <a:t>PISmin</a:t>
             </a:r>
             <a:r>
               <a:rPr lang="en-US" kern="100" dirty="0">
@@ -5382,7 +5294,31 @@
                 <a:ea typeface="Calibri" panose="020F0502020204030204" pitchFamily="34" charset="0"/>
                 <a:cs typeface="Times New Roman" panose="02020603050405020304" pitchFamily="18" charset="0"/>
               </a:rPr>
-              <a:t>, fmax]</a:t>
+              <a:t>, </a:t>
+            </a:r>
+            <a:r>
+              <a:rPr lang="en-US" kern="100" dirty="0" err="1">
+                <a:latin typeface="Calibri" panose="020F0502020204030204" pitchFamily="34" charset="0"/>
+                <a:ea typeface="Calibri" panose="020F0502020204030204" pitchFamily="34" charset="0"/>
+                <a:cs typeface="Times New Roman" panose="02020603050405020304" pitchFamily="18" charset="0"/>
+              </a:rPr>
+              <a:t>f</a:t>
+            </a:r>
+            <a:r>
+              <a:rPr lang="en-US" kern="100" baseline="-25000" dirty="0" err="1">
+                <a:latin typeface="Calibri" panose="020F0502020204030204" pitchFamily="34" charset="0"/>
+                <a:ea typeface="Calibri" panose="020F0502020204030204" pitchFamily="34" charset="0"/>
+                <a:cs typeface="Times New Roman" panose="02020603050405020304" pitchFamily="18" charset="0"/>
+              </a:rPr>
+              <a:t>PISmax</a:t>
+            </a:r>
+            <a:r>
+              <a:rPr lang="en-US" kern="100" dirty="0">
+                <a:latin typeface="Calibri" panose="020F0502020204030204" pitchFamily="34" charset="0"/>
+                <a:ea typeface="Calibri" panose="020F0502020204030204" pitchFamily="34" charset="0"/>
+                <a:cs typeface="Times New Roman" panose="02020603050405020304" pitchFamily="18" charset="0"/>
+              </a:rPr>
+              <a:t>]</a:t>
             </a:r>
           </a:p>
           <a:p>
@@ -5396,7 +5332,7 @@
                 <a:ea typeface="Calibri" panose="020F0502020204030204" pitchFamily="34" charset="0"/>
                 <a:cs typeface="Times New Roman" panose="02020603050405020304" pitchFamily="18" charset="0"/>
               </a:rPr>
-              <a:t>Display the spectrum of the non-filtered compound signal PIS mixed with NBN denoted as PIS&amp;NBN</a:t>
+              <a:t>Display the spectrum of the non-filtered compound signal PIS mixed with BBN denoted as PIS&amp;BBN</a:t>
             </a:r>
           </a:p>
           <a:p>
@@ -5407,7 +5343,7 @@
                 <a:ea typeface="Calibri" panose="020F0502020204030204" pitchFamily="34" charset="0"/>
                 <a:cs typeface="Times New Roman" panose="02020603050405020304" pitchFamily="18" charset="0"/>
               </a:rPr>
-              <a:t>Characterize the Signal to Noise ratio of PIS&amp;NBN</a:t>
+              <a:t>Characterize the Signal to Noise ratio of PIS&amp;BBN</a:t>
             </a:r>
           </a:p>
           <a:p>
@@ -5421,7 +5357,7 @@
                 <a:ea typeface="Calibri" panose="020F0502020204030204" pitchFamily="34" charset="0"/>
                 <a:cs typeface="Times New Roman" panose="02020603050405020304" pitchFamily="18" charset="0"/>
               </a:rPr>
-              <a:t>Display the spectrum of the filtered PIS&amp;NBN denoted as F_ PIS&amp;NBN</a:t>
+              <a:t>Display the spectrum of the filtered PIS&amp;BBN denoted as F_ PIS&amp;BBN </a:t>
             </a:r>
           </a:p>
           <a:p>
@@ -5432,7 +5368,7 @@
                 <a:ea typeface="Calibri" panose="020F0502020204030204" pitchFamily="34" charset="0"/>
                 <a:cs typeface="Times New Roman" panose="02020603050405020304" pitchFamily="18" charset="0"/>
               </a:rPr>
-              <a:t>Characterize the Signal to Noise ratio of F_ PIS&amp;NBN </a:t>
+              <a:t>Characterize the Signal to Noise ratio of F_ PIS&amp;BBN</a:t>
             </a:r>
           </a:p>
           <a:p>
@@ -5446,7 +5382,7 @@
                 <a:ea typeface="Calibri" panose="020F0502020204030204" pitchFamily="34" charset="0"/>
                 <a:cs typeface="Times New Roman" panose="02020603050405020304" pitchFamily="18" charset="0"/>
               </a:rPr>
-              <a:t>Use the Spectrum Analyzer capability or use a subtractor block to compare PIS with PIS&amp;NBN</a:t>
+              <a:t>Use the Spectrum Analyzer capability or use a subtractor block to compare PIS with PIS&amp;BBN</a:t>
             </a:r>
           </a:p>
           <a:p>
@@ -5484,6 +5420,27 @@
               <a:buFont typeface="Arial" panose="020B0604020202020204" pitchFamily="34" charset="0"/>
               <a:buChar char="•"/>
             </a:pPr>
+            <a:endParaRPr lang="en-US" kern="100" dirty="0">
+              <a:latin typeface="Calibri" panose="020F0502020204030204" pitchFamily="34" charset="0"/>
+              <a:ea typeface="Calibri" panose="020F0502020204030204" pitchFamily="34" charset="0"/>
+              <a:cs typeface="Times New Roman" panose="02020603050405020304" pitchFamily="18" charset="0"/>
+            </a:endParaRPr>
+          </a:p>
+          <a:p>
+            <a:pPr lvl="1" indent="0">
+              <a:buNone/>
+            </a:pPr>
+            <a:endParaRPr lang="en-US" kern="100" dirty="0">
+              <a:latin typeface="Calibri" panose="020F0502020204030204" pitchFamily="34" charset="0"/>
+              <a:ea typeface="Calibri" panose="020F0502020204030204" pitchFamily="34" charset="0"/>
+              <a:cs typeface="Times New Roman" panose="02020603050405020304" pitchFamily="18" charset="0"/>
+            </a:endParaRPr>
+          </a:p>
+          <a:p>
+            <a:pPr marL="342900" indent="-342900">
+              <a:buFont typeface="Arial" panose="020B0604020202020204" pitchFamily="34" charset="0"/>
+              <a:buChar char="•"/>
+            </a:pPr>
             <a:endParaRPr lang="en-US" dirty="0"/>
           </a:p>
         </p:txBody>
@@ -5491,7 +5448,7 @@
     </p:spTree>
     <p:extLst>
       <p:ext uri="{BB962C8B-B14F-4D97-AF65-F5344CB8AC3E}">
-        <p14:creationId xmlns:p14="http://schemas.microsoft.com/office/powerpoint/2010/main" val="4078861040"/>
+        <p14:creationId xmlns:p14="http://schemas.microsoft.com/office/powerpoint/2010/main" val="1814202724"/>
       </p:ext>
     </p:extLst>
   </p:cSld>
@@ -5523,7 +5480,7 @@
           <p:cNvPr id="2" name="Title 1">
             <a:extLst>
               <a:ext uri="{FF2B5EF4-FFF2-40B4-BE49-F238E27FC236}">
-                <a16:creationId xmlns:a16="http://schemas.microsoft.com/office/drawing/2014/main" id="{11536382-0D5D-0564-57DD-0CA4B5938F30}"/>
+                <a16:creationId xmlns:a16="http://schemas.microsoft.com/office/drawing/2014/main" id="{6BBDFEFC-643D-1E91-F069-487F3FBAD5D1}"/>
               </a:ext>
             </a:extLst>
           </p:cNvPr>
@@ -5541,7 +5498,7 @@
           <a:p>
             <a:r>
               <a:rPr lang="en-US" dirty="0"/>
-              <a:t>BBN</a:t>
+              <a:t>Activity 3 Cont.</a:t>
             </a:r>
           </a:p>
         </p:txBody>
@@ -5551,7 +5508,7 @@
           <p:cNvPr id="3" name="Content Placeholder 2">
             <a:extLst>
               <a:ext uri="{FF2B5EF4-FFF2-40B4-BE49-F238E27FC236}">
-                <a16:creationId xmlns:a16="http://schemas.microsoft.com/office/drawing/2014/main" id="{C303818C-AB32-FF4E-EDF0-A8314B961A59}"/>
+                <a16:creationId xmlns:a16="http://schemas.microsoft.com/office/drawing/2014/main" id="{C5246BD0-DF04-9EDB-6EE3-EAE913D32D0E}"/>
               </a:ext>
             </a:extLst>
           </p:cNvPr>
@@ -5564,9 +5521,7 @@
         </p:nvSpPr>
         <p:spPr/>
         <p:txBody>
-          <a:bodyPr>
-            <a:normAutofit fontScale="85000" lnSpcReduction="20000"/>
-          </a:bodyPr>
+          <a:bodyPr/>
           <a:lstStyle/>
           <a:p>
             <a:pPr marL="342900" indent="-342900">
@@ -5574,60 +5529,56 @@
               <a:buChar char="•"/>
             </a:pPr>
             <a:r>
+              <a:rPr lang="en-US" sz="2000" b="1" kern="100" dirty="0">
+                <a:latin typeface="Calibri" panose="020F0502020204030204" pitchFamily="34" charset="0"/>
+                <a:ea typeface="Calibri" panose="020F0502020204030204" pitchFamily="34" charset="0"/>
+                <a:cs typeface="Times New Roman" panose="02020603050405020304" pitchFamily="18" charset="0"/>
+              </a:rPr>
+              <a:t>Comparison of Narrow Band (NB) Broad Band (BB) Noise Filtering</a:t>
+            </a:r>
+          </a:p>
+          <a:p>
+            <a:pPr marL="800100" lvl="1" indent="-342900"/>
+            <a:r>
               <a:rPr lang="en-US" kern="100" dirty="0">
                 <a:latin typeface="Calibri" panose="020F0502020204030204" pitchFamily="34" charset="0"/>
                 <a:ea typeface="Calibri" panose="020F0502020204030204" pitchFamily="34" charset="0"/>
                 <a:cs typeface="Times New Roman" panose="02020603050405020304" pitchFamily="18" charset="0"/>
               </a:rPr>
-              <a:t>Characterize the PIS spectrum in dB value in identifying its half-power bandwidth [</a:t>
-            </a:r>
-            <a:r>
-              <a:rPr lang="en-US" kern="100" dirty="0" err="1">
-                <a:latin typeface="Calibri" panose="020F0502020204030204" pitchFamily="34" charset="0"/>
-                <a:ea typeface="Calibri" panose="020F0502020204030204" pitchFamily="34" charset="0"/>
-                <a:cs typeface="Times New Roman" panose="02020603050405020304" pitchFamily="18" charset="0"/>
-              </a:rPr>
-              <a:t>f</a:t>
-            </a:r>
-            <a:r>
-              <a:rPr lang="en-US" kern="100" baseline="-25000" dirty="0" err="1">
-                <a:latin typeface="Calibri" panose="020F0502020204030204" pitchFamily="34" charset="0"/>
-                <a:ea typeface="Calibri" panose="020F0502020204030204" pitchFamily="34" charset="0"/>
-                <a:cs typeface="Times New Roman" panose="02020603050405020304" pitchFamily="18" charset="0"/>
-              </a:rPr>
-              <a:t>PISmin</a:t>
-            </a:r>
+              <a:t>Which type of noise signal is the easiest to filter?</a:t>
+            </a:r>
+          </a:p>
+          <a:p>
+            <a:pPr marL="800100" lvl="1" indent="-342900"/>
+            <a:r>
+              <a:rPr lang="en-US" sz="2000" kern="100" dirty="0">
+                <a:latin typeface="Calibri" panose="020F0502020204030204" pitchFamily="34" charset="0"/>
+                <a:ea typeface="Calibri" panose="020F0502020204030204" pitchFamily="34" charset="0"/>
+                <a:cs typeface="Times New Roman" panose="02020603050405020304" pitchFamily="18" charset="0"/>
+              </a:rPr>
+              <a:t>What filter is most efficient in protecting against:</a:t>
+            </a:r>
+          </a:p>
+          <a:p>
+            <a:pPr marL="1485900" lvl="2" indent="-342900"/>
             <a:r>
               <a:rPr lang="en-US" kern="100" dirty="0">
                 <a:latin typeface="Calibri" panose="020F0502020204030204" pitchFamily="34" charset="0"/>
                 <a:ea typeface="Calibri" panose="020F0502020204030204" pitchFamily="34" charset="0"/>
                 <a:cs typeface="Times New Roman" panose="02020603050405020304" pitchFamily="18" charset="0"/>
               </a:rPr>
-              <a:t>, </a:t>
-            </a:r>
-            <a:r>
-              <a:rPr lang="en-US" kern="100" dirty="0" err="1">
-                <a:latin typeface="Calibri" panose="020F0502020204030204" pitchFamily="34" charset="0"/>
-                <a:ea typeface="Calibri" panose="020F0502020204030204" pitchFamily="34" charset="0"/>
-                <a:cs typeface="Times New Roman" panose="02020603050405020304" pitchFamily="18" charset="0"/>
-              </a:rPr>
-              <a:t>f</a:t>
-            </a:r>
-            <a:r>
-              <a:rPr lang="en-US" kern="100" baseline="-25000" dirty="0" err="1">
-                <a:latin typeface="Calibri" panose="020F0502020204030204" pitchFamily="34" charset="0"/>
-                <a:ea typeface="Calibri" panose="020F0502020204030204" pitchFamily="34" charset="0"/>
-                <a:cs typeface="Times New Roman" panose="02020603050405020304" pitchFamily="18" charset="0"/>
-              </a:rPr>
-              <a:t>PISmax</a:t>
-            </a:r>
-            <a:r>
-              <a:rPr lang="en-US" kern="100" dirty="0">
-                <a:latin typeface="Calibri" panose="020F0502020204030204" pitchFamily="34" charset="0"/>
-                <a:ea typeface="Calibri" panose="020F0502020204030204" pitchFamily="34" charset="0"/>
-                <a:cs typeface="Times New Roman" panose="02020603050405020304" pitchFamily="18" charset="0"/>
-              </a:rPr>
-              <a:t>]</a:t>
+              <a:t>NBN</a:t>
+            </a:r>
+          </a:p>
+          <a:p>
+            <a:pPr marL="1485900" lvl="2" indent="-342900"/>
+            <a:r>
+              <a:rPr lang="en-US" sz="2000" kern="100" dirty="0">
+                <a:latin typeface="Calibri" panose="020F0502020204030204" pitchFamily="34" charset="0"/>
+                <a:ea typeface="Calibri" panose="020F0502020204030204" pitchFamily="34" charset="0"/>
+                <a:cs typeface="Times New Roman" panose="02020603050405020304" pitchFamily="18" charset="0"/>
+              </a:rPr>
+              <a:t>BBN</a:t>
             </a:r>
           </a:p>
           <a:p>
@@ -5636,263 +5587,15 @@
               <a:buChar char="•"/>
             </a:pPr>
             <a:r>
-              <a:rPr lang="en-US" kern="100" dirty="0">
-                <a:latin typeface="Calibri" panose="020F0502020204030204" pitchFamily="34" charset="0"/>
-                <a:ea typeface="Calibri" panose="020F0502020204030204" pitchFamily="34" charset="0"/>
-                <a:cs typeface="Times New Roman" panose="02020603050405020304" pitchFamily="18" charset="0"/>
-              </a:rPr>
-              <a:t>Mix the PIS with a Broad Band Noise (BBN) defined as follows:</a:t>
-            </a:r>
-          </a:p>
-          <a:p>
-            <a:pPr marL="800100" lvl="1" indent="-342900"/>
-            <a:r>
-              <a:rPr lang="en-US" kern="100" dirty="0">
-                <a:latin typeface="Calibri" panose="020F0502020204030204" pitchFamily="34" charset="0"/>
-                <a:ea typeface="Calibri" panose="020F0502020204030204" pitchFamily="34" charset="0"/>
-                <a:cs typeface="Times New Roman" panose="02020603050405020304" pitchFamily="18" charset="0"/>
-              </a:rPr>
-              <a:t>Signal type: White Noise Gaussian</a:t>
-            </a:r>
-          </a:p>
-          <a:p>
-            <a:pPr marL="800100" lvl="1" indent="-342900"/>
-            <a:r>
-              <a:rPr lang="en-US" kern="100" dirty="0">
-                <a:latin typeface="Calibri" panose="020F0502020204030204" pitchFamily="34" charset="0"/>
-                <a:ea typeface="Calibri" panose="020F0502020204030204" pitchFamily="34" charset="0"/>
-                <a:cs typeface="Times New Roman" panose="02020603050405020304" pitchFamily="18" charset="0"/>
-              </a:rPr>
-              <a:t>Mean amplitude = PIS’ average amplitude over the half-power bandwidth [</a:t>
-            </a:r>
-            <a:r>
-              <a:rPr lang="en-US" kern="100" dirty="0" err="1">
-                <a:latin typeface="Calibri" panose="020F0502020204030204" pitchFamily="34" charset="0"/>
-                <a:ea typeface="Calibri" panose="020F0502020204030204" pitchFamily="34" charset="0"/>
-                <a:cs typeface="Times New Roman" panose="02020603050405020304" pitchFamily="18" charset="0"/>
-              </a:rPr>
-              <a:t>f</a:t>
-            </a:r>
-            <a:r>
-              <a:rPr lang="en-US" kern="100" baseline="-25000" dirty="0" err="1">
-                <a:latin typeface="Calibri" panose="020F0502020204030204" pitchFamily="34" charset="0"/>
-                <a:ea typeface="Calibri" panose="020F0502020204030204" pitchFamily="34" charset="0"/>
-                <a:cs typeface="Times New Roman" panose="02020603050405020304" pitchFamily="18" charset="0"/>
-              </a:rPr>
-              <a:t>PISmin</a:t>
-            </a:r>
-            <a:r>
-              <a:rPr lang="en-US" kern="100" dirty="0">
-                <a:latin typeface="Calibri" panose="020F0502020204030204" pitchFamily="34" charset="0"/>
-                <a:ea typeface="Calibri" panose="020F0502020204030204" pitchFamily="34" charset="0"/>
-                <a:cs typeface="Times New Roman" panose="02020603050405020304" pitchFamily="18" charset="0"/>
-              </a:rPr>
-              <a:t>, </a:t>
-            </a:r>
-            <a:r>
-              <a:rPr lang="en-US" kern="100" dirty="0" err="1">
-                <a:latin typeface="Calibri" panose="020F0502020204030204" pitchFamily="34" charset="0"/>
-                <a:ea typeface="Calibri" panose="020F0502020204030204" pitchFamily="34" charset="0"/>
-                <a:cs typeface="Times New Roman" panose="02020603050405020304" pitchFamily="18" charset="0"/>
-              </a:rPr>
-              <a:t>f</a:t>
-            </a:r>
-            <a:r>
-              <a:rPr lang="en-US" kern="100" baseline="-25000" dirty="0" err="1">
-                <a:latin typeface="Calibri" panose="020F0502020204030204" pitchFamily="34" charset="0"/>
-                <a:ea typeface="Calibri" panose="020F0502020204030204" pitchFamily="34" charset="0"/>
-                <a:cs typeface="Times New Roman" panose="02020603050405020304" pitchFamily="18" charset="0"/>
-              </a:rPr>
-              <a:t>PISmax</a:t>
-            </a:r>
-            <a:r>
-              <a:rPr lang="en-US" kern="100" dirty="0">
-                <a:latin typeface="Calibri" panose="020F0502020204030204" pitchFamily="34" charset="0"/>
-                <a:ea typeface="Calibri" panose="020F0502020204030204" pitchFamily="34" charset="0"/>
-                <a:cs typeface="Times New Roman" panose="02020603050405020304" pitchFamily="18" charset="0"/>
-              </a:rPr>
-              <a:t>]</a:t>
-            </a:r>
-          </a:p>
-          <a:p>
-            <a:pPr marL="800100" lvl="1" indent="-342900"/>
-            <a:r>
-              <a:rPr lang="en-US" kern="100" dirty="0">
-                <a:latin typeface="Calibri" panose="020F0502020204030204" pitchFamily="34" charset="0"/>
-                <a:ea typeface="Calibri" panose="020F0502020204030204" pitchFamily="34" charset="0"/>
-                <a:cs typeface="Times New Roman" panose="02020603050405020304" pitchFamily="18" charset="0"/>
-              </a:rPr>
-              <a:t>Standard deviation = RMS value of the PIS spectrum over its half-power bandwidth [</a:t>
-            </a:r>
-            <a:r>
-              <a:rPr lang="en-US" kern="100" dirty="0" err="1">
-                <a:latin typeface="Calibri" panose="020F0502020204030204" pitchFamily="34" charset="0"/>
-                <a:ea typeface="Calibri" panose="020F0502020204030204" pitchFamily="34" charset="0"/>
-                <a:cs typeface="Times New Roman" panose="02020603050405020304" pitchFamily="18" charset="0"/>
-              </a:rPr>
-              <a:t>f</a:t>
-            </a:r>
-            <a:r>
-              <a:rPr lang="en-US" kern="100" baseline="-25000" dirty="0" err="1">
-                <a:latin typeface="Calibri" panose="020F0502020204030204" pitchFamily="34" charset="0"/>
-                <a:ea typeface="Calibri" panose="020F0502020204030204" pitchFamily="34" charset="0"/>
-                <a:cs typeface="Times New Roman" panose="02020603050405020304" pitchFamily="18" charset="0"/>
-              </a:rPr>
-              <a:t>PISmin</a:t>
-            </a:r>
-            <a:r>
-              <a:rPr lang="en-US" kern="100" dirty="0">
-                <a:latin typeface="Calibri" panose="020F0502020204030204" pitchFamily="34" charset="0"/>
-                <a:ea typeface="Calibri" panose="020F0502020204030204" pitchFamily="34" charset="0"/>
-                <a:cs typeface="Times New Roman" panose="02020603050405020304" pitchFamily="18" charset="0"/>
-              </a:rPr>
-              <a:t>, </a:t>
-            </a:r>
-            <a:r>
-              <a:rPr lang="en-US" kern="100" dirty="0" err="1">
-                <a:latin typeface="Calibri" panose="020F0502020204030204" pitchFamily="34" charset="0"/>
-                <a:ea typeface="Calibri" panose="020F0502020204030204" pitchFamily="34" charset="0"/>
-                <a:cs typeface="Times New Roman" panose="02020603050405020304" pitchFamily="18" charset="0"/>
-              </a:rPr>
-              <a:t>f</a:t>
-            </a:r>
-            <a:r>
-              <a:rPr lang="en-US" kern="100" baseline="-25000" dirty="0" err="1">
-                <a:latin typeface="Calibri" panose="020F0502020204030204" pitchFamily="34" charset="0"/>
-                <a:ea typeface="Calibri" panose="020F0502020204030204" pitchFamily="34" charset="0"/>
-                <a:cs typeface="Times New Roman" panose="02020603050405020304" pitchFamily="18" charset="0"/>
-              </a:rPr>
-              <a:t>PISmax</a:t>
-            </a:r>
-            <a:r>
-              <a:rPr lang="en-US" kern="100" dirty="0">
-                <a:latin typeface="Calibri" panose="020F0502020204030204" pitchFamily="34" charset="0"/>
-                <a:ea typeface="Calibri" panose="020F0502020204030204" pitchFamily="34" charset="0"/>
-                <a:cs typeface="Times New Roman" panose="02020603050405020304" pitchFamily="18" charset="0"/>
-              </a:rPr>
-              <a:t>]</a:t>
-            </a:r>
-          </a:p>
-          <a:p>
-            <a:pPr marL="342900" indent="-342900">
-              <a:buFont typeface="Arial" panose="020B0604020202020204" pitchFamily="34" charset="0"/>
-              <a:buChar char="•"/>
-            </a:pPr>
-            <a:r>
-              <a:rPr lang="en-US" kern="100" dirty="0">
-                <a:latin typeface="Calibri" panose="020F0502020204030204" pitchFamily="34" charset="0"/>
-                <a:ea typeface="Calibri" panose="020F0502020204030204" pitchFamily="34" charset="0"/>
-                <a:cs typeface="Times New Roman" panose="02020603050405020304" pitchFamily="18" charset="0"/>
-              </a:rPr>
-              <a:t>Display the spectrum of the non-filtered compound signal PIS mixed with BBN denoted as PIS&amp;BBN</a:t>
-            </a:r>
-          </a:p>
-          <a:p>
-            <a:pPr marL="800100" lvl="1" indent="-342900"/>
-            <a:r>
-              <a:rPr lang="en-US" kern="100" dirty="0">
-                <a:latin typeface="Calibri" panose="020F0502020204030204" pitchFamily="34" charset="0"/>
-                <a:ea typeface="Calibri" panose="020F0502020204030204" pitchFamily="34" charset="0"/>
-                <a:cs typeface="Times New Roman" panose="02020603050405020304" pitchFamily="18" charset="0"/>
-              </a:rPr>
-              <a:t>Characterize the Signal to Noise ratio of PIS&amp;BBN</a:t>
-            </a:r>
-          </a:p>
-          <a:p>
-            <a:pPr marL="342900" indent="-342900">
-              <a:buFont typeface="Arial" panose="020B0604020202020204" pitchFamily="34" charset="0"/>
-              <a:buChar char="•"/>
-            </a:pPr>
-            <a:r>
-              <a:rPr lang="en-US" kern="100" dirty="0">
-                <a:latin typeface="Calibri" panose="020F0502020204030204" pitchFamily="34" charset="0"/>
-                <a:ea typeface="Calibri" panose="020F0502020204030204" pitchFamily="34" charset="0"/>
-                <a:cs typeface="Times New Roman" panose="02020603050405020304" pitchFamily="18" charset="0"/>
-              </a:rPr>
-              <a:t>Display the spectrum of the filtered PIS&amp;BBN denoted as F_ PIS&amp;BBN </a:t>
-            </a:r>
-          </a:p>
-          <a:p>
-            <a:pPr marL="800100" lvl="1" indent="-342900"/>
-            <a:r>
-              <a:rPr lang="en-US" kern="100" dirty="0">
-                <a:latin typeface="Calibri" panose="020F0502020204030204" pitchFamily="34" charset="0"/>
-                <a:ea typeface="Calibri" panose="020F0502020204030204" pitchFamily="34" charset="0"/>
-                <a:cs typeface="Times New Roman" panose="02020603050405020304" pitchFamily="18" charset="0"/>
-              </a:rPr>
-              <a:t>Characterize the Signal to Noise ratio of F_ PIS&amp;BBN</a:t>
-            </a:r>
-          </a:p>
-          <a:p>
-            <a:pPr marL="342900" indent="-342900">
-              <a:buFont typeface="Arial" panose="020B0604020202020204" pitchFamily="34" charset="0"/>
-              <a:buChar char="•"/>
-            </a:pPr>
-            <a:r>
-              <a:rPr lang="en-US" kern="100" dirty="0">
-                <a:latin typeface="Calibri" panose="020F0502020204030204" pitchFamily="34" charset="0"/>
-                <a:ea typeface="Calibri" panose="020F0502020204030204" pitchFamily="34" charset="0"/>
-                <a:cs typeface="Times New Roman" panose="02020603050405020304" pitchFamily="18" charset="0"/>
-              </a:rPr>
-              <a:t>Use the Spectrum Analyzer capability or use a subtractor block to compare PIS with PIS&amp;BBN</a:t>
-            </a:r>
-          </a:p>
-          <a:p>
-            <a:pPr marL="342900" indent="-342900">
-              <a:buFont typeface="Arial" panose="020B0604020202020204" pitchFamily="34" charset="0"/>
-              <a:buChar char="•"/>
-            </a:pPr>
-            <a:r>
-              <a:rPr lang="en-US" kern="100" dirty="0">
-                <a:latin typeface="Calibri" panose="020F0502020204030204" pitchFamily="34" charset="0"/>
-                <a:ea typeface="Calibri" panose="020F0502020204030204" pitchFamily="34" charset="0"/>
-                <a:cs typeface="Times New Roman" panose="02020603050405020304" pitchFamily="18" charset="0"/>
-              </a:rPr>
-              <a:t>Summarize your findings and conclude as to the efficiency of the filtering. If you have determined that the filter is not efficient, provide an explanation as to why. Which of the 2 assigned is most capable to protect the PIS against a Broad Band noise? </a:t>
-            </a:r>
-            <a:r>
-              <a:rPr lang="en-US" kern="100" dirty="0">
-                <a:solidFill>
-                  <a:srgbClr val="FF0000"/>
-                </a:solidFill>
-                <a:latin typeface="Calibri" panose="020F0502020204030204" pitchFamily="34" charset="0"/>
-                <a:ea typeface="Calibri" panose="020F0502020204030204" pitchFamily="34" charset="0"/>
-                <a:cs typeface="Times New Roman" panose="02020603050405020304" pitchFamily="18" charset="0"/>
-              </a:rPr>
-              <a:t>This can be a few bullet points here, then discussed more in depth in report</a:t>
-            </a:r>
-            <a:endParaRPr lang="en-US" kern="100" dirty="0">
-              <a:latin typeface="Calibri" panose="020F0502020204030204" pitchFamily="34" charset="0"/>
-              <a:ea typeface="Calibri" panose="020F0502020204030204" pitchFamily="34" charset="0"/>
-              <a:cs typeface="Times New Roman" panose="02020603050405020304" pitchFamily="18" charset="0"/>
-            </a:endParaRPr>
-          </a:p>
-          <a:p>
-            <a:pPr marL="342900" indent="-342900">
-              <a:buFont typeface="Arial" panose="020B0604020202020204" pitchFamily="34" charset="0"/>
-              <a:buChar char="•"/>
-            </a:pPr>
-            <a:endParaRPr lang="en-US" kern="100" dirty="0">
-              <a:latin typeface="Calibri" panose="020F0502020204030204" pitchFamily="34" charset="0"/>
-              <a:ea typeface="Calibri" panose="020F0502020204030204" pitchFamily="34" charset="0"/>
-              <a:cs typeface="Times New Roman" panose="02020603050405020304" pitchFamily="18" charset="0"/>
-            </a:endParaRPr>
-          </a:p>
-          <a:p>
-            <a:pPr lvl="1" indent="0">
-              <a:buNone/>
-            </a:pPr>
-            <a:endParaRPr lang="en-US" kern="100" dirty="0">
-              <a:latin typeface="Calibri" panose="020F0502020204030204" pitchFamily="34" charset="0"/>
-              <a:ea typeface="Calibri" panose="020F0502020204030204" pitchFamily="34" charset="0"/>
-              <a:cs typeface="Times New Roman" panose="02020603050405020304" pitchFamily="18" charset="0"/>
-            </a:endParaRPr>
-          </a:p>
-          <a:p>
-            <a:pPr marL="342900" indent="-342900">
-              <a:buFont typeface="Arial" panose="020B0604020202020204" pitchFamily="34" charset="0"/>
-              <a:buChar char="•"/>
-            </a:pPr>
+              <a:rPr lang="en-US" sz="2000" kern="100" dirty="0">
+                <a:latin typeface="Calibri" panose="020F0502020204030204" pitchFamily="34" charset="0"/>
+                <a:ea typeface="Calibri" panose="020F0502020204030204" pitchFamily="34" charset="0"/>
+                <a:cs typeface="Times New Roman" panose="02020603050405020304" pitchFamily="18" charset="0"/>
+              </a:rPr>
+              <a:t>Need to propose a redesign of the filter that will improve the Signal to Noise ratio by at least 6 dB for NBN given the noise characteristics</a:t>
+            </a:r>
+          </a:p>
+          <a:p>
             <a:endParaRPr lang="en-US" dirty="0"/>
           </a:p>
         </p:txBody>
@@ -5900,7 +5603,7 @@
     </p:spTree>
     <p:extLst>
       <p:ext uri="{BB962C8B-B14F-4D97-AF65-F5344CB8AC3E}">
-        <p14:creationId xmlns:p14="http://schemas.microsoft.com/office/powerpoint/2010/main" val="1814202724"/>
+        <p14:creationId xmlns:p14="http://schemas.microsoft.com/office/powerpoint/2010/main" val="1208810237"/>
       </p:ext>
     </p:extLst>
   </p:cSld>

--- a/FINAl_PRESENTATION.pptx
+++ b/FINAl_PRESENTATION.pptx
@@ -5,10 +5,10 @@
     <p:sldMasterId id="2147483804" r:id="rId1"/>
   </p:sldMasterIdLst>
   <p:notesMasterIdLst>
-    <p:notesMasterId r:id="rId12"/>
+    <p:notesMasterId r:id="rId14"/>
   </p:notesMasterIdLst>
   <p:handoutMasterIdLst>
-    <p:handoutMasterId r:id="rId13"/>
+    <p:handoutMasterId r:id="rId15"/>
   </p:handoutMasterIdLst>
   <p:sldIdLst>
     <p:sldId id="256" r:id="rId2"/>
@@ -18,14 +18,16 @@
     <p:sldId id="266" r:id="rId6"/>
     <p:sldId id="267" r:id="rId7"/>
     <p:sldId id="268" r:id="rId8"/>
-    <p:sldId id="269" r:id="rId9"/>
-    <p:sldId id="270" r:id="rId10"/>
-    <p:sldId id="263" r:id="rId11"/>
+    <p:sldId id="272" r:id="rId9"/>
+    <p:sldId id="271" r:id="rId10"/>
+    <p:sldId id="269" r:id="rId11"/>
+    <p:sldId id="270" r:id="rId12"/>
+    <p:sldId id="263" r:id="rId13"/>
   </p:sldIdLst>
   <p:sldSz cx="9144000" cy="6858000" type="screen4x3"/>
   <p:notesSz cx="7315200" cy="9601200"/>
   <p:custDataLst>
-    <p:tags r:id="rId14"/>
+    <p:tags r:id="rId16"/>
   </p:custDataLst>
   <p:defaultTextStyle>
     <a:defPPr>
@@ -155,90 +157,6 @@
 </p:presentation>
 </file>
 
-<file path=ppt/changesInfos/changesInfo1.xml><?xml version="1.0" encoding="utf-8"?>
-<pc:chgInfo xmlns:a="http://schemas.openxmlformats.org/drawingml/2006/main" xmlns:r="http://schemas.openxmlformats.org/officeDocument/2006/relationships" xmlns:ac="http://schemas.microsoft.com/office/drawing/2013/main/command" xmlns:pc="http://schemas.microsoft.com/office/powerpoint/2013/main/command">
-  <pc:docChgLst>
-    <pc:chgData name="Chad Northey" userId="308779fc8549898c" providerId="LiveId" clId="{6BCE3C86-BC29-41B6-B98A-63C84030C149}"/>
-    <pc:docChg chg="undo custSel addSld modSld">
-      <pc:chgData name="Chad Northey" userId="308779fc8549898c" providerId="LiveId" clId="{6BCE3C86-BC29-41B6-B98A-63C84030C149}" dt="2023-12-08T00:14:38.555" v="42" actId="20577"/>
-      <pc:docMkLst>
-        <pc:docMk/>
-      </pc:docMkLst>
-      <pc:sldChg chg="addSp delSp modSp mod modClrScheme chgLayout">
-        <pc:chgData name="Chad Northey" userId="308779fc8549898c" providerId="LiveId" clId="{6BCE3C86-BC29-41B6-B98A-63C84030C149}" dt="2023-12-05T23:03:18.555" v="37" actId="20577"/>
-        <pc:sldMkLst>
-          <pc:docMk/>
-          <pc:sldMk cId="2025067195" sldId="258"/>
-        </pc:sldMkLst>
-        <pc:spChg chg="mod">
-          <ac:chgData name="Chad Northey" userId="308779fc8549898c" providerId="LiveId" clId="{6BCE3C86-BC29-41B6-B98A-63C84030C149}" dt="2023-12-05T23:02:39.091" v="0" actId="26606"/>
-          <ac:spMkLst>
-            <pc:docMk/>
-            <pc:sldMk cId="2025067195" sldId="258"/>
-            <ac:spMk id="2" creationId="{00000000-0000-0000-0000-000000000000}"/>
-          </ac:spMkLst>
-        </pc:spChg>
-        <pc:spChg chg="add mod">
-          <ac:chgData name="Chad Northey" userId="308779fc8549898c" providerId="LiveId" clId="{6BCE3C86-BC29-41B6-B98A-63C84030C149}" dt="2023-12-05T23:03:18.555" v="37" actId="20577"/>
-          <ac:spMkLst>
-            <pc:docMk/>
-            <pc:sldMk cId="2025067195" sldId="258"/>
-            <ac:spMk id="3" creationId="{00000000-0000-0000-0000-000000000000}"/>
-          </ac:spMkLst>
-        </pc:spChg>
-        <pc:spChg chg="del mod">
-          <ac:chgData name="Chad Northey" userId="308779fc8549898c" providerId="LiveId" clId="{6BCE3C86-BC29-41B6-B98A-63C84030C149}" dt="2023-12-05T23:02:39.091" v="0" actId="26606"/>
-          <ac:spMkLst>
-            <pc:docMk/>
-            <pc:sldMk cId="2025067195" sldId="258"/>
-            <ac:spMk id="9" creationId="{DE2D57A3-6678-559B-7478-7B83B999D8EF}"/>
-          </ac:spMkLst>
-        </pc:spChg>
-        <pc:graphicFrameChg chg="del mod">
-          <ac:chgData name="Chad Northey" userId="308779fc8549898c" providerId="LiveId" clId="{6BCE3C86-BC29-41B6-B98A-63C84030C149}" dt="2023-12-05T23:02:39.091" v="0" actId="26606"/>
-          <ac:graphicFrameMkLst>
-            <pc:docMk/>
-            <pc:sldMk cId="2025067195" sldId="258"/>
-            <ac:graphicFrameMk id="5" creationId="{3F4C54B0-D96E-1942-0D7A-47378C933A22}"/>
-          </ac:graphicFrameMkLst>
-        </pc:graphicFrameChg>
-      </pc:sldChg>
-      <pc:sldChg chg="addSp delSp modSp new mod">
-        <pc:chgData name="Chad Northey" userId="308779fc8549898c" providerId="LiveId" clId="{6BCE3C86-BC29-41B6-B98A-63C84030C149}" dt="2023-12-08T00:14:38.555" v="42" actId="20577"/>
-        <pc:sldMkLst>
-          <pc:docMk/>
-          <pc:sldMk cId="1663137508" sldId="264"/>
-        </pc:sldMkLst>
-        <pc:spChg chg="del">
-          <ac:chgData name="Chad Northey" userId="308779fc8549898c" providerId="LiveId" clId="{6BCE3C86-BC29-41B6-B98A-63C84030C149}" dt="2023-12-08T00:14:21.235" v="39" actId="22"/>
-          <ac:spMkLst>
-            <pc:docMk/>
-            <pc:sldMk cId="1663137508" sldId="264"/>
-            <ac:spMk id="3" creationId="{E9470A12-E7FA-15EF-0B35-21495F745005}"/>
-          </ac:spMkLst>
-        </pc:spChg>
-        <pc:spChg chg="add mod">
-          <ac:chgData name="Chad Northey" userId="308779fc8549898c" providerId="LiveId" clId="{6BCE3C86-BC29-41B6-B98A-63C84030C149}" dt="2023-12-08T00:14:38.555" v="42" actId="20577"/>
-          <ac:spMkLst>
-            <pc:docMk/>
-            <pc:sldMk cId="1663137508" sldId="264"/>
-            <ac:spMk id="7" creationId="{F3C44B2D-60EE-E0D5-ACC8-373B46E06EAC}"/>
-          </ac:spMkLst>
-        </pc:spChg>
-        <pc:picChg chg="add del mod ord">
-          <ac:chgData name="Chad Northey" userId="308779fc8549898c" providerId="LiveId" clId="{6BCE3C86-BC29-41B6-B98A-63C84030C149}" dt="2023-12-08T00:14:23.962" v="40" actId="478"/>
-          <ac:picMkLst>
-            <pc:docMk/>
-            <pc:sldMk cId="1663137508" sldId="264"/>
-            <ac:picMk id="5" creationId="{0174B831-521E-A0FF-B363-3B3F9EEABE02}"/>
-          </ac:picMkLst>
-        </pc:picChg>
-      </pc:sldChg>
-    </pc:docChg>
-  </pc:docChgLst>
-</pc:chgInfo>
-</file>
-
 <file path=ppt/handoutMasters/handoutMaster1.xml><?xml version="1.0" encoding="utf-8"?>
 <p:handoutMaster xmlns:a="http://schemas.openxmlformats.org/drawingml/2006/main" xmlns:r="http://schemas.openxmlformats.org/officeDocument/2006/relationships" xmlns:p="http://schemas.openxmlformats.org/presentationml/2006/main">
   <p:cSld>
@@ -321,7 +239,7 @@
           <a:p>
             <a:fld id="{98944DA0-7E15-49AE-9E1A-06C658B442E2}" type="datetimeFigureOut">
               <a:rPr lang="en-US" smtClean="0"/>
-              <a:t>12/10/2023</a:t>
+              <a:t>12/11/2023</a:t>
             </a:fld>
             <a:endParaRPr lang="en-US"/>
           </a:p>
@@ -486,7 +404,7 @@
           <a:p>
             <a:fld id="{18A1A218-A232-42EB-9526-47647B116190}" type="datetimeFigureOut">
               <a:rPr lang="en-US" smtClean="0"/>
-              <a:t>12/10/2023</a:t>
+              <a:t>12/11/2023</a:t>
             </a:fld>
             <a:endParaRPr lang="en-US"/>
           </a:p>
@@ -3772,6 +3690,570 @@
           <p:cNvPr id="2" name="Title 1">
             <a:extLst>
               <a:ext uri="{FF2B5EF4-FFF2-40B4-BE49-F238E27FC236}">
+                <a16:creationId xmlns:a16="http://schemas.microsoft.com/office/drawing/2014/main" id="{11536382-0D5D-0564-57DD-0CA4B5938F30}"/>
+              </a:ext>
+            </a:extLst>
+          </p:cNvPr>
+          <p:cNvSpPr>
+            <a:spLocks noGrp="1"/>
+          </p:cNvSpPr>
+          <p:nvPr>
+            <p:ph type="title"/>
+          </p:nvPr>
+        </p:nvSpPr>
+        <p:spPr/>
+        <p:txBody>
+          <a:bodyPr/>
+          <a:lstStyle/>
+          <a:p>
+            <a:r>
+              <a:rPr lang="en-US" dirty="0"/>
+              <a:t>BBN</a:t>
+            </a:r>
+          </a:p>
+        </p:txBody>
+      </p:sp>
+      <p:sp>
+        <p:nvSpPr>
+          <p:cNvPr id="3" name="Content Placeholder 2">
+            <a:extLst>
+              <a:ext uri="{FF2B5EF4-FFF2-40B4-BE49-F238E27FC236}">
+                <a16:creationId xmlns:a16="http://schemas.microsoft.com/office/drawing/2014/main" id="{C303818C-AB32-FF4E-EDF0-A8314B961A59}"/>
+              </a:ext>
+            </a:extLst>
+          </p:cNvPr>
+          <p:cNvSpPr>
+            <a:spLocks noGrp="1"/>
+          </p:cNvSpPr>
+          <p:nvPr>
+            <p:ph idx="1"/>
+          </p:nvPr>
+        </p:nvSpPr>
+        <p:spPr/>
+        <p:txBody>
+          <a:bodyPr>
+            <a:normAutofit fontScale="85000" lnSpcReduction="20000"/>
+          </a:bodyPr>
+          <a:lstStyle/>
+          <a:p>
+            <a:pPr marL="342900" indent="-342900">
+              <a:buFont typeface="Arial" panose="020B0604020202020204" pitchFamily="34" charset="0"/>
+              <a:buChar char="•"/>
+            </a:pPr>
+            <a:r>
+              <a:rPr lang="en-US" kern="100" dirty="0">
+                <a:latin typeface="Calibri" panose="020F0502020204030204" pitchFamily="34" charset="0"/>
+                <a:ea typeface="Calibri" panose="020F0502020204030204" pitchFamily="34" charset="0"/>
+                <a:cs typeface="Times New Roman" panose="02020603050405020304" pitchFamily="18" charset="0"/>
+              </a:rPr>
+              <a:t>Characterize the PIS spectrum in dB value in identifying its half-power bandwidth [</a:t>
+            </a:r>
+            <a:r>
+              <a:rPr lang="en-US" kern="100" dirty="0" err="1">
+                <a:latin typeface="Calibri" panose="020F0502020204030204" pitchFamily="34" charset="0"/>
+                <a:ea typeface="Calibri" panose="020F0502020204030204" pitchFamily="34" charset="0"/>
+                <a:cs typeface="Times New Roman" panose="02020603050405020304" pitchFamily="18" charset="0"/>
+              </a:rPr>
+              <a:t>f</a:t>
+            </a:r>
+            <a:r>
+              <a:rPr lang="en-US" kern="100" baseline="-25000" dirty="0" err="1">
+                <a:latin typeface="Calibri" panose="020F0502020204030204" pitchFamily="34" charset="0"/>
+                <a:ea typeface="Calibri" panose="020F0502020204030204" pitchFamily="34" charset="0"/>
+                <a:cs typeface="Times New Roman" panose="02020603050405020304" pitchFamily="18" charset="0"/>
+              </a:rPr>
+              <a:t>PISmin</a:t>
+            </a:r>
+            <a:r>
+              <a:rPr lang="en-US" kern="100" dirty="0">
+                <a:latin typeface="Calibri" panose="020F0502020204030204" pitchFamily="34" charset="0"/>
+                <a:ea typeface="Calibri" panose="020F0502020204030204" pitchFamily="34" charset="0"/>
+                <a:cs typeface="Times New Roman" panose="02020603050405020304" pitchFamily="18" charset="0"/>
+              </a:rPr>
+              <a:t>, </a:t>
+            </a:r>
+            <a:r>
+              <a:rPr lang="en-US" kern="100" dirty="0" err="1">
+                <a:latin typeface="Calibri" panose="020F0502020204030204" pitchFamily="34" charset="0"/>
+                <a:ea typeface="Calibri" panose="020F0502020204030204" pitchFamily="34" charset="0"/>
+                <a:cs typeface="Times New Roman" panose="02020603050405020304" pitchFamily="18" charset="0"/>
+              </a:rPr>
+              <a:t>f</a:t>
+            </a:r>
+            <a:r>
+              <a:rPr lang="en-US" kern="100" baseline="-25000" dirty="0" err="1">
+                <a:latin typeface="Calibri" panose="020F0502020204030204" pitchFamily="34" charset="0"/>
+                <a:ea typeface="Calibri" panose="020F0502020204030204" pitchFamily="34" charset="0"/>
+                <a:cs typeface="Times New Roman" panose="02020603050405020304" pitchFamily="18" charset="0"/>
+              </a:rPr>
+              <a:t>PISmax</a:t>
+            </a:r>
+            <a:r>
+              <a:rPr lang="en-US" kern="100" dirty="0">
+                <a:latin typeface="Calibri" panose="020F0502020204030204" pitchFamily="34" charset="0"/>
+                <a:ea typeface="Calibri" panose="020F0502020204030204" pitchFamily="34" charset="0"/>
+                <a:cs typeface="Times New Roman" panose="02020603050405020304" pitchFamily="18" charset="0"/>
+              </a:rPr>
+              <a:t>]</a:t>
+            </a:r>
+          </a:p>
+          <a:p>
+            <a:pPr marL="342900" indent="-342900">
+              <a:buFont typeface="Arial" panose="020B0604020202020204" pitchFamily="34" charset="0"/>
+              <a:buChar char="•"/>
+            </a:pPr>
+            <a:r>
+              <a:rPr lang="en-US" kern="100" dirty="0">
+                <a:latin typeface="Calibri" panose="020F0502020204030204" pitchFamily="34" charset="0"/>
+                <a:ea typeface="Calibri" panose="020F0502020204030204" pitchFamily="34" charset="0"/>
+                <a:cs typeface="Times New Roman" panose="02020603050405020304" pitchFamily="18" charset="0"/>
+              </a:rPr>
+              <a:t>Mix the PIS with a Broad Band Noise (BBN) defined as follows:</a:t>
+            </a:r>
+          </a:p>
+          <a:p>
+            <a:pPr marL="800100" lvl="1" indent="-342900"/>
+            <a:r>
+              <a:rPr lang="en-US" kern="100" dirty="0">
+                <a:latin typeface="Calibri" panose="020F0502020204030204" pitchFamily="34" charset="0"/>
+                <a:ea typeface="Calibri" panose="020F0502020204030204" pitchFamily="34" charset="0"/>
+                <a:cs typeface="Times New Roman" panose="02020603050405020304" pitchFamily="18" charset="0"/>
+              </a:rPr>
+              <a:t>Signal type: White Noise Gaussian</a:t>
+            </a:r>
+          </a:p>
+          <a:p>
+            <a:pPr marL="800100" lvl="1" indent="-342900"/>
+            <a:r>
+              <a:rPr lang="en-US" kern="100" dirty="0">
+                <a:latin typeface="Calibri" panose="020F0502020204030204" pitchFamily="34" charset="0"/>
+                <a:ea typeface="Calibri" panose="020F0502020204030204" pitchFamily="34" charset="0"/>
+                <a:cs typeface="Times New Roman" panose="02020603050405020304" pitchFamily="18" charset="0"/>
+              </a:rPr>
+              <a:t>Mean amplitude = PIS’ average amplitude over the half-power bandwidth [</a:t>
+            </a:r>
+            <a:r>
+              <a:rPr lang="en-US" kern="100" dirty="0" err="1">
+                <a:latin typeface="Calibri" panose="020F0502020204030204" pitchFamily="34" charset="0"/>
+                <a:ea typeface="Calibri" panose="020F0502020204030204" pitchFamily="34" charset="0"/>
+                <a:cs typeface="Times New Roman" panose="02020603050405020304" pitchFamily="18" charset="0"/>
+              </a:rPr>
+              <a:t>f</a:t>
+            </a:r>
+            <a:r>
+              <a:rPr lang="en-US" kern="100" baseline="-25000" dirty="0" err="1">
+                <a:latin typeface="Calibri" panose="020F0502020204030204" pitchFamily="34" charset="0"/>
+                <a:ea typeface="Calibri" panose="020F0502020204030204" pitchFamily="34" charset="0"/>
+                <a:cs typeface="Times New Roman" panose="02020603050405020304" pitchFamily="18" charset="0"/>
+              </a:rPr>
+              <a:t>PISmin</a:t>
+            </a:r>
+            <a:r>
+              <a:rPr lang="en-US" kern="100" dirty="0">
+                <a:latin typeface="Calibri" panose="020F0502020204030204" pitchFamily="34" charset="0"/>
+                <a:ea typeface="Calibri" panose="020F0502020204030204" pitchFamily="34" charset="0"/>
+                <a:cs typeface="Times New Roman" panose="02020603050405020304" pitchFamily="18" charset="0"/>
+              </a:rPr>
+              <a:t>, </a:t>
+            </a:r>
+            <a:r>
+              <a:rPr lang="en-US" kern="100" dirty="0" err="1">
+                <a:latin typeface="Calibri" panose="020F0502020204030204" pitchFamily="34" charset="0"/>
+                <a:ea typeface="Calibri" panose="020F0502020204030204" pitchFamily="34" charset="0"/>
+                <a:cs typeface="Times New Roman" panose="02020603050405020304" pitchFamily="18" charset="0"/>
+              </a:rPr>
+              <a:t>f</a:t>
+            </a:r>
+            <a:r>
+              <a:rPr lang="en-US" kern="100" baseline="-25000" dirty="0" err="1">
+                <a:latin typeface="Calibri" panose="020F0502020204030204" pitchFamily="34" charset="0"/>
+                <a:ea typeface="Calibri" panose="020F0502020204030204" pitchFamily="34" charset="0"/>
+                <a:cs typeface="Times New Roman" panose="02020603050405020304" pitchFamily="18" charset="0"/>
+              </a:rPr>
+              <a:t>PISmax</a:t>
+            </a:r>
+            <a:r>
+              <a:rPr lang="en-US" kern="100" dirty="0">
+                <a:latin typeface="Calibri" panose="020F0502020204030204" pitchFamily="34" charset="0"/>
+                <a:ea typeface="Calibri" panose="020F0502020204030204" pitchFamily="34" charset="0"/>
+                <a:cs typeface="Times New Roman" panose="02020603050405020304" pitchFamily="18" charset="0"/>
+              </a:rPr>
+              <a:t>]</a:t>
+            </a:r>
+          </a:p>
+          <a:p>
+            <a:pPr marL="800100" lvl="1" indent="-342900"/>
+            <a:r>
+              <a:rPr lang="en-US" kern="100" dirty="0">
+                <a:latin typeface="Calibri" panose="020F0502020204030204" pitchFamily="34" charset="0"/>
+                <a:ea typeface="Calibri" panose="020F0502020204030204" pitchFamily="34" charset="0"/>
+                <a:cs typeface="Times New Roman" panose="02020603050405020304" pitchFamily="18" charset="0"/>
+              </a:rPr>
+              <a:t>Standard deviation = RMS value of the PIS spectrum over its half-power bandwidth [</a:t>
+            </a:r>
+            <a:r>
+              <a:rPr lang="en-US" kern="100" dirty="0" err="1">
+                <a:latin typeface="Calibri" panose="020F0502020204030204" pitchFamily="34" charset="0"/>
+                <a:ea typeface="Calibri" panose="020F0502020204030204" pitchFamily="34" charset="0"/>
+                <a:cs typeface="Times New Roman" panose="02020603050405020304" pitchFamily="18" charset="0"/>
+              </a:rPr>
+              <a:t>f</a:t>
+            </a:r>
+            <a:r>
+              <a:rPr lang="en-US" kern="100" baseline="-25000" dirty="0" err="1">
+                <a:latin typeface="Calibri" panose="020F0502020204030204" pitchFamily="34" charset="0"/>
+                <a:ea typeface="Calibri" panose="020F0502020204030204" pitchFamily="34" charset="0"/>
+                <a:cs typeface="Times New Roman" panose="02020603050405020304" pitchFamily="18" charset="0"/>
+              </a:rPr>
+              <a:t>PISmin</a:t>
+            </a:r>
+            <a:r>
+              <a:rPr lang="en-US" kern="100" dirty="0">
+                <a:latin typeface="Calibri" panose="020F0502020204030204" pitchFamily="34" charset="0"/>
+                <a:ea typeface="Calibri" panose="020F0502020204030204" pitchFamily="34" charset="0"/>
+                <a:cs typeface="Times New Roman" panose="02020603050405020304" pitchFamily="18" charset="0"/>
+              </a:rPr>
+              <a:t>, </a:t>
+            </a:r>
+            <a:r>
+              <a:rPr lang="en-US" kern="100" dirty="0" err="1">
+                <a:latin typeface="Calibri" panose="020F0502020204030204" pitchFamily="34" charset="0"/>
+                <a:ea typeface="Calibri" panose="020F0502020204030204" pitchFamily="34" charset="0"/>
+                <a:cs typeface="Times New Roman" panose="02020603050405020304" pitchFamily="18" charset="0"/>
+              </a:rPr>
+              <a:t>f</a:t>
+            </a:r>
+            <a:r>
+              <a:rPr lang="en-US" kern="100" baseline="-25000" dirty="0" err="1">
+                <a:latin typeface="Calibri" panose="020F0502020204030204" pitchFamily="34" charset="0"/>
+                <a:ea typeface="Calibri" panose="020F0502020204030204" pitchFamily="34" charset="0"/>
+                <a:cs typeface="Times New Roman" panose="02020603050405020304" pitchFamily="18" charset="0"/>
+              </a:rPr>
+              <a:t>PISmax</a:t>
+            </a:r>
+            <a:r>
+              <a:rPr lang="en-US" kern="100" dirty="0">
+                <a:latin typeface="Calibri" panose="020F0502020204030204" pitchFamily="34" charset="0"/>
+                <a:ea typeface="Calibri" panose="020F0502020204030204" pitchFamily="34" charset="0"/>
+                <a:cs typeface="Times New Roman" panose="02020603050405020304" pitchFamily="18" charset="0"/>
+              </a:rPr>
+              <a:t>]</a:t>
+            </a:r>
+          </a:p>
+          <a:p>
+            <a:pPr marL="342900" indent="-342900">
+              <a:buFont typeface="Arial" panose="020B0604020202020204" pitchFamily="34" charset="0"/>
+              <a:buChar char="•"/>
+            </a:pPr>
+            <a:r>
+              <a:rPr lang="en-US" kern="100" dirty="0">
+                <a:latin typeface="Calibri" panose="020F0502020204030204" pitchFamily="34" charset="0"/>
+                <a:ea typeface="Calibri" panose="020F0502020204030204" pitchFamily="34" charset="0"/>
+                <a:cs typeface="Times New Roman" panose="02020603050405020304" pitchFamily="18" charset="0"/>
+              </a:rPr>
+              <a:t>Display the spectrum of the non-filtered compound signal PIS mixed with BBN denoted as PIS&amp;BBN</a:t>
+            </a:r>
+          </a:p>
+          <a:p>
+            <a:pPr marL="800100" lvl="1" indent="-342900"/>
+            <a:r>
+              <a:rPr lang="en-US" kern="100" dirty="0">
+                <a:latin typeface="Calibri" panose="020F0502020204030204" pitchFamily="34" charset="0"/>
+                <a:ea typeface="Calibri" panose="020F0502020204030204" pitchFamily="34" charset="0"/>
+                <a:cs typeface="Times New Roman" panose="02020603050405020304" pitchFamily="18" charset="0"/>
+              </a:rPr>
+              <a:t>Characterize the Signal to Noise ratio of PIS&amp;BBN</a:t>
+            </a:r>
+          </a:p>
+          <a:p>
+            <a:pPr marL="342900" indent="-342900">
+              <a:buFont typeface="Arial" panose="020B0604020202020204" pitchFamily="34" charset="0"/>
+              <a:buChar char="•"/>
+            </a:pPr>
+            <a:r>
+              <a:rPr lang="en-US" kern="100" dirty="0">
+                <a:latin typeface="Calibri" panose="020F0502020204030204" pitchFamily="34" charset="0"/>
+                <a:ea typeface="Calibri" panose="020F0502020204030204" pitchFamily="34" charset="0"/>
+                <a:cs typeface="Times New Roman" panose="02020603050405020304" pitchFamily="18" charset="0"/>
+              </a:rPr>
+              <a:t>Display the spectrum of the filtered PIS&amp;BBN denoted as F_ PIS&amp;BBN </a:t>
+            </a:r>
+          </a:p>
+          <a:p>
+            <a:pPr marL="800100" lvl="1" indent="-342900"/>
+            <a:r>
+              <a:rPr lang="en-US" kern="100" dirty="0">
+                <a:latin typeface="Calibri" panose="020F0502020204030204" pitchFamily="34" charset="0"/>
+                <a:ea typeface="Calibri" panose="020F0502020204030204" pitchFamily="34" charset="0"/>
+                <a:cs typeface="Times New Roman" panose="02020603050405020304" pitchFamily="18" charset="0"/>
+              </a:rPr>
+              <a:t>Characterize the Signal to Noise ratio of F_ PIS&amp;BBN</a:t>
+            </a:r>
+          </a:p>
+          <a:p>
+            <a:pPr marL="342900" indent="-342900">
+              <a:buFont typeface="Arial" panose="020B0604020202020204" pitchFamily="34" charset="0"/>
+              <a:buChar char="•"/>
+            </a:pPr>
+            <a:r>
+              <a:rPr lang="en-US" kern="100" dirty="0">
+                <a:latin typeface="Calibri" panose="020F0502020204030204" pitchFamily="34" charset="0"/>
+                <a:ea typeface="Calibri" panose="020F0502020204030204" pitchFamily="34" charset="0"/>
+                <a:cs typeface="Times New Roman" panose="02020603050405020304" pitchFamily="18" charset="0"/>
+              </a:rPr>
+              <a:t>Use the Spectrum Analyzer capability or use a subtractor block to compare PIS with PIS&amp;BBN</a:t>
+            </a:r>
+          </a:p>
+          <a:p>
+            <a:pPr marL="342900" indent="-342900">
+              <a:buFont typeface="Arial" panose="020B0604020202020204" pitchFamily="34" charset="0"/>
+              <a:buChar char="•"/>
+            </a:pPr>
+            <a:r>
+              <a:rPr lang="en-US" kern="100" dirty="0">
+                <a:latin typeface="Calibri" panose="020F0502020204030204" pitchFamily="34" charset="0"/>
+                <a:ea typeface="Calibri" panose="020F0502020204030204" pitchFamily="34" charset="0"/>
+                <a:cs typeface="Times New Roman" panose="02020603050405020304" pitchFamily="18" charset="0"/>
+              </a:rPr>
+              <a:t>Summarize your findings and conclude as to the efficiency of the filtering. If you have determined that the filter is not efficient, provide an explanation as to why. Which of the 2 assigned is most capable to protect the PIS against a Broad Band noise? </a:t>
+            </a:r>
+            <a:r>
+              <a:rPr lang="en-US" kern="100" dirty="0">
+                <a:solidFill>
+                  <a:srgbClr val="FF0000"/>
+                </a:solidFill>
+                <a:latin typeface="Calibri" panose="020F0502020204030204" pitchFamily="34" charset="0"/>
+                <a:ea typeface="Calibri" panose="020F0502020204030204" pitchFamily="34" charset="0"/>
+                <a:cs typeface="Times New Roman" panose="02020603050405020304" pitchFamily="18" charset="0"/>
+              </a:rPr>
+              <a:t>This can be a few bullet points here, then discussed more in depth in report</a:t>
+            </a:r>
+            <a:endParaRPr lang="en-US" kern="100" dirty="0">
+              <a:latin typeface="Calibri" panose="020F0502020204030204" pitchFamily="34" charset="0"/>
+              <a:ea typeface="Calibri" panose="020F0502020204030204" pitchFamily="34" charset="0"/>
+              <a:cs typeface="Times New Roman" panose="02020603050405020304" pitchFamily="18" charset="0"/>
+            </a:endParaRPr>
+          </a:p>
+          <a:p>
+            <a:pPr marL="342900" indent="-342900">
+              <a:buFont typeface="Arial" panose="020B0604020202020204" pitchFamily="34" charset="0"/>
+              <a:buChar char="•"/>
+            </a:pPr>
+            <a:endParaRPr lang="en-US" kern="100" dirty="0">
+              <a:latin typeface="Calibri" panose="020F0502020204030204" pitchFamily="34" charset="0"/>
+              <a:ea typeface="Calibri" panose="020F0502020204030204" pitchFamily="34" charset="0"/>
+              <a:cs typeface="Times New Roman" panose="02020603050405020304" pitchFamily="18" charset="0"/>
+            </a:endParaRPr>
+          </a:p>
+          <a:p>
+            <a:pPr lvl="1" indent="0">
+              <a:buNone/>
+            </a:pPr>
+            <a:endParaRPr lang="en-US" kern="100" dirty="0">
+              <a:latin typeface="Calibri" panose="020F0502020204030204" pitchFamily="34" charset="0"/>
+              <a:ea typeface="Calibri" panose="020F0502020204030204" pitchFamily="34" charset="0"/>
+              <a:cs typeface="Times New Roman" panose="02020603050405020304" pitchFamily="18" charset="0"/>
+            </a:endParaRPr>
+          </a:p>
+          <a:p>
+            <a:pPr marL="342900" indent="-342900">
+              <a:buFont typeface="Arial" panose="020B0604020202020204" pitchFamily="34" charset="0"/>
+              <a:buChar char="•"/>
+            </a:pPr>
+            <a:endParaRPr lang="en-US" dirty="0"/>
+          </a:p>
+        </p:txBody>
+      </p:sp>
+    </p:spTree>
+    <p:extLst>
+      <p:ext uri="{BB962C8B-B14F-4D97-AF65-F5344CB8AC3E}">
+        <p14:creationId xmlns:p14="http://schemas.microsoft.com/office/powerpoint/2010/main" val="1814202724"/>
+      </p:ext>
+    </p:extLst>
+  </p:cSld>
+  <p:clrMapOvr>
+    <a:masterClrMapping/>
+  </p:clrMapOvr>
+</p:sld>
+</file>
+
+<file path=ppt/slides/slide11.xml><?xml version="1.0" encoding="utf-8"?>
+<p:sld xmlns:a="http://schemas.openxmlformats.org/drawingml/2006/main" xmlns:r="http://schemas.openxmlformats.org/officeDocument/2006/relationships" xmlns:p="http://schemas.openxmlformats.org/presentationml/2006/main">
+  <p:cSld>
+    <p:spTree>
+      <p:nvGrpSpPr>
+        <p:cNvPr id="1" name=""/>
+        <p:cNvGrpSpPr/>
+        <p:nvPr/>
+      </p:nvGrpSpPr>
+      <p:grpSpPr>
+        <a:xfrm>
+          <a:off x="0" y="0"/>
+          <a:ext cx="0" cy="0"/>
+          <a:chOff x="0" y="0"/>
+          <a:chExt cx="0" cy="0"/>
+        </a:xfrm>
+      </p:grpSpPr>
+      <p:sp>
+        <p:nvSpPr>
+          <p:cNvPr id="2" name="Title 1">
+            <a:extLst>
+              <a:ext uri="{FF2B5EF4-FFF2-40B4-BE49-F238E27FC236}">
+                <a16:creationId xmlns:a16="http://schemas.microsoft.com/office/drawing/2014/main" id="{6BBDFEFC-643D-1E91-F069-487F3FBAD5D1}"/>
+              </a:ext>
+            </a:extLst>
+          </p:cNvPr>
+          <p:cNvSpPr>
+            <a:spLocks noGrp="1"/>
+          </p:cNvSpPr>
+          <p:nvPr>
+            <p:ph type="title"/>
+          </p:nvPr>
+        </p:nvSpPr>
+        <p:spPr/>
+        <p:txBody>
+          <a:bodyPr/>
+          <a:lstStyle/>
+          <a:p>
+            <a:r>
+              <a:rPr lang="en-US" dirty="0"/>
+              <a:t>Activity 3 Cont.</a:t>
+            </a:r>
+          </a:p>
+        </p:txBody>
+      </p:sp>
+      <p:sp>
+        <p:nvSpPr>
+          <p:cNvPr id="3" name="Content Placeholder 2">
+            <a:extLst>
+              <a:ext uri="{FF2B5EF4-FFF2-40B4-BE49-F238E27FC236}">
+                <a16:creationId xmlns:a16="http://schemas.microsoft.com/office/drawing/2014/main" id="{C5246BD0-DF04-9EDB-6EE3-EAE913D32D0E}"/>
+              </a:ext>
+            </a:extLst>
+          </p:cNvPr>
+          <p:cNvSpPr>
+            <a:spLocks noGrp="1"/>
+          </p:cNvSpPr>
+          <p:nvPr>
+            <p:ph idx="1"/>
+          </p:nvPr>
+        </p:nvSpPr>
+        <p:spPr/>
+        <p:txBody>
+          <a:bodyPr/>
+          <a:lstStyle/>
+          <a:p>
+            <a:pPr marL="342900" indent="-342900">
+              <a:buFont typeface="Arial" panose="020B0604020202020204" pitchFamily="34" charset="0"/>
+              <a:buChar char="•"/>
+            </a:pPr>
+            <a:r>
+              <a:rPr lang="en-US" sz="2000" b="1" kern="100" dirty="0">
+                <a:latin typeface="Calibri" panose="020F0502020204030204" pitchFamily="34" charset="0"/>
+                <a:ea typeface="Calibri" panose="020F0502020204030204" pitchFamily="34" charset="0"/>
+                <a:cs typeface="Times New Roman" panose="02020603050405020304" pitchFamily="18" charset="0"/>
+              </a:rPr>
+              <a:t>Comparison of Narrow Band (NB) Broad Band (BB) Noise Filtering</a:t>
+            </a:r>
+          </a:p>
+          <a:p>
+            <a:pPr marL="800100" lvl="1" indent="-342900"/>
+            <a:r>
+              <a:rPr lang="en-US" kern="100" dirty="0">
+                <a:latin typeface="Calibri" panose="020F0502020204030204" pitchFamily="34" charset="0"/>
+                <a:ea typeface="Calibri" panose="020F0502020204030204" pitchFamily="34" charset="0"/>
+                <a:cs typeface="Times New Roman" panose="02020603050405020304" pitchFamily="18" charset="0"/>
+              </a:rPr>
+              <a:t>Which type of noise signal is the easiest to filter?</a:t>
+            </a:r>
+          </a:p>
+          <a:p>
+            <a:pPr marL="800100" lvl="1" indent="-342900"/>
+            <a:r>
+              <a:rPr lang="en-US" sz="2000" kern="100" dirty="0">
+                <a:latin typeface="Calibri" panose="020F0502020204030204" pitchFamily="34" charset="0"/>
+                <a:ea typeface="Calibri" panose="020F0502020204030204" pitchFamily="34" charset="0"/>
+                <a:cs typeface="Times New Roman" panose="02020603050405020304" pitchFamily="18" charset="0"/>
+              </a:rPr>
+              <a:t>What filter is most efficient in protecting against:</a:t>
+            </a:r>
+          </a:p>
+          <a:p>
+            <a:pPr marL="1485900" lvl="2" indent="-342900"/>
+            <a:r>
+              <a:rPr lang="en-US" kern="100" dirty="0">
+                <a:latin typeface="Calibri" panose="020F0502020204030204" pitchFamily="34" charset="0"/>
+                <a:ea typeface="Calibri" panose="020F0502020204030204" pitchFamily="34" charset="0"/>
+                <a:cs typeface="Times New Roman" panose="02020603050405020304" pitchFamily="18" charset="0"/>
+              </a:rPr>
+              <a:t>NBN</a:t>
+            </a:r>
+          </a:p>
+          <a:p>
+            <a:pPr marL="1485900" lvl="2" indent="-342900"/>
+            <a:r>
+              <a:rPr lang="en-US" sz="2000" kern="100" dirty="0">
+                <a:latin typeface="Calibri" panose="020F0502020204030204" pitchFamily="34" charset="0"/>
+                <a:ea typeface="Calibri" panose="020F0502020204030204" pitchFamily="34" charset="0"/>
+                <a:cs typeface="Times New Roman" panose="02020603050405020304" pitchFamily="18" charset="0"/>
+              </a:rPr>
+              <a:t>BBN</a:t>
+            </a:r>
+          </a:p>
+          <a:p>
+            <a:pPr marL="342900" indent="-342900">
+              <a:buFont typeface="Arial" panose="020B0604020202020204" pitchFamily="34" charset="0"/>
+              <a:buChar char="•"/>
+            </a:pPr>
+            <a:r>
+              <a:rPr lang="en-US" sz="2000" kern="100" dirty="0">
+                <a:latin typeface="Calibri" panose="020F0502020204030204" pitchFamily="34" charset="0"/>
+                <a:ea typeface="Calibri" panose="020F0502020204030204" pitchFamily="34" charset="0"/>
+                <a:cs typeface="Times New Roman" panose="02020603050405020304" pitchFamily="18" charset="0"/>
+              </a:rPr>
+              <a:t>Need to propose a redesign of the filter that will improve the Signal to Noise ratio by at least 6 dB for NBN given the noise characteristics</a:t>
+            </a:r>
+          </a:p>
+          <a:p>
+            <a:endParaRPr lang="en-US" dirty="0"/>
+          </a:p>
+        </p:txBody>
+      </p:sp>
+    </p:spTree>
+    <p:extLst>
+      <p:ext uri="{BB962C8B-B14F-4D97-AF65-F5344CB8AC3E}">
+        <p14:creationId xmlns:p14="http://schemas.microsoft.com/office/powerpoint/2010/main" val="1208810237"/>
+      </p:ext>
+    </p:extLst>
+  </p:cSld>
+  <p:clrMapOvr>
+    <a:masterClrMapping/>
+  </p:clrMapOvr>
+</p:sld>
+</file>
+
+<file path=ppt/slides/slide12.xml><?xml version="1.0" encoding="utf-8"?>
+<p:sld xmlns:a="http://schemas.openxmlformats.org/drawingml/2006/main" xmlns:r="http://schemas.openxmlformats.org/officeDocument/2006/relationships" xmlns:p="http://schemas.openxmlformats.org/presentationml/2006/main">
+  <p:cSld>
+    <p:spTree>
+      <p:nvGrpSpPr>
+        <p:cNvPr id="1" name=""/>
+        <p:cNvGrpSpPr/>
+        <p:nvPr/>
+      </p:nvGrpSpPr>
+      <p:grpSpPr>
+        <a:xfrm>
+          <a:off x="0" y="0"/>
+          <a:ext cx="0" cy="0"/>
+          <a:chOff x="0" y="0"/>
+          <a:chExt cx="0" cy="0"/>
+        </a:xfrm>
+      </p:grpSpPr>
+      <p:sp>
+        <p:nvSpPr>
+          <p:cNvPr id="2" name="Title 1">
+            <a:extLst>
+              <a:ext uri="{FF2B5EF4-FFF2-40B4-BE49-F238E27FC236}">
                 <a16:creationId xmlns:a16="http://schemas.microsoft.com/office/drawing/2014/main" id="{1AFB9272-951B-398C-8A9F-FEF6C6CD5E6C}"/>
               </a:ext>
             </a:extLst>
@@ -4728,12 +5210,22 @@
         </p:nvSpPr>
         <p:spPr/>
         <p:txBody>
-          <a:bodyPr/>
+          <a:bodyPr>
+            <a:normAutofit fontScale="90000"/>
+          </a:bodyPr>
           <a:lstStyle/>
           <a:p>
             <a:r>
               <a:rPr lang="en-US" dirty="0"/>
-              <a:t>NBN</a:t>
+              <a:t>NBN </a:t>
+            </a:r>
+            <a:r>
+              <a:rPr lang="en-US" dirty="0">
+                <a:solidFill>
+                  <a:srgbClr val="FF0000"/>
+                </a:solidFill>
+              </a:rPr>
+              <a:t>*shouldn’t these all be post filter to show effectiveness?</a:t>
             </a:r>
           </a:p>
         </p:txBody>
@@ -4819,8 +5311,24 @@
                 <a:ea typeface="Calibri" panose="020F0502020204030204" pitchFamily="34" charset="0"/>
                 <a:cs typeface="Times New Roman" panose="02020603050405020304" pitchFamily="18" charset="0"/>
               </a:rPr>
-              <a:t>]</a:t>
-            </a:r>
+              <a:t>] *</a:t>
+            </a:r>
+            <a:r>
+              <a:rPr lang="en-US" kern="100" dirty="0">
+                <a:solidFill>
+                  <a:srgbClr val="FF0000"/>
+                </a:solidFill>
+                <a:latin typeface="Calibri" panose="020F0502020204030204" pitchFamily="34" charset="0"/>
+                <a:ea typeface="Calibri" panose="020F0502020204030204" pitchFamily="34" charset="0"/>
+                <a:cs typeface="Times New Roman" panose="02020603050405020304" pitchFamily="18" charset="0"/>
+              </a:rPr>
+              <a:t>should this just be violin?</a:t>
+            </a:r>
+            <a:endParaRPr lang="en-US" kern="100" dirty="0">
+              <a:latin typeface="Calibri" panose="020F0502020204030204" pitchFamily="34" charset="0"/>
+              <a:ea typeface="Calibri" panose="020F0502020204030204" pitchFamily="34" charset="0"/>
+              <a:cs typeface="Times New Roman" panose="02020603050405020304" pitchFamily="18" charset="0"/>
+            </a:endParaRPr>
           </a:p>
           <a:p>
             <a:pPr marL="342900" indent="-342900">
@@ -5071,7 +5579,7 @@
           <p:cNvPr id="2" name="Title 1">
             <a:extLst>
               <a:ext uri="{FF2B5EF4-FFF2-40B4-BE49-F238E27FC236}">
-                <a16:creationId xmlns:a16="http://schemas.microsoft.com/office/drawing/2014/main" id="{11536382-0D5D-0564-57DD-0CA4B5938F30}"/>
+                <a16:creationId xmlns:a16="http://schemas.microsoft.com/office/drawing/2014/main" id="{CDD14FAC-A722-6CE8-866F-42A0564237E9}"/>
               </a:ext>
             </a:extLst>
           </p:cNvPr>
@@ -5089,366 +5597,89 @@
           <a:p>
             <a:r>
               <a:rPr lang="en-US" dirty="0"/>
-              <a:t>BBN</a:t>
-            </a:r>
-          </a:p>
-        </p:txBody>
-      </p:sp>
-      <p:sp>
-        <p:nvSpPr>
-          <p:cNvPr id="3" name="Content Placeholder 2">
+              <a:t>NBN</a:t>
+            </a:r>
+          </a:p>
+        </p:txBody>
+      </p:sp>
+      <p:pic>
+        <p:nvPicPr>
+          <p:cNvPr id="4" name="Content Placeholder 3">
             <a:extLst>
               <a:ext uri="{FF2B5EF4-FFF2-40B4-BE49-F238E27FC236}">
-                <a16:creationId xmlns:a16="http://schemas.microsoft.com/office/drawing/2014/main" id="{C303818C-AB32-FF4E-EDF0-A8314B961A59}"/>
+                <a16:creationId xmlns:a16="http://schemas.microsoft.com/office/drawing/2014/main" id="{FA75ADF1-C8CD-9CA9-1C81-FC44561A5CC2}"/>
               </a:ext>
             </a:extLst>
           </p:cNvPr>
-          <p:cNvSpPr>
-            <a:spLocks noGrp="1"/>
-          </p:cNvSpPr>
+          <p:cNvPicPr>
+            <a:picLocks noGrp="1" noChangeAspect="1"/>
+          </p:cNvPicPr>
           <p:nvPr>
             <p:ph idx="1"/>
           </p:nvPr>
-        </p:nvSpPr>
-        <p:spPr/>
-        <p:txBody>
-          <a:bodyPr>
-            <a:normAutofit fontScale="85000" lnSpcReduction="20000"/>
+        </p:nvPicPr>
+        <p:blipFill>
+          <a:blip r:embed="rId2"/>
+          <a:stretch>
+            <a:fillRect/>
+          </a:stretch>
+        </p:blipFill>
+        <p:spPr>
+          <a:xfrm>
+            <a:off x="282570" y="762000"/>
+            <a:ext cx="8578860" cy="4100272"/>
+          </a:xfrm>
+          <a:prstGeom prst="rect">
+            <a:avLst/>
+          </a:prstGeom>
+        </p:spPr>
+      </p:pic>
+      <p:sp>
+        <p:nvSpPr>
+          <p:cNvPr id="5" name="TextBox 4">
+            <a:extLst>
+              <a:ext uri="{FF2B5EF4-FFF2-40B4-BE49-F238E27FC236}">
+                <a16:creationId xmlns:a16="http://schemas.microsoft.com/office/drawing/2014/main" id="{CBA8FDFB-61BF-8056-0117-D6B67E10144D}"/>
+              </a:ext>
+            </a:extLst>
+          </p:cNvPr>
+          <p:cNvSpPr txBox="1"/>
+          <p:nvPr/>
+        </p:nvSpPr>
+        <p:spPr>
+          <a:xfrm>
+            <a:off x="313050" y="4966716"/>
+            <a:ext cx="4495800" cy="381000"/>
+          </a:xfrm>
+          <a:prstGeom prst="rect">
+            <a:avLst/>
+          </a:prstGeom>
+          <a:noFill/>
+        </p:spPr>
+        <p:txBody>
+          <a:bodyPr wrap="square" rtlCol="0">
+            <a:spAutoFit/>
           </a:bodyPr>
           <a:lstStyle/>
           <a:p>
-            <a:pPr marL="342900" indent="-342900">
-              <a:buFont typeface="Arial" panose="020B0604020202020204" pitchFamily="34" charset="0"/>
-              <a:buChar char="•"/>
-            </a:pPr>
-            <a:r>
-              <a:rPr lang="en-US" kern="100" dirty="0">
-                <a:latin typeface="Calibri" panose="020F0502020204030204" pitchFamily="34" charset="0"/>
-                <a:ea typeface="Calibri" panose="020F0502020204030204" pitchFamily="34" charset="0"/>
-                <a:cs typeface="Times New Roman" panose="02020603050405020304" pitchFamily="18" charset="0"/>
-              </a:rPr>
-              <a:t>Characterize the PIS spectrum in dB value in identifying its half-power bandwidth [</a:t>
-            </a:r>
-            <a:r>
-              <a:rPr lang="en-US" kern="100" dirty="0" err="1">
-                <a:latin typeface="Calibri" panose="020F0502020204030204" pitchFamily="34" charset="0"/>
-                <a:ea typeface="Calibri" panose="020F0502020204030204" pitchFamily="34" charset="0"/>
-                <a:cs typeface="Times New Roman" panose="02020603050405020304" pitchFamily="18" charset="0"/>
-              </a:rPr>
-              <a:t>f</a:t>
-            </a:r>
-            <a:r>
-              <a:rPr lang="en-US" kern="100" baseline="-25000" dirty="0" err="1">
-                <a:latin typeface="Calibri" panose="020F0502020204030204" pitchFamily="34" charset="0"/>
-                <a:ea typeface="Calibri" panose="020F0502020204030204" pitchFamily="34" charset="0"/>
-                <a:cs typeface="Times New Roman" panose="02020603050405020304" pitchFamily="18" charset="0"/>
-              </a:rPr>
-              <a:t>PISmin</a:t>
-            </a:r>
-            <a:r>
-              <a:rPr lang="en-US" kern="100" dirty="0">
-                <a:latin typeface="Calibri" panose="020F0502020204030204" pitchFamily="34" charset="0"/>
-                <a:ea typeface="Calibri" panose="020F0502020204030204" pitchFamily="34" charset="0"/>
-                <a:cs typeface="Times New Roman" panose="02020603050405020304" pitchFamily="18" charset="0"/>
-              </a:rPr>
-              <a:t>, </a:t>
-            </a:r>
-            <a:r>
-              <a:rPr lang="en-US" kern="100" dirty="0" err="1">
-                <a:latin typeface="Calibri" panose="020F0502020204030204" pitchFamily="34" charset="0"/>
-                <a:ea typeface="Calibri" panose="020F0502020204030204" pitchFamily="34" charset="0"/>
-                <a:cs typeface="Times New Roman" panose="02020603050405020304" pitchFamily="18" charset="0"/>
-              </a:rPr>
-              <a:t>f</a:t>
-            </a:r>
-            <a:r>
-              <a:rPr lang="en-US" kern="100" baseline="-25000" dirty="0" err="1">
-                <a:latin typeface="Calibri" panose="020F0502020204030204" pitchFamily="34" charset="0"/>
-                <a:ea typeface="Calibri" panose="020F0502020204030204" pitchFamily="34" charset="0"/>
-                <a:cs typeface="Times New Roman" panose="02020603050405020304" pitchFamily="18" charset="0"/>
-              </a:rPr>
-              <a:t>PISmax</a:t>
-            </a:r>
-            <a:r>
-              <a:rPr lang="en-US" kern="100" dirty="0">
-                <a:latin typeface="Calibri" panose="020F0502020204030204" pitchFamily="34" charset="0"/>
-                <a:ea typeface="Calibri" panose="020F0502020204030204" pitchFamily="34" charset="0"/>
-                <a:cs typeface="Times New Roman" panose="02020603050405020304" pitchFamily="18" charset="0"/>
-              </a:rPr>
-              <a:t>]</a:t>
-            </a:r>
-          </a:p>
-          <a:p>
-            <a:pPr marL="342900" indent="-342900">
-              <a:buFont typeface="Arial" panose="020B0604020202020204" pitchFamily="34" charset="0"/>
-              <a:buChar char="•"/>
-            </a:pPr>
-            <a:r>
-              <a:rPr lang="en-US" kern="100" dirty="0">
-                <a:latin typeface="Calibri" panose="020F0502020204030204" pitchFamily="34" charset="0"/>
-                <a:ea typeface="Calibri" panose="020F0502020204030204" pitchFamily="34" charset="0"/>
-                <a:cs typeface="Times New Roman" panose="02020603050405020304" pitchFamily="18" charset="0"/>
-              </a:rPr>
-              <a:t>Mix the PIS with a Broad Band Noise (BBN) defined as follows:</a:t>
-            </a:r>
-          </a:p>
-          <a:p>
-            <a:pPr marL="800100" lvl="1" indent="-342900"/>
-            <a:r>
-              <a:rPr lang="en-US" kern="100" dirty="0">
-                <a:latin typeface="Calibri" panose="020F0502020204030204" pitchFamily="34" charset="0"/>
-                <a:ea typeface="Calibri" panose="020F0502020204030204" pitchFamily="34" charset="0"/>
-                <a:cs typeface="Times New Roman" panose="02020603050405020304" pitchFamily="18" charset="0"/>
-              </a:rPr>
-              <a:t>Signal type: White Noise Gaussian</a:t>
-            </a:r>
-          </a:p>
-          <a:p>
-            <a:pPr marL="800100" lvl="1" indent="-342900"/>
-            <a:r>
-              <a:rPr lang="en-US" kern="100" dirty="0">
-                <a:latin typeface="Calibri" panose="020F0502020204030204" pitchFamily="34" charset="0"/>
-                <a:ea typeface="Calibri" panose="020F0502020204030204" pitchFamily="34" charset="0"/>
-                <a:cs typeface="Times New Roman" panose="02020603050405020304" pitchFamily="18" charset="0"/>
-              </a:rPr>
-              <a:t>Mean amplitude = PIS’ average amplitude over the half-power bandwidth [</a:t>
-            </a:r>
-            <a:r>
-              <a:rPr lang="en-US" kern="100" dirty="0" err="1">
-                <a:latin typeface="Calibri" panose="020F0502020204030204" pitchFamily="34" charset="0"/>
-                <a:ea typeface="Calibri" panose="020F0502020204030204" pitchFamily="34" charset="0"/>
-                <a:cs typeface="Times New Roman" panose="02020603050405020304" pitchFamily="18" charset="0"/>
-              </a:rPr>
-              <a:t>f</a:t>
-            </a:r>
-            <a:r>
-              <a:rPr lang="en-US" kern="100" baseline="-25000" dirty="0" err="1">
-                <a:latin typeface="Calibri" panose="020F0502020204030204" pitchFamily="34" charset="0"/>
-                <a:ea typeface="Calibri" panose="020F0502020204030204" pitchFamily="34" charset="0"/>
-                <a:cs typeface="Times New Roman" panose="02020603050405020304" pitchFamily="18" charset="0"/>
-              </a:rPr>
-              <a:t>PISmin</a:t>
-            </a:r>
-            <a:r>
-              <a:rPr lang="en-US" kern="100" dirty="0">
-                <a:latin typeface="Calibri" panose="020F0502020204030204" pitchFamily="34" charset="0"/>
-                <a:ea typeface="Calibri" panose="020F0502020204030204" pitchFamily="34" charset="0"/>
-                <a:cs typeface="Times New Roman" panose="02020603050405020304" pitchFamily="18" charset="0"/>
-              </a:rPr>
-              <a:t>, </a:t>
-            </a:r>
-            <a:r>
-              <a:rPr lang="en-US" kern="100" dirty="0" err="1">
-                <a:latin typeface="Calibri" panose="020F0502020204030204" pitchFamily="34" charset="0"/>
-                <a:ea typeface="Calibri" panose="020F0502020204030204" pitchFamily="34" charset="0"/>
-                <a:cs typeface="Times New Roman" panose="02020603050405020304" pitchFamily="18" charset="0"/>
-              </a:rPr>
-              <a:t>f</a:t>
-            </a:r>
-            <a:r>
-              <a:rPr lang="en-US" kern="100" baseline="-25000" dirty="0" err="1">
-                <a:latin typeface="Calibri" panose="020F0502020204030204" pitchFamily="34" charset="0"/>
-                <a:ea typeface="Calibri" panose="020F0502020204030204" pitchFamily="34" charset="0"/>
-                <a:cs typeface="Times New Roman" panose="02020603050405020304" pitchFamily="18" charset="0"/>
-              </a:rPr>
-              <a:t>PISmax</a:t>
-            </a:r>
-            <a:r>
-              <a:rPr lang="en-US" kern="100" dirty="0">
-                <a:latin typeface="Calibri" panose="020F0502020204030204" pitchFamily="34" charset="0"/>
-                <a:ea typeface="Calibri" panose="020F0502020204030204" pitchFamily="34" charset="0"/>
-                <a:cs typeface="Times New Roman" panose="02020603050405020304" pitchFamily="18" charset="0"/>
-              </a:rPr>
-              <a:t>]</a:t>
-            </a:r>
-          </a:p>
-          <a:p>
-            <a:pPr marL="800100" lvl="1" indent="-342900"/>
-            <a:r>
-              <a:rPr lang="en-US" kern="100" dirty="0">
-                <a:latin typeface="Calibri" panose="020F0502020204030204" pitchFamily="34" charset="0"/>
-                <a:ea typeface="Calibri" panose="020F0502020204030204" pitchFamily="34" charset="0"/>
-                <a:cs typeface="Times New Roman" panose="02020603050405020304" pitchFamily="18" charset="0"/>
-              </a:rPr>
-              <a:t>Standard deviation = RMS value of the PIS spectrum over its half-power bandwidth [</a:t>
-            </a:r>
-            <a:r>
-              <a:rPr lang="en-US" kern="100" dirty="0" err="1">
-                <a:latin typeface="Calibri" panose="020F0502020204030204" pitchFamily="34" charset="0"/>
-                <a:ea typeface="Calibri" panose="020F0502020204030204" pitchFamily="34" charset="0"/>
-                <a:cs typeface="Times New Roman" panose="02020603050405020304" pitchFamily="18" charset="0"/>
-              </a:rPr>
-              <a:t>f</a:t>
-            </a:r>
-            <a:r>
-              <a:rPr lang="en-US" kern="100" baseline="-25000" dirty="0" err="1">
-                <a:latin typeface="Calibri" panose="020F0502020204030204" pitchFamily="34" charset="0"/>
-                <a:ea typeface="Calibri" panose="020F0502020204030204" pitchFamily="34" charset="0"/>
-                <a:cs typeface="Times New Roman" panose="02020603050405020304" pitchFamily="18" charset="0"/>
-              </a:rPr>
-              <a:t>PISmin</a:t>
-            </a:r>
-            <a:r>
-              <a:rPr lang="en-US" kern="100" dirty="0">
-                <a:latin typeface="Calibri" panose="020F0502020204030204" pitchFamily="34" charset="0"/>
-                <a:ea typeface="Calibri" panose="020F0502020204030204" pitchFamily="34" charset="0"/>
-                <a:cs typeface="Times New Roman" panose="02020603050405020304" pitchFamily="18" charset="0"/>
-              </a:rPr>
-              <a:t>, </a:t>
-            </a:r>
-            <a:r>
-              <a:rPr lang="en-US" kern="100" dirty="0" err="1">
-                <a:latin typeface="Calibri" panose="020F0502020204030204" pitchFamily="34" charset="0"/>
-                <a:ea typeface="Calibri" panose="020F0502020204030204" pitchFamily="34" charset="0"/>
-                <a:cs typeface="Times New Roman" panose="02020603050405020304" pitchFamily="18" charset="0"/>
-              </a:rPr>
-              <a:t>f</a:t>
-            </a:r>
-            <a:r>
-              <a:rPr lang="en-US" kern="100" baseline="-25000" dirty="0" err="1">
-                <a:latin typeface="Calibri" panose="020F0502020204030204" pitchFamily="34" charset="0"/>
-                <a:ea typeface="Calibri" panose="020F0502020204030204" pitchFamily="34" charset="0"/>
-                <a:cs typeface="Times New Roman" panose="02020603050405020304" pitchFamily="18" charset="0"/>
-              </a:rPr>
-              <a:t>PISmax</a:t>
-            </a:r>
-            <a:r>
-              <a:rPr lang="en-US" kern="100" dirty="0">
-                <a:latin typeface="Calibri" panose="020F0502020204030204" pitchFamily="34" charset="0"/>
-                <a:ea typeface="Calibri" panose="020F0502020204030204" pitchFamily="34" charset="0"/>
-                <a:cs typeface="Times New Roman" panose="02020603050405020304" pitchFamily="18" charset="0"/>
-              </a:rPr>
-              <a:t>]</a:t>
-            </a:r>
-          </a:p>
-          <a:p>
-            <a:pPr marL="342900" indent="-342900">
-              <a:buFont typeface="Arial" panose="020B0604020202020204" pitchFamily="34" charset="0"/>
-              <a:buChar char="•"/>
-            </a:pPr>
-            <a:r>
-              <a:rPr lang="en-US" kern="100" dirty="0">
-                <a:latin typeface="Calibri" panose="020F0502020204030204" pitchFamily="34" charset="0"/>
-                <a:ea typeface="Calibri" panose="020F0502020204030204" pitchFamily="34" charset="0"/>
-                <a:cs typeface="Times New Roman" panose="02020603050405020304" pitchFamily="18" charset="0"/>
-              </a:rPr>
-              <a:t>Display the spectrum of the non-filtered compound signal PIS mixed with BBN denoted as PIS&amp;BBN</a:t>
-            </a:r>
-          </a:p>
-          <a:p>
-            <a:pPr marL="800100" lvl="1" indent="-342900"/>
-            <a:r>
-              <a:rPr lang="en-US" kern="100" dirty="0">
-                <a:latin typeface="Calibri" panose="020F0502020204030204" pitchFamily="34" charset="0"/>
-                <a:ea typeface="Calibri" panose="020F0502020204030204" pitchFamily="34" charset="0"/>
-                <a:cs typeface="Times New Roman" panose="02020603050405020304" pitchFamily="18" charset="0"/>
-              </a:rPr>
-              <a:t>Characterize the Signal to Noise ratio of PIS&amp;BBN</a:t>
-            </a:r>
-          </a:p>
-          <a:p>
-            <a:pPr marL="342900" indent="-342900">
-              <a:buFont typeface="Arial" panose="020B0604020202020204" pitchFamily="34" charset="0"/>
-              <a:buChar char="•"/>
-            </a:pPr>
-            <a:r>
-              <a:rPr lang="en-US" kern="100" dirty="0">
-                <a:latin typeface="Calibri" panose="020F0502020204030204" pitchFamily="34" charset="0"/>
-                <a:ea typeface="Calibri" panose="020F0502020204030204" pitchFamily="34" charset="0"/>
-                <a:cs typeface="Times New Roman" panose="02020603050405020304" pitchFamily="18" charset="0"/>
-              </a:rPr>
-              <a:t>Display the spectrum of the filtered PIS&amp;BBN denoted as F_ PIS&amp;BBN </a:t>
-            </a:r>
-          </a:p>
-          <a:p>
-            <a:pPr marL="800100" lvl="1" indent="-342900"/>
-            <a:r>
-              <a:rPr lang="en-US" kern="100" dirty="0">
-                <a:latin typeface="Calibri" panose="020F0502020204030204" pitchFamily="34" charset="0"/>
-                <a:ea typeface="Calibri" panose="020F0502020204030204" pitchFamily="34" charset="0"/>
-                <a:cs typeface="Times New Roman" panose="02020603050405020304" pitchFamily="18" charset="0"/>
-              </a:rPr>
-              <a:t>Characterize the Signal to Noise ratio of F_ PIS&amp;BBN</a:t>
-            </a:r>
-          </a:p>
-          <a:p>
-            <a:pPr marL="342900" indent="-342900">
-              <a:buFont typeface="Arial" panose="020B0604020202020204" pitchFamily="34" charset="0"/>
-              <a:buChar char="•"/>
-            </a:pPr>
-            <a:r>
-              <a:rPr lang="en-US" kern="100" dirty="0">
-                <a:latin typeface="Calibri" panose="020F0502020204030204" pitchFamily="34" charset="0"/>
-                <a:ea typeface="Calibri" panose="020F0502020204030204" pitchFamily="34" charset="0"/>
-                <a:cs typeface="Times New Roman" panose="02020603050405020304" pitchFamily="18" charset="0"/>
-              </a:rPr>
-              <a:t>Use the Spectrum Analyzer capability or use a subtractor block to compare PIS with PIS&amp;BBN</a:t>
-            </a:r>
-          </a:p>
-          <a:p>
-            <a:pPr marL="342900" indent="-342900">
-              <a:buFont typeface="Arial" panose="020B0604020202020204" pitchFamily="34" charset="0"/>
-              <a:buChar char="•"/>
-            </a:pPr>
-            <a:r>
-              <a:rPr lang="en-US" kern="100" dirty="0">
-                <a:latin typeface="Calibri" panose="020F0502020204030204" pitchFamily="34" charset="0"/>
-                <a:ea typeface="Calibri" panose="020F0502020204030204" pitchFamily="34" charset="0"/>
-                <a:cs typeface="Times New Roman" panose="02020603050405020304" pitchFamily="18" charset="0"/>
-              </a:rPr>
-              <a:t>Summarize your findings and conclude as to the efficiency of the filtering. If you have determined that the filter is not efficient, provide an explanation as to why. Which of the 2 assigned is most capable to protect the PIS against a Broad Band noise? </a:t>
-            </a:r>
-            <a:r>
-              <a:rPr lang="en-US" kern="100" dirty="0">
+            <a:r>
+              <a:rPr lang="en-US" b="0" dirty="0">
                 <a:solidFill>
                   <a:srgbClr val="FF0000"/>
                 </a:solidFill>
-                <a:latin typeface="Calibri" panose="020F0502020204030204" pitchFamily="34" charset="0"/>
-                <a:ea typeface="Calibri" panose="020F0502020204030204" pitchFamily="34" charset="0"/>
-                <a:cs typeface="Times New Roman" panose="02020603050405020304" pitchFamily="18" charset="0"/>
-              </a:rPr>
-              <a:t>This can be a few bullet points here, then discussed more in depth in report</a:t>
-            </a:r>
-            <a:endParaRPr lang="en-US" kern="100" dirty="0">
-              <a:latin typeface="Calibri" panose="020F0502020204030204" pitchFamily="34" charset="0"/>
-              <a:ea typeface="Calibri" panose="020F0502020204030204" pitchFamily="34" charset="0"/>
-              <a:cs typeface="Times New Roman" panose="02020603050405020304" pitchFamily="18" charset="0"/>
-            </a:endParaRPr>
-          </a:p>
-          <a:p>
-            <a:pPr marL="342900" indent="-342900">
-              <a:buFont typeface="Arial" panose="020B0604020202020204" pitchFamily="34" charset="0"/>
-              <a:buChar char="•"/>
-            </a:pPr>
-            <a:endParaRPr lang="en-US" kern="100" dirty="0">
-              <a:latin typeface="Calibri" panose="020F0502020204030204" pitchFamily="34" charset="0"/>
-              <a:ea typeface="Calibri" panose="020F0502020204030204" pitchFamily="34" charset="0"/>
-              <a:cs typeface="Times New Roman" panose="02020603050405020304" pitchFamily="18" charset="0"/>
-            </a:endParaRPr>
-          </a:p>
-          <a:p>
-            <a:pPr lvl="1" indent="0">
-              <a:buNone/>
-            </a:pPr>
-            <a:endParaRPr lang="en-US" kern="100" dirty="0">
-              <a:latin typeface="Calibri" panose="020F0502020204030204" pitchFamily="34" charset="0"/>
-              <a:ea typeface="Calibri" panose="020F0502020204030204" pitchFamily="34" charset="0"/>
-              <a:cs typeface="Times New Roman" panose="02020603050405020304" pitchFamily="18" charset="0"/>
-            </a:endParaRPr>
-          </a:p>
-          <a:p>
-            <a:pPr marL="342900" indent="-342900">
-              <a:buFont typeface="Arial" panose="020B0604020202020204" pitchFamily="34" charset="0"/>
-              <a:buChar char="•"/>
-            </a:pPr>
-            <a:endParaRPr lang="en-US" dirty="0"/>
+                <a:highlight>
+                  <a:srgbClr val="FFFF00"/>
+                </a:highlight>
+              </a:rPr>
+              <a:t>Figure xx. Unfiltered Violin and Sine Wave</a:t>
+            </a:r>
           </a:p>
         </p:txBody>
       </p:sp>
     </p:spTree>
     <p:extLst>
       <p:ext uri="{BB962C8B-B14F-4D97-AF65-F5344CB8AC3E}">
-        <p14:creationId xmlns:p14="http://schemas.microsoft.com/office/powerpoint/2010/main" val="1814202724"/>
+        <p14:creationId xmlns:p14="http://schemas.microsoft.com/office/powerpoint/2010/main" val="11302144"/>
       </p:ext>
     </p:extLst>
   </p:cSld>
@@ -5480,7 +5711,7 @@
           <p:cNvPr id="2" name="Title 1">
             <a:extLst>
               <a:ext uri="{FF2B5EF4-FFF2-40B4-BE49-F238E27FC236}">
-                <a16:creationId xmlns:a16="http://schemas.microsoft.com/office/drawing/2014/main" id="{6BBDFEFC-643D-1E91-F069-487F3FBAD5D1}"/>
+                <a16:creationId xmlns:a16="http://schemas.microsoft.com/office/drawing/2014/main" id="{1D866218-7451-3785-5799-91F1A20951D9}"/>
               </a:ext>
             </a:extLst>
           </p:cNvPr>
@@ -5498,112 +5729,571 @@
           <a:p>
             <a:r>
               <a:rPr lang="en-US" dirty="0"/>
-              <a:t>Activity 3 Cont.</a:t>
-            </a:r>
-          </a:p>
-        </p:txBody>
-      </p:sp>
-      <p:sp>
-        <p:nvSpPr>
-          <p:cNvPr id="3" name="Content Placeholder 2">
+              <a:t>NBN Continued</a:t>
+            </a:r>
+          </a:p>
+        </p:txBody>
+      </p:sp>
+      <p:graphicFrame>
+        <p:nvGraphicFramePr>
+          <p:cNvPr id="4" name="Content Placeholder 3">
             <a:extLst>
               <a:ext uri="{FF2B5EF4-FFF2-40B4-BE49-F238E27FC236}">
-                <a16:creationId xmlns:a16="http://schemas.microsoft.com/office/drawing/2014/main" id="{C5246BD0-DF04-9EDB-6EE3-EAE913D32D0E}"/>
+                <a16:creationId xmlns:a16="http://schemas.microsoft.com/office/drawing/2014/main" id="{48C3B839-B870-135D-50CC-28CB51D615E9}"/>
+              </a:ext>
+            </a:extLst>
+          </p:cNvPr>
+          <p:cNvGraphicFramePr>
+            <a:graphicFrameLocks noGrp="1"/>
+          </p:cNvGraphicFramePr>
+          <p:nvPr>
+            <p:ph idx="1"/>
+            <p:extLst>
+              <p:ext uri="{D42A27DB-BD31-4B8C-83A1-F6EECF244321}">
+                <p14:modId xmlns:p14="http://schemas.microsoft.com/office/powerpoint/2010/main" val="3216750933"/>
+              </p:ext>
+            </p:extLst>
+          </p:nvPr>
+        </p:nvGraphicFramePr>
+        <p:xfrm>
+          <a:off x="457200" y="990600"/>
+          <a:ext cx="8229600" cy="2936240"/>
+        </p:xfrm>
+        <a:graphic>
+          <a:graphicData uri="http://schemas.openxmlformats.org/drawingml/2006/table">
+            <a:tbl>
+              <a:tblPr firstRow="1" bandRow="1">
+                <a:tableStyleId>{5C22544A-7EE6-4342-B048-85BDC9FD1C3A}</a:tableStyleId>
+              </a:tblPr>
+              <a:tblGrid>
+                <a:gridCol w="2590800">
+                  <a:extLst>
+                    <a:ext uri="{9D8B030D-6E8A-4147-A177-3AD203B41FA5}">
+                      <a16:colId xmlns:a16="http://schemas.microsoft.com/office/drawing/2014/main" val="2109419723"/>
+                    </a:ext>
+                  </a:extLst>
+                </a:gridCol>
+                <a:gridCol w="3048000">
+                  <a:extLst>
+                    <a:ext uri="{9D8B030D-6E8A-4147-A177-3AD203B41FA5}">
+                      <a16:colId xmlns:a16="http://schemas.microsoft.com/office/drawing/2014/main" val="1753283687"/>
+                    </a:ext>
+                  </a:extLst>
+                </a:gridCol>
+                <a:gridCol w="2590800">
+                  <a:extLst>
+                    <a:ext uri="{9D8B030D-6E8A-4147-A177-3AD203B41FA5}">
+                      <a16:colId xmlns:a16="http://schemas.microsoft.com/office/drawing/2014/main" val="1390546256"/>
+                    </a:ext>
+                  </a:extLst>
+                </a:gridCol>
+              </a:tblGrid>
+              <a:tr h="370840">
+                <a:tc>
+                  <a:txBody>
+                    <a:bodyPr/>
+                    <a:lstStyle/>
+                    <a:p>
+                      <a:pPr algn="ctr"/>
+                      <a:r>
+                        <a:rPr lang="en-US" dirty="0"/>
+                        <a:t>Characteristic</a:t>
+                      </a:r>
+                    </a:p>
+                  </a:txBody>
+                  <a:tcPr/>
+                </a:tc>
+                <a:tc>
+                  <a:txBody>
+                    <a:bodyPr/>
+                    <a:lstStyle/>
+                    <a:p>
+                      <a:pPr algn="ctr"/>
+                      <a:r>
+                        <a:rPr lang="en-US" dirty="0"/>
+                        <a:t>Value</a:t>
+                      </a:r>
+                    </a:p>
+                  </a:txBody>
+                  <a:tcPr/>
+                </a:tc>
+                <a:tc>
+                  <a:txBody>
+                    <a:bodyPr/>
+                    <a:lstStyle/>
+                    <a:p>
+                      <a:pPr algn="ctr"/>
+                      <a:r>
+                        <a:rPr lang="en-US" dirty="0"/>
+                        <a:t>Source</a:t>
+                      </a:r>
+                    </a:p>
+                  </a:txBody>
+                  <a:tcPr/>
+                </a:tc>
+                <a:extLst>
+                  <a:ext uri="{0D108BD9-81ED-4DB2-BD59-A6C34878D82A}">
+                    <a16:rowId xmlns:a16="http://schemas.microsoft.com/office/drawing/2014/main" val="384084524"/>
+                  </a:ext>
+                </a:extLst>
+              </a:tr>
+              <a:tr h="370840">
+                <a:tc>
+                  <a:txBody>
+                    <a:bodyPr/>
+                    <a:lstStyle/>
+                    <a:p>
+                      <a:pPr algn="ctr"/>
+                      <a:r>
+                        <a:rPr lang="en-US" dirty="0"/>
+                        <a:t>Peak Amplitude</a:t>
+                      </a:r>
+                    </a:p>
+                  </a:txBody>
+                  <a:tcPr/>
+                </a:tc>
+                <a:tc>
+                  <a:txBody>
+                    <a:bodyPr/>
+                    <a:lstStyle/>
+                    <a:p>
+                      <a:pPr algn="ctr"/>
+                      <a:r>
+                        <a:rPr lang="en-US" dirty="0"/>
+                        <a:t>-25.49 dB</a:t>
+                      </a:r>
+                    </a:p>
+                  </a:txBody>
+                  <a:tcPr/>
+                </a:tc>
+                <a:tc>
+                  <a:txBody>
+                    <a:bodyPr/>
+                    <a:lstStyle/>
+                    <a:p>
+                      <a:pPr algn="ctr"/>
+                      <a:r>
+                        <a:rPr lang="en-US" dirty="0"/>
+                        <a:t>Peak point on Figure 1</a:t>
+                      </a:r>
+                    </a:p>
+                  </a:txBody>
+                  <a:tcPr/>
+                </a:tc>
+                <a:extLst>
+                  <a:ext uri="{0D108BD9-81ED-4DB2-BD59-A6C34878D82A}">
+                    <a16:rowId xmlns:a16="http://schemas.microsoft.com/office/drawing/2014/main" val="1217398678"/>
+                  </a:ext>
+                </a:extLst>
+              </a:tr>
+              <a:tr h="436880">
+                <a:tc>
+                  <a:txBody>
+                    <a:bodyPr/>
+                    <a:lstStyle/>
+                    <a:p>
+                      <a:pPr marL="0" marR="0" lvl="0" indent="0" algn="ctr" defTabSz="914400" rtl="0" eaLnBrk="1" fontAlgn="auto" latinLnBrk="0" hangingPunct="1">
+                        <a:lnSpc>
+                          <a:spcPct val="100000"/>
+                        </a:lnSpc>
+                        <a:spcBef>
+                          <a:spcPts val="0"/>
+                        </a:spcBef>
+                        <a:spcAft>
+                          <a:spcPts val="0"/>
+                        </a:spcAft>
+                        <a:buClrTx/>
+                        <a:buSzTx/>
+                        <a:buFontTx/>
+                        <a:buNone/>
+                        <a:tabLst/>
+                        <a:defRPr/>
+                      </a:pPr>
+                      <a:r>
+                        <a:rPr lang="en-US" dirty="0"/>
+                        <a:t>Half-Power Bandwidth</a:t>
+                      </a:r>
+                    </a:p>
+                  </a:txBody>
+                  <a:tcPr/>
+                </a:tc>
+                <a:tc>
+                  <a:txBody>
+                    <a:bodyPr/>
+                    <a:lstStyle/>
+                    <a:p>
+                      <a:pPr algn="ctr"/>
+                      <a:r>
+                        <a:rPr lang="en-US" sz="1800" b="0" i="0" kern="1200" dirty="0">
+                          <a:solidFill>
+                            <a:schemeClr val="dk1"/>
+                          </a:solidFill>
+                          <a:effectLst/>
+                          <a:latin typeface="+mn-lt"/>
+                          <a:ea typeface="+mn-ea"/>
+                          <a:cs typeface="+mn-cs"/>
+                        </a:rPr>
+                        <a:t>[</a:t>
+                      </a:r>
+                      <a:r>
+                        <a:rPr lang="pl-PL" sz="1800" b="0" i="0" kern="1200" dirty="0">
+                          <a:solidFill>
+                            <a:schemeClr val="dk1"/>
+                          </a:solidFill>
+                          <a:effectLst/>
+                          <a:latin typeface="+mn-lt"/>
+                          <a:ea typeface="+mn-ea"/>
+                          <a:cs typeface="+mn-cs"/>
+                        </a:rPr>
+                        <a:t>4.375 khz</a:t>
+                      </a:r>
+                      <a:r>
+                        <a:rPr lang="en-US" sz="1800" b="0" i="0" kern="1200" dirty="0">
+                          <a:solidFill>
+                            <a:schemeClr val="dk1"/>
+                          </a:solidFill>
+                          <a:effectLst/>
+                          <a:latin typeface="+mn-lt"/>
+                          <a:ea typeface="+mn-ea"/>
+                          <a:cs typeface="+mn-cs"/>
+                        </a:rPr>
+                        <a:t>,</a:t>
+                      </a:r>
+                      <a:r>
+                        <a:rPr lang="pl-PL" sz="1800" b="0" i="0" kern="1200" dirty="0">
+                          <a:solidFill>
+                            <a:schemeClr val="dk1"/>
+                          </a:solidFill>
+                          <a:effectLst/>
+                          <a:latin typeface="+mn-lt"/>
+                          <a:ea typeface="+mn-ea"/>
+                          <a:cs typeface="+mn-cs"/>
+                        </a:rPr>
+                        <a:t> 4.444 khz</a:t>
+                      </a:r>
+                      <a:r>
+                        <a:rPr lang="en-US" sz="1800" b="0" i="0" kern="1200" dirty="0">
+                          <a:solidFill>
+                            <a:schemeClr val="dk1"/>
+                          </a:solidFill>
+                          <a:effectLst/>
+                          <a:latin typeface="+mn-lt"/>
+                          <a:ea typeface="+mn-ea"/>
+                          <a:cs typeface="+mn-cs"/>
+                        </a:rPr>
+                        <a:t>]</a:t>
+                      </a:r>
+                      <a:endParaRPr lang="pl-PL" sz="1800" b="0" i="0" kern="1200" dirty="0">
+                        <a:solidFill>
+                          <a:schemeClr val="dk1"/>
+                        </a:solidFill>
+                        <a:effectLst/>
+                        <a:latin typeface="+mn-lt"/>
+                        <a:ea typeface="+mn-ea"/>
+                        <a:cs typeface="+mn-cs"/>
+                      </a:endParaRPr>
+                    </a:p>
+                    <a:p>
+                      <a:pPr algn="ctr"/>
+                      <a:endParaRPr lang="en-US" dirty="0"/>
+                    </a:p>
+                  </a:txBody>
+                  <a:tcPr/>
+                </a:tc>
+                <a:tc>
+                  <a:txBody>
+                    <a:bodyPr/>
+                    <a:lstStyle/>
+                    <a:p>
+                      <a:pPr algn="ctr"/>
+                      <a:r>
+                        <a:rPr lang="en-US" dirty="0"/>
+                        <a:t>(1)</a:t>
+                      </a:r>
+                    </a:p>
+                  </a:txBody>
+                  <a:tcPr/>
+                </a:tc>
+                <a:extLst>
+                  <a:ext uri="{0D108BD9-81ED-4DB2-BD59-A6C34878D82A}">
+                    <a16:rowId xmlns:a16="http://schemas.microsoft.com/office/drawing/2014/main" val="912018239"/>
+                  </a:ext>
+                </a:extLst>
+              </a:tr>
+              <a:tr h="177800">
+                <a:tc>
+                  <a:txBody>
+                    <a:bodyPr/>
+                    <a:lstStyle/>
+                    <a:p>
+                      <a:pPr algn="ctr"/>
+                      <a:r>
+                        <a:rPr lang="en-US" sz="1800" kern="1200" dirty="0">
+                          <a:solidFill>
+                            <a:schemeClr val="dk1"/>
+                          </a:solidFill>
+                          <a:latin typeface="+mn-lt"/>
+                          <a:ea typeface="+mn-ea"/>
+                          <a:cs typeface="+mn-cs"/>
+                        </a:rPr>
+                        <a:t>PIS’ Center Frequency </a:t>
+                      </a:r>
+                    </a:p>
+                  </a:txBody>
+                  <a:tcPr/>
+                </a:tc>
+                <a:tc>
+                  <a:txBody>
+                    <a:bodyPr/>
+                    <a:lstStyle/>
+                    <a:p>
+                      <a:pPr algn="ctr"/>
+                      <a:r>
+                        <a:rPr lang="en-US" dirty="0"/>
+                        <a:t>4.4095 </a:t>
+                      </a:r>
+                      <a:r>
+                        <a:rPr lang="en-US" dirty="0" err="1"/>
+                        <a:t>khz</a:t>
+                      </a:r>
+                      <a:endParaRPr lang="en-US" dirty="0"/>
+                    </a:p>
+                  </a:txBody>
+                  <a:tcPr/>
+                </a:tc>
+                <a:tc>
+                  <a:txBody>
+                    <a:bodyPr/>
+                    <a:lstStyle/>
+                    <a:p>
+                      <a:pPr marL="0" marR="0" lvl="0" indent="0" algn="ctr" defTabSz="914400" rtl="0" eaLnBrk="1" fontAlgn="auto" latinLnBrk="0" hangingPunct="1">
+                        <a:lnSpc>
+                          <a:spcPct val="100000"/>
+                        </a:lnSpc>
+                        <a:spcBef>
+                          <a:spcPts val="0"/>
+                        </a:spcBef>
+                        <a:spcAft>
+                          <a:spcPts val="0"/>
+                        </a:spcAft>
+                        <a:buClrTx/>
+                        <a:buSzTx/>
+                        <a:buFontTx/>
+                        <a:buNone/>
+                        <a:tabLst/>
+                        <a:defRPr/>
+                      </a:pPr>
+                      <a:r>
+                        <a:rPr lang="en-US" kern="100" dirty="0">
+                          <a:latin typeface="Arial" panose="020B0604020202020204" pitchFamily="34" charset="0"/>
+                          <a:ea typeface="Calibri" panose="020F0502020204030204" pitchFamily="34" charset="0"/>
+                          <a:cs typeface="Arial" panose="020B0604020202020204" pitchFamily="34" charset="0"/>
+                        </a:rPr>
+                        <a:t>(1/2)*(</a:t>
+                      </a:r>
+                      <a:r>
+                        <a:rPr lang="en-US" kern="100" dirty="0" err="1">
+                          <a:latin typeface="Arial" panose="020B0604020202020204" pitchFamily="34" charset="0"/>
+                          <a:ea typeface="Calibri" panose="020F0502020204030204" pitchFamily="34" charset="0"/>
+                          <a:cs typeface="Arial" panose="020B0604020202020204" pitchFamily="34" charset="0"/>
+                        </a:rPr>
+                        <a:t>f</a:t>
+                      </a:r>
+                      <a:r>
+                        <a:rPr lang="en-US" kern="100" baseline="-25000" dirty="0" err="1">
+                          <a:latin typeface="Arial" panose="020B0604020202020204" pitchFamily="34" charset="0"/>
+                          <a:ea typeface="Calibri" panose="020F0502020204030204" pitchFamily="34" charset="0"/>
+                          <a:cs typeface="Arial" panose="020B0604020202020204" pitchFamily="34" charset="0"/>
+                        </a:rPr>
+                        <a:t>PISmin</a:t>
+                      </a:r>
+                      <a:r>
+                        <a:rPr lang="en-US" kern="100" dirty="0">
+                          <a:latin typeface="Arial" panose="020B0604020202020204" pitchFamily="34" charset="0"/>
+                          <a:ea typeface="Calibri" panose="020F0502020204030204" pitchFamily="34" charset="0"/>
+                          <a:cs typeface="Arial" panose="020B0604020202020204" pitchFamily="34" charset="0"/>
+                        </a:rPr>
+                        <a:t> + </a:t>
+                      </a:r>
+                      <a:r>
+                        <a:rPr lang="en-US" kern="100" dirty="0" err="1">
+                          <a:latin typeface="Arial" panose="020B0604020202020204" pitchFamily="34" charset="0"/>
+                          <a:ea typeface="Calibri" panose="020F0502020204030204" pitchFamily="34" charset="0"/>
+                          <a:cs typeface="Arial" panose="020B0604020202020204" pitchFamily="34" charset="0"/>
+                        </a:rPr>
+                        <a:t>f</a:t>
+                      </a:r>
+                      <a:r>
+                        <a:rPr lang="en-US" kern="100" baseline="-25000" dirty="0" err="1">
+                          <a:latin typeface="Arial" panose="020B0604020202020204" pitchFamily="34" charset="0"/>
+                          <a:ea typeface="Calibri" panose="020F0502020204030204" pitchFamily="34" charset="0"/>
+                          <a:cs typeface="Arial" panose="020B0604020202020204" pitchFamily="34" charset="0"/>
+                        </a:rPr>
+                        <a:t>PISmax</a:t>
+                      </a:r>
+                      <a:r>
+                        <a:rPr lang="en-US" kern="100" dirty="0">
+                          <a:latin typeface="Arial" panose="020B0604020202020204" pitchFamily="34" charset="0"/>
+                          <a:ea typeface="Calibri" panose="020F0502020204030204" pitchFamily="34" charset="0"/>
+                          <a:cs typeface="Arial" panose="020B0604020202020204" pitchFamily="34" charset="0"/>
+                        </a:rPr>
+                        <a:t>)</a:t>
+                      </a:r>
+                    </a:p>
+                    <a:p>
+                      <a:pPr algn="ctr"/>
+                      <a:endParaRPr lang="en-US" dirty="0">
+                        <a:latin typeface="Arial" panose="020B0604020202020204" pitchFamily="34" charset="0"/>
+                        <a:cs typeface="Arial" panose="020B0604020202020204" pitchFamily="34" charset="0"/>
+                      </a:endParaRPr>
+                    </a:p>
+                  </a:txBody>
+                  <a:tcPr/>
+                </a:tc>
+                <a:extLst>
+                  <a:ext uri="{0D108BD9-81ED-4DB2-BD59-A6C34878D82A}">
+                    <a16:rowId xmlns:a16="http://schemas.microsoft.com/office/drawing/2014/main" val="4235596499"/>
+                  </a:ext>
+                </a:extLst>
+              </a:tr>
+              <a:tr h="370840">
+                <a:tc>
+                  <a:txBody>
+                    <a:bodyPr/>
+                    <a:lstStyle/>
+                    <a:p>
+                      <a:pPr algn="ctr"/>
+                      <a:r>
+                        <a:rPr lang="en-US" dirty="0"/>
+                        <a:t>RMS Amplitude</a:t>
+                      </a:r>
+                    </a:p>
+                  </a:txBody>
+                  <a:tcPr/>
+                </a:tc>
+                <a:tc>
+                  <a:txBody>
+                    <a:bodyPr/>
+                    <a:lstStyle/>
+                    <a:p>
+                      <a:pPr marL="0" marR="0" lvl="0" indent="0" algn="ctr" defTabSz="914400" rtl="0" eaLnBrk="1" fontAlgn="auto" latinLnBrk="0" hangingPunct="1">
+                        <a:lnSpc>
+                          <a:spcPct val="100000"/>
+                        </a:lnSpc>
+                        <a:spcBef>
+                          <a:spcPts val="0"/>
+                        </a:spcBef>
+                        <a:spcAft>
+                          <a:spcPts val="0"/>
+                        </a:spcAft>
+                        <a:buClrTx/>
+                        <a:buSzTx/>
+                        <a:buFontTx/>
+                        <a:buNone/>
+                        <a:tabLst/>
+                        <a:defRPr/>
+                      </a:pPr>
+                      <a:r>
+                        <a:rPr lang="en-US" sz="1800" b="0" i="0" kern="1200" dirty="0">
+                          <a:solidFill>
+                            <a:schemeClr val="dk1"/>
+                          </a:solidFill>
+                          <a:effectLst/>
+                          <a:latin typeface="+mn-lt"/>
+                          <a:ea typeface="+mn-ea"/>
+                          <a:cs typeface="+mn-cs"/>
+                        </a:rPr>
+                        <a:t>-35.055 dB</a:t>
+                      </a:r>
+                      <a:endParaRPr lang="en-US" dirty="0"/>
+                    </a:p>
+                    <a:p>
+                      <a:pPr algn="ctr"/>
+                      <a:endParaRPr lang="en-US" dirty="0"/>
+                    </a:p>
+                  </a:txBody>
+                  <a:tcPr/>
+                </a:tc>
+                <a:tc>
+                  <a:txBody>
+                    <a:bodyPr/>
+                    <a:lstStyle/>
+                    <a:p>
+                      <a:pPr algn="ctr"/>
+                      <a:r>
+                        <a:rPr lang="en-US" sz="1800" kern="1200" dirty="0">
+                          <a:solidFill>
+                            <a:schemeClr val="dk1"/>
+                          </a:solidFill>
+                          <a:latin typeface="+mn-lt"/>
+                          <a:ea typeface="+mn-ea"/>
+                          <a:cs typeface="+mn-cs"/>
+                        </a:rPr>
+                        <a:t>PIS’ average amplitude over the half-power bandwidth</a:t>
+                      </a:r>
+                    </a:p>
+                  </a:txBody>
+                  <a:tcPr/>
+                </a:tc>
+                <a:extLst>
+                  <a:ext uri="{0D108BD9-81ED-4DB2-BD59-A6C34878D82A}">
+                    <a16:rowId xmlns:a16="http://schemas.microsoft.com/office/drawing/2014/main" val="907116982"/>
+                  </a:ext>
+                </a:extLst>
+              </a:tr>
+            </a:tbl>
+          </a:graphicData>
+        </a:graphic>
+      </p:graphicFrame>
+      <p:sp>
+        <p:nvSpPr>
+          <p:cNvPr id="5" name="AutoShape 2">
+            <a:extLst>
+              <a:ext uri="{FF2B5EF4-FFF2-40B4-BE49-F238E27FC236}">
+                <a16:creationId xmlns:a16="http://schemas.microsoft.com/office/drawing/2014/main" id="{BAEBC251-082C-38E6-6602-D3533D69851F}"/>
               </a:ext>
             </a:extLst>
           </p:cNvPr>
           <p:cNvSpPr>
-            <a:spLocks noGrp="1"/>
+            <a:spLocks noChangeAspect="1" noChangeArrowheads="1"/>
           </p:cNvSpPr>
-          <p:nvPr>
-            <p:ph idx="1"/>
-          </p:nvPr>
-        </p:nvSpPr>
-        <p:spPr/>
-        <p:txBody>
-          <a:bodyPr/>
+          <p:nvPr/>
+        </p:nvSpPr>
+        <p:spPr bwMode="auto">
+          <a:xfrm>
+            <a:off x="4419600" y="3276600"/>
+            <a:ext cx="304800" cy="304800"/>
+          </a:xfrm>
+          <a:prstGeom prst="rect">
+            <a:avLst/>
+          </a:prstGeom>
+          <a:noFill/>
+          <a:extLst>
+            <a:ext uri="{909E8E84-426E-40DD-AFC4-6F175D3DCCD1}">
+              <a14:hiddenFill xmlns:a14="http://schemas.microsoft.com/office/drawing/2010/main">
+                <a:solidFill>
+                  <a:srgbClr val="FFFFFF"/>
+                </a:solidFill>
+              </a14:hiddenFill>
+            </a:ext>
+          </a:extLst>
+        </p:spPr>
+        <p:txBody>
+          <a:bodyPr vert="horz" wrap="square" lIns="91440" tIns="45720" rIns="91440" bIns="45720" numCol="1" anchor="t" anchorCtr="0" compatLnSpc="1">
+            <a:prstTxWarp prst="textNoShape">
+              <a:avLst/>
+            </a:prstTxWarp>
+          </a:bodyPr>
           <a:lstStyle/>
           <a:p>
-            <a:pPr marL="342900" indent="-342900">
-              <a:buFont typeface="Arial" panose="020B0604020202020204" pitchFamily="34" charset="0"/>
-              <a:buChar char="•"/>
-            </a:pPr>
-            <a:r>
-              <a:rPr lang="en-US" sz="2000" b="1" kern="100" dirty="0">
-                <a:latin typeface="Calibri" panose="020F0502020204030204" pitchFamily="34" charset="0"/>
-                <a:ea typeface="Calibri" panose="020F0502020204030204" pitchFamily="34" charset="0"/>
-                <a:cs typeface="Times New Roman" panose="02020603050405020304" pitchFamily="18" charset="0"/>
-              </a:rPr>
-              <a:t>Comparison of Narrow Band (NB) Broad Band (BB) Noise Filtering</a:t>
-            </a:r>
-          </a:p>
-          <a:p>
-            <a:pPr marL="800100" lvl="1" indent="-342900"/>
-            <a:r>
-              <a:rPr lang="en-US" kern="100" dirty="0">
-                <a:latin typeface="Calibri" panose="020F0502020204030204" pitchFamily="34" charset="0"/>
-                <a:ea typeface="Calibri" panose="020F0502020204030204" pitchFamily="34" charset="0"/>
-                <a:cs typeface="Times New Roman" panose="02020603050405020304" pitchFamily="18" charset="0"/>
-              </a:rPr>
-              <a:t>Which type of noise signal is the easiest to filter?</a:t>
-            </a:r>
-          </a:p>
-          <a:p>
-            <a:pPr marL="800100" lvl="1" indent="-342900"/>
-            <a:r>
-              <a:rPr lang="en-US" sz="2000" kern="100" dirty="0">
-                <a:latin typeface="Calibri" panose="020F0502020204030204" pitchFamily="34" charset="0"/>
-                <a:ea typeface="Calibri" panose="020F0502020204030204" pitchFamily="34" charset="0"/>
-                <a:cs typeface="Times New Roman" panose="02020603050405020304" pitchFamily="18" charset="0"/>
-              </a:rPr>
-              <a:t>What filter is most efficient in protecting against:</a:t>
-            </a:r>
-          </a:p>
-          <a:p>
-            <a:pPr marL="1485900" lvl="2" indent="-342900"/>
-            <a:r>
-              <a:rPr lang="en-US" kern="100" dirty="0">
-                <a:latin typeface="Calibri" panose="020F0502020204030204" pitchFamily="34" charset="0"/>
-                <a:ea typeface="Calibri" panose="020F0502020204030204" pitchFamily="34" charset="0"/>
-                <a:cs typeface="Times New Roman" panose="02020603050405020304" pitchFamily="18" charset="0"/>
-              </a:rPr>
-              <a:t>NBN</a:t>
-            </a:r>
-          </a:p>
-          <a:p>
-            <a:pPr marL="1485900" lvl="2" indent="-342900"/>
-            <a:r>
-              <a:rPr lang="en-US" sz="2000" kern="100" dirty="0">
-                <a:latin typeface="Calibri" panose="020F0502020204030204" pitchFamily="34" charset="0"/>
-                <a:ea typeface="Calibri" panose="020F0502020204030204" pitchFamily="34" charset="0"/>
-                <a:cs typeface="Times New Roman" panose="02020603050405020304" pitchFamily="18" charset="0"/>
-              </a:rPr>
-              <a:t>BBN</a:t>
-            </a:r>
-          </a:p>
-          <a:p>
-            <a:pPr marL="342900" indent="-342900">
-              <a:buFont typeface="Arial" panose="020B0604020202020204" pitchFamily="34" charset="0"/>
-              <a:buChar char="•"/>
-            </a:pPr>
-            <a:r>
-              <a:rPr lang="en-US" sz="2000" kern="100" dirty="0">
-                <a:latin typeface="Calibri" panose="020F0502020204030204" pitchFamily="34" charset="0"/>
-                <a:ea typeface="Calibri" panose="020F0502020204030204" pitchFamily="34" charset="0"/>
-                <a:cs typeface="Times New Roman" panose="02020603050405020304" pitchFamily="18" charset="0"/>
-              </a:rPr>
-              <a:t>Need to propose a redesign of the filter that will improve the Signal to Noise ratio by at least 6 dB for NBN given the noise characteristics</a:t>
-            </a:r>
-          </a:p>
-          <a:p>
-            <a:endParaRPr lang="en-US" dirty="0"/>
+            <a:endParaRPr lang="en-US"/>
           </a:p>
         </p:txBody>
       </p:sp>
     </p:spTree>
     <p:extLst>
       <p:ext uri="{BB962C8B-B14F-4D97-AF65-F5344CB8AC3E}">
-        <p14:creationId xmlns:p14="http://schemas.microsoft.com/office/powerpoint/2010/main" val="1208810237"/>
+        <p14:creationId xmlns:p14="http://schemas.microsoft.com/office/powerpoint/2010/main" val="25302582"/>
       </p:ext>
     </p:extLst>
   </p:cSld>

--- a/FINAl_PRESENTATION.pptx
+++ b/FINAl_PRESENTATION.pptx
@@ -4531,7 +4531,10 @@
           <a:bodyPr/>
           <a:lstStyle/>
           <a:p>
-            <a:endParaRPr lang="en-US"/>
+            <a:r>
+              <a:rPr lang="en-US" dirty="0"/>
+              <a:t>Have both of these for each activity</a:t>
+            </a:r>
           </a:p>
         </p:txBody>
       </p:sp>
@@ -4556,62 +4559,143 @@
           <a:bodyPr/>
           <a:lstStyle/>
           <a:p>
-            <a:r>
-              <a:rPr lang="en-US" kern="100" dirty="0">
-                <a:latin typeface="Calibri" panose="020F0502020204030204" pitchFamily="34" charset="0"/>
-                <a:ea typeface="Calibri" panose="020F0502020204030204" pitchFamily="34" charset="0"/>
-                <a:cs typeface="Times New Roman" panose="02020603050405020304" pitchFamily="18" charset="0"/>
-              </a:rPr>
-              <a:t>PIS’ center frequency =(1/2)(</a:t>
-            </a:r>
-            <a:r>
-              <a:rPr lang="en-US" kern="100" dirty="0" err="1">
-                <a:latin typeface="Calibri" panose="020F0502020204030204" pitchFamily="34" charset="0"/>
-                <a:ea typeface="Calibri" panose="020F0502020204030204" pitchFamily="34" charset="0"/>
-                <a:cs typeface="Times New Roman" panose="02020603050405020304" pitchFamily="18" charset="0"/>
-              </a:rPr>
-              <a:t>f</a:t>
-            </a:r>
-            <a:r>
-              <a:rPr lang="en-US" kern="100" baseline="-25000" dirty="0" err="1">
-                <a:latin typeface="Calibri" panose="020F0502020204030204" pitchFamily="34" charset="0"/>
-                <a:ea typeface="Calibri" panose="020F0502020204030204" pitchFamily="34" charset="0"/>
-                <a:cs typeface="Times New Roman" panose="02020603050405020304" pitchFamily="18" charset="0"/>
-              </a:rPr>
-              <a:t>PISmin</a:t>
-            </a:r>
-            <a:r>
-              <a:rPr lang="en-US" kern="100" dirty="0">
-                <a:latin typeface="Calibri" panose="020F0502020204030204" pitchFamily="34" charset="0"/>
-                <a:ea typeface="Calibri" panose="020F0502020204030204" pitchFamily="34" charset="0"/>
-                <a:cs typeface="Times New Roman" panose="02020603050405020304" pitchFamily="18" charset="0"/>
-              </a:rPr>
-              <a:t> + </a:t>
-            </a:r>
-            <a:r>
-              <a:rPr lang="en-US" kern="100" dirty="0" err="1">
-                <a:latin typeface="Calibri" panose="020F0502020204030204" pitchFamily="34" charset="0"/>
-                <a:ea typeface="Calibri" panose="020F0502020204030204" pitchFamily="34" charset="0"/>
-                <a:cs typeface="Times New Roman" panose="02020603050405020304" pitchFamily="18" charset="0"/>
-              </a:rPr>
-              <a:t>f</a:t>
-            </a:r>
-            <a:r>
-              <a:rPr lang="en-US" kern="100" baseline="-25000" dirty="0" err="1">
-                <a:latin typeface="Calibri" panose="020F0502020204030204" pitchFamily="34" charset="0"/>
-                <a:ea typeface="Calibri" panose="020F0502020204030204" pitchFamily="34" charset="0"/>
-                <a:cs typeface="Times New Roman" panose="02020603050405020304" pitchFamily="18" charset="0"/>
-              </a:rPr>
-              <a:t>PISmax</a:t>
-            </a:r>
-            <a:r>
-              <a:rPr lang="en-US" kern="100" dirty="0">
-                <a:latin typeface="Calibri" panose="020F0502020204030204" pitchFamily="34" charset="0"/>
-                <a:ea typeface="Calibri" panose="020F0502020204030204" pitchFamily="34" charset="0"/>
-                <a:cs typeface="Times New Roman" panose="02020603050405020304" pitchFamily="18" charset="0"/>
-              </a:rPr>
-              <a:t>)</a:t>
-            </a:r>
+            <a:pPr marL="3200400" marR="0" lvl="7" indent="0">
+              <a:spcBef>
+                <a:spcPts val="0"/>
+              </a:spcBef>
+              <a:spcAft>
+                <a:spcPts val="0"/>
+              </a:spcAft>
+              <a:buNone/>
+            </a:pPr>
+            <a:r>
+              <a:rPr lang="en-US" sz="1200" b="1" dirty="0">
+                <a:effectLst/>
+                <a:latin typeface="Verdana" panose="020B0604030504040204" pitchFamily="34" charset="0"/>
+                <a:ea typeface="Times New Roman" panose="02020603050405020304" pitchFamily="18" charset="0"/>
+              </a:rPr>
+              <a:t>Test Setup</a:t>
+            </a:r>
+            <a:endParaRPr lang="en-US" sz="1200" dirty="0">
+              <a:effectLst/>
+              <a:latin typeface="Times New Roman" panose="02020603050405020304" pitchFamily="18" charset="0"/>
+              <a:ea typeface="Times New Roman" panose="02020603050405020304" pitchFamily="18" charset="0"/>
+            </a:endParaRPr>
+          </a:p>
+          <a:p>
+            <a:pPr marL="3200400" marR="0">
+              <a:spcBef>
+                <a:spcPts val="0"/>
+              </a:spcBef>
+              <a:spcAft>
+                <a:spcPts val="0"/>
+              </a:spcAft>
+            </a:pPr>
+            <a:r>
+              <a:rPr lang="en-US" sz="1200" dirty="0">
+                <a:effectLst/>
+                <a:latin typeface="Verdana" panose="020B0604030504040204" pitchFamily="34" charset="0"/>
+                <a:ea typeface="Times New Roman" panose="02020603050405020304" pitchFamily="18" charset="0"/>
+              </a:rPr>
+              <a:t>In referring to Figure 1, specify the signal generator and the measuring instrument you use for this study.</a:t>
+            </a:r>
+            <a:r>
+              <a:rPr lang="en-US" sz="1200" b="0" dirty="0">
+                <a:latin typeface="Times New Roman" panose="02020603050405020304" pitchFamily="18" charset="0"/>
+                <a:ea typeface="Times New Roman" panose="02020603050405020304" pitchFamily="18" charset="0"/>
+              </a:rPr>
+              <a:t> </a:t>
+            </a:r>
+          </a:p>
+          <a:p>
+            <a:pPr marL="3200400" marR="0">
+              <a:spcBef>
+                <a:spcPts val="0"/>
+              </a:spcBef>
+              <a:spcAft>
+                <a:spcPts val="0"/>
+              </a:spcAft>
+            </a:pPr>
+            <a:endParaRPr lang="en-US" sz="1200" b="0" dirty="0">
+              <a:effectLst/>
+              <a:latin typeface="Times New Roman" panose="02020603050405020304" pitchFamily="18" charset="0"/>
+              <a:ea typeface="Times New Roman" panose="02020603050405020304" pitchFamily="18" charset="0"/>
+            </a:endParaRPr>
+          </a:p>
+          <a:p>
+            <a:pPr marL="3200400" marR="0">
+              <a:spcBef>
+                <a:spcPts val="0"/>
+              </a:spcBef>
+              <a:spcAft>
+                <a:spcPts val="0"/>
+              </a:spcAft>
+            </a:pPr>
+            <a:r>
+              <a:rPr lang="en-US" sz="1200" b="1" dirty="0">
+                <a:effectLst/>
+                <a:latin typeface="Verdana" panose="020B0604030504040204" pitchFamily="34" charset="0"/>
+                <a:ea typeface="Times New Roman" panose="02020603050405020304" pitchFamily="18" charset="0"/>
+              </a:rPr>
+              <a:t>Data Capture- </a:t>
+            </a:r>
+            <a:r>
+              <a:rPr lang="en-US" sz="1200" b="1" dirty="0">
+                <a:effectLst/>
+                <a:highlight>
+                  <a:srgbClr val="FFFF00"/>
+                </a:highlight>
+                <a:latin typeface="Verdana" panose="020B0604030504040204" pitchFamily="34" charset="0"/>
+                <a:ea typeface="Times New Roman" panose="02020603050405020304" pitchFamily="18" charset="0"/>
+              </a:rPr>
+              <a:t>both use scope and spectrum analyzer</a:t>
+            </a:r>
+            <a:endParaRPr lang="en-US" sz="1200" dirty="0">
+              <a:effectLst/>
+              <a:highlight>
+                <a:srgbClr val="FFFF00"/>
+              </a:highlight>
+              <a:latin typeface="Times New Roman" panose="02020603050405020304" pitchFamily="18" charset="0"/>
+              <a:ea typeface="Times New Roman" panose="02020603050405020304" pitchFamily="18" charset="0"/>
+            </a:endParaRPr>
+          </a:p>
+          <a:p>
+            <a:pPr marL="3200400" marR="0">
+              <a:spcBef>
+                <a:spcPts val="0"/>
+              </a:spcBef>
+              <a:spcAft>
+                <a:spcPts val="0"/>
+              </a:spcAft>
+            </a:pPr>
+            <a:r>
+              <a:rPr lang="en-US" sz="1200" i="1" dirty="0">
+                <a:effectLst/>
+                <a:latin typeface="Verdana" panose="020B0604030504040204" pitchFamily="34" charset="0"/>
+                <a:ea typeface="Times New Roman" panose="02020603050405020304" pitchFamily="18" charset="0"/>
+              </a:rPr>
+              <a:t>Describe how you captured the data (see Slide 13 of the </a:t>
+            </a:r>
+            <a:r>
+              <a:rPr lang="en-US" sz="1200" dirty="0">
+                <a:effectLst/>
+                <a:latin typeface="Verdana" panose="020B0604030504040204" pitchFamily="34" charset="0"/>
+                <a:ea typeface="Times New Roman" panose="02020603050405020304" pitchFamily="18" charset="0"/>
+              </a:rPr>
+              <a:t>reference PowerPoint document) </a:t>
+            </a:r>
+            <a:endParaRPr lang="en-US" sz="1200" dirty="0">
+              <a:effectLst/>
+              <a:latin typeface="Times New Roman" panose="02020603050405020304" pitchFamily="18" charset="0"/>
+              <a:ea typeface="Times New Roman" panose="02020603050405020304" pitchFamily="18" charset="0"/>
+            </a:endParaRPr>
+          </a:p>
+          <a:p>
+            <a:endParaRPr lang="en-US" kern="100" dirty="0">
+              <a:latin typeface="Calibri" panose="020F0502020204030204" pitchFamily="34" charset="0"/>
+              <a:ea typeface="Calibri" panose="020F0502020204030204" pitchFamily="34" charset="0"/>
+              <a:cs typeface="Times New Roman" panose="02020603050405020304" pitchFamily="18" charset="0"/>
+            </a:endParaRPr>
           </a:p>
         </p:txBody>
       </p:sp>

--- a/FINAl_PRESENTATION.pptx
+++ b/FINAl_PRESENTATION.pptx
@@ -5,29 +5,39 @@
     <p:sldMasterId id="2147483804" r:id="rId1"/>
   </p:sldMasterIdLst>
   <p:notesMasterIdLst>
-    <p:notesMasterId r:id="rId14"/>
+    <p:notesMasterId r:id="rId24"/>
   </p:notesMasterIdLst>
   <p:handoutMasterIdLst>
-    <p:handoutMasterId r:id="rId15"/>
+    <p:handoutMasterId r:id="rId25"/>
   </p:handoutMasterIdLst>
   <p:sldIdLst>
     <p:sldId id="256" r:id="rId2"/>
     <p:sldId id="258" r:id="rId3"/>
-    <p:sldId id="264" r:id="rId4"/>
-    <p:sldId id="265" r:id="rId5"/>
+    <p:sldId id="265" r:id="rId4"/>
+    <p:sldId id="273" r:id="rId5"/>
     <p:sldId id="266" r:id="rId6"/>
-    <p:sldId id="267" r:id="rId7"/>
-    <p:sldId id="268" r:id="rId8"/>
-    <p:sldId id="272" r:id="rId9"/>
-    <p:sldId id="271" r:id="rId10"/>
-    <p:sldId id="269" r:id="rId11"/>
-    <p:sldId id="270" r:id="rId12"/>
-    <p:sldId id="263" r:id="rId13"/>
+    <p:sldId id="275" r:id="rId7"/>
+    <p:sldId id="276" r:id="rId8"/>
+    <p:sldId id="277" r:id="rId9"/>
+    <p:sldId id="278" r:id="rId10"/>
+    <p:sldId id="279" r:id="rId11"/>
+    <p:sldId id="280" r:id="rId12"/>
+    <p:sldId id="281" r:id="rId13"/>
+    <p:sldId id="282" r:id="rId14"/>
+    <p:sldId id="267" r:id="rId15"/>
+    <p:sldId id="268" r:id="rId16"/>
+    <p:sldId id="272" r:id="rId17"/>
+    <p:sldId id="271" r:id="rId18"/>
+    <p:sldId id="283" r:id="rId19"/>
+    <p:sldId id="284" r:id="rId20"/>
+    <p:sldId id="269" r:id="rId21"/>
+    <p:sldId id="270" r:id="rId22"/>
+    <p:sldId id="263" r:id="rId23"/>
   </p:sldIdLst>
   <p:sldSz cx="9144000" cy="6858000" type="screen4x3"/>
   <p:notesSz cx="7315200" cy="9601200"/>
   <p:custDataLst>
-    <p:tags r:id="rId16"/>
+    <p:tags r:id="rId26"/>
   </p:custDataLst>
   <p:defaultTextStyle>
     <a:defPPr>
@@ -239,7 +249,7 @@
           <a:p>
             <a:fld id="{98944DA0-7E15-49AE-9E1A-06C658B442E2}" type="datetimeFigureOut">
               <a:rPr lang="en-US" smtClean="0"/>
-              <a:t>12/11/2023</a:t>
+              <a:t>12/12/2023</a:t>
             </a:fld>
             <a:endParaRPr lang="en-US"/>
           </a:p>
@@ -319,6 +329,7 @@
     </p:extLst>
   </p:cSld>
   <p:clrMap bg1="lt1" tx1="dk1" bg2="lt2" tx2="dk2" accent1="accent1" accent2="accent2" accent3="accent3" accent4="accent4" accent5="accent5" accent6="accent6" hlink="hlink" folHlink="folHlink"/>
+  <p:hf hdr="0" ftr="0" dt="0"/>
 </p:handoutMaster>
 </file>
 
@@ -404,7 +415,7 @@
           <a:p>
             <a:fld id="{18A1A218-A232-42EB-9526-47647B116190}" type="datetimeFigureOut">
               <a:rPr lang="en-US" smtClean="0"/>
-              <a:t>12/11/2023</a:t>
+              <a:t>12/12/2023</a:t>
             </a:fld>
             <a:endParaRPr lang="en-US"/>
           </a:p>
@@ -576,6 +587,7 @@
     </p:extLst>
   </p:cSld>
   <p:clrMap bg1="lt1" tx1="dk1" bg2="lt2" tx2="dk2" accent1="accent1" accent2="accent2" accent3="accent3" accent4="accent4" accent5="accent5" accent6="accent6" hlink="hlink" folHlink="folHlink"/>
+  <p:hf hdr="0" ftr="0" dt="0"/>
   <p:notesStyle>
     <a:lvl1pPr marL="0" algn="l" defTabSz="914400" rtl="0" eaLnBrk="1" latinLnBrk="0" hangingPunct="1">
       <a:defRPr sz="1200" kern="1200">
@@ -669,6 +681,90 @@
     </a:lvl9pPr>
   </p:notesStyle>
 </p:notesMaster>
+</file>
+
+<file path=ppt/notesSlides/notesSlide1.xml><?xml version="1.0" encoding="utf-8"?>
+<p:notes xmlns:a="http://schemas.openxmlformats.org/drawingml/2006/main" xmlns:r="http://schemas.openxmlformats.org/officeDocument/2006/relationships" xmlns:p="http://schemas.openxmlformats.org/presentationml/2006/main">
+  <p:cSld>
+    <p:spTree>
+      <p:nvGrpSpPr>
+        <p:cNvPr id="1" name=""/>
+        <p:cNvGrpSpPr/>
+        <p:nvPr/>
+      </p:nvGrpSpPr>
+      <p:grpSpPr>
+        <a:xfrm>
+          <a:off x="0" y="0"/>
+          <a:ext cx="0" cy="0"/>
+          <a:chOff x="0" y="0"/>
+          <a:chExt cx="0" cy="0"/>
+        </a:xfrm>
+      </p:grpSpPr>
+      <p:sp>
+        <p:nvSpPr>
+          <p:cNvPr id="2" name="Slide Image Placeholder 1"/>
+          <p:cNvSpPr>
+            <a:spLocks noGrp="1" noRot="1" noChangeAspect="1"/>
+          </p:cNvSpPr>
+          <p:nvPr>
+            <p:ph type="sldImg"/>
+          </p:nvPr>
+        </p:nvSpPr>
+        <p:spPr/>
+      </p:sp>
+      <p:sp>
+        <p:nvSpPr>
+          <p:cNvPr id="3" name="Notes Placeholder 2"/>
+          <p:cNvSpPr>
+            <a:spLocks noGrp="1"/>
+          </p:cNvSpPr>
+          <p:nvPr>
+            <p:ph type="body" idx="1"/>
+          </p:nvPr>
+        </p:nvSpPr>
+        <p:spPr/>
+        <p:txBody>
+          <a:bodyPr/>
+          <a:lstStyle/>
+          <a:p>
+            <a:endParaRPr lang="en-US" dirty="0"/>
+          </a:p>
+        </p:txBody>
+      </p:sp>
+      <p:sp>
+        <p:nvSpPr>
+          <p:cNvPr id="4" name="Slide Number Placeholder 3"/>
+          <p:cNvSpPr>
+            <a:spLocks noGrp="1"/>
+          </p:cNvSpPr>
+          <p:nvPr>
+            <p:ph type="sldNum" sz="quarter" idx="5"/>
+          </p:nvPr>
+        </p:nvSpPr>
+        <p:spPr/>
+        <p:txBody>
+          <a:bodyPr/>
+          <a:lstStyle/>
+          <a:p>
+            <a:fld id="{CBAB7EF7-9A5A-4AB1-BA29-E3679F2B5F4C}" type="slidenum">
+              <a:rPr lang="en-US" smtClean="0"/>
+              <a:t>7</a:t>
+            </a:fld>
+            <a:endParaRPr lang="en-US"/>
+          </a:p>
+        </p:txBody>
+      </p:sp>
+    </p:spTree>
+    <p:extLst>
+      <p:ext uri="{BB962C8B-B14F-4D97-AF65-F5344CB8AC3E}">
+        <p14:creationId xmlns:p14="http://schemas.microsoft.com/office/powerpoint/2010/main" val="4021942395"/>
+      </p:ext>
+    </p:extLst>
+  </p:cSld>
+  <p:clrMapOvr>
+    <a:masterClrMapping/>
+  </p:clrMapOvr>
+</p:notes>
 </file>
 
 <file path=ppt/slideLayouts/slideLayout1.xml><?xml version="1.0" encoding="utf-8"?>
@@ -3690,7 +3786,7 @@
           <p:cNvPr id="2" name="Title 1">
             <a:extLst>
               <a:ext uri="{FF2B5EF4-FFF2-40B4-BE49-F238E27FC236}">
-                <a16:creationId xmlns:a16="http://schemas.microsoft.com/office/drawing/2014/main" id="{11536382-0D5D-0564-57DD-0CA4B5938F30}"/>
+                <a16:creationId xmlns:a16="http://schemas.microsoft.com/office/drawing/2014/main" id="{6E1A7FD6-26B4-C706-71DB-F22F506063A3}"/>
               </a:ext>
             </a:extLst>
           </p:cNvPr>
@@ -3708,366 +3804,75 @@
           <a:p>
             <a:r>
               <a:rPr lang="en-US" dirty="0"/>
-              <a:t>BBN</a:t>
+              <a:t>Dirac Function</a:t>
             </a:r>
           </a:p>
         </p:txBody>
       </p:sp>
-      <p:sp>
-        <p:nvSpPr>
-          <p:cNvPr id="3" name="Content Placeholder 2">
+      <p:pic>
+        <p:nvPicPr>
+          <p:cNvPr id="5" name="Picture 4">
             <a:extLst>
               <a:ext uri="{FF2B5EF4-FFF2-40B4-BE49-F238E27FC236}">
-                <a16:creationId xmlns:a16="http://schemas.microsoft.com/office/drawing/2014/main" id="{C303818C-AB32-FF4E-EDF0-A8314B961A59}"/>
+                <a16:creationId xmlns:a16="http://schemas.microsoft.com/office/drawing/2014/main" id="{B614D08C-5DB3-673F-7E2E-53E84DFEC900}"/>
               </a:ext>
             </a:extLst>
           </p:cNvPr>
-          <p:cNvSpPr>
-            <a:spLocks noGrp="1"/>
-          </p:cNvSpPr>
-          <p:nvPr>
-            <p:ph idx="1"/>
-          </p:nvPr>
-        </p:nvSpPr>
-        <p:spPr/>
-        <p:txBody>
-          <a:bodyPr>
-            <a:normAutofit fontScale="85000" lnSpcReduction="20000"/>
-          </a:bodyPr>
-          <a:lstStyle/>
-          <a:p>
-            <a:pPr marL="342900" indent="-342900">
-              <a:buFont typeface="Arial" panose="020B0604020202020204" pitchFamily="34" charset="0"/>
-              <a:buChar char="•"/>
-            </a:pPr>
-            <a:r>
-              <a:rPr lang="en-US" kern="100" dirty="0">
-                <a:latin typeface="Calibri" panose="020F0502020204030204" pitchFamily="34" charset="0"/>
-                <a:ea typeface="Calibri" panose="020F0502020204030204" pitchFamily="34" charset="0"/>
-                <a:cs typeface="Times New Roman" panose="02020603050405020304" pitchFamily="18" charset="0"/>
-              </a:rPr>
-              <a:t>Characterize the PIS spectrum in dB value in identifying its half-power bandwidth [</a:t>
-            </a:r>
-            <a:r>
-              <a:rPr lang="en-US" kern="100" dirty="0" err="1">
-                <a:latin typeface="Calibri" panose="020F0502020204030204" pitchFamily="34" charset="0"/>
-                <a:ea typeface="Calibri" panose="020F0502020204030204" pitchFamily="34" charset="0"/>
-                <a:cs typeface="Times New Roman" panose="02020603050405020304" pitchFamily="18" charset="0"/>
-              </a:rPr>
-              <a:t>f</a:t>
-            </a:r>
-            <a:r>
-              <a:rPr lang="en-US" kern="100" baseline="-25000" dirty="0" err="1">
-                <a:latin typeface="Calibri" panose="020F0502020204030204" pitchFamily="34" charset="0"/>
-                <a:ea typeface="Calibri" panose="020F0502020204030204" pitchFamily="34" charset="0"/>
-                <a:cs typeface="Times New Roman" panose="02020603050405020304" pitchFamily="18" charset="0"/>
-              </a:rPr>
-              <a:t>PISmin</a:t>
-            </a:r>
-            <a:r>
-              <a:rPr lang="en-US" kern="100" dirty="0">
-                <a:latin typeface="Calibri" panose="020F0502020204030204" pitchFamily="34" charset="0"/>
-                <a:ea typeface="Calibri" panose="020F0502020204030204" pitchFamily="34" charset="0"/>
-                <a:cs typeface="Times New Roman" panose="02020603050405020304" pitchFamily="18" charset="0"/>
-              </a:rPr>
-              <a:t>, </a:t>
-            </a:r>
-            <a:r>
-              <a:rPr lang="en-US" kern="100" dirty="0" err="1">
-                <a:latin typeface="Calibri" panose="020F0502020204030204" pitchFamily="34" charset="0"/>
-                <a:ea typeface="Calibri" panose="020F0502020204030204" pitchFamily="34" charset="0"/>
-                <a:cs typeface="Times New Roman" panose="02020603050405020304" pitchFamily="18" charset="0"/>
-              </a:rPr>
-              <a:t>f</a:t>
-            </a:r>
-            <a:r>
-              <a:rPr lang="en-US" kern="100" baseline="-25000" dirty="0" err="1">
-                <a:latin typeface="Calibri" panose="020F0502020204030204" pitchFamily="34" charset="0"/>
-                <a:ea typeface="Calibri" panose="020F0502020204030204" pitchFamily="34" charset="0"/>
-                <a:cs typeface="Times New Roman" panose="02020603050405020304" pitchFamily="18" charset="0"/>
-              </a:rPr>
-              <a:t>PISmax</a:t>
-            </a:r>
-            <a:r>
-              <a:rPr lang="en-US" kern="100" dirty="0">
-                <a:latin typeface="Calibri" panose="020F0502020204030204" pitchFamily="34" charset="0"/>
-                <a:ea typeface="Calibri" panose="020F0502020204030204" pitchFamily="34" charset="0"/>
-                <a:cs typeface="Times New Roman" panose="02020603050405020304" pitchFamily="18" charset="0"/>
-              </a:rPr>
-              <a:t>]</a:t>
-            </a:r>
-          </a:p>
-          <a:p>
-            <a:pPr marL="342900" indent="-342900">
-              <a:buFont typeface="Arial" panose="020B0604020202020204" pitchFamily="34" charset="0"/>
-              <a:buChar char="•"/>
-            </a:pPr>
-            <a:r>
-              <a:rPr lang="en-US" kern="100" dirty="0">
-                <a:latin typeface="Calibri" panose="020F0502020204030204" pitchFamily="34" charset="0"/>
-                <a:ea typeface="Calibri" panose="020F0502020204030204" pitchFamily="34" charset="0"/>
-                <a:cs typeface="Times New Roman" panose="02020603050405020304" pitchFamily="18" charset="0"/>
-              </a:rPr>
-              <a:t>Mix the PIS with a Broad Band Noise (BBN) defined as follows:</a:t>
-            </a:r>
-          </a:p>
-          <a:p>
-            <a:pPr marL="800100" lvl="1" indent="-342900"/>
-            <a:r>
-              <a:rPr lang="en-US" kern="100" dirty="0">
-                <a:latin typeface="Calibri" panose="020F0502020204030204" pitchFamily="34" charset="0"/>
-                <a:ea typeface="Calibri" panose="020F0502020204030204" pitchFamily="34" charset="0"/>
-                <a:cs typeface="Times New Roman" panose="02020603050405020304" pitchFamily="18" charset="0"/>
-              </a:rPr>
-              <a:t>Signal type: White Noise Gaussian</a:t>
-            </a:r>
-          </a:p>
-          <a:p>
-            <a:pPr marL="800100" lvl="1" indent="-342900"/>
-            <a:r>
-              <a:rPr lang="en-US" kern="100" dirty="0">
-                <a:latin typeface="Calibri" panose="020F0502020204030204" pitchFamily="34" charset="0"/>
-                <a:ea typeface="Calibri" panose="020F0502020204030204" pitchFamily="34" charset="0"/>
-                <a:cs typeface="Times New Roman" panose="02020603050405020304" pitchFamily="18" charset="0"/>
-              </a:rPr>
-              <a:t>Mean amplitude = PIS’ average amplitude over the half-power bandwidth [</a:t>
-            </a:r>
-            <a:r>
-              <a:rPr lang="en-US" kern="100" dirty="0" err="1">
-                <a:latin typeface="Calibri" panose="020F0502020204030204" pitchFamily="34" charset="0"/>
-                <a:ea typeface="Calibri" panose="020F0502020204030204" pitchFamily="34" charset="0"/>
-                <a:cs typeface="Times New Roman" panose="02020603050405020304" pitchFamily="18" charset="0"/>
-              </a:rPr>
-              <a:t>f</a:t>
-            </a:r>
-            <a:r>
-              <a:rPr lang="en-US" kern="100" baseline="-25000" dirty="0" err="1">
-                <a:latin typeface="Calibri" panose="020F0502020204030204" pitchFamily="34" charset="0"/>
-                <a:ea typeface="Calibri" panose="020F0502020204030204" pitchFamily="34" charset="0"/>
-                <a:cs typeface="Times New Roman" panose="02020603050405020304" pitchFamily="18" charset="0"/>
-              </a:rPr>
-              <a:t>PISmin</a:t>
-            </a:r>
-            <a:r>
-              <a:rPr lang="en-US" kern="100" dirty="0">
-                <a:latin typeface="Calibri" panose="020F0502020204030204" pitchFamily="34" charset="0"/>
-                <a:ea typeface="Calibri" panose="020F0502020204030204" pitchFamily="34" charset="0"/>
-                <a:cs typeface="Times New Roman" panose="02020603050405020304" pitchFamily="18" charset="0"/>
-              </a:rPr>
-              <a:t>, </a:t>
-            </a:r>
-            <a:r>
-              <a:rPr lang="en-US" kern="100" dirty="0" err="1">
-                <a:latin typeface="Calibri" panose="020F0502020204030204" pitchFamily="34" charset="0"/>
-                <a:ea typeface="Calibri" panose="020F0502020204030204" pitchFamily="34" charset="0"/>
-                <a:cs typeface="Times New Roman" panose="02020603050405020304" pitchFamily="18" charset="0"/>
-              </a:rPr>
-              <a:t>f</a:t>
-            </a:r>
-            <a:r>
-              <a:rPr lang="en-US" kern="100" baseline="-25000" dirty="0" err="1">
-                <a:latin typeface="Calibri" panose="020F0502020204030204" pitchFamily="34" charset="0"/>
-                <a:ea typeface="Calibri" panose="020F0502020204030204" pitchFamily="34" charset="0"/>
-                <a:cs typeface="Times New Roman" panose="02020603050405020304" pitchFamily="18" charset="0"/>
-              </a:rPr>
-              <a:t>PISmax</a:t>
-            </a:r>
-            <a:r>
-              <a:rPr lang="en-US" kern="100" dirty="0">
-                <a:latin typeface="Calibri" panose="020F0502020204030204" pitchFamily="34" charset="0"/>
-                <a:ea typeface="Calibri" panose="020F0502020204030204" pitchFamily="34" charset="0"/>
-                <a:cs typeface="Times New Roman" panose="02020603050405020304" pitchFamily="18" charset="0"/>
-              </a:rPr>
-              <a:t>]</a:t>
-            </a:r>
-          </a:p>
-          <a:p>
-            <a:pPr marL="800100" lvl="1" indent="-342900"/>
-            <a:r>
-              <a:rPr lang="en-US" kern="100" dirty="0">
-                <a:latin typeface="Calibri" panose="020F0502020204030204" pitchFamily="34" charset="0"/>
-                <a:ea typeface="Calibri" panose="020F0502020204030204" pitchFamily="34" charset="0"/>
-                <a:cs typeface="Times New Roman" panose="02020603050405020304" pitchFamily="18" charset="0"/>
-              </a:rPr>
-              <a:t>Standard deviation = RMS value of the PIS spectrum over its half-power bandwidth [</a:t>
-            </a:r>
-            <a:r>
-              <a:rPr lang="en-US" kern="100" dirty="0" err="1">
-                <a:latin typeface="Calibri" panose="020F0502020204030204" pitchFamily="34" charset="0"/>
-                <a:ea typeface="Calibri" panose="020F0502020204030204" pitchFamily="34" charset="0"/>
-                <a:cs typeface="Times New Roman" panose="02020603050405020304" pitchFamily="18" charset="0"/>
-              </a:rPr>
-              <a:t>f</a:t>
-            </a:r>
-            <a:r>
-              <a:rPr lang="en-US" kern="100" baseline="-25000" dirty="0" err="1">
-                <a:latin typeface="Calibri" panose="020F0502020204030204" pitchFamily="34" charset="0"/>
-                <a:ea typeface="Calibri" panose="020F0502020204030204" pitchFamily="34" charset="0"/>
-                <a:cs typeface="Times New Roman" panose="02020603050405020304" pitchFamily="18" charset="0"/>
-              </a:rPr>
-              <a:t>PISmin</a:t>
-            </a:r>
-            <a:r>
-              <a:rPr lang="en-US" kern="100" dirty="0">
-                <a:latin typeface="Calibri" panose="020F0502020204030204" pitchFamily="34" charset="0"/>
-                <a:ea typeface="Calibri" panose="020F0502020204030204" pitchFamily="34" charset="0"/>
-                <a:cs typeface="Times New Roman" panose="02020603050405020304" pitchFamily="18" charset="0"/>
-              </a:rPr>
-              <a:t>, </a:t>
-            </a:r>
-            <a:r>
-              <a:rPr lang="en-US" kern="100" dirty="0" err="1">
-                <a:latin typeface="Calibri" panose="020F0502020204030204" pitchFamily="34" charset="0"/>
-                <a:ea typeface="Calibri" panose="020F0502020204030204" pitchFamily="34" charset="0"/>
-                <a:cs typeface="Times New Roman" panose="02020603050405020304" pitchFamily="18" charset="0"/>
-              </a:rPr>
-              <a:t>f</a:t>
-            </a:r>
-            <a:r>
-              <a:rPr lang="en-US" kern="100" baseline="-25000" dirty="0" err="1">
-                <a:latin typeface="Calibri" panose="020F0502020204030204" pitchFamily="34" charset="0"/>
-                <a:ea typeface="Calibri" panose="020F0502020204030204" pitchFamily="34" charset="0"/>
-                <a:cs typeface="Times New Roman" panose="02020603050405020304" pitchFamily="18" charset="0"/>
-              </a:rPr>
-              <a:t>PISmax</a:t>
-            </a:r>
-            <a:r>
-              <a:rPr lang="en-US" kern="100" dirty="0">
-                <a:latin typeface="Calibri" panose="020F0502020204030204" pitchFamily="34" charset="0"/>
-                <a:ea typeface="Calibri" panose="020F0502020204030204" pitchFamily="34" charset="0"/>
-                <a:cs typeface="Times New Roman" panose="02020603050405020304" pitchFamily="18" charset="0"/>
-              </a:rPr>
-              <a:t>]</a:t>
-            </a:r>
-          </a:p>
-          <a:p>
-            <a:pPr marL="342900" indent="-342900">
-              <a:buFont typeface="Arial" panose="020B0604020202020204" pitchFamily="34" charset="0"/>
-              <a:buChar char="•"/>
-            </a:pPr>
-            <a:r>
-              <a:rPr lang="en-US" kern="100" dirty="0">
-                <a:latin typeface="Calibri" panose="020F0502020204030204" pitchFamily="34" charset="0"/>
-                <a:ea typeface="Calibri" panose="020F0502020204030204" pitchFamily="34" charset="0"/>
-                <a:cs typeface="Times New Roman" panose="02020603050405020304" pitchFamily="18" charset="0"/>
-              </a:rPr>
-              <a:t>Display the spectrum of the non-filtered compound signal PIS mixed with BBN denoted as PIS&amp;BBN</a:t>
-            </a:r>
-          </a:p>
-          <a:p>
-            <a:pPr marL="800100" lvl="1" indent="-342900"/>
-            <a:r>
-              <a:rPr lang="en-US" kern="100" dirty="0">
-                <a:latin typeface="Calibri" panose="020F0502020204030204" pitchFamily="34" charset="0"/>
-                <a:ea typeface="Calibri" panose="020F0502020204030204" pitchFamily="34" charset="0"/>
-                <a:cs typeface="Times New Roman" panose="02020603050405020304" pitchFamily="18" charset="0"/>
-              </a:rPr>
-              <a:t>Characterize the Signal to Noise ratio of PIS&amp;BBN</a:t>
-            </a:r>
-          </a:p>
-          <a:p>
-            <a:pPr marL="342900" indent="-342900">
-              <a:buFont typeface="Arial" panose="020B0604020202020204" pitchFamily="34" charset="0"/>
-              <a:buChar char="•"/>
-            </a:pPr>
-            <a:r>
-              <a:rPr lang="en-US" kern="100" dirty="0">
-                <a:latin typeface="Calibri" panose="020F0502020204030204" pitchFamily="34" charset="0"/>
-                <a:ea typeface="Calibri" panose="020F0502020204030204" pitchFamily="34" charset="0"/>
-                <a:cs typeface="Times New Roman" panose="02020603050405020304" pitchFamily="18" charset="0"/>
-              </a:rPr>
-              <a:t>Display the spectrum of the filtered PIS&amp;BBN denoted as F_ PIS&amp;BBN </a:t>
-            </a:r>
-          </a:p>
-          <a:p>
-            <a:pPr marL="800100" lvl="1" indent="-342900"/>
-            <a:r>
-              <a:rPr lang="en-US" kern="100" dirty="0">
-                <a:latin typeface="Calibri" panose="020F0502020204030204" pitchFamily="34" charset="0"/>
-                <a:ea typeface="Calibri" panose="020F0502020204030204" pitchFamily="34" charset="0"/>
-                <a:cs typeface="Times New Roman" panose="02020603050405020304" pitchFamily="18" charset="0"/>
-              </a:rPr>
-              <a:t>Characterize the Signal to Noise ratio of F_ PIS&amp;BBN</a:t>
-            </a:r>
-          </a:p>
-          <a:p>
-            <a:pPr marL="342900" indent="-342900">
-              <a:buFont typeface="Arial" panose="020B0604020202020204" pitchFamily="34" charset="0"/>
-              <a:buChar char="•"/>
-            </a:pPr>
-            <a:r>
-              <a:rPr lang="en-US" kern="100" dirty="0">
-                <a:latin typeface="Calibri" panose="020F0502020204030204" pitchFamily="34" charset="0"/>
-                <a:ea typeface="Calibri" panose="020F0502020204030204" pitchFamily="34" charset="0"/>
-                <a:cs typeface="Times New Roman" panose="02020603050405020304" pitchFamily="18" charset="0"/>
-              </a:rPr>
-              <a:t>Use the Spectrum Analyzer capability or use a subtractor block to compare PIS with PIS&amp;BBN</a:t>
-            </a:r>
-          </a:p>
-          <a:p>
-            <a:pPr marL="342900" indent="-342900">
-              <a:buFont typeface="Arial" panose="020B0604020202020204" pitchFamily="34" charset="0"/>
-              <a:buChar char="•"/>
-            </a:pPr>
-            <a:r>
-              <a:rPr lang="en-US" kern="100" dirty="0">
-                <a:latin typeface="Calibri" panose="020F0502020204030204" pitchFamily="34" charset="0"/>
-                <a:ea typeface="Calibri" panose="020F0502020204030204" pitchFamily="34" charset="0"/>
-                <a:cs typeface="Times New Roman" panose="02020603050405020304" pitchFamily="18" charset="0"/>
-              </a:rPr>
-              <a:t>Summarize your findings and conclude as to the efficiency of the filtering. If you have determined that the filter is not efficient, provide an explanation as to why. Which of the 2 assigned is most capable to protect the PIS against a Broad Band noise? </a:t>
-            </a:r>
-            <a:r>
-              <a:rPr lang="en-US" kern="100" dirty="0">
-                <a:solidFill>
-                  <a:srgbClr val="FF0000"/>
-                </a:solidFill>
-                <a:latin typeface="Calibri" panose="020F0502020204030204" pitchFamily="34" charset="0"/>
-                <a:ea typeface="Calibri" panose="020F0502020204030204" pitchFamily="34" charset="0"/>
-                <a:cs typeface="Times New Roman" panose="02020603050405020304" pitchFamily="18" charset="0"/>
-              </a:rPr>
-              <a:t>This can be a few bullet points here, then discussed more in depth in report</a:t>
-            </a:r>
-            <a:endParaRPr lang="en-US" kern="100" dirty="0">
-              <a:latin typeface="Calibri" panose="020F0502020204030204" pitchFamily="34" charset="0"/>
-              <a:ea typeface="Calibri" panose="020F0502020204030204" pitchFamily="34" charset="0"/>
-              <a:cs typeface="Times New Roman" panose="02020603050405020304" pitchFamily="18" charset="0"/>
-            </a:endParaRPr>
-          </a:p>
-          <a:p>
-            <a:pPr marL="342900" indent="-342900">
-              <a:buFont typeface="Arial" panose="020B0604020202020204" pitchFamily="34" charset="0"/>
-              <a:buChar char="•"/>
-            </a:pPr>
-            <a:endParaRPr lang="en-US" kern="100" dirty="0">
-              <a:latin typeface="Calibri" panose="020F0502020204030204" pitchFamily="34" charset="0"/>
-              <a:ea typeface="Calibri" panose="020F0502020204030204" pitchFamily="34" charset="0"/>
-              <a:cs typeface="Times New Roman" panose="02020603050405020304" pitchFamily="18" charset="0"/>
-            </a:endParaRPr>
-          </a:p>
-          <a:p>
-            <a:pPr lvl="1" indent="0">
-              <a:buNone/>
-            </a:pPr>
-            <a:endParaRPr lang="en-US" kern="100" dirty="0">
-              <a:latin typeface="Calibri" panose="020F0502020204030204" pitchFamily="34" charset="0"/>
-              <a:ea typeface="Calibri" panose="020F0502020204030204" pitchFamily="34" charset="0"/>
-              <a:cs typeface="Times New Roman" panose="02020603050405020304" pitchFamily="18" charset="0"/>
-            </a:endParaRPr>
-          </a:p>
-          <a:p>
-            <a:pPr marL="342900" indent="-342900">
-              <a:buFont typeface="Arial" panose="020B0604020202020204" pitchFamily="34" charset="0"/>
-              <a:buChar char="•"/>
-            </a:pPr>
-            <a:endParaRPr lang="en-US" dirty="0"/>
-          </a:p>
-        </p:txBody>
-      </p:sp>
+          <p:cNvPicPr>
+            <a:picLocks noChangeAspect="1"/>
+          </p:cNvPicPr>
+          <p:nvPr/>
+        </p:nvPicPr>
+        <p:blipFill>
+          <a:blip r:embed="rId2"/>
+          <a:stretch>
+            <a:fillRect/>
+          </a:stretch>
+        </p:blipFill>
+        <p:spPr>
+          <a:xfrm>
+            <a:off x="3462218" y="145344"/>
+            <a:ext cx="4844005" cy="3429000"/>
+          </a:xfrm>
+          <a:prstGeom prst="rect">
+            <a:avLst/>
+          </a:prstGeom>
+        </p:spPr>
+      </p:pic>
+      <p:pic>
+        <p:nvPicPr>
+          <p:cNvPr id="7" name="Picture 6">
+            <a:extLst>
+              <a:ext uri="{FF2B5EF4-FFF2-40B4-BE49-F238E27FC236}">
+                <a16:creationId xmlns:a16="http://schemas.microsoft.com/office/drawing/2014/main" id="{B6C7A8BA-0EBA-93C5-E9CA-B4F7F3C3F557}"/>
+              </a:ext>
+            </a:extLst>
+          </p:cNvPr>
+          <p:cNvPicPr>
+            <a:picLocks noChangeAspect="1"/>
+          </p:cNvPicPr>
+          <p:nvPr/>
+        </p:nvPicPr>
+        <p:blipFill>
+          <a:blip r:embed="rId3"/>
+          <a:stretch>
+            <a:fillRect/>
+          </a:stretch>
+        </p:blipFill>
+        <p:spPr>
+          <a:xfrm>
+            <a:off x="3429000" y="3527882"/>
+            <a:ext cx="4877223" cy="3284505"/>
+          </a:xfrm>
+          <a:prstGeom prst="rect">
+            <a:avLst/>
+          </a:prstGeom>
+        </p:spPr>
+      </p:pic>
     </p:spTree>
     <p:extLst>
       <p:ext uri="{BB962C8B-B14F-4D97-AF65-F5344CB8AC3E}">
-        <p14:creationId xmlns:p14="http://schemas.microsoft.com/office/powerpoint/2010/main" val="1814202724"/>
+        <p14:creationId xmlns:p14="http://schemas.microsoft.com/office/powerpoint/2010/main" val="325884700"/>
       </p:ext>
     </p:extLst>
   </p:cSld>
@@ -4094,135 +3899,130 @@
           <a:chExt cx="0" cy="0"/>
         </a:xfrm>
       </p:grpSpPr>
-      <p:sp>
-        <p:nvSpPr>
-          <p:cNvPr id="2" name="Title 1">
+      <p:pic>
+        <p:nvPicPr>
+          <p:cNvPr id="5" name="Picture 4">
             <a:extLst>
               <a:ext uri="{FF2B5EF4-FFF2-40B4-BE49-F238E27FC236}">
-                <a16:creationId xmlns:a16="http://schemas.microsoft.com/office/drawing/2014/main" id="{6BBDFEFC-643D-1E91-F069-487F3FBAD5D1}"/>
+                <a16:creationId xmlns:a16="http://schemas.microsoft.com/office/drawing/2014/main" id="{01AFDFDE-FCAF-5389-7673-5FAA93827D3E}"/>
               </a:ext>
             </a:extLst>
           </p:cNvPr>
-          <p:cNvSpPr>
-            <a:spLocks noGrp="1"/>
-          </p:cNvSpPr>
-          <p:nvPr>
-            <p:ph type="title"/>
-          </p:nvPr>
-        </p:nvSpPr>
-        <p:spPr/>
-        <p:txBody>
-          <a:bodyPr/>
-          <a:lstStyle/>
-          <a:p>
-            <a:r>
-              <a:rPr lang="en-US" dirty="0"/>
-              <a:t>Activity 3 Cont.</a:t>
-            </a:r>
-          </a:p>
-        </p:txBody>
-      </p:sp>
-      <p:sp>
-        <p:nvSpPr>
-          <p:cNvPr id="3" name="Content Placeholder 2">
+          <p:cNvPicPr>
+            <a:picLocks noChangeAspect="1"/>
+          </p:cNvPicPr>
+          <p:nvPr/>
+        </p:nvPicPr>
+        <p:blipFill>
+          <a:blip r:embed="rId2"/>
+          <a:stretch>
+            <a:fillRect/>
+          </a:stretch>
+        </p:blipFill>
+        <p:spPr>
+          <a:xfrm>
+            <a:off x="4191000" y="61692"/>
+            <a:ext cx="4654181" cy="3330437"/>
+          </a:xfrm>
+          <a:prstGeom prst="rect">
+            <a:avLst/>
+          </a:prstGeom>
+        </p:spPr>
+      </p:pic>
+      <p:pic>
+        <p:nvPicPr>
+          <p:cNvPr id="7" name="Picture 6">
             <a:extLst>
               <a:ext uri="{FF2B5EF4-FFF2-40B4-BE49-F238E27FC236}">
-                <a16:creationId xmlns:a16="http://schemas.microsoft.com/office/drawing/2014/main" id="{C5246BD0-DF04-9EDB-6EE3-EAE913D32D0E}"/>
+                <a16:creationId xmlns:a16="http://schemas.microsoft.com/office/drawing/2014/main" id="{B2489306-CF29-D15C-1E0D-E75CF76DAA90}"/>
               </a:ext>
             </a:extLst>
           </p:cNvPr>
-          <p:cNvSpPr>
-            <a:spLocks noGrp="1"/>
-          </p:cNvSpPr>
-          <p:nvPr>
-            <p:ph idx="1"/>
-          </p:nvPr>
-        </p:nvSpPr>
-        <p:spPr/>
-        <p:txBody>
-          <a:bodyPr/>
-          <a:lstStyle/>
-          <a:p>
-            <a:pPr marL="342900" indent="-342900">
-              <a:buFont typeface="Arial" panose="020B0604020202020204" pitchFamily="34" charset="0"/>
-              <a:buChar char="•"/>
-            </a:pPr>
-            <a:r>
-              <a:rPr lang="en-US" sz="2000" b="1" kern="100" dirty="0">
-                <a:latin typeface="Calibri" panose="020F0502020204030204" pitchFamily="34" charset="0"/>
-                <a:ea typeface="Calibri" panose="020F0502020204030204" pitchFamily="34" charset="0"/>
-                <a:cs typeface="Times New Roman" panose="02020603050405020304" pitchFamily="18" charset="0"/>
-              </a:rPr>
-              <a:t>Comparison of Narrow Band (NB) Broad Band (BB) Noise Filtering</a:t>
-            </a:r>
-          </a:p>
-          <a:p>
-            <a:pPr marL="800100" lvl="1" indent="-342900"/>
-            <a:r>
-              <a:rPr lang="en-US" kern="100" dirty="0">
-                <a:latin typeface="Calibri" panose="020F0502020204030204" pitchFamily="34" charset="0"/>
-                <a:ea typeface="Calibri" panose="020F0502020204030204" pitchFamily="34" charset="0"/>
-                <a:cs typeface="Times New Roman" panose="02020603050405020304" pitchFamily="18" charset="0"/>
-              </a:rPr>
-              <a:t>Which type of noise signal is the easiest to filter?</a:t>
-            </a:r>
-          </a:p>
-          <a:p>
-            <a:pPr marL="800100" lvl="1" indent="-342900"/>
-            <a:r>
-              <a:rPr lang="en-US" sz="2000" kern="100" dirty="0">
-                <a:latin typeface="Calibri" panose="020F0502020204030204" pitchFamily="34" charset="0"/>
-                <a:ea typeface="Calibri" panose="020F0502020204030204" pitchFamily="34" charset="0"/>
-                <a:cs typeface="Times New Roman" panose="02020603050405020304" pitchFamily="18" charset="0"/>
-              </a:rPr>
-              <a:t>What filter is most efficient in protecting against:</a:t>
-            </a:r>
-          </a:p>
-          <a:p>
-            <a:pPr marL="1485900" lvl="2" indent="-342900"/>
-            <a:r>
-              <a:rPr lang="en-US" kern="100" dirty="0">
-                <a:latin typeface="Calibri" panose="020F0502020204030204" pitchFamily="34" charset="0"/>
-                <a:ea typeface="Calibri" panose="020F0502020204030204" pitchFamily="34" charset="0"/>
-                <a:cs typeface="Times New Roman" panose="02020603050405020304" pitchFamily="18" charset="0"/>
-              </a:rPr>
-              <a:t>NBN</a:t>
-            </a:r>
-          </a:p>
-          <a:p>
-            <a:pPr marL="1485900" lvl="2" indent="-342900"/>
-            <a:r>
-              <a:rPr lang="en-US" sz="2000" kern="100" dirty="0">
-                <a:latin typeface="Calibri" panose="020F0502020204030204" pitchFamily="34" charset="0"/>
-                <a:ea typeface="Calibri" panose="020F0502020204030204" pitchFamily="34" charset="0"/>
-                <a:cs typeface="Times New Roman" panose="02020603050405020304" pitchFamily="18" charset="0"/>
-              </a:rPr>
-              <a:t>BBN</a:t>
-            </a:r>
-          </a:p>
-          <a:p>
-            <a:pPr marL="342900" indent="-342900">
-              <a:buFont typeface="Arial" panose="020B0604020202020204" pitchFamily="34" charset="0"/>
-              <a:buChar char="•"/>
-            </a:pPr>
-            <a:r>
-              <a:rPr lang="en-US" sz="2000" kern="100" dirty="0">
-                <a:latin typeface="Calibri" panose="020F0502020204030204" pitchFamily="34" charset="0"/>
-                <a:ea typeface="Calibri" panose="020F0502020204030204" pitchFamily="34" charset="0"/>
-                <a:cs typeface="Times New Roman" panose="02020603050405020304" pitchFamily="18" charset="0"/>
-              </a:rPr>
-              <a:t>Need to propose a redesign of the filter that will improve the Signal to Noise ratio by at least 6 dB for NBN given the noise characteristics</a:t>
-            </a:r>
-          </a:p>
-          <a:p>
-            <a:endParaRPr lang="en-US" dirty="0"/>
-          </a:p>
-        </p:txBody>
-      </p:sp>
+          <p:cNvPicPr>
+            <a:picLocks noChangeAspect="1"/>
+          </p:cNvPicPr>
+          <p:nvPr/>
+        </p:nvPicPr>
+        <p:blipFill>
+          <a:blip r:embed="rId3"/>
+          <a:stretch>
+            <a:fillRect/>
+          </a:stretch>
+        </p:blipFill>
+        <p:spPr>
+          <a:xfrm>
+            <a:off x="4724400" y="3124200"/>
+            <a:ext cx="4191363" cy="3025402"/>
+          </a:xfrm>
+          <a:prstGeom prst="rect">
+            <a:avLst/>
+          </a:prstGeom>
+        </p:spPr>
+      </p:pic>
+      <p:pic>
+        <p:nvPicPr>
+          <p:cNvPr id="8" name="Picture 7">
+            <a:extLst>
+              <a:ext uri="{FF2B5EF4-FFF2-40B4-BE49-F238E27FC236}">
+                <a16:creationId xmlns:a16="http://schemas.microsoft.com/office/drawing/2014/main" id="{D061BF4C-E92E-1498-7952-6AE708417680}"/>
+              </a:ext>
+            </a:extLst>
+          </p:cNvPr>
+          <p:cNvPicPr>
+            <a:picLocks noChangeAspect="1"/>
+          </p:cNvPicPr>
+          <p:nvPr/>
+        </p:nvPicPr>
+        <p:blipFill>
+          <a:blip r:embed="rId4"/>
+          <a:stretch>
+            <a:fillRect/>
+          </a:stretch>
+        </p:blipFill>
+        <p:spPr>
+          <a:xfrm>
+            <a:off x="342533" y="438011"/>
+            <a:ext cx="4229467" cy="3025402"/>
+          </a:xfrm>
+          <a:prstGeom prst="rect">
+            <a:avLst/>
+          </a:prstGeom>
+        </p:spPr>
+      </p:pic>
+      <p:pic>
+        <p:nvPicPr>
+          <p:cNvPr id="10" name="Picture 9">
+            <a:extLst>
+              <a:ext uri="{FF2B5EF4-FFF2-40B4-BE49-F238E27FC236}">
+                <a16:creationId xmlns:a16="http://schemas.microsoft.com/office/drawing/2014/main" id="{EEE54F65-D2D3-585A-A300-784DDA6035E4}"/>
+              </a:ext>
+            </a:extLst>
+          </p:cNvPr>
+          <p:cNvPicPr>
+            <a:picLocks noChangeAspect="1"/>
+          </p:cNvPicPr>
+          <p:nvPr/>
+        </p:nvPicPr>
+        <p:blipFill>
+          <a:blip r:embed="rId5"/>
+          <a:stretch>
+            <a:fillRect/>
+          </a:stretch>
+        </p:blipFill>
+        <p:spPr>
+          <a:xfrm>
+            <a:off x="615732" y="3962400"/>
+            <a:ext cx="3908686" cy="2068805"/>
+          </a:xfrm>
+          <a:prstGeom prst="rect">
+            <a:avLst/>
+          </a:prstGeom>
+        </p:spPr>
+      </p:pic>
     </p:spTree>
     <p:extLst>
       <p:ext uri="{BB962C8B-B14F-4D97-AF65-F5344CB8AC3E}">
-        <p14:creationId xmlns:p14="http://schemas.microsoft.com/office/powerpoint/2010/main" val="1208810237"/>
+        <p14:creationId xmlns:p14="http://schemas.microsoft.com/office/powerpoint/2010/main" val="91231928"/>
       </p:ext>
     </p:extLst>
   </p:cSld>
@@ -4249,67 +4049,12 @@
           <a:chExt cx="0" cy="0"/>
         </a:xfrm>
       </p:grpSpPr>
-      <p:sp>
-        <p:nvSpPr>
-          <p:cNvPr id="2" name="Title 1">
+      <p:pic>
+        <p:nvPicPr>
+          <p:cNvPr id="5" name="Picture 4">
             <a:extLst>
               <a:ext uri="{FF2B5EF4-FFF2-40B4-BE49-F238E27FC236}">
-                <a16:creationId xmlns:a16="http://schemas.microsoft.com/office/drawing/2014/main" id="{1AFB9272-951B-398C-8A9F-FEF6C6CD5E6C}"/>
-              </a:ext>
-            </a:extLst>
-          </p:cNvPr>
-          <p:cNvSpPr>
-            <a:spLocks noGrp="1"/>
-          </p:cNvSpPr>
-          <p:nvPr>
-            <p:ph type="title"/>
-          </p:nvPr>
-        </p:nvSpPr>
-        <p:spPr/>
-        <p:txBody>
-          <a:bodyPr>
-            <a:normAutofit/>
-          </a:bodyPr>
-          <a:lstStyle/>
-          <a:p>
-            <a:r>
-              <a:rPr lang="en-US" dirty="0"/>
-              <a:t>Filter Analysis</a:t>
-            </a:r>
-          </a:p>
-        </p:txBody>
-      </p:sp>
-      <p:sp>
-        <p:nvSpPr>
-          <p:cNvPr id="3" name="Content Placeholder 2">
-            <a:extLst>
-              <a:ext uri="{FF2B5EF4-FFF2-40B4-BE49-F238E27FC236}">
-                <a16:creationId xmlns:a16="http://schemas.microsoft.com/office/drawing/2014/main" id="{D3CABE03-8D33-52DD-2BED-E179B035D62C}"/>
-              </a:ext>
-            </a:extLst>
-          </p:cNvPr>
-          <p:cNvSpPr>
-            <a:spLocks noGrp="1"/>
-          </p:cNvSpPr>
-          <p:nvPr>
-            <p:ph sz="half" idx="1"/>
-          </p:nvPr>
-        </p:nvSpPr>
-        <p:spPr/>
-        <p:txBody>
-          <a:bodyPr/>
-          <a:lstStyle/>
-          <a:p>
-            <a:endParaRPr lang="en-US" dirty="0"/>
-          </a:p>
-        </p:txBody>
-      </p:sp>
-      <p:pic>
-        <p:nvPicPr>
-          <p:cNvPr id="6" name="Picture 5">
-            <a:extLst>
-              <a:ext uri="{FF2B5EF4-FFF2-40B4-BE49-F238E27FC236}">
-                <a16:creationId xmlns:a16="http://schemas.microsoft.com/office/drawing/2014/main" id="{668EE9C6-A354-9AD4-B0FD-43665948DD98}"/>
+                <a16:creationId xmlns:a16="http://schemas.microsoft.com/office/drawing/2014/main" id="{B33D8FE4-7D44-FB4E-0FF9-3057C0FADA05}"/>
               </a:ext>
             </a:extLst>
           </p:cNvPr>
@@ -4326,8 +4071,38 @@
         </p:blipFill>
         <p:spPr>
           <a:xfrm>
-            <a:off x="4548554" y="152718"/>
-            <a:ext cx="4138246" cy="2300864"/>
+            <a:off x="2743200" y="838200"/>
+            <a:ext cx="6111770" cy="3406435"/>
+          </a:xfrm>
+          <a:prstGeom prst="rect">
+            <a:avLst/>
+          </a:prstGeom>
+        </p:spPr>
+      </p:pic>
+      <p:pic>
+        <p:nvPicPr>
+          <p:cNvPr id="7" name="Picture 6">
+            <a:extLst>
+              <a:ext uri="{FF2B5EF4-FFF2-40B4-BE49-F238E27FC236}">
+                <a16:creationId xmlns:a16="http://schemas.microsoft.com/office/drawing/2014/main" id="{8006E49A-724D-4477-426D-74812AEE0970}"/>
+              </a:ext>
+            </a:extLst>
+          </p:cNvPr>
+          <p:cNvPicPr>
+            <a:picLocks noChangeAspect="1"/>
+          </p:cNvPicPr>
+          <p:nvPr/>
+        </p:nvPicPr>
+        <p:blipFill>
+          <a:blip r:embed="rId3"/>
+          <a:stretch>
+            <a:fillRect/>
+          </a:stretch>
+        </p:blipFill>
+        <p:spPr>
+          <a:xfrm>
+            <a:off x="1535167" y="3048000"/>
+            <a:ext cx="6073666" cy="3414056"/>
           </a:xfrm>
           <a:prstGeom prst="rect">
             <a:avLst/>
@@ -4337,7 +4112,7 @@
     </p:spTree>
     <p:extLst>
       <p:ext uri="{BB962C8B-B14F-4D97-AF65-F5344CB8AC3E}">
-        <p14:creationId xmlns:p14="http://schemas.microsoft.com/office/powerpoint/2010/main" val="2163035646"/>
+        <p14:creationId xmlns:p14="http://schemas.microsoft.com/office/powerpoint/2010/main" val="2610171320"/>
       </p:ext>
     </p:extLst>
   </p:cSld>
@@ -4347,7 +4122,7 @@
 </p:sld>
 </file>
 
-<file path=ppt/slides/slide2.xml><?xml version="1.0" encoding="utf-8"?>
+<file path=ppt/slides/slide13.xml><?xml version="1.0" encoding="utf-8"?>
 <p:sld xmlns:a="http://schemas.openxmlformats.org/drawingml/2006/main" xmlns:r="http://schemas.openxmlformats.org/officeDocument/2006/relationships" xmlns:p="http://schemas.openxmlformats.org/presentationml/2006/main">
   <p:cSld>
     <p:spTree>
@@ -4364,126 +4139,100 @@
           <a:chExt cx="0" cy="0"/>
         </a:xfrm>
       </p:grpSpPr>
-      <p:sp>
-        <p:nvSpPr>
-          <p:cNvPr id="2" name="Title 1"/>
-          <p:cNvSpPr>
-            <a:spLocks noGrp="1"/>
-          </p:cNvSpPr>
-          <p:nvPr>
-            <p:ph type="title"/>
-          </p:nvPr>
-        </p:nvSpPr>
-        <p:spPr/>
-        <p:txBody>
-          <a:bodyPr/>
-          <a:lstStyle/>
-          <a:p>
-            <a:r>
-              <a:rPr lang="en-US" dirty="0"/>
-              <a:t>Layout</a:t>
-            </a:r>
-          </a:p>
-        </p:txBody>
-      </p:sp>
-      <p:sp>
-        <p:nvSpPr>
-          <p:cNvPr id="3" name="Content Placeholder 2"/>
-          <p:cNvSpPr>
-            <a:spLocks noGrp="1"/>
-          </p:cNvSpPr>
-          <p:nvPr>
-            <p:ph idx="1"/>
-          </p:nvPr>
-        </p:nvSpPr>
-        <p:spPr/>
-        <p:txBody>
-          <a:bodyPr/>
-          <a:lstStyle/>
-          <a:p>
-            <a:pPr marL="342900" indent="-342900">
-              <a:buFont typeface="Arial" panose="020B0604020202020204" pitchFamily="34" charset="0"/>
-              <a:buChar char="•"/>
-            </a:pPr>
-            <a:r>
-              <a:rPr lang="en-US" dirty="0"/>
-              <a:t>Filter Design</a:t>
-            </a:r>
-          </a:p>
-          <a:p>
-            <a:pPr marL="800100" lvl="1" indent="-342900"/>
-            <a:r>
-              <a:rPr lang="en-US" dirty="0"/>
-              <a:t>For both high pass and band pass</a:t>
-            </a:r>
-          </a:p>
-          <a:p>
-            <a:pPr marL="342900" indent="-342900">
-              <a:buFont typeface="Arial" panose="020B0604020202020204" pitchFamily="34" charset="0"/>
-              <a:buChar char="•"/>
-            </a:pPr>
-            <a:r>
-              <a:rPr lang="en-US" dirty="0"/>
-              <a:t>Filter Analysis</a:t>
-            </a:r>
-          </a:p>
-          <a:p>
-            <a:pPr marL="342900" indent="-342900">
-              <a:buFont typeface="Arial" panose="020B0604020202020204" pitchFamily="34" charset="0"/>
-              <a:buChar char="•"/>
-            </a:pPr>
-            <a:r>
-              <a:rPr lang="en-US" dirty="0"/>
-              <a:t>Sine Wave Analysis</a:t>
-            </a:r>
-          </a:p>
-          <a:p>
-            <a:pPr marL="342900" indent="-342900">
-              <a:buFont typeface="Arial" panose="020B0604020202020204" pitchFamily="34" charset="0"/>
-              <a:buChar char="•"/>
-            </a:pPr>
-            <a:r>
-              <a:rPr lang="en-US" dirty="0" err="1"/>
-              <a:t>Diraq</a:t>
-            </a:r>
-            <a:r>
-              <a:rPr lang="en-US" dirty="0"/>
-              <a:t> Analysis (Do we need both)</a:t>
-            </a:r>
-          </a:p>
-          <a:p>
-            <a:pPr marL="342900" indent="-342900">
-              <a:buFont typeface="Arial" panose="020B0604020202020204" pitchFamily="34" charset="0"/>
-              <a:buChar char="•"/>
-            </a:pPr>
-            <a:endParaRPr lang="en-US" dirty="0"/>
-          </a:p>
-          <a:p>
-            <a:pPr marL="800100" lvl="1" indent="-342900"/>
-            <a:endParaRPr lang="en-US" dirty="0"/>
-          </a:p>
-          <a:p>
-            <a:pPr marL="800100" lvl="1" indent="-342900"/>
-            <a:endParaRPr lang="en-US" dirty="0"/>
-          </a:p>
-          <a:p>
-            <a:pPr marL="800100" lvl="1" indent="-342900"/>
-            <a:endParaRPr lang="en-US" dirty="0"/>
-          </a:p>
-          <a:p>
-            <a:pPr marL="342900" indent="-342900"/>
-            <a:endParaRPr lang="en-US" dirty="0"/>
-          </a:p>
-          <a:p>
-            <a:pPr marL="342900" indent="-342900"/>
-            <a:endParaRPr lang="en-US" dirty="0"/>
-          </a:p>
-        </p:txBody>
-      </p:sp>
+      <p:pic>
+        <p:nvPicPr>
+          <p:cNvPr id="5" name="Picture 4">
+            <a:extLst>
+              <a:ext uri="{FF2B5EF4-FFF2-40B4-BE49-F238E27FC236}">
+                <a16:creationId xmlns:a16="http://schemas.microsoft.com/office/drawing/2014/main" id="{B2EDD106-081E-6424-639B-BAD3F80728A7}"/>
+              </a:ext>
+            </a:extLst>
+          </p:cNvPr>
+          <p:cNvPicPr>
+            <a:picLocks noChangeAspect="1"/>
+          </p:cNvPicPr>
+          <p:nvPr/>
+        </p:nvPicPr>
+        <p:blipFill>
+          <a:blip r:embed="rId2"/>
+          <a:stretch>
+            <a:fillRect/>
+          </a:stretch>
+        </p:blipFill>
+        <p:spPr>
+          <a:xfrm>
+            <a:off x="2819400" y="152400"/>
+            <a:ext cx="6020322" cy="3398815"/>
+          </a:xfrm>
+          <a:prstGeom prst="rect">
+            <a:avLst/>
+          </a:prstGeom>
+        </p:spPr>
+      </p:pic>
+      <p:pic>
+        <p:nvPicPr>
+          <p:cNvPr id="7" name="Picture 6">
+            <a:extLst>
+              <a:ext uri="{FF2B5EF4-FFF2-40B4-BE49-F238E27FC236}">
+                <a16:creationId xmlns:a16="http://schemas.microsoft.com/office/drawing/2014/main" id="{381DE95F-4B35-8B22-708C-E9A0D583B6B0}"/>
+              </a:ext>
+            </a:extLst>
+          </p:cNvPr>
+          <p:cNvPicPr>
+            <a:picLocks noChangeAspect="1"/>
+          </p:cNvPicPr>
+          <p:nvPr/>
+        </p:nvPicPr>
+        <p:blipFill>
+          <a:blip r:embed="rId3"/>
+          <a:stretch>
+            <a:fillRect/>
+          </a:stretch>
+        </p:blipFill>
+        <p:spPr>
+          <a:xfrm>
+            <a:off x="2133600" y="1447800"/>
+            <a:ext cx="6020322" cy="3391194"/>
+          </a:xfrm>
+          <a:prstGeom prst="rect">
+            <a:avLst/>
+          </a:prstGeom>
+        </p:spPr>
+      </p:pic>
+      <p:pic>
+        <p:nvPicPr>
+          <p:cNvPr id="9" name="Picture 8">
+            <a:extLst>
+              <a:ext uri="{FF2B5EF4-FFF2-40B4-BE49-F238E27FC236}">
+                <a16:creationId xmlns:a16="http://schemas.microsoft.com/office/drawing/2014/main" id="{660BF06A-2AFE-D470-43DC-897E51A1830D}"/>
+              </a:ext>
+            </a:extLst>
+          </p:cNvPr>
+          <p:cNvPicPr>
+            <a:picLocks noChangeAspect="1"/>
+          </p:cNvPicPr>
+          <p:nvPr/>
+        </p:nvPicPr>
+        <p:blipFill>
+          <a:blip r:embed="rId4"/>
+          <a:stretch>
+            <a:fillRect/>
+          </a:stretch>
+        </p:blipFill>
+        <p:spPr>
+          <a:xfrm>
+            <a:off x="457200" y="2971800"/>
+            <a:ext cx="6073666" cy="3429297"/>
+          </a:xfrm>
+          <a:prstGeom prst="rect">
+            <a:avLst/>
+          </a:prstGeom>
+        </p:spPr>
+      </p:pic>
     </p:spTree>
     <p:extLst>
       <p:ext uri="{BB962C8B-B14F-4D97-AF65-F5344CB8AC3E}">
-        <p14:creationId xmlns:p14="http://schemas.microsoft.com/office/powerpoint/2010/main" val="2025067195"/>
+        <p14:creationId xmlns:p14="http://schemas.microsoft.com/office/powerpoint/2010/main" val="981630303"/>
       </p:ext>
     </p:extLst>
   </p:cSld>
@@ -4493,595 +4242,7 @@
 </p:sld>
 </file>
 
-<file path=ppt/slides/slide3.xml><?xml version="1.0" encoding="utf-8"?>
-<p:sld xmlns:a="http://schemas.openxmlformats.org/drawingml/2006/main" xmlns:r="http://schemas.openxmlformats.org/officeDocument/2006/relationships" xmlns:p="http://schemas.openxmlformats.org/presentationml/2006/main">
-  <p:cSld>
-    <p:spTree>
-      <p:nvGrpSpPr>
-        <p:cNvPr id="1" name=""/>
-        <p:cNvGrpSpPr/>
-        <p:nvPr/>
-      </p:nvGrpSpPr>
-      <p:grpSpPr>
-        <a:xfrm>
-          <a:off x="0" y="0"/>
-          <a:ext cx="0" cy="0"/>
-          <a:chOff x="0" y="0"/>
-          <a:chExt cx="0" cy="0"/>
-        </a:xfrm>
-      </p:grpSpPr>
-      <p:sp>
-        <p:nvSpPr>
-          <p:cNvPr id="2" name="Title 1">
-            <a:extLst>
-              <a:ext uri="{FF2B5EF4-FFF2-40B4-BE49-F238E27FC236}">
-                <a16:creationId xmlns:a16="http://schemas.microsoft.com/office/drawing/2014/main" id="{1AFD1DD3-1C1C-D6F1-2320-ACADE46388B8}"/>
-              </a:ext>
-            </a:extLst>
-          </p:cNvPr>
-          <p:cNvSpPr>
-            <a:spLocks noGrp="1"/>
-          </p:cNvSpPr>
-          <p:nvPr>
-            <p:ph type="title"/>
-          </p:nvPr>
-        </p:nvSpPr>
-        <p:spPr/>
-        <p:txBody>
-          <a:bodyPr/>
-          <a:lstStyle/>
-          <a:p>
-            <a:r>
-              <a:rPr lang="en-US" dirty="0"/>
-              <a:t>Have both of these for each activity</a:t>
-            </a:r>
-          </a:p>
-        </p:txBody>
-      </p:sp>
-      <p:sp>
-        <p:nvSpPr>
-          <p:cNvPr id="7" name="Content Placeholder 6">
-            <a:extLst>
-              <a:ext uri="{FF2B5EF4-FFF2-40B4-BE49-F238E27FC236}">
-                <a16:creationId xmlns:a16="http://schemas.microsoft.com/office/drawing/2014/main" id="{F3C44B2D-60EE-E0D5-ACC8-373B46E06EAC}"/>
-              </a:ext>
-            </a:extLst>
-          </p:cNvPr>
-          <p:cNvSpPr>
-            <a:spLocks noGrp="1"/>
-          </p:cNvSpPr>
-          <p:nvPr>
-            <p:ph idx="1"/>
-          </p:nvPr>
-        </p:nvSpPr>
-        <p:spPr/>
-        <p:txBody>
-          <a:bodyPr/>
-          <a:lstStyle/>
-          <a:p>
-            <a:pPr marL="3200400" marR="0" lvl="7" indent="0">
-              <a:spcBef>
-                <a:spcPts val="0"/>
-              </a:spcBef>
-              <a:spcAft>
-                <a:spcPts val="0"/>
-              </a:spcAft>
-              <a:buNone/>
-            </a:pPr>
-            <a:r>
-              <a:rPr lang="en-US" sz="1200" b="1" dirty="0">
-                <a:effectLst/>
-                <a:latin typeface="Verdana" panose="020B0604030504040204" pitchFamily="34" charset="0"/>
-                <a:ea typeface="Times New Roman" panose="02020603050405020304" pitchFamily="18" charset="0"/>
-              </a:rPr>
-              <a:t>Test Setup</a:t>
-            </a:r>
-            <a:endParaRPr lang="en-US" sz="1200" dirty="0">
-              <a:effectLst/>
-              <a:latin typeface="Times New Roman" panose="02020603050405020304" pitchFamily="18" charset="0"/>
-              <a:ea typeface="Times New Roman" panose="02020603050405020304" pitchFamily="18" charset="0"/>
-            </a:endParaRPr>
-          </a:p>
-          <a:p>
-            <a:pPr marL="3200400" marR="0">
-              <a:spcBef>
-                <a:spcPts val="0"/>
-              </a:spcBef>
-              <a:spcAft>
-                <a:spcPts val="0"/>
-              </a:spcAft>
-            </a:pPr>
-            <a:r>
-              <a:rPr lang="en-US" sz="1200" dirty="0">
-                <a:effectLst/>
-                <a:latin typeface="Verdana" panose="020B0604030504040204" pitchFamily="34" charset="0"/>
-                <a:ea typeface="Times New Roman" panose="02020603050405020304" pitchFamily="18" charset="0"/>
-              </a:rPr>
-              <a:t>In referring to Figure 1, specify the signal generator and the measuring instrument you use for this study.</a:t>
-            </a:r>
-            <a:r>
-              <a:rPr lang="en-US" sz="1200" b="0" dirty="0">
-                <a:latin typeface="Times New Roman" panose="02020603050405020304" pitchFamily="18" charset="0"/>
-                <a:ea typeface="Times New Roman" panose="02020603050405020304" pitchFamily="18" charset="0"/>
-              </a:rPr>
-              <a:t> </a:t>
-            </a:r>
-          </a:p>
-          <a:p>
-            <a:pPr marL="3200400" marR="0">
-              <a:spcBef>
-                <a:spcPts val="0"/>
-              </a:spcBef>
-              <a:spcAft>
-                <a:spcPts val="0"/>
-              </a:spcAft>
-            </a:pPr>
-            <a:endParaRPr lang="en-US" sz="1200" b="0" dirty="0">
-              <a:effectLst/>
-              <a:latin typeface="Times New Roman" panose="02020603050405020304" pitchFamily="18" charset="0"/>
-              <a:ea typeface="Times New Roman" panose="02020603050405020304" pitchFamily="18" charset="0"/>
-            </a:endParaRPr>
-          </a:p>
-          <a:p>
-            <a:pPr marL="3200400" marR="0">
-              <a:spcBef>
-                <a:spcPts val="0"/>
-              </a:spcBef>
-              <a:spcAft>
-                <a:spcPts val="0"/>
-              </a:spcAft>
-            </a:pPr>
-            <a:r>
-              <a:rPr lang="en-US" sz="1200" b="1" dirty="0">
-                <a:effectLst/>
-                <a:latin typeface="Verdana" panose="020B0604030504040204" pitchFamily="34" charset="0"/>
-                <a:ea typeface="Times New Roman" panose="02020603050405020304" pitchFamily="18" charset="0"/>
-              </a:rPr>
-              <a:t>Data Capture- </a:t>
-            </a:r>
-            <a:r>
-              <a:rPr lang="en-US" sz="1200" b="1" dirty="0">
-                <a:effectLst/>
-                <a:highlight>
-                  <a:srgbClr val="FFFF00"/>
-                </a:highlight>
-                <a:latin typeface="Verdana" panose="020B0604030504040204" pitchFamily="34" charset="0"/>
-                <a:ea typeface="Times New Roman" panose="02020603050405020304" pitchFamily="18" charset="0"/>
-              </a:rPr>
-              <a:t>both use scope and spectrum analyzer</a:t>
-            </a:r>
-            <a:endParaRPr lang="en-US" sz="1200" dirty="0">
-              <a:effectLst/>
-              <a:highlight>
-                <a:srgbClr val="FFFF00"/>
-              </a:highlight>
-              <a:latin typeface="Times New Roman" panose="02020603050405020304" pitchFamily="18" charset="0"/>
-              <a:ea typeface="Times New Roman" panose="02020603050405020304" pitchFamily="18" charset="0"/>
-            </a:endParaRPr>
-          </a:p>
-          <a:p>
-            <a:pPr marL="3200400" marR="0">
-              <a:spcBef>
-                <a:spcPts val="0"/>
-              </a:spcBef>
-              <a:spcAft>
-                <a:spcPts val="0"/>
-              </a:spcAft>
-            </a:pPr>
-            <a:r>
-              <a:rPr lang="en-US" sz="1200" i="1" dirty="0">
-                <a:effectLst/>
-                <a:latin typeface="Verdana" panose="020B0604030504040204" pitchFamily="34" charset="0"/>
-                <a:ea typeface="Times New Roman" panose="02020603050405020304" pitchFamily="18" charset="0"/>
-              </a:rPr>
-              <a:t>Describe how you captured the data (see Slide 13 of the </a:t>
-            </a:r>
-            <a:r>
-              <a:rPr lang="en-US" sz="1200" dirty="0">
-                <a:effectLst/>
-                <a:latin typeface="Verdana" panose="020B0604030504040204" pitchFamily="34" charset="0"/>
-                <a:ea typeface="Times New Roman" panose="02020603050405020304" pitchFamily="18" charset="0"/>
-              </a:rPr>
-              <a:t>reference PowerPoint document) </a:t>
-            </a:r>
-            <a:endParaRPr lang="en-US" sz="1200" dirty="0">
-              <a:effectLst/>
-              <a:latin typeface="Times New Roman" panose="02020603050405020304" pitchFamily="18" charset="0"/>
-              <a:ea typeface="Times New Roman" panose="02020603050405020304" pitchFamily="18" charset="0"/>
-            </a:endParaRPr>
-          </a:p>
-          <a:p>
-            <a:endParaRPr lang="en-US" kern="100" dirty="0">
-              <a:latin typeface="Calibri" panose="020F0502020204030204" pitchFamily="34" charset="0"/>
-              <a:ea typeface="Calibri" panose="020F0502020204030204" pitchFamily="34" charset="0"/>
-              <a:cs typeface="Times New Roman" panose="02020603050405020304" pitchFamily="18" charset="0"/>
-            </a:endParaRPr>
-          </a:p>
-        </p:txBody>
-      </p:sp>
-    </p:spTree>
-    <p:extLst>
-      <p:ext uri="{BB962C8B-B14F-4D97-AF65-F5344CB8AC3E}">
-        <p14:creationId xmlns:p14="http://schemas.microsoft.com/office/powerpoint/2010/main" val="1663137508"/>
-      </p:ext>
-    </p:extLst>
-  </p:cSld>
-  <p:clrMapOvr>
-    <a:masterClrMapping/>
-  </p:clrMapOvr>
-</p:sld>
-</file>
-
-<file path=ppt/slides/slide4.xml><?xml version="1.0" encoding="utf-8"?>
-<p:sld xmlns:a="http://schemas.openxmlformats.org/drawingml/2006/main" xmlns:r="http://schemas.openxmlformats.org/officeDocument/2006/relationships" xmlns:p="http://schemas.openxmlformats.org/presentationml/2006/main">
-  <p:cSld>
-    <p:spTree>
-      <p:nvGrpSpPr>
-        <p:cNvPr id="1" name=""/>
-        <p:cNvGrpSpPr/>
-        <p:nvPr/>
-      </p:nvGrpSpPr>
-      <p:grpSpPr>
-        <a:xfrm>
-          <a:off x="0" y="0"/>
-          <a:ext cx="0" cy="0"/>
-          <a:chOff x="0" y="0"/>
-          <a:chExt cx="0" cy="0"/>
-        </a:xfrm>
-      </p:grpSpPr>
-      <p:sp>
-        <p:nvSpPr>
-          <p:cNvPr id="2" name="Title 1">
-            <a:extLst>
-              <a:ext uri="{FF2B5EF4-FFF2-40B4-BE49-F238E27FC236}">
-                <a16:creationId xmlns:a16="http://schemas.microsoft.com/office/drawing/2014/main" id="{BE7560B2-2EF5-FA60-94F3-F5BB21FB0E9E}"/>
-              </a:ext>
-            </a:extLst>
-          </p:cNvPr>
-          <p:cNvSpPr>
-            <a:spLocks noGrp="1"/>
-          </p:cNvSpPr>
-          <p:nvPr>
-            <p:ph type="title"/>
-          </p:nvPr>
-        </p:nvSpPr>
-        <p:spPr/>
-        <p:txBody>
-          <a:bodyPr/>
-          <a:lstStyle/>
-          <a:p>
-            <a:r>
-              <a:rPr lang="en-US" dirty="0"/>
-              <a:t>Activity 1</a:t>
-            </a:r>
-          </a:p>
-        </p:txBody>
-      </p:sp>
-      <p:sp>
-        <p:nvSpPr>
-          <p:cNvPr id="3" name="Content Placeholder 2">
-            <a:extLst>
-              <a:ext uri="{FF2B5EF4-FFF2-40B4-BE49-F238E27FC236}">
-                <a16:creationId xmlns:a16="http://schemas.microsoft.com/office/drawing/2014/main" id="{4EB42B85-6145-2759-554C-AD060A02F5E9}"/>
-              </a:ext>
-            </a:extLst>
-          </p:cNvPr>
-          <p:cNvSpPr>
-            <a:spLocks noGrp="1"/>
-          </p:cNvSpPr>
-          <p:nvPr>
-            <p:ph idx="1"/>
-          </p:nvPr>
-        </p:nvSpPr>
-        <p:spPr/>
-        <p:txBody>
-          <a:bodyPr/>
-          <a:lstStyle/>
-          <a:p>
-            <a:r>
-              <a:rPr lang="en-US" dirty="0"/>
-              <a:t>Building each filter</a:t>
-            </a:r>
-          </a:p>
-          <a:p>
-            <a:pPr marL="342900" indent="-342900">
-              <a:buFont typeface="Arial" panose="020B0604020202020204" pitchFamily="34" charset="0"/>
-              <a:buChar char="•"/>
-            </a:pPr>
-            <a:r>
-              <a:rPr lang="en-US" dirty="0"/>
-              <a:t>Should have screenshots of the layout and brief description of each.</a:t>
-            </a:r>
-          </a:p>
-          <a:p>
-            <a:pPr marL="342900" indent="-342900">
-              <a:buFont typeface="Arial" panose="020B0604020202020204" pitchFamily="34" charset="0"/>
-              <a:buChar char="•"/>
-            </a:pPr>
-            <a:r>
-              <a:rPr lang="en-US" dirty="0"/>
-              <a:t>Should performance requirements be added here or later?</a:t>
-            </a:r>
-          </a:p>
-        </p:txBody>
-      </p:sp>
-    </p:spTree>
-    <p:extLst>
-      <p:ext uri="{BB962C8B-B14F-4D97-AF65-F5344CB8AC3E}">
-        <p14:creationId xmlns:p14="http://schemas.microsoft.com/office/powerpoint/2010/main" val="1276224201"/>
-      </p:ext>
-    </p:extLst>
-  </p:cSld>
-  <p:clrMapOvr>
-    <a:masterClrMapping/>
-  </p:clrMapOvr>
-</p:sld>
-</file>
-
-<file path=ppt/slides/slide5.xml><?xml version="1.0" encoding="utf-8"?>
-<p:sld xmlns:a="http://schemas.openxmlformats.org/drawingml/2006/main" xmlns:r="http://schemas.openxmlformats.org/officeDocument/2006/relationships" xmlns:p="http://schemas.openxmlformats.org/presentationml/2006/main">
-  <p:cSld>
-    <p:spTree>
-      <p:nvGrpSpPr>
-        <p:cNvPr id="1" name=""/>
-        <p:cNvGrpSpPr/>
-        <p:nvPr/>
-      </p:nvGrpSpPr>
-      <p:grpSpPr>
-        <a:xfrm>
-          <a:off x="0" y="0"/>
-          <a:ext cx="0" cy="0"/>
-          <a:chOff x="0" y="0"/>
-          <a:chExt cx="0" cy="0"/>
-        </a:xfrm>
-      </p:grpSpPr>
-      <p:sp>
-        <p:nvSpPr>
-          <p:cNvPr id="2" name="Title 1">
-            <a:extLst>
-              <a:ext uri="{FF2B5EF4-FFF2-40B4-BE49-F238E27FC236}">
-                <a16:creationId xmlns:a16="http://schemas.microsoft.com/office/drawing/2014/main" id="{561B0710-5705-7BAA-1ED3-990CFF57DEEC}"/>
-              </a:ext>
-            </a:extLst>
-          </p:cNvPr>
-          <p:cNvSpPr>
-            <a:spLocks noGrp="1"/>
-          </p:cNvSpPr>
-          <p:nvPr>
-            <p:ph type="title"/>
-          </p:nvPr>
-        </p:nvSpPr>
-        <p:spPr/>
-        <p:txBody>
-          <a:bodyPr/>
-          <a:lstStyle/>
-          <a:p>
-            <a:r>
-              <a:rPr lang="en-US" dirty="0"/>
-              <a:t>Activity 2</a:t>
-            </a:r>
-          </a:p>
-        </p:txBody>
-      </p:sp>
-      <mc:AlternateContent xmlns:mc="http://schemas.openxmlformats.org/markup-compatibility/2006" xmlns:a14="http://schemas.microsoft.com/office/drawing/2010/main">
-        <mc:Choice Requires="a14">
-          <p:sp>
-            <p:nvSpPr>
-              <p:cNvPr id="3" name="Content Placeholder 2">
-                <a:extLst>
-                  <a:ext uri="{FF2B5EF4-FFF2-40B4-BE49-F238E27FC236}">
-                    <a16:creationId xmlns:a16="http://schemas.microsoft.com/office/drawing/2014/main" id="{FF90A426-9216-4A23-A49F-4450E6D167F7}"/>
-                  </a:ext>
-                </a:extLst>
-              </p:cNvPr>
-              <p:cNvSpPr>
-                <a:spLocks noGrp="1"/>
-              </p:cNvSpPr>
-              <p:nvPr>
-                <p:ph idx="1"/>
-              </p:nvPr>
-            </p:nvSpPr>
-            <p:spPr/>
-            <p:txBody>
-              <a:bodyPr/>
-              <a:lstStyle/>
-              <a:p>
-                <a:r>
-                  <a:rPr lang="en-US" dirty="0"/>
-                  <a:t>Filter Performance</a:t>
-                </a:r>
-              </a:p>
-              <a:p>
-                <a:pPr marL="342900" indent="-342900">
-                  <a:buFont typeface="Arial" panose="020B0604020202020204" pitchFamily="34" charset="0"/>
-                  <a:buChar char="•"/>
-                </a:pPr>
-                <a:r>
-                  <a:rPr lang="en-US" dirty="0"/>
-                  <a:t>Plot the magnitude </a:t>
-                </a:r>
-                <a14:m>
-                  <m:oMath xmlns:m="http://schemas.openxmlformats.org/officeDocument/2006/math">
-                    <m:d>
-                      <m:dPr>
-                        <m:begChr m:val="|"/>
-                        <m:endChr m:val="|"/>
-                        <m:ctrlPr>
-                          <a:rPr lang="en-US" sz="2000" i="1" smtClean="0">
-                            <a:latin typeface="Cambria Math" panose="02040503050406030204" pitchFamily="18" charset="0"/>
-                          </a:rPr>
-                        </m:ctrlPr>
-                      </m:dPr>
-                      <m:e>
-                        <m:r>
-                          <a:rPr lang="en-US" sz="2000" b="0" i="1" smtClean="0">
-                            <a:latin typeface="Cambria Math" panose="02040503050406030204" pitchFamily="18" charset="0"/>
-                          </a:rPr>
-                          <m:t>𝐻</m:t>
-                        </m:r>
-                        <m:r>
-                          <a:rPr lang="en-US" sz="2000" b="0" i="1" smtClean="0">
-                            <a:latin typeface="Cambria Math" panose="02040503050406030204" pitchFamily="18" charset="0"/>
-                          </a:rPr>
-                          <m:t>(</m:t>
-                        </m:r>
-                        <m:r>
-                          <a:rPr lang="en-US" sz="2000" b="0" i="1" smtClean="0">
-                            <a:latin typeface="Cambria Math" panose="02040503050406030204" pitchFamily="18" charset="0"/>
-                          </a:rPr>
-                          <m:t>𝑓</m:t>
-                        </m:r>
-                        <m:r>
-                          <a:rPr lang="en-US" sz="2000" b="0" i="1" smtClean="0">
-                            <a:latin typeface="Cambria Math" panose="02040503050406030204" pitchFamily="18" charset="0"/>
-                          </a:rPr>
-                          <m:t>)</m:t>
-                        </m:r>
-                      </m:e>
-                    </m:d>
-                  </m:oMath>
-                </a14:m>
-                <a:r>
-                  <a:rPr lang="en-US" dirty="0"/>
-                  <a:t> of the filter’s transfer function by:</a:t>
-                </a:r>
-              </a:p>
-              <a:p>
-                <a:pPr marL="800100" lvl="1" indent="-342900"/>
-                <a:r>
-                  <a:rPr lang="en-US" dirty="0"/>
-                  <a:t>Calculating the ratio of output amplitude to input amplitude in dB</a:t>
-                </a:r>
-              </a:p>
-              <a:p>
-                <a:pPr marL="800100" lvl="1" indent="-342900"/>
-                <a:endParaRPr lang="en-US" dirty="0"/>
-              </a:p>
-              <a:p>
-                <a:pPr marL="342900" indent="-342900">
-                  <a:buFont typeface="Arial" panose="020B0604020202020204" pitchFamily="34" charset="0"/>
-                  <a:buChar char="•"/>
-                </a:pPr>
-                <a:r>
-                  <a:rPr lang="en-US" dirty="0"/>
-                  <a:t>Plot the magnitude </a:t>
-                </a:r>
-                <a14:m>
-                  <m:oMath xmlns:m="http://schemas.openxmlformats.org/officeDocument/2006/math">
-                    <m:d>
-                      <m:dPr>
-                        <m:begChr m:val="|"/>
-                        <m:endChr m:val="|"/>
-                        <m:ctrlPr>
-                          <a:rPr lang="en-US" sz="2000" i="1" smtClean="0">
-                            <a:latin typeface="Cambria Math" panose="02040503050406030204" pitchFamily="18" charset="0"/>
-                          </a:rPr>
-                        </m:ctrlPr>
-                      </m:dPr>
-                      <m:e>
-                        <m:r>
-                          <a:rPr lang="en-US" sz="2000" b="0" i="1" smtClean="0">
-                            <a:latin typeface="Cambria Math" panose="02040503050406030204" pitchFamily="18" charset="0"/>
-                          </a:rPr>
-                          <m:t>𝐻</m:t>
-                        </m:r>
-                        <m:r>
-                          <a:rPr lang="en-US" sz="2000" b="0" i="1" smtClean="0">
-                            <a:latin typeface="Cambria Math" panose="02040503050406030204" pitchFamily="18" charset="0"/>
-                          </a:rPr>
-                          <m:t>(</m:t>
-                        </m:r>
-                        <m:r>
-                          <a:rPr lang="en-US" sz="2000" b="0" i="1" smtClean="0">
-                            <a:latin typeface="Cambria Math" panose="02040503050406030204" pitchFamily="18" charset="0"/>
-                          </a:rPr>
-                          <m:t>𝑓</m:t>
-                        </m:r>
-                        <m:r>
-                          <a:rPr lang="en-US" sz="2000" b="0" i="1" smtClean="0">
-                            <a:latin typeface="Cambria Math" panose="02040503050406030204" pitchFamily="18" charset="0"/>
-                          </a:rPr>
-                          <m:t>)</m:t>
-                        </m:r>
-                      </m:e>
-                    </m:d>
-                  </m:oMath>
-                </a14:m>
-                <a:r>
-                  <a:rPr lang="en-US" dirty="0"/>
-                  <a:t> of the filter’s transfer function by:</a:t>
-                </a:r>
-              </a:p>
-              <a:p>
-                <a:pPr marL="800100" lvl="1" indent="-342900"/>
-                <a:r>
-                  <a:rPr lang="en-US" dirty="0"/>
-                  <a:t>Graphing the filter response to the Dirac unit pulse</a:t>
-                </a:r>
-              </a:p>
-              <a:p>
-                <a:pPr lvl="1" indent="0">
-                  <a:buNone/>
-                </a:pPr>
-                <a:endParaRPr lang="en-US" dirty="0"/>
-              </a:p>
-            </p:txBody>
-          </p:sp>
-        </mc:Choice>
-        <mc:Fallback xmlns="">
-          <p:sp>
-            <p:nvSpPr>
-              <p:cNvPr id="3" name="Content Placeholder 2">
-                <a:extLst>
-                  <a:ext uri="{FF2B5EF4-FFF2-40B4-BE49-F238E27FC236}">
-                    <a16:creationId xmlns:a16="http://schemas.microsoft.com/office/drawing/2014/main" id="{FF90A426-9216-4A23-A49F-4450E6D167F7}"/>
-                  </a:ext>
-                </a:extLst>
-              </p:cNvPr>
-              <p:cNvSpPr>
-                <a:spLocks noGrp="1" noRot="1" noChangeAspect="1" noMove="1" noResize="1" noEditPoints="1" noAdjustHandles="1" noChangeArrowheads="1" noChangeShapeType="1" noTextEdit="1"/>
-              </p:cNvSpPr>
-              <p:nvPr>
-                <p:ph idx="1"/>
-              </p:nvPr>
-            </p:nvSpPr>
-            <p:spPr>
-              <a:blipFill>
-                <a:blip r:embed="rId2"/>
-                <a:stretch>
-                  <a:fillRect l="-741" t="-444" r="-74"/>
-                </a:stretch>
-              </a:blipFill>
-            </p:spPr>
-            <p:txBody>
-              <a:bodyPr/>
-              <a:lstStyle/>
-              <a:p>
-                <a:r>
-                  <a:rPr lang="en-US">
-                    <a:noFill/>
-                  </a:rPr>
-                  <a:t> </a:t>
-                </a:r>
-              </a:p>
-            </p:txBody>
-          </p:sp>
-        </mc:Fallback>
-      </mc:AlternateContent>
-    </p:spTree>
-    <p:extLst>
-      <p:ext uri="{BB962C8B-B14F-4D97-AF65-F5344CB8AC3E}">
-        <p14:creationId xmlns:p14="http://schemas.microsoft.com/office/powerpoint/2010/main" val="16199144"/>
-      </p:ext>
-    </p:extLst>
-  </p:cSld>
-  <p:clrMapOvr>
-    <a:masterClrMapping/>
-  </p:clrMapOvr>
-</p:sld>
-</file>
-
-<file path=ppt/slides/slide6.xml><?xml version="1.0" encoding="utf-8"?>
+<file path=ppt/slides/slide14.xml><?xml version="1.0" encoding="utf-8"?>
 <p:sld xmlns:a="http://schemas.openxmlformats.org/drawingml/2006/main" xmlns:r="http://schemas.openxmlformats.org/officeDocument/2006/relationships" xmlns:p="http://schemas.openxmlformats.org/presentationml/2006/main">
   <p:cSld>
     <p:spTree>
@@ -5259,7 +4420,7 @@
 </p:sld>
 </file>
 
-<file path=ppt/slides/slide7.xml><?xml version="1.0" encoding="utf-8"?>
+<file path=ppt/slides/slide15.xml><?xml version="1.0" encoding="utf-8"?>
 <p:sld xmlns:a="http://schemas.openxmlformats.org/drawingml/2006/main" xmlns:r="http://schemas.openxmlformats.org/officeDocument/2006/relationships" xmlns:p="http://schemas.openxmlformats.org/presentationml/2006/main">
   <p:cSld>
     <p:spTree>
@@ -5295,22 +4456,19 @@
         <p:spPr/>
         <p:txBody>
           <a:bodyPr>
-            <a:normAutofit fontScale="90000"/>
+            <a:normAutofit/>
           </a:bodyPr>
           <a:lstStyle/>
           <a:p>
             <a:r>
               <a:rPr lang="en-US" dirty="0"/>
-              <a:t>NBN </a:t>
-            </a:r>
-            <a:r>
-              <a:rPr lang="en-US" dirty="0">
-                <a:solidFill>
-                  <a:srgbClr val="FF0000"/>
-                </a:solidFill>
-              </a:rPr>
-              <a:t>*shouldn’t these all be post filter to show effectiveness?</a:t>
-            </a:r>
+              <a:t>NBN</a:t>
+            </a:r>
+            <a:endParaRPr lang="en-US" dirty="0">
+              <a:solidFill>
+                <a:srgbClr val="FF0000"/>
+              </a:solidFill>
+            </a:endParaRPr>
           </a:p>
         </p:txBody>
       </p:sp>
@@ -5333,7 +4491,7 @@
         <p:spPr/>
         <p:txBody>
           <a:bodyPr>
-            <a:normAutofit fontScale="85000" lnSpcReduction="10000"/>
+            <a:normAutofit fontScale="92500" lnSpcReduction="20000"/>
           </a:bodyPr>
           <a:lstStyle/>
           <a:p>
@@ -5343,6 +4501,9 @@
             </a:pPr>
             <a:r>
               <a:rPr lang="en-US" kern="100" dirty="0">
+                <a:highlight>
+                  <a:srgbClr val="00FF00"/>
+                </a:highlight>
                 <a:latin typeface="Calibri" panose="020F0502020204030204" pitchFamily="34" charset="0"/>
                 <a:ea typeface="Calibri" panose="020F0502020204030204" pitchFamily="34" charset="0"/>
                 <a:cs typeface="Times New Roman" panose="02020603050405020304" pitchFamily="18" charset="0"/>
@@ -5351,6 +4512,9 @@
             </a:r>
             <a:r>
               <a:rPr lang="en-US" kern="100" dirty="0" err="1">
+                <a:highlight>
+                  <a:srgbClr val="00FF00"/>
+                </a:highlight>
                 <a:latin typeface="Calibri" panose="020F0502020204030204" pitchFamily="34" charset="0"/>
                 <a:ea typeface="Calibri" panose="020F0502020204030204" pitchFamily="34" charset="0"/>
                 <a:cs typeface="Times New Roman" panose="02020603050405020304" pitchFamily="18" charset="0"/>
@@ -5359,6 +4523,9 @@
             </a:r>
             <a:r>
               <a:rPr lang="en-US" kern="100" baseline="-25000" dirty="0" err="1">
+                <a:highlight>
+                  <a:srgbClr val="00FF00"/>
+                </a:highlight>
                 <a:latin typeface="Calibri" panose="020F0502020204030204" pitchFamily="34" charset="0"/>
                 <a:ea typeface="Calibri" panose="020F0502020204030204" pitchFamily="34" charset="0"/>
                 <a:cs typeface="Times New Roman" panose="02020603050405020304" pitchFamily="18" charset="0"/>
@@ -5367,6 +4534,9 @@
             </a:r>
             <a:r>
               <a:rPr lang="en-US" kern="100" dirty="0">
+                <a:highlight>
+                  <a:srgbClr val="00FF00"/>
+                </a:highlight>
                 <a:latin typeface="Calibri" panose="020F0502020204030204" pitchFamily="34" charset="0"/>
                 <a:ea typeface="Calibri" panose="020F0502020204030204" pitchFamily="34" charset="0"/>
                 <a:cs typeface="Times New Roman" panose="02020603050405020304" pitchFamily="18" charset="0"/>
@@ -5375,6 +4545,9 @@
             </a:r>
             <a:r>
               <a:rPr lang="en-US" kern="100" dirty="0" err="1">
+                <a:highlight>
+                  <a:srgbClr val="00FF00"/>
+                </a:highlight>
                 <a:latin typeface="Calibri" panose="020F0502020204030204" pitchFamily="34" charset="0"/>
                 <a:ea typeface="Calibri" panose="020F0502020204030204" pitchFamily="34" charset="0"/>
                 <a:cs typeface="Times New Roman" panose="02020603050405020304" pitchFamily="18" charset="0"/>
@@ -5383,6 +4556,9 @@
             </a:r>
             <a:r>
               <a:rPr lang="en-US" kern="100" baseline="-25000" dirty="0" err="1">
+                <a:highlight>
+                  <a:srgbClr val="00FF00"/>
+                </a:highlight>
                 <a:latin typeface="Calibri" panose="020F0502020204030204" pitchFamily="34" charset="0"/>
                 <a:ea typeface="Calibri" panose="020F0502020204030204" pitchFamily="34" charset="0"/>
                 <a:cs typeface="Times New Roman" panose="02020603050405020304" pitchFamily="18" charset="0"/>
@@ -5391,47 +4567,23 @@
             </a:r>
             <a:r>
               <a:rPr lang="en-US" kern="100" dirty="0">
+                <a:highlight>
+                  <a:srgbClr val="00FF00"/>
+                </a:highlight>
                 <a:latin typeface="Calibri" panose="020F0502020204030204" pitchFamily="34" charset="0"/>
                 <a:ea typeface="Calibri" panose="020F0502020204030204" pitchFamily="34" charset="0"/>
                 <a:cs typeface="Times New Roman" panose="02020603050405020304" pitchFamily="18" charset="0"/>
               </a:rPr>
-              <a:t>] *</a:t>
-            </a:r>
+              <a:t>] Mix the PIS with a Narrowband Noise (NBN) defined as follows:</a:t>
+            </a:r>
+          </a:p>
+          <a:p>
+            <a:pPr marL="800100" lvl="1" indent="-342900"/>
             <a:r>
               <a:rPr lang="en-US" kern="100" dirty="0">
-                <a:solidFill>
-                  <a:srgbClr val="FF0000"/>
-                </a:solidFill>
-                <a:latin typeface="Calibri" panose="020F0502020204030204" pitchFamily="34" charset="0"/>
-                <a:ea typeface="Calibri" panose="020F0502020204030204" pitchFamily="34" charset="0"/>
-                <a:cs typeface="Times New Roman" panose="02020603050405020304" pitchFamily="18" charset="0"/>
-              </a:rPr>
-              <a:t>should this just be violin?</a:t>
-            </a:r>
-            <a:endParaRPr lang="en-US" kern="100" dirty="0">
-              <a:latin typeface="Calibri" panose="020F0502020204030204" pitchFamily="34" charset="0"/>
-              <a:ea typeface="Calibri" panose="020F0502020204030204" pitchFamily="34" charset="0"/>
-              <a:cs typeface="Times New Roman" panose="02020603050405020304" pitchFamily="18" charset="0"/>
-            </a:endParaRPr>
-          </a:p>
-          <a:p>
-            <a:pPr marL="342900" indent="-342900">
-              <a:buFont typeface="Arial" panose="020B0604020202020204" pitchFamily="34" charset="0"/>
-              <a:buChar char="•"/>
-            </a:pPr>
-            <a:r>
-              <a:rPr lang="en-US" kern="100" dirty="0">
-                <a:latin typeface="Calibri" panose="020F0502020204030204" pitchFamily="34" charset="0"/>
-                <a:ea typeface="Calibri" panose="020F0502020204030204" pitchFamily="34" charset="0"/>
-                <a:cs typeface="Times New Roman" panose="02020603050405020304" pitchFamily="18" charset="0"/>
-              </a:rPr>
-              <a:t>Mix the PIS with a Narrowband Noise (NBN) defined as follows:</a:t>
-            </a:r>
-          </a:p>
-          <a:p>
-            <a:pPr marL="800100" lvl="1" indent="-342900"/>
-            <a:r>
-              <a:rPr lang="en-US" kern="100" dirty="0">
+                <a:highlight>
+                  <a:srgbClr val="00FF00"/>
+                </a:highlight>
                 <a:latin typeface="Calibri" panose="020F0502020204030204" pitchFamily="34" charset="0"/>
                 <a:ea typeface="Calibri" panose="020F0502020204030204" pitchFamily="34" charset="0"/>
                 <a:cs typeface="Times New Roman" panose="02020603050405020304" pitchFamily="18" charset="0"/>
@@ -5443,6 +4595,9 @@
             <a:pPr marL="800100" lvl="1" indent="-342900"/>
             <a:r>
               <a:rPr lang="en-US" kern="100" dirty="0">
+                <a:highlight>
+                  <a:srgbClr val="00FF00"/>
+                </a:highlight>
                 <a:latin typeface="Calibri" panose="020F0502020204030204" pitchFamily="34" charset="0"/>
                 <a:ea typeface="Calibri" panose="020F0502020204030204" pitchFamily="34" charset="0"/>
                 <a:cs typeface="Times New Roman" panose="02020603050405020304" pitchFamily="18" charset="0"/>
@@ -5451,6 +4606,9 @@
             </a:r>
             <a:r>
               <a:rPr lang="en-US" kern="100" dirty="0" err="1">
+                <a:highlight>
+                  <a:srgbClr val="00FF00"/>
+                </a:highlight>
                 <a:latin typeface="Calibri" panose="020F0502020204030204" pitchFamily="34" charset="0"/>
                 <a:ea typeface="Calibri" panose="020F0502020204030204" pitchFamily="34" charset="0"/>
                 <a:cs typeface="Times New Roman" panose="02020603050405020304" pitchFamily="18" charset="0"/>
@@ -5459,6 +4617,9 @@
             </a:r>
             <a:r>
               <a:rPr lang="en-US" kern="100" baseline="-25000" dirty="0" err="1">
+                <a:highlight>
+                  <a:srgbClr val="00FF00"/>
+                </a:highlight>
                 <a:latin typeface="Calibri" panose="020F0502020204030204" pitchFamily="34" charset="0"/>
                 <a:ea typeface="Calibri" panose="020F0502020204030204" pitchFamily="34" charset="0"/>
                 <a:cs typeface="Times New Roman" panose="02020603050405020304" pitchFamily="18" charset="0"/>
@@ -5467,6 +4628,9 @@
             </a:r>
             <a:r>
               <a:rPr lang="en-US" kern="100" dirty="0">
+                <a:highlight>
+                  <a:srgbClr val="00FF00"/>
+                </a:highlight>
                 <a:latin typeface="Calibri" panose="020F0502020204030204" pitchFamily="34" charset="0"/>
                 <a:ea typeface="Calibri" panose="020F0502020204030204" pitchFamily="34" charset="0"/>
                 <a:cs typeface="Times New Roman" panose="02020603050405020304" pitchFamily="18" charset="0"/>
@@ -5475,6 +4639,9 @@
             </a:r>
             <a:r>
               <a:rPr lang="en-US" kern="100" dirty="0" err="1">
+                <a:highlight>
+                  <a:srgbClr val="00FF00"/>
+                </a:highlight>
                 <a:latin typeface="Calibri" panose="020F0502020204030204" pitchFamily="34" charset="0"/>
                 <a:ea typeface="Calibri" panose="020F0502020204030204" pitchFamily="34" charset="0"/>
                 <a:cs typeface="Times New Roman" panose="02020603050405020304" pitchFamily="18" charset="0"/>
@@ -5483,6 +4650,9 @@
             </a:r>
             <a:r>
               <a:rPr lang="en-US" kern="100" baseline="-25000" dirty="0" err="1">
+                <a:highlight>
+                  <a:srgbClr val="00FF00"/>
+                </a:highlight>
                 <a:latin typeface="Calibri" panose="020F0502020204030204" pitchFamily="34" charset="0"/>
                 <a:ea typeface="Calibri" panose="020F0502020204030204" pitchFamily="34" charset="0"/>
                 <a:cs typeface="Times New Roman" panose="02020603050405020304" pitchFamily="18" charset="0"/>
@@ -5491,6 +4661,9 @@
             </a:r>
             <a:r>
               <a:rPr lang="en-US" kern="100" dirty="0">
+                <a:highlight>
+                  <a:srgbClr val="00FF00"/>
+                </a:highlight>
                 <a:latin typeface="Calibri" panose="020F0502020204030204" pitchFamily="34" charset="0"/>
                 <a:ea typeface="Calibri" panose="020F0502020204030204" pitchFamily="34" charset="0"/>
                 <a:cs typeface="Times New Roman" panose="02020603050405020304" pitchFamily="18" charset="0"/>
@@ -5502,6 +4675,9 @@
             <a:pPr marL="800100" lvl="1" indent="-342900"/>
             <a:r>
               <a:rPr lang="en-US" kern="100" dirty="0">
+                <a:highlight>
+                  <a:srgbClr val="00FF00"/>
+                </a:highlight>
                 <a:latin typeface="Calibri" panose="020F0502020204030204" pitchFamily="34" charset="0"/>
                 <a:ea typeface="Calibri" panose="020F0502020204030204" pitchFamily="34" charset="0"/>
                 <a:cs typeface="Times New Roman" panose="02020603050405020304" pitchFamily="18" charset="0"/>
@@ -5510,6 +4686,9 @@
             </a:r>
             <a:r>
               <a:rPr lang="en-US" kern="100" dirty="0" err="1">
+                <a:highlight>
+                  <a:srgbClr val="00FF00"/>
+                </a:highlight>
                 <a:latin typeface="Calibri" panose="020F0502020204030204" pitchFamily="34" charset="0"/>
                 <a:ea typeface="Calibri" panose="020F0502020204030204" pitchFamily="34" charset="0"/>
                 <a:cs typeface="Times New Roman" panose="02020603050405020304" pitchFamily="18" charset="0"/>
@@ -5518,6 +4697,9 @@
             </a:r>
             <a:r>
               <a:rPr lang="en-US" kern="100" dirty="0">
+                <a:highlight>
+                  <a:srgbClr val="00FF00"/>
+                </a:highlight>
                 <a:latin typeface="Calibri" panose="020F0502020204030204" pitchFamily="34" charset="0"/>
                 <a:ea typeface="Calibri" panose="020F0502020204030204" pitchFamily="34" charset="0"/>
                 <a:cs typeface="Times New Roman" panose="02020603050405020304" pitchFamily="18" charset="0"/>
@@ -5641,7 +4823,7 @@
 </p:sld>
 </file>
 
-<file path=ppt/slides/slide8.xml><?xml version="1.0" encoding="utf-8"?>
+<file path=ppt/slides/slide16.xml><?xml version="1.0" encoding="utf-8"?>
 <p:sld xmlns:a="http://schemas.openxmlformats.org/drawingml/2006/main" xmlns:r="http://schemas.openxmlformats.org/officeDocument/2006/relationships" xmlns:p="http://schemas.openxmlformats.org/presentationml/2006/main">
   <p:cSld>
     <p:spTree>
@@ -5702,16 +4884,15 @@
             <p:ph idx="1"/>
           </p:nvPr>
         </p:nvPicPr>
-        <p:blipFill>
+        <p:blipFill rotWithShape="1">
           <a:blip r:embed="rId2"/>
-          <a:stretch>
-            <a:fillRect/>
-          </a:stretch>
+          <a:srcRect r="16248"/>
+          <a:stretch/>
         </p:blipFill>
         <p:spPr>
           <a:xfrm>
             <a:off x="282570" y="762000"/>
-            <a:ext cx="8578860" cy="4100272"/>
+            <a:ext cx="5432430" cy="3100118"/>
           </a:xfrm>
           <a:prstGeom prst="rect">
             <a:avLst/>
@@ -5760,6 +4941,78 @@
           </a:p>
         </p:txBody>
       </p:sp>
+      <p:pic>
+        <p:nvPicPr>
+          <p:cNvPr id="6" name="Picture 5">
+            <a:extLst>
+              <a:ext uri="{FF2B5EF4-FFF2-40B4-BE49-F238E27FC236}">
+                <a16:creationId xmlns:a16="http://schemas.microsoft.com/office/drawing/2014/main" id="{E600592F-9360-15A5-F31E-9DCA54D0996A}"/>
+              </a:ext>
+            </a:extLst>
+          </p:cNvPr>
+          <p:cNvPicPr>
+            <a:picLocks noChangeAspect="1"/>
+          </p:cNvPicPr>
+          <p:nvPr/>
+        </p:nvPicPr>
+        <p:blipFill>
+          <a:blip r:embed="rId3"/>
+          <a:stretch>
+            <a:fillRect/>
+          </a:stretch>
+        </p:blipFill>
+        <p:spPr>
+          <a:xfrm>
+            <a:off x="5943600" y="1219200"/>
+            <a:ext cx="2300287" cy="1752600"/>
+          </a:xfrm>
+          <a:prstGeom prst="rect">
+            <a:avLst/>
+          </a:prstGeom>
+        </p:spPr>
+      </p:pic>
+      <p:sp>
+        <p:nvSpPr>
+          <p:cNvPr id="7" name="TextBox 6">
+            <a:extLst>
+              <a:ext uri="{FF2B5EF4-FFF2-40B4-BE49-F238E27FC236}">
+                <a16:creationId xmlns:a16="http://schemas.microsoft.com/office/drawing/2014/main" id="{3AA3D7E3-74FC-DCB9-A3AE-C4EB613A03AC}"/>
+              </a:ext>
+            </a:extLst>
+          </p:cNvPr>
+          <p:cNvSpPr txBox="1"/>
+          <p:nvPr/>
+        </p:nvSpPr>
+        <p:spPr>
+          <a:xfrm>
+            <a:off x="5943601" y="3047378"/>
+            <a:ext cx="2300286" cy="369332"/>
+          </a:xfrm>
+          <a:prstGeom prst="rect">
+            <a:avLst/>
+          </a:prstGeom>
+          <a:noFill/>
+        </p:spPr>
+        <p:txBody>
+          <a:bodyPr wrap="square" rtlCol="0">
+            <a:spAutoFit/>
+          </a:bodyPr>
+          <a:lstStyle/>
+          <a:p>
+            <a:r>
+              <a:rPr lang="en-US" dirty="0">
+                <a:solidFill>
+                  <a:srgbClr val="FF0000"/>
+                </a:solidFill>
+                <a:highlight>
+                  <a:srgbClr val="FFFF00"/>
+                </a:highlight>
+              </a:rPr>
+              <a:t>Peak Amplitude</a:t>
+            </a:r>
+          </a:p>
+        </p:txBody>
+      </p:sp>
     </p:spTree>
     <p:extLst>
       <p:ext uri="{BB962C8B-B14F-4D97-AF65-F5344CB8AC3E}">
@@ -5773,7 +5026,7 @@
 </p:sld>
 </file>
 
-<file path=ppt/slides/slide9.xml><?xml version="1.0" encoding="utf-8"?>
+<file path=ppt/slides/slide17.xml><?xml version="1.0" encoding="utf-8"?>
 <p:sld xmlns:a="http://schemas.openxmlformats.org/drawingml/2006/main" xmlns:r="http://schemas.openxmlformats.org/officeDocument/2006/relationships" xmlns:p="http://schemas.openxmlformats.org/presentationml/2006/main">
   <p:cSld>
     <p:spTree>
@@ -6378,6 +5631,2334 @@
     <p:extLst>
       <p:ext uri="{BB962C8B-B14F-4D97-AF65-F5344CB8AC3E}">
         <p14:creationId xmlns:p14="http://schemas.microsoft.com/office/powerpoint/2010/main" val="25302582"/>
+      </p:ext>
+    </p:extLst>
+  </p:cSld>
+  <p:clrMapOvr>
+    <a:masterClrMapping/>
+  </p:clrMapOvr>
+</p:sld>
+</file>
+
+<file path=ppt/slides/slide18.xml><?xml version="1.0" encoding="utf-8"?>
+<p:sld xmlns:a="http://schemas.openxmlformats.org/drawingml/2006/main" xmlns:r="http://schemas.openxmlformats.org/officeDocument/2006/relationships" xmlns:p="http://schemas.openxmlformats.org/presentationml/2006/main">
+  <p:cSld>
+    <p:spTree>
+      <p:nvGrpSpPr>
+        <p:cNvPr id="1" name=""/>
+        <p:cNvGrpSpPr/>
+        <p:nvPr/>
+      </p:nvGrpSpPr>
+      <p:grpSpPr>
+        <a:xfrm>
+          <a:off x="0" y="0"/>
+          <a:ext cx="0" cy="0"/>
+          <a:chOff x="0" y="0"/>
+          <a:chExt cx="0" cy="0"/>
+        </a:xfrm>
+      </p:grpSpPr>
+      <p:pic>
+        <p:nvPicPr>
+          <p:cNvPr id="5" name="Picture 4">
+            <a:extLst>
+              <a:ext uri="{FF2B5EF4-FFF2-40B4-BE49-F238E27FC236}">
+                <a16:creationId xmlns:a16="http://schemas.microsoft.com/office/drawing/2014/main" id="{ACF8580D-EB2C-ED49-F26B-80B241630945}"/>
+              </a:ext>
+            </a:extLst>
+          </p:cNvPr>
+          <p:cNvPicPr>
+            <a:picLocks noChangeAspect="1"/>
+          </p:cNvPicPr>
+          <p:nvPr/>
+        </p:nvPicPr>
+        <p:blipFill>
+          <a:blip r:embed="rId2"/>
+          <a:stretch>
+            <a:fillRect/>
+          </a:stretch>
+        </p:blipFill>
+        <p:spPr>
+          <a:xfrm>
+            <a:off x="2362200" y="304800"/>
+            <a:ext cx="6531016" cy="3246315"/>
+          </a:xfrm>
+          <a:prstGeom prst="rect">
+            <a:avLst/>
+          </a:prstGeom>
+        </p:spPr>
+      </p:pic>
+      <p:pic>
+        <p:nvPicPr>
+          <p:cNvPr id="7" name="Picture 6">
+            <a:extLst>
+              <a:ext uri="{FF2B5EF4-FFF2-40B4-BE49-F238E27FC236}">
+                <a16:creationId xmlns:a16="http://schemas.microsoft.com/office/drawing/2014/main" id="{B57EC1FD-D478-0899-D8BB-5B12835024EA}"/>
+              </a:ext>
+            </a:extLst>
+          </p:cNvPr>
+          <p:cNvPicPr>
+            <a:picLocks noChangeAspect="1"/>
+          </p:cNvPicPr>
+          <p:nvPr/>
+        </p:nvPicPr>
+        <p:blipFill>
+          <a:blip r:embed="rId3"/>
+          <a:stretch>
+            <a:fillRect/>
+          </a:stretch>
+        </p:blipFill>
+        <p:spPr>
+          <a:xfrm>
+            <a:off x="1295400" y="1371600"/>
+            <a:ext cx="6934589" cy="3484925"/>
+          </a:xfrm>
+          <a:prstGeom prst="rect">
+            <a:avLst/>
+          </a:prstGeom>
+        </p:spPr>
+      </p:pic>
+      <p:pic>
+        <p:nvPicPr>
+          <p:cNvPr id="9" name="Picture 8">
+            <a:extLst>
+              <a:ext uri="{FF2B5EF4-FFF2-40B4-BE49-F238E27FC236}">
+                <a16:creationId xmlns:a16="http://schemas.microsoft.com/office/drawing/2014/main" id="{1848FB90-9E38-1E98-91AA-3968CFBDBB97}"/>
+              </a:ext>
+            </a:extLst>
+          </p:cNvPr>
+          <p:cNvPicPr>
+            <a:picLocks noChangeAspect="1"/>
+          </p:cNvPicPr>
+          <p:nvPr/>
+        </p:nvPicPr>
+        <p:blipFill>
+          <a:blip r:embed="rId4"/>
+          <a:stretch>
+            <a:fillRect/>
+          </a:stretch>
+        </p:blipFill>
+        <p:spPr>
+          <a:xfrm>
+            <a:off x="381000" y="2570958"/>
+            <a:ext cx="7582487" cy="3733800"/>
+          </a:xfrm>
+          <a:prstGeom prst="rect">
+            <a:avLst/>
+          </a:prstGeom>
+        </p:spPr>
+      </p:pic>
+    </p:spTree>
+    <p:extLst>
+      <p:ext uri="{BB962C8B-B14F-4D97-AF65-F5344CB8AC3E}">
+        <p14:creationId xmlns:p14="http://schemas.microsoft.com/office/powerpoint/2010/main" val="45877252"/>
+      </p:ext>
+    </p:extLst>
+  </p:cSld>
+  <p:clrMapOvr>
+    <a:masterClrMapping/>
+  </p:clrMapOvr>
+</p:sld>
+</file>
+
+<file path=ppt/slides/slide19.xml><?xml version="1.0" encoding="utf-8"?>
+<p:sld xmlns:a="http://schemas.openxmlformats.org/drawingml/2006/main" xmlns:r="http://schemas.openxmlformats.org/officeDocument/2006/relationships" xmlns:p="http://schemas.openxmlformats.org/presentationml/2006/main">
+  <p:cSld>
+    <p:spTree>
+      <p:nvGrpSpPr>
+        <p:cNvPr id="1" name=""/>
+        <p:cNvGrpSpPr/>
+        <p:nvPr/>
+      </p:nvGrpSpPr>
+      <p:grpSpPr>
+        <a:xfrm>
+          <a:off x="0" y="0"/>
+          <a:ext cx="0" cy="0"/>
+          <a:chOff x="0" y="0"/>
+          <a:chExt cx="0" cy="0"/>
+        </a:xfrm>
+      </p:grpSpPr>
+      <p:pic>
+        <p:nvPicPr>
+          <p:cNvPr id="5" name="Picture 4">
+            <a:extLst>
+              <a:ext uri="{FF2B5EF4-FFF2-40B4-BE49-F238E27FC236}">
+                <a16:creationId xmlns:a16="http://schemas.microsoft.com/office/drawing/2014/main" id="{331AD937-93EA-BF48-63D8-3790F617C295}"/>
+              </a:ext>
+            </a:extLst>
+          </p:cNvPr>
+          <p:cNvPicPr>
+            <a:picLocks noChangeAspect="1"/>
+          </p:cNvPicPr>
+          <p:nvPr/>
+        </p:nvPicPr>
+        <p:blipFill>
+          <a:blip r:embed="rId2"/>
+          <a:stretch>
+            <a:fillRect/>
+          </a:stretch>
+        </p:blipFill>
+        <p:spPr>
+          <a:xfrm>
+            <a:off x="2743200" y="152400"/>
+            <a:ext cx="6218558" cy="2967655"/>
+          </a:xfrm>
+          <a:prstGeom prst="rect">
+            <a:avLst/>
+          </a:prstGeom>
+        </p:spPr>
+      </p:pic>
+      <p:pic>
+        <p:nvPicPr>
+          <p:cNvPr id="7" name="Picture 6">
+            <a:extLst>
+              <a:ext uri="{FF2B5EF4-FFF2-40B4-BE49-F238E27FC236}">
+                <a16:creationId xmlns:a16="http://schemas.microsoft.com/office/drawing/2014/main" id="{A330FC6B-5362-D504-9B42-40A9C465600E}"/>
+              </a:ext>
+            </a:extLst>
+          </p:cNvPr>
+          <p:cNvPicPr>
+            <a:picLocks noChangeAspect="1"/>
+          </p:cNvPicPr>
+          <p:nvPr/>
+        </p:nvPicPr>
+        <p:blipFill>
+          <a:blip r:embed="rId3"/>
+          <a:stretch>
+            <a:fillRect/>
+          </a:stretch>
+        </p:blipFill>
+        <p:spPr>
+          <a:xfrm>
+            <a:off x="1143000" y="914400"/>
+            <a:ext cx="7353937" cy="3505504"/>
+          </a:xfrm>
+          <a:prstGeom prst="rect">
+            <a:avLst/>
+          </a:prstGeom>
+        </p:spPr>
+      </p:pic>
+      <p:pic>
+        <p:nvPicPr>
+          <p:cNvPr id="9" name="Picture 8">
+            <a:extLst>
+              <a:ext uri="{FF2B5EF4-FFF2-40B4-BE49-F238E27FC236}">
+                <a16:creationId xmlns:a16="http://schemas.microsoft.com/office/drawing/2014/main" id="{87F904AF-F501-CAE0-25D4-F4C33203E0AB}"/>
+              </a:ext>
+            </a:extLst>
+          </p:cNvPr>
+          <p:cNvPicPr>
+            <a:picLocks noChangeAspect="1"/>
+          </p:cNvPicPr>
+          <p:nvPr/>
+        </p:nvPicPr>
+        <p:blipFill>
+          <a:blip r:embed="rId4"/>
+          <a:stretch>
+            <a:fillRect/>
+          </a:stretch>
+        </p:blipFill>
+        <p:spPr>
+          <a:xfrm>
+            <a:off x="218818" y="2639720"/>
+            <a:ext cx="7392041" cy="3490262"/>
+          </a:xfrm>
+          <a:prstGeom prst="rect">
+            <a:avLst/>
+          </a:prstGeom>
+        </p:spPr>
+      </p:pic>
+    </p:spTree>
+    <p:extLst>
+      <p:ext uri="{BB962C8B-B14F-4D97-AF65-F5344CB8AC3E}">
+        <p14:creationId xmlns:p14="http://schemas.microsoft.com/office/powerpoint/2010/main" val="4126659320"/>
+      </p:ext>
+    </p:extLst>
+  </p:cSld>
+  <p:clrMapOvr>
+    <a:masterClrMapping/>
+  </p:clrMapOvr>
+</p:sld>
+</file>
+
+<file path=ppt/slides/slide2.xml><?xml version="1.0" encoding="utf-8"?>
+<p:sld xmlns:a="http://schemas.openxmlformats.org/drawingml/2006/main" xmlns:r="http://schemas.openxmlformats.org/officeDocument/2006/relationships" xmlns:p="http://schemas.openxmlformats.org/presentationml/2006/main">
+  <p:cSld>
+    <p:spTree>
+      <p:nvGrpSpPr>
+        <p:cNvPr id="1" name=""/>
+        <p:cNvGrpSpPr/>
+        <p:nvPr/>
+      </p:nvGrpSpPr>
+      <p:grpSpPr>
+        <a:xfrm>
+          <a:off x="0" y="0"/>
+          <a:ext cx="0" cy="0"/>
+          <a:chOff x="0" y="0"/>
+          <a:chExt cx="0" cy="0"/>
+        </a:xfrm>
+      </p:grpSpPr>
+      <p:sp>
+        <p:nvSpPr>
+          <p:cNvPr id="2" name="Title 1"/>
+          <p:cNvSpPr>
+            <a:spLocks noGrp="1"/>
+          </p:cNvSpPr>
+          <p:nvPr>
+            <p:ph type="title"/>
+          </p:nvPr>
+        </p:nvSpPr>
+        <p:spPr/>
+        <p:txBody>
+          <a:bodyPr/>
+          <a:lstStyle/>
+          <a:p>
+            <a:r>
+              <a:rPr lang="en-US" dirty="0"/>
+              <a:t>Layout</a:t>
+            </a:r>
+          </a:p>
+        </p:txBody>
+      </p:sp>
+      <p:sp>
+        <p:nvSpPr>
+          <p:cNvPr id="3" name="Content Placeholder 2"/>
+          <p:cNvSpPr>
+            <a:spLocks noGrp="1"/>
+          </p:cNvSpPr>
+          <p:nvPr>
+            <p:ph idx="1"/>
+          </p:nvPr>
+        </p:nvSpPr>
+        <p:spPr/>
+        <p:txBody>
+          <a:bodyPr/>
+          <a:lstStyle/>
+          <a:p>
+            <a:pPr marL="342900" indent="-342900">
+              <a:buFont typeface="Arial" panose="020B0604020202020204" pitchFamily="34" charset="0"/>
+              <a:buChar char="•"/>
+            </a:pPr>
+            <a:r>
+              <a:rPr lang="en-US" dirty="0"/>
+              <a:t>Filter Design</a:t>
+            </a:r>
+          </a:p>
+          <a:p>
+            <a:pPr marL="800100" lvl="1" indent="-342900"/>
+            <a:r>
+              <a:rPr lang="en-US" dirty="0"/>
+              <a:t>For both high pass and band pass</a:t>
+            </a:r>
+          </a:p>
+          <a:p>
+            <a:pPr marL="342900" indent="-342900">
+              <a:buFont typeface="Arial" panose="020B0604020202020204" pitchFamily="34" charset="0"/>
+              <a:buChar char="•"/>
+            </a:pPr>
+            <a:r>
+              <a:rPr lang="en-US" dirty="0"/>
+              <a:t>Filter Analysis</a:t>
+            </a:r>
+          </a:p>
+          <a:p>
+            <a:pPr marL="342900" indent="-342900">
+              <a:buFont typeface="Arial" panose="020B0604020202020204" pitchFamily="34" charset="0"/>
+              <a:buChar char="•"/>
+            </a:pPr>
+            <a:r>
+              <a:rPr lang="en-US" dirty="0"/>
+              <a:t>Sine Wave Analysis</a:t>
+            </a:r>
+          </a:p>
+          <a:p>
+            <a:pPr marL="342900" indent="-342900">
+              <a:buFont typeface="Arial" panose="020B0604020202020204" pitchFamily="34" charset="0"/>
+              <a:buChar char="•"/>
+            </a:pPr>
+            <a:r>
+              <a:rPr lang="en-US" dirty="0" err="1"/>
+              <a:t>Diraq</a:t>
+            </a:r>
+            <a:r>
+              <a:rPr lang="en-US" dirty="0"/>
+              <a:t> Analysis (Do we need both)</a:t>
+            </a:r>
+          </a:p>
+          <a:p>
+            <a:pPr marL="342900" indent="-342900">
+              <a:buFont typeface="Arial" panose="020B0604020202020204" pitchFamily="34" charset="0"/>
+              <a:buChar char="•"/>
+            </a:pPr>
+            <a:endParaRPr lang="en-US" dirty="0"/>
+          </a:p>
+          <a:p>
+            <a:pPr marL="800100" lvl="1" indent="-342900"/>
+            <a:endParaRPr lang="en-US" dirty="0"/>
+          </a:p>
+          <a:p>
+            <a:pPr marL="800100" lvl="1" indent="-342900"/>
+            <a:endParaRPr lang="en-US" dirty="0"/>
+          </a:p>
+          <a:p>
+            <a:pPr marL="800100" lvl="1" indent="-342900"/>
+            <a:endParaRPr lang="en-US" dirty="0"/>
+          </a:p>
+          <a:p>
+            <a:pPr marL="342900" indent="-342900"/>
+            <a:endParaRPr lang="en-US" dirty="0"/>
+          </a:p>
+          <a:p>
+            <a:pPr marL="342900" indent="-342900"/>
+            <a:endParaRPr lang="en-US" dirty="0"/>
+          </a:p>
+        </p:txBody>
+      </p:sp>
+    </p:spTree>
+    <p:extLst>
+      <p:ext uri="{BB962C8B-B14F-4D97-AF65-F5344CB8AC3E}">
+        <p14:creationId xmlns:p14="http://schemas.microsoft.com/office/powerpoint/2010/main" val="2025067195"/>
+      </p:ext>
+    </p:extLst>
+  </p:cSld>
+  <p:clrMapOvr>
+    <a:masterClrMapping/>
+  </p:clrMapOvr>
+</p:sld>
+</file>
+
+<file path=ppt/slides/slide20.xml><?xml version="1.0" encoding="utf-8"?>
+<p:sld xmlns:a="http://schemas.openxmlformats.org/drawingml/2006/main" xmlns:r="http://schemas.openxmlformats.org/officeDocument/2006/relationships" xmlns:p="http://schemas.openxmlformats.org/presentationml/2006/main">
+  <p:cSld>
+    <p:spTree>
+      <p:nvGrpSpPr>
+        <p:cNvPr id="1" name=""/>
+        <p:cNvGrpSpPr/>
+        <p:nvPr/>
+      </p:nvGrpSpPr>
+      <p:grpSpPr>
+        <a:xfrm>
+          <a:off x="0" y="0"/>
+          <a:ext cx="0" cy="0"/>
+          <a:chOff x="0" y="0"/>
+          <a:chExt cx="0" cy="0"/>
+        </a:xfrm>
+      </p:grpSpPr>
+      <p:sp>
+        <p:nvSpPr>
+          <p:cNvPr id="2" name="Title 1">
+            <a:extLst>
+              <a:ext uri="{FF2B5EF4-FFF2-40B4-BE49-F238E27FC236}">
+                <a16:creationId xmlns:a16="http://schemas.microsoft.com/office/drawing/2014/main" id="{11536382-0D5D-0564-57DD-0CA4B5938F30}"/>
+              </a:ext>
+            </a:extLst>
+          </p:cNvPr>
+          <p:cNvSpPr>
+            <a:spLocks noGrp="1"/>
+          </p:cNvSpPr>
+          <p:nvPr>
+            <p:ph type="title"/>
+          </p:nvPr>
+        </p:nvSpPr>
+        <p:spPr/>
+        <p:txBody>
+          <a:bodyPr/>
+          <a:lstStyle/>
+          <a:p>
+            <a:r>
+              <a:rPr lang="en-US" dirty="0"/>
+              <a:t>BBN</a:t>
+            </a:r>
+          </a:p>
+        </p:txBody>
+      </p:sp>
+      <p:sp>
+        <p:nvSpPr>
+          <p:cNvPr id="3" name="Content Placeholder 2">
+            <a:extLst>
+              <a:ext uri="{FF2B5EF4-FFF2-40B4-BE49-F238E27FC236}">
+                <a16:creationId xmlns:a16="http://schemas.microsoft.com/office/drawing/2014/main" id="{C303818C-AB32-FF4E-EDF0-A8314B961A59}"/>
+              </a:ext>
+            </a:extLst>
+          </p:cNvPr>
+          <p:cNvSpPr>
+            <a:spLocks noGrp="1"/>
+          </p:cNvSpPr>
+          <p:nvPr>
+            <p:ph idx="1"/>
+          </p:nvPr>
+        </p:nvSpPr>
+        <p:spPr/>
+        <p:txBody>
+          <a:bodyPr>
+            <a:normAutofit fontScale="85000" lnSpcReduction="20000"/>
+          </a:bodyPr>
+          <a:lstStyle/>
+          <a:p>
+            <a:pPr marL="342900" indent="-342900">
+              <a:buFont typeface="Arial" panose="020B0604020202020204" pitchFamily="34" charset="0"/>
+              <a:buChar char="•"/>
+            </a:pPr>
+            <a:r>
+              <a:rPr lang="en-US" kern="100" dirty="0">
+                <a:latin typeface="Calibri" panose="020F0502020204030204" pitchFamily="34" charset="0"/>
+                <a:ea typeface="Calibri" panose="020F0502020204030204" pitchFamily="34" charset="0"/>
+                <a:cs typeface="Times New Roman" panose="02020603050405020304" pitchFamily="18" charset="0"/>
+              </a:rPr>
+              <a:t>Characterize the PIS spectrum in dB value in identifying its half-power bandwidth [</a:t>
+            </a:r>
+            <a:r>
+              <a:rPr lang="en-US" kern="100" dirty="0" err="1">
+                <a:latin typeface="Calibri" panose="020F0502020204030204" pitchFamily="34" charset="0"/>
+                <a:ea typeface="Calibri" panose="020F0502020204030204" pitchFamily="34" charset="0"/>
+                <a:cs typeface="Times New Roman" panose="02020603050405020304" pitchFamily="18" charset="0"/>
+              </a:rPr>
+              <a:t>f</a:t>
+            </a:r>
+            <a:r>
+              <a:rPr lang="en-US" kern="100" baseline="-25000" dirty="0" err="1">
+                <a:latin typeface="Calibri" panose="020F0502020204030204" pitchFamily="34" charset="0"/>
+                <a:ea typeface="Calibri" panose="020F0502020204030204" pitchFamily="34" charset="0"/>
+                <a:cs typeface="Times New Roman" panose="02020603050405020304" pitchFamily="18" charset="0"/>
+              </a:rPr>
+              <a:t>PISmin</a:t>
+            </a:r>
+            <a:r>
+              <a:rPr lang="en-US" kern="100" dirty="0">
+                <a:latin typeface="Calibri" panose="020F0502020204030204" pitchFamily="34" charset="0"/>
+                <a:ea typeface="Calibri" panose="020F0502020204030204" pitchFamily="34" charset="0"/>
+                <a:cs typeface="Times New Roman" panose="02020603050405020304" pitchFamily="18" charset="0"/>
+              </a:rPr>
+              <a:t>, </a:t>
+            </a:r>
+            <a:r>
+              <a:rPr lang="en-US" kern="100" dirty="0" err="1">
+                <a:latin typeface="Calibri" panose="020F0502020204030204" pitchFamily="34" charset="0"/>
+                <a:ea typeface="Calibri" panose="020F0502020204030204" pitchFamily="34" charset="0"/>
+                <a:cs typeface="Times New Roman" panose="02020603050405020304" pitchFamily="18" charset="0"/>
+              </a:rPr>
+              <a:t>f</a:t>
+            </a:r>
+            <a:r>
+              <a:rPr lang="en-US" kern="100" baseline="-25000" dirty="0" err="1">
+                <a:latin typeface="Calibri" panose="020F0502020204030204" pitchFamily="34" charset="0"/>
+                <a:ea typeface="Calibri" panose="020F0502020204030204" pitchFamily="34" charset="0"/>
+                <a:cs typeface="Times New Roman" panose="02020603050405020304" pitchFamily="18" charset="0"/>
+              </a:rPr>
+              <a:t>PISmax</a:t>
+            </a:r>
+            <a:r>
+              <a:rPr lang="en-US" kern="100" dirty="0">
+                <a:latin typeface="Calibri" panose="020F0502020204030204" pitchFamily="34" charset="0"/>
+                <a:ea typeface="Calibri" panose="020F0502020204030204" pitchFamily="34" charset="0"/>
+                <a:cs typeface="Times New Roman" panose="02020603050405020304" pitchFamily="18" charset="0"/>
+              </a:rPr>
+              <a:t>]</a:t>
+            </a:r>
+          </a:p>
+          <a:p>
+            <a:pPr marL="342900" indent="-342900">
+              <a:buFont typeface="Arial" panose="020B0604020202020204" pitchFamily="34" charset="0"/>
+              <a:buChar char="•"/>
+            </a:pPr>
+            <a:r>
+              <a:rPr lang="en-US" kern="100" dirty="0">
+                <a:latin typeface="Calibri" panose="020F0502020204030204" pitchFamily="34" charset="0"/>
+                <a:ea typeface="Calibri" panose="020F0502020204030204" pitchFamily="34" charset="0"/>
+                <a:cs typeface="Times New Roman" panose="02020603050405020304" pitchFamily="18" charset="0"/>
+              </a:rPr>
+              <a:t>Mix the PIS with a Broad Band Noise (BBN) defined as follows:</a:t>
+            </a:r>
+          </a:p>
+          <a:p>
+            <a:pPr marL="800100" lvl="1" indent="-342900"/>
+            <a:r>
+              <a:rPr lang="en-US" kern="100" dirty="0">
+                <a:latin typeface="Calibri" panose="020F0502020204030204" pitchFamily="34" charset="0"/>
+                <a:ea typeface="Calibri" panose="020F0502020204030204" pitchFamily="34" charset="0"/>
+                <a:cs typeface="Times New Roman" panose="02020603050405020304" pitchFamily="18" charset="0"/>
+              </a:rPr>
+              <a:t>Signal type: White Noise Gaussian</a:t>
+            </a:r>
+          </a:p>
+          <a:p>
+            <a:pPr marL="800100" lvl="1" indent="-342900"/>
+            <a:r>
+              <a:rPr lang="en-US" kern="100" dirty="0">
+                <a:latin typeface="Calibri" panose="020F0502020204030204" pitchFamily="34" charset="0"/>
+                <a:ea typeface="Calibri" panose="020F0502020204030204" pitchFamily="34" charset="0"/>
+                <a:cs typeface="Times New Roman" panose="02020603050405020304" pitchFamily="18" charset="0"/>
+              </a:rPr>
+              <a:t>Mean amplitude = PIS’ average amplitude over the half-power bandwidth [</a:t>
+            </a:r>
+            <a:r>
+              <a:rPr lang="en-US" kern="100" dirty="0" err="1">
+                <a:latin typeface="Calibri" panose="020F0502020204030204" pitchFamily="34" charset="0"/>
+                <a:ea typeface="Calibri" panose="020F0502020204030204" pitchFamily="34" charset="0"/>
+                <a:cs typeface="Times New Roman" panose="02020603050405020304" pitchFamily="18" charset="0"/>
+              </a:rPr>
+              <a:t>f</a:t>
+            </a:r>
+            <a:r>
+              <a:rPr lang="en-US" kern="100" baseline="-25000" dirty="0" err="1">
+                <a:latin typeface="Calibri" panose="020F0502020204030204" pitchFamily="34" charset="0"/>
+                <a:ea typeface="Calibri" panose="020F0502020204030204" pitchFamily="34" charset="0"/>
+                <a:cs typeface="Times New Roman" panose="02020603050405020304" pitchFamily="18" charset="0"/>
+              </a:rPr>
+              <a:t>PISmin</a:t>
+            </a:r>
+            <a:r>
+              <a:rPr lang="en-US" kern="100" dirty="0">
+                <a:latin typeface="Calibri" panose="020F0502020204030204" pitchFamily="34" charset="0"/>
+                <a:ea typeface="Calibri" panose="020F0502020204030204" pitchFamily="34" charset="0"/>
+                <a:cs typeface="Times New Roman" panose="02020603050405020304" pitchFamily="18" charset="0"/>
+              </a:rPr>
+              <a:t>, </a:t>
+            </a:r>
+            <a:r>
+              <a:rPr lang="en-US" kern="100" dirty="0" err="1">
+                <a:latin typeface="Calibri" panose="020F0502020204030204" pitchFamily="34" charset="0"/>
+                <a:ea typeface="Calibri" panose="020F0502020204030204" pitchFamily="34" charset="0"/>
+                <a:cs typeface="Times New Roman" panose="02020603050405020304" pitchFamily="18" charset="0"/>
+              </a:rPr>
+              <a:t>f</a:t>
+            </a:r>
+            <a:r>
+              <a:rPr lang="en-US" kern="100" baseline="-25000" dirty="0" err="1">
+                <a:latin typeface="Calibri" panose="020F0502020204030204" pitchFamily="34" charset="0"/>
+                <a:ea typeface="Calibri" panose="020F0502020204030204" pitchFamily="34" charset="0"/>
+                <a:cs typeface="Times New Roman" panose="02020603050405020304" pitchFamily="18" charset="0"/>
+              </a:rPr>
+              <a:t>PISmax</a:t>
+            </a:r>
+            <a:r>
+              <a:rPr lang="en-US" kern="100" dirty="0">
+                <a:latin typeface="Calibri" panose="020F0502020204030204" pitchFamily="34" charset="0"/>
+                <a:ea typeface="Calibri" panose="020F0502020204030204" pitchFamily="34" charset="0"/>
+                <a:cs typeface="Times New Roman" panose="02020603050405020304" pitchFamily="18" charset="0"/>
+              </a:rPr>
+              <a:t>]</a:t>
+            </a:r>
+          </a:p>
+          <a:p>
+            <a:pPr marL="800100" lvl="1" indent="-342900"/>
+            <a:r>
+              <a:rPr lang="en-US" kern="100" dirty="0">
+                <a:latin typeface="Calibri" panose="020F0502020204030204" pitchFamily="34" charset="0"/>
+                <a:ea typeface="Calibri" panose="020F0502020204030204" pitchFamily="34" charset="0"/>
+                <a:cs typeface="Times New Roman" panose="02020603050405020304" pitchFamily="18" charset="0"/>
+              </a:rPr>
+              <a:t>Standard deviation = RMS value of the PIS spectrum over its half-power bandwidth [</a:t>
+            </a:r>
+            <a:r>
+              <a:rPr lang="en-US" kern="100" dirty="0" err="1">
+                <a:latin typeface="Calibri" panose="020F0502020204030204" pitchFamily="34" charset="0"/>
+                <a:ea typeface="Calibri" panose="020F0502020204030204" pitchFamily="34" charset="0"/>
+                <a:cs typeface="Times New Roman" panose="02020603050405020304" pitchFamily="18" charset="0"/>
+              </a:rPr>
+              <a:t>f</a:t>
+            </a:r>
+            <a:r>
+              <a:rPr lang="en-US" kern="100" baseline="-25000" dirty="0" err="1">
+                <a:latin typeface="Calibri" panose="020F0502020204030204" pitchFamily="34" charset="0"/>
+                <a:ea typeface="Calibri" panose="020F0502020204030204" pitchFamily="34" charset="0"/>
+                <a:cs typeface="Times New Roman" panose="02020603050405020304" pitchFamily="18" charset="0"/>
+              </a:rPr>
+              <a:t>PISmin</a:t>
+            </a:r>
+            <a:r>
+              <a:rPr lang="en-US" kern="100" dirty="0">
+                <a:latin typeface="Calibri" panose="020F0502020204030204" pitchFamily="34" charset="0"/>
+                <a:ea typeface="Calibri" panose="020F0502020204030204" pitchFamily="34" charset="0"/>
+                <a:cs typeface="Times New Roman" panose="02020603050405020304" pitchFamily="18" charset="0"/>
+              </a:rPr>
+              <a:t>, </a:t>
+            </a:r>
+            <a:r>
+              <a:rPr lang="en-US" kern="100" dirty="0" err="1">
+                <a:latin typeface="Calibri" panose="020F0502020204030204" pitchFamily="34" charset="0"/>
+                <a:ea typeface="Calibri" panose="020F0502020204030204" pitchFamily="34" charset="0"/>
+                <a:cs typeface="Times New Roman" panose="02020603050405020304" pitchFamily="18" charset="0"/>
+              </a:rPr>
+              <a:t>f</a:t>
+            </a:r>
+            <a:r>
+              <a:rPr lang="en-US" kern="100" baseline="-25000" dirty="0" err="1">
+                <a:latin typeface="Calibri" panose="020F0502020204030204" pitchFamily="34" charset="0"/>
+                <a:ea typeface="Calibri" panose="020F0502020204030204" pitchFamily="34" charset="0"/>
+                <a:cs typeface="Times New Roman" panose="02020603050405020304" pitchFamily="18" charset="0"/>
+              </a:rPr>
+              <a:t>PISmax</a:t>
+            </a:r>
+            <a:r>
+              <a:rPr lang="en-US" kern="100" dirty="0">
+                <a:latin typeface="Calibri" panose="020F0502020204030204" pitchFamily="34" charset="0"/>
+                <a:ea typeface="Calibri" panose="020F0502020204030204" pitchFamily="34" charset="0"/>
+                <a:cs typeface="Times New Roman" panose="02020603050405020304" pitchFamily="18" charset="0"/>
+              </a:rPr>
+              <a:t>]</a:t>
+            </a:r>
+          </a:p>
+          <a:p>
+            <a:pPr marL="342900" indent="-342900">
+              <a:buFont typeface="Arial" panose="020B0604020202020204" pitchFamily="34" charset="0"/>
+              <a:buChar char="•"/>
+            </a:pPr>
+            <a:r>
+              <a:rPr lang="en-US" kern="100" dirty="0">
+                <a:latin typeface="Calibri" panose="020F0502020204030204" pitchFamily="34" charset="0"/>
+                <a:ea typeface="Calibri" panose="020F0502020204030204" pitchFamily="34" charset="0"/>
+                <a:cs typeface="Times New Roman" panose="02020603050405020304" pitchFamily="18" charset="0"/>
+              </a:rPr>
+              <a:t>Display the spectrum of the non-filtered compound signal PIS mixed with BBN denoted as PIS&amp;BBN</a:t>
+            </a:r>
+          </a:p>
+          <a:p>
+            <a:pPr marL="800100" lvl="1" indent="-342900"/>
+            <a:r>
+              <a:rPr lang="en-US" kern="100" dirty="0">
+                <a:latin typeface="Calibri" panose="020F0502020204030204" pitchFamily="34" charset="0"/>
+                <a:ea typeface="Calibri" panose="020F0502020204030204" pitchFamily="34" charset="0"/>
+                <a:cs typeface="Times New Roman" panose="02020603050405020304" pitchFamily="18" charset="0"/>
+              </a:rPr>
+              <a:t>Characterize the Signal to Noise ratio of PIS&amp;BBN</a:t>
+            </a:r>
+          </a:p>
+          <a:p>
+            <a:pPr marL="342900" indent="-342900">
+              <a:buFont typeface="Arial" panose="020B0604020202020204" pitchFamily="34" charset="0"/>
+              <a:buChar char="•"/>
+            </a:pPr>
+            <a:r>
+              <a:rPr lang="en-US" kern="100" dirty="0">
+                <a:latin typeface="Calibri" panose="020F0502020204030204" pitchFamily="34" charset="0"/>
+                <a:ea typeface="Calibri" panose="020F0502020204030204" pitchFamily="34" charset="0"/>
+                <a:cs typeface="Times New Roman" panose="02020603050405020304" pitchFamily="18" charset="0"/>
+              </a:rPr>
+              <a:t>Display the spectrum of the filtered PIS&amp;BBN denoted as F_ PIS&amp;BBN </a:t>
+            </a:r>
+          </a:p>
+          <a:p>
+            <a:pPr marL="800100" lvl="1" indent="-342900"/>
+            <a:r>
+              <a:rPr lang="en-US" kern="100" dirty="0">
+                <a:latin typeface="Calibri" panose="020F0502020204030204" pitchFamily="34" charset="0"/>
+                <a:ea typeface="Calibri" panose="020F0502020204030204" pitchFamily="34" charset="0"/>
+                <a:cs typeface="Times New Roman" panose="02020603050405020304" pitchFamily="18" charset="0"/>
+              </a:rPr>
+              <a:t>Characterize the Signal to Noise ratio of F_ PIS&amp;BBN</a:t>
+            </a:r>
+          </a:p>
+          <a:p>
+            <a:pPr marL="342900" indent="-342900">
+              <a:buFont typeface="Arial" panose="020B0604020202020204" pitchFamily="34" charset="0"/>
+              <a:buChar char="•"/>
+            </a:pPr>
+            <a:r>
+              <a:rPr lang="en-US" kern="100" dirty="0">
+                <a:latin typeface="Calibri" panose="020F0502020204030204" pitchFamily="34" charset="0"/>
+                <a:ea typeface="Calibri" panose="020F0502020204030204" pitchFamily="34" charset="0"/>
+                <a:cs typeface="Times New Roman" panose="02020603050405020304" pitchFamily="18" charset="0"/>
+              </a:rPr>
+              <a:t>Use the Spectrum Analyzer capability or use a subtractor block to compare PIS with PIS&amp;BBN</a:t>
+            </a:r>
+          </a:p>
+          <a:p>
+            <a:pPr marL="342900" indent="-342900">
+              <a:buFont typeface="Arial" panose="020B0604020202020204" pitchFamily="34" charset="0"/>
+              <a:buChar char="•"/>
+            </a:pPr>
+            <a:r>
+              <a:rPr lang="en-US" kern="100" dirty="0">
+                <a:latin typeface="Calibri" panose="020F0502020204030204" pitchFamily="34" charset="0"/>
+                <a:ea typeface="Calibri" panose="020F0502020204030204" pitchFamily="34" charset="0"/>
+                <a:cs typeface="Times New Roman" panose="02020603050405020304" pitchFamily="18" charset="0"/>
+              </a:rPr>
+              <a:t>Summarize your findings and conclude as to the efficiency of the filtering. If you have determined that the filter is not efficient, provide an explanation as to why. Which of the 2 assigned is most capable to protect the PIS against a Broad Band noise? </a:t>
+            </a:r>
+            <a:r>
+              <a:rPr lang="en-US" kern="100" dirty="0">
+                <a:solidFill>
+                  <a:srgbClr val="FF0000"/>
+                </a:solidFill>
+                <a:latin typeface="Calibri" panose="020F0502020204030204" pitchFamily="34" charset="0"/>
+                <a:ea typeface="Calibri" panose="020F0502020204030204" pitchFamily="34" charset="0"/>
+                <a:cs typeface="Times New Roman" panose="02020603050405020304" pitchFamily="18" charset="0"/>
+              </a:rPr>
+              <a:t>This can be a few bullet points here, then discussed more in depth in report</a:t>
+            </a:r>
+            <a:endParaRPr lang="en-US" kern="100" dirty="0">
+              <a:latin typeface="Calibri" panose="020F0502020204030204" pitchFamily="34" charset="0"/>
+              <a:ea typeface="Calibri" panose="020F0502020204030204" pitchFamily="34" charset="0"/>
+              <a:cs typeface="Times New Roman" panose="02020603050405020304" pitchFamily="18" charset="0"/>
+            </a:endParaRPr>
+          </a:p>
+          <a:p>
+            <a:pPr marL="342900" indent="-342900">
+              <a:buFont typeface="Arial" panose="020B0604020202020204" pitchFamily="34" charset="0"/>
+              <a:buChar char="•"/>
+            </a:pPr>
+            <a:endParaRPr lang="en-US" kern="100" dirty="0">
+              <a:latin typeface="Calibri" panose="020F0502020204030204" pitchFamily="34" charset="0"/>
+              <a:ea typeface="Calibri" panose="020F0502020204030204" pitchFamily="34" charset="0"/>
+              <a:cs typeface="Times New Roman" panose="02020603050405020304" pitchFamily="18" charset="0"/>
+            </a:endParaRPr>
+          </a:p>
+          <a:p>
+            <a:pPr lvl="1" indent="0">
+              <a:buNone/>
+            </a:pPr>
+            <a:endParaRPr lang="en-US" kern="100" dirty="0">
+              <a:latin typeface="Calibri" panose="020F0502020204030204" pitchFamily="34" charset="0"/>
+              <a:ea typeface="Calibri" panose="020F0502020204030204" pitchFamily="34" charset="0"/>
+              <a:cs typeface="Times New Roman" panose="02020603050405020304" pitchFamily="18" charset="0"/>
+            </a:endParaRPr>
+          </a:p>
+          <a:p>
+            <a:pPr marL="342900" indent="-342900">
+              <a:buFont typeface="Arial" panose="020B0604020202020204" pitchFamily="34" charset="0"/>
+              <a:buChar char="•"/>
+            </a:pPr>
+            <a:endParaRPr lang="en-US" dirty="0"/>
+          </a:p>
+        </p:txBody>
+      </p:sp>
+    </p:spTree>
+    <p:extLst>
+      <p:ext uri="{BB962C8B-B14F-4D97-AF65-F5344CB8AC3E}">
+        <p14:creationId xmlns:p14="http://schemas.microsoft.com/office/powerpoint/2010/main" val="1814202724"/>
+      </p:ext>
+    </p:extLst>
+  </p:cSld>
+  <p:clrMapOvr>
+    <a:masterClrMapping/>
+  </p:clrMapOvr>
+</p:sld>
+</file>
+
+<file path=ppt/slides/slide21.xml><?xml version="1.0" encoding="utf-8"?>
+<p:sld xmlns:a="http://schemas.openxmlformats.org/drawingml/2006/main" xmlns:r="http://schemas.openxmlformats.org/officeDocument/2006/relationships" xmlns:p="http://schemas.openxmlformats.org/presentationml/2006/main">
+  <p:cSld>
+    <p:spTree>
+      <p:nvGrpSpPr>
+        <p:cNvPr id="1" name=""/>
+        <p:cNvGrpSpPr/>
+        <p:nvPr/>
+      </p:nvGrpSpPr>
+      <p:grpSpPr>
+        <a:xfrm>
+          <a:off x="0" y="0"/>
+          <a:ext cx="0" cy="0"/>
+          <a:chOff x="0" y="0"/>
+          <a:chExt cx="0" cy="0"/>
+        </a:xfrm>
+      </p:grpSpPr>
+      <p:sp>
+        <p:nvSpPr>
+          <p:cNvPr id="2" name="Title 1">
+            <a:extLst>
+              <a:ext uri="{FF2B5EF4-FFF2-40B4-BE49-F238E27FC236}">
+                <a16:creationId xmlns:a16="http://schemas.microsoft.com/office/drawing/2014/main" id="{6BBDFEFC-643D-1E91-F069-487F3FBAD5D1}"/>
+              </a:ext>
+            </a:extLst>
+          </p:cNvPr>
+          <p:cNvSpPr>
+            <a:spLocks noGrp="1"/>
+          </p:cNvSpPr>
+          <p:nvPr>
+            <p:ph type="title"/>
+          </p:nvPr>
+        </p:nvSpPr>
+        <p:spPr/>
+        <p:txBody>
+          <a:bodyPr/>
+          <a:lstStyle/>
+          <a:p>
+            <a:r>
+              <a:rPr lang="en-US" dirty="0"/>
+              <a:t>Activity 3 Cont.</a:t>
+            </a:r>
+          </a:p>
+        </p:txBody>
+      </p:sp>
+      <p:sp>
+        <p:nvSpPr>
+          <p:cNvPr id="3" name="Content Placeholder 2">
+            <a:extLst>
+              <a:ext uri="{FF2B5EF4-FFF2-40B4-BE49-F238E27FC236}">
+                <a16:creationId xmlns:a16="http://schemas.microsoft.com/office/drawing/2014/main" id="{C5246BD0-DF04-9EDB-6EE3-EAE913D32D0E}"/>
+              </a:ext>
+            </a:extLst>
+          </p:cNvPr>
+          <p:cNvSpPr>
+            <a:spLocks noGrp="1"/>
+          </p:cNvSpPr>
+          <p:nvPr>
+            <p:ph idx="1"/>
+          </p:nvPr>
+        </p:nvSpPr>
+        <p:spPr/>
+        <p:txBody>
+          <a:bodyPr/>
+          <a:lstStyle/>
+          <a:p>
+            <a:pPr marL="342900" indent="-342900">
+              <a:buFont typeface="Arial" panose="020B0604020202020204" pitchFamily="34" charset="0"/>
+              <a:buChar char="•"/>
+            </a:pPr>
+            <a:r>
+              <a:rPr lang="en-US" sz="2000" b="1" kern="100" dirty="0">
+                <a:latin typeface="Calibri" panose="020F0502020204030204" pitchFamily="34" charset="0"/>
+                <a:ea typeface="Calibri" panose="020F0502020204030204" pitchFamily="34" charset="0"/>
+                <a:cs typeface="Times New Roman" panose="02020603050405020304" pitchFamily="18" charset="0"/>
+              </a:rPr>
+              <a:t>Comparison of Narrow Band (NB) Broad Band (BB) Noise Filtering</a:t>
+            </a:r>
+          </a:p>
+          <a:p>
+            <a:pPr marL="800100" lvl="1" indent="-342900"/>
+            <a:r>
+              <a:rPr lang="en-US" kern="100" dirty="0">
+                <a:latin typeface="Calibri" panose="020F0502020204030204" pitchFamily="34" charset="0"/>
+                <a:ea typeface="Calibri" panose="020F0502020204030204" pitchFamily="34" charset="0"/>
+                <a:cs typeface="Times New Roman" panose="02020603050405020304" pitchFamily="18" charset="0"/>
+              </a:rPr>
+              <a:t>Which type of noise signal is the easiest to filter?</a:t>
+            </a:r>
+          </a:p>
+          <a:p>
+            <a:pPr marL="800100" lvl="1" indent="-342900"/>
+            <a:r>
+              <a:rPr lang="en-US" sz="2000" kern="100" dirty="0">
+                <a:latin typeface="Calibri" panose="020F0502020204030204" pitchFamily="34" charset="0"/>
+                <a:ea typeface="Calibri" panose="020F0502020204030204" pitchFamily="34" charset="0"/>
+                <a:cs typeface="Times New Roman" panose="02020603050405020304" pitchFamily="18" charset="0"/>
+              </a:rPr>
+              <a:t>What filter is most efficient in protecting against:</a:t>
+            </a:r>
+          </a:p>
+          <a:p>
+            <a:pPr marL="1485900" lvl="2" indent="-342900"/>
+            <a:r>
+              <a:rPr lang="en-US" kern="100" dirty="0">
+                <a:latin typeface="Calibri" panose="020F0502020204030204" pitchFamily="34" charset="0"/>
+                <a:ea typeface="Calibri" panose="020F0502020204030204" pitchFamily="34" charset="0"/>
+                <a:cs typeface="Times New Roman" panose="02020603050405020304" pitchFamily="18" charset="0"/>
+              </a:rPr>
+              <a:t>NBN</a:t>
+            </a:r>
+          </a:p>
+          <a:p>
+            <a:pPr marL="1485900" lvl="2" indent="-342900"/>
+            <a:r>
+              <a:rPr lang="en-US" sz="2000" kern="100" dirty="0">
+                <a:latin typeface="Calibri" panose="020F0502020204030204" pitchFamily="34" charset="0"/>
+                <a:ea typeface="Calibri" panose="020F0502020204030204" pitchFamily="34" charset="0"/>
+                <a:cs typeface="Times New Roman" panose="02020603050405020304" pitchFamily="18" charset="0"/>
+              </a:rPr>
+              <a:t>BBN</a:t>
+            </a:r>
+          </a:p>
+          <a:p>
+            <a:pPr marL="342900" indent="-342900">
+              <a:buFont typeface="Arial" panose="020B0604020202020204" pitchFamily="34" charset="0"/>
+              <a:buChar char="•"/>
+            </a:pPr>
+            <a:r>
+              <a:rPr lang="en-US" sz="2000" kern="100" dirty="0">
+                <a:latin typeface="Calibri" panose="020F0502020204030204" pitchFamily="34" charset="0"/>
+                <a:ea typeface="Calibri" panose="020F0502020204030204" pitchFamily="34" charset="0"/>
+                <a:cs typeface="Times New Roman" panose="02020603050405020304" pitchFamily="18" charset="0"/>
+              </a:rPr>
+              <a:t>Need to propose a redesign of the filter that will improve the Signal to Noise ratio by at least 6 dB for NBN given the noise characteristics</a:t>
+            </a:r>
+          </a:p>
+          <a:p>
+            <a:endParaRPr lang="en-US" dirty="0"/>
+          </a:p>
+        </p:txBody>
+      </p:sp>
+    </p:spTree>
+    <p:extLst>
+      <p:ext uri="{BB962C8B-B14F-4D97-AF65-F5344CB8AC3E}">
+        <p14:creationId xmlns:p14="http://schemas.microsoft.com/office/powerpoint/2010/main" val="1208810237"/>
+      </p:ext>
+    </p:extLst>
+  </p:cSld>
+  <p:clrMapOvr>
+    <a:masterClrMapping/>
+  </p:clrMapOvr>
+</p:sld>
+</file>
+
+<file path=ppt/slides/slide22.xml><?xml version="1.0" encoding="utf-8"?>
+<p:sld xmlns:a="http://schemas.openxmlformats.org/drawingml/2006/main" xmlns:r="http://schemas.openxmlformats.org/officeDocument/2006/relationships" xmlns:p="http://schemas.openxmlformats.org/presentationml/2006/main">
+  <p:cSld>
+    <p:spTree>
+      <p:nvGrpSpPr>
+        <p:cNvPr id="1" name=""/>
+        <p:cNvGrpSpPr/>
+        <p:nvPr/>
+      </p:nvGrpSpPr>
+      <p:grpSpPr>
+        <a:xfrm>
+          <a:off x="0" y="0"/>
+          <a:ext cx="0" cy="0"/>
+          <a:chOff x="0" y="0"/>
+          <a:chExt cx="0" cy="0"/>
+        </a:xfrm>
+      </p:grpSpPr>
+      <p:sp>
+        <p:nvSpPr>
+          <p:cNvPr id="2" name="Title 1">
+            <a:extLst>
+              <a:ext uri="{FF2B5EF4-FFF2-40B4-BE49-F238E27FC236}">
+                <a16:creationId xmlns:a16="http://schemas.microsoft.com/office/drawing/2014/main" id="{1AFB9272-951B-398C-8A9F-FEF6C6CD5E6C}"/>
+              </a:ext>
+            </a:extLst>
+          </p:cNvPr>
+          <p:cNvSpPr>
+            <a:spLocks noGrp="1"/>
+          </p:cNvSpPr>
+          <p:nvPr>
+            <p:ph type="title"/>
+          </p:nvPr>
+        </p:nvSpPr>
+        <p:spPr/>
+        <p:txBody>
+          <a:bodyPr>
+            <a:normAutofit/>
+          </a:bodyPr>
+          <a:lstStyle/>
+          <a:p>
+            <a:r>
+              <a:rPr lang="en-US" dirty="0"/>
+              <a:t>Filter Analysis</a:t>
+            </a:r>
+          </a:p>
+        </p:txBody>
+      </p:sp>
+      <p:sp>
+        <p:nvSpPr>
+          <p:cNvPr id="3" name="Content Placeholder 2">
+            <a:extLst>
+              <a:ext uri="{FF2B5EF4-FFF2-40B4-BE49-F238E27FC236}">
+                <a16:creationId xmlns:a16="http://schemas.microsoft.com/office/drawing/2014/main" id="{D3CABE03-8D33-52DD-2BED-E179B035D62C}"/>
+              </a:ext>
+            </a:extLst>
+          </p:cNvPr>
+          <p:cNvSpPr>
+            <a:spLocks noGrp="1"/>
+          </p:cNvSpPr>
+          <p:nvPr>
+            <p:ph sz="half" idx="1"/>
+          </p:nvPr>
+        </p:nvSpPr>
+        <p:spPr/>
+        <p:txBody>
+          <a:bodyPr/>
+          <a:lstStyle/>
+          <a:p>
+            <a:endParaRPr lang="en-US" dirty="0"/>
+          </a:p>
+        </p:txBody>
+      </p:sp>
+      <p:pic>
+        <p:nvPicPr>
+          <p:cNvPr id="6" name="Picture 5">
+            <a:extLst>
+              <a:ext uri="{FF2B5EF4-FFF2-40B4-BE49-F238E27FC236}">
+                <a16:creationId xmlns:a16="http://schemas.microsoft.com/office/drawing/2014/main" id="{668EE9C6-A354-9AD4-B0FD-43665948DD98}"/>
+              </a:ext>
+            </a:extLst>
+          </p:cNvPr>
+          <p:cNvPicPr>
+            <a:picLocks noChangeAspect="1"/>
+          </p:cNvPicPr>
+          <p:nvPr/>
+        </p:nvPicPr>
+        <p:blipFill>
+          <a:blip r:embed="rId2"/>
+          <a:stretch>
+            <a:fillRect/>
+          </a:stretch>
+        </p:blipFill>
+        <p:spPr>
+          <a:xfrm>
+            <a:off x="4548554" y="152718"/>
+            <a:ext cx="4138246" cy="2300864"/>
+          </a:xfrm>
+          <a:prstGeom prst="rect">
+            <a:avLst/>
+          </a:prstGeom>
+        </p:spPr>
+      </p:pic>
+    </p:spTree>
+    <p:extLst>
+      <p:ext uri="{BB962C8B-B14F-4D97-AF65-F5344CB8AC3E}">
+        <p14:creationId xmlns:p14="http://schemas.microsoft.com/office/powerpoint/2010/main" val="2163035646"/>
+      </p:ext>
+    </p:extLst>
+  </p:cSld>
+  <p:clrMapOvr>
+    <a:masterClrMapping/>
+  </p:clrMapOvr>
+</p:sld>
+</file>
+
+<file path=ppt/slides/slide3.xml><?xml version="1.0" encoding="utf-8"?>
+<p:sld xmlns:a="http://schemas.openxmlformats.org/drawingml/2006/main" xmlns:r="http://schemas.openxmlformats.org/officeDocument/2006/relationships" xmlns:p="http://schemas.openxmlformats.org/presentationml/2006/main">
+  <p:cSld>
+    <p:spTree>
+      <p:nvGrpSpPr>
+        <p:cNvPr id="1" name=""/>
+        <p:cNvGrpSpPr/>
+        <p:nvPr/>
+      </p:nvGrpSpPr>
+      <p:grpSpPr>
+        <a:xfrm>
+          <a:off x="0" y="0"/>
+          <a:ext cx="0" cy="0"/>
+          <a:chOff x="0" y="0"/>
+          <a:chExt cx="0" cy="0"/>
+        </a:xfrm>
+      </p:grpSpPr>
+      <p:sp>
+        <p:nvSpPr>
+          <p:cNvPr id="2" name="Title 1">
+            <a:extLst>
+              <a:ext uri="{FF2B5EF4-FFF2-40B4-BE49-F238E27FC236}">
+                <a16:creationId xmlns:a16="http://schemas.microsoft.com/office/drawing/2014/main" id="{BE7560B2-2EF5-FA60-94F3-F5BB21FB0E9E}"/>
+              </a:ext>
+            </a:extLst>
+          </p:cNvPr>
+          <p:cNvSpPr>
+            <a:spLocks noGrp="1"/>
+          </p:cNvSpPr>
+          <p:nvPr>
+            <p:ph type="title"/>
+          </p:nvPr>
+        </p:nvSpPr>
+        <p:spPr/>
+        <p:txBody>
+          <a:bodyPr/>
+          <a:lstStyle/>
+          <a:p>
+            <a:r>
+              <a:rPr lang="en-US" dirty="0"/>
+              <a:t>High Pass Filter Requirements and Layout</a:t>
+            </a:r>
+          </a:p>
+        </p:txBody>
+      </p:sp>
+      <p:graphicFrame>
+        <p:nvGraphicFramePr>
+          <p:cNvPr id="5" name="Table 4">
+            <a:extLst>
+              <a:ext uri="{FF2B5EF4-FFF2-40B4-BE49-F238E27FC236}">
+                <a16:creationId xmlns:a16="http://schemas.microsoft.com/office/drawing/2014/main" id="{B0966E2F-2FD0-F453-D0EC-1ADC928289E9}"/>
+              </a:ext>
+            </a:extLst>
+          </p:cNvPr>
+          <p:cNvGraphicFramePr>
+            <a:graphicFrameLocks noGrp="1"/>
+          </p:cNvGraphicFramePr>
+          <p:nvPr>
+            <p:extLst>
+              <p:ext uri="{D42A27DB-BD31-4B8C-83A1-F6EECF244321}">
+                <p14:modId xmlns:p14="http://schemas.microsoft.com/office/powerpoint/2010/main" val="1005226577"/>
+              </p:ext>
+            </p:extLst>
+          </p:nvPr>
+        </p:nvGraphicFramePr>
+        <p:xfrm>
+          <a:off x="838199" y="790099"/>
+          <a:ext cx="7467600" cy="741680"/>
+        </p:xfrm>
+        <a:graphic>
+          <a:graphicData uri="http://schemas.openxmlformats.org/drawingml/2006/table">
+            <a:tbl>
+              <a:tblPr firstRow="1" bandRow="1">
+                <a:tableStyleId>{5C22544A-7EE6-4342-B048-85BDC9FD1C3A}</a:tableStyleId>
+              </a:tblPr>
+              <a:tblGrid>
+                <a:gridCol w="2489200">
+                  <a:extLst>
+                    <a:ext uri="{9D8B030D-6E8A-4147-A177-3AD203B41FA5}">
+                      <a16:colId xmlns:a16="http://schemas.microsoft.com/office/drawing/2014/main" val="282431796"/>
+                    </a:ext>
+                  </a:extLst>
+                </a:gridCol>
+                <a:gridCol w="2489200">
+                  <a:extLst>
+                    <a:ext uri="{9D8B030D-6E8A-4147-A177-3AD203B41FA5}">
+                      <a16:colId xmlns:a16="http://schemas.microsoft.com/office/drawing/2014/main" val="3902038815"/>
+                    </a:ext>
+                  </a:extLst>
+                </a:gridCol>
+                <a:gridCol w="2489200">
+                  <a:extLst>
+                    <a:ext uri="{9D8B030D-6E8A-4147-A177-3AD203B41FA5}">
+                      <a16:colId xmlns:a16="http://schemas.microsoft.com/office/drawing/2014/main" val="2546818809"/>
+                    </a:ext>
+                  </a:extLst>
+                </a:gridCol>
+              </a:tblGrid>
+              <a:tr h="370840">
+                <a:tc>
+                  <a:txBody>
+                    <a:bodyPr/>
+                    <a:lstStyle/>
+                    <a:p>
+                      <a:r>
+                        <a:rPr lang="en-US" dirty="0"/>
+                        <a:t>Corner Frequency</a:t>
+                      </a:r>
+                    </a:p>
+                  </a:txBody>
+                  <a:tcPr/>
+                </a:tc>
+                <a:tc>
+                  <a:txBody>
+                    <a:bodyPr/>
+                    <a:lstStyle/>
+                    <a:p>
+                      <a:r>
+                        <a:rPr lang="en-US" dirty="0"/>
+                        <a:t>Roll Off</a:t>
+                      </a:r>
+                    </a:p>
+                  </a:txBody>
+                  <a:tcPr/>
+                </a:tc>
+                <a:tc>
+                  <a:txBody>
+                    <a:bodyPr/>
+                    <a:lstStyle/>
+                    <a:p>
+                      <a:r>
+                        <a:rPr lang="en-US" dirty="0"/>
+                        <a:t>Ripple</a:t>
+                      </a:r>
+                    </a:p>
+                  </a:txBody>
+                  <a:tcPr/>
+                </a:tc>
+                <a:extLst>
+                  <a:ext uri="{0D108BD9-81ED-4DB2-BD59-A6C34878D82A}">
+                    <a16:rowId xmlns:a16="http://schemas.microsoft.com/office/drawing/2014/main" val="4084855753"/>
+                  </a:ext>
+                </a:extLst>
+              </a:tr>
+              <a:tr h="370840">
+                <a:tc>
+                  <a:txBody>
+                    <a:bodyPr/>
+                    <a:lstStyle/>
+                    <a:p>
+                      <a:r>
+                        <a:rPr lang="en-US" dirty="0"/>
+                        <a:t>20 Hz</a:t>
+                      </a:r>
+                    </a:p>
+                  </a:txBody>
+                  <a:tcPr/>
+                </a:tc>
+                <a:tc>
+                  <a:txBody>
+                    <a:bodyPr/>
+                    <a:lstStyle/>
+                    <a:p>
+                      <a:r>
+                        <a:rPr lang="en-US" dirty="0"/>
+                        <a:t>+40 dB</a:t>
+                      </a:r>
+                    </a:p>
+                  </a:txBody>
+                  <a:tcPr/>
+                </a:tc>
+                <a:tc>
+                  <a:txBody>
+                    <a:bodyPr/>
+                    <a:lstStyle/>
+                    <a:p>
+                      <a:r>
+                        <a:rPr lang="en-US" dirty="0"/>
+                        <a:t>0.25 dB</a:t>
+                      </a:r>
+                    </a:p>
+                  </a:txBody>
+                  <a:tcPr/>
+                </a:tc>
+                <a:extLst>
+                  <a:ext uri="{0D108BD9-81ED-4DB2-BD59-A6C34878D82A}">
+                    <a16:rowId xmlns:a16="http://schemas.microsoft.com/office/drawing/2014/main" val="1814632874"/>
+                  </a:ext>
+                </a:extLst>
+              </a:tr>
+            </a:tbl>
+          </a:graphicData>
+        </a:graphic>
+      </p:graphicFrame>
+      <p:pic>
+        <p:nvPicPr>
+          <p:cNvPr id="4" name="Picture 3">
+            <a:extLst>
+              <a:ext uri="{FF2B5EF4-FFF2-40B4-BE49-F238E27FC236}">
+                <a16:creationId xmlns:a16="http://schemas.microsoft.com/office/drawing/2014/main" id="{201A20CC-940F-BAD4-56FB-37C83923CAEA}"/>
+              </a:ext>
+            </a:extLst>
+          </p:cNvPr>
+          <p:cNvPicPr>
+            <a:picLocks noChangeAspect="1"/>
+          </p:cNvPicPr>
+          <p:nvPr/>
+        </p:nvPicPr>
+        <p:blipFill>
+          <a:blip r:embed="rId2"/>
+          <a:stretch>
+            <a:fillRect/>
+          </a:stretch>
+        </p:blipFill>
+        <p:spPr>
+          <a:xfrm>
+            <a:off x="457200" y="1828800"/>
+            <a:ext cx="5030379" cy="4465542"/>
+          </a:xfrm>
+          <a:prstGeom prst="rect">
+            <a:avLst/>
+          </a:prstGeom>
+        </p:spPr>
+      </p:pic>
+      <p:pic>
+        <p:nvPicPr>
+          <p:cNvPr id="7" name="Picture 6">
+            <a:extLst>
+              <a:ext uri="{FF2B5EF4-FFF2-40B4-BE49-F238E27FC236}">
+                <a16:creationId xmlns:a16="http://schemas.microsoft.com/office/drawing/2014/main" id="{35D95167-D3B4-0562-845B-8C43004E44EC}"/>
+              </a:ext>
+            </a:extLst>
+          </p:cNvPr>
+          <p:cNvPicPr>
+            <a:picLocks noChangeAspect="1"/>
+          </p:cNvPicPr>
+          <p:nvPr/>
+        </p:nvPicPr>
+        <p:blipFill>
+          <a:blip r:embed="rId3"/>
+          <a:stretch>
+            <a:fillRect/>
+          </a:stretch>
+        </p:blipFill>
+        <p:spPr>
+          <a:xfrm>
+            <a:off x="5521992" y="2514600"/>
+            <a:ext cx="3434894" cy="3124200"/>
+          </a:xfrm>
+          <a:prstGeom prst="rect">
+            <a:avLst/>
+          </a:prstGeom>
+        </p:spPr>
+      </p:pic>
+    </p:spTree>
+    <p:extLst>
+      <p:ext uri="{BB962C8B-B14F-4D97-AF65-F5344CB8AC3E}">
+        <p14:creationId xmlns:p14="http://schemas.microsoft.com/office/powerpoint/2010/main" val="1276224201"/>
+      </p:ext>
+    </p:extLst>
+  </p:cSld>
+  <p:clrMapOvr>
+    <a:masterClrMapping/>
+  </p:clrMapOvr>
+</p:sld>
+</file>
+
+<file path=ppt/slides/slide4.xml><?xml version="1.0" encoding="utf-8"?>
+<p:sld xmlns:a="http://schemas.openxmlformats.org/drawingml/2006/main" xmlns:r="http://schemas.openxmlformats.org/officeDocument/2006/relationships" xmlns:p="http://schemas.openxmlformats.org/presentationml/2006/main">
+  <p:cSld>
+    <p:spTree>
+      <p:nvGrpSpPr>
+        <p:cNvPr id="1" name=""/>
+        <p:cNvGrpSpPr/>
+        <p:nvPr/>
+      </p:nvGrpSpPr>
+      <p:grpSpPr>
+        <a:xfrm>
+          <a:off x="0" y="0"/>
+          <a:ext cx="0" cy="0"/>
+          <a:chOff x="0" y="0"/>
+          <a:chExt cx="0" cy="0"/>
+        </a:xfrm>
+      </p:grpSpPr>
+      <p:sp>
+        <p:nvSpPr>
+          <p:cNvPr id="2" name="Title 1">
+            <a:extLst>
+              <a:ext uri="{FF2B5EF4-FFF2-40B4-BE49-F238E27FC236}">
+                <a16:creationId xmlns:a16="http://schemas.microsoft.com/office/drawing/2014/main" id="{4331C5E2-2981-FCFE-4D0E-8A68A8EA3E66}"/>
+              </a:ext>
+            </a:extLst>
+          </p:cNvPr>
+          <p:cNvSpPr>
+            <a:spLocks noGrp="1"/>
+          </p:cNvSpPr>
+          <p:nvPr>
+            <p:ph type="title"/>
+          </p:nvPr>
+        </p:nvSpPr>
+        <p:spPr/>
+        <p:txBody>
+          <a:bodyPr/>
+          <a:lstStyle/>
+          <a:p>
+            <a:r>
+              <a:rPr lang="en-US" dirty="0"/>
+              <a:t>Band Pass Filter Requirements and Layout</a:t>
+            </a:r>
+          </a:p>
+        </p:txBody>
+      </p:sp>
+      <p:graphicFrame>
+        <p:nvGraphicFramePr>
+          <p:cNvPr id="4" name="Table 3">
+            <a:extLst>
+              <a:ext uri="{FF2B5EF4-FFF2-40B4-BE49-F238E27FC236}">
+                <a16:creationId xmlns:a16="http://schemas.microsoft.com/office/drawing/2014/main" id="{4946EA46-6B40-8A48-1653-01C72F823021}"/>
+              </a:ext>
+            </a:extLst>
+          </p:cNvPr>
+          <p:cNvGraphicFramePr>
+            <a:graphicFrameLocks noGrp="1"/>
+          </p:cNvGraphicFramePr>
+          <p:nvPr>
+            <p:extLst>
+              <p:ext uri="{D42A27DB-BD31-4B8C-83A1-F6EECF244321}">
+                <p14:modId xmlns:p14="http://schemas.microsoft.com/office/powerpoint/2010/main" val="1570622846"/>
+              </p:ext>
+            </p:extLst>
+          </p:nvPr>
+        </p:nvGraphicFramePr>
+        <p:xfrm>
+          <a:off x="838199" y="838200"/>
+          <a:ext cx="7467600" cy="741680"/>
+        </p:xfrm>
+        <a:graphic>
+          <a:graphicData uri="http://schemas.openxmlformats.org/drawingml/2006/table">
+            <a:tbl>
+              <a:tblPr firstRow="1" bandRow="1">
+                <a:tableStyleId>{5C22544A-7EE6-4342-B048-85BDC9FD1C3A}</a:tableStyleId>
+              </a:tblPr>
+              <a:tblGrid>
+                <a:gridCol w="2489200">
+                  <a:extLst>
+                    <a:ext uri="{9D8B030D-6E8A-4147-A177-3AD203B41FA5}">
+                      <a16:colId xmlns:a16="http://schemas.microsoft.com/office/drawing/2014/main" val="282431796"/>
+                    </a:ext>
+                  </a:extLst>
+                </a:gridCol>
+                <a:gridCol w="2489200">
+                  <a:extLst>
+                    <a:ext uri="{9D8B030D-6E8A-4147-A177-3AD203B41FA5}">
+                      <a16:colId xmlns:a16="http://schemas.microsoft.com/office/drawing/2014/main" val="3902038815"/>
+                    </a:ext>
+                  </a:extLst>
+                </a:gridCol>
+                <a:gridCol w="2489200">
+                  <a:extLst>
+                    <a:ext uri="{9D8B030D-6E8A-4147-A177-3AD203B41FA5}">
+                      <a16:colId xmlns:a16="http://schemas.microsoft.com/office/drawing/2014/main" val="2546818809"/>
+                    </a:ext>
+                  </a:extLst>
+                </a:gridCol>
+              </a:tblGrid>
+              <a:tr h="370840">
+                <a:tc>
+                  <a:txBody>
+                    <a:bodyPr/>
+                    <a:lstStyle/>
+                    <a:p>
+                      <a:r>
+                        <a:rPr lang="en-US" dirty="0"/>
+                        <a:t>Corner Frequency</a:t>
+                      </a:r>
+                    </a:p>
+                  </a:txBody>
+                  <a:tcPr/>
+                </a:tc>
+                <a:tc>
+                  <a:txBody>
+                    <a:bodyPr/>
+                    <a:lstStyle/>
+                    <a:p>
+                      <a:r>
+                        <a:rPr lang="en-US" dirty="0"/>
+                        <a:t>Roll Off</a:t>
+                      </a:r>
+                    </a:p>
+                  </a:txBody>
+                  <a:tcPr/>
+                </a:tc>
+                <a:tc>
+                  <a:txBody>
+                    <a:bodyPr/>
+                    <a:lstStyle/>
+                    <a:p>
+                      <a:r>
+                        <a:rPr lang="en-US" dirty="0"/>
+                        <a:t>Ripple</a:t>
+                      </a:r>
+                    </a:p>
+                  </a:txBody>
+                  <a:tcPr/>
+                </a:tc>
+                <a:extLst>
+                  <a:ext uri="{0D108BD9-81ED-4DB2-BD59-A6C34878D82A}">
+                    <a16:rowId xmlns:a16="http://schemas.microsoft.com/office/drawing/2014/main" val="4084855753"/>
+                  </a:ext>
+                </a:extLst>
+              </a:tr>
+              <a:tr h="370840">
+                <a:tc>
+                  <a:txBody>
+                    <a:bodyPr/>
+                    <a:lstStyle/>
+                    <a:p>
+                      <a:r>
+                        <a:rPr lang="en-US" dirty="0"/>
+                        <a:t>20 Hz</a:t>
+                      </a:r>
+                    </a:p>
+                  </a:txBody>
+                  <a:tcPr/>
+                </a:tc>
+                <a:tc>
+                  <a:txBody>
+                    <a:bodyPr/>
+                    <a:lstStyle/>
+                    <a:p>
+                      <a:r>
+                        <a:rPr lang="en-US" dirty="0"/>
+                        <a:t>+40 dB</a:t>
+                      </a:r>
+                    </a:p>
+                  </a:txBody>
+                  <a:tcPr/>
+                </a:tc>
+                <a:tc>
+                  <a:txBody>
+                    <a:bodyPr/>
+                    <a:lstStyle/>
+                    <a:p>
+                      <a:r>
+                        <a:rPr lang="en-US" dirty="0"/>
+                        <a:t>0.25 dB</a:t>
+                      </a:r>
+                    </a:p>
+                  </a:txBody>
+                  <a:tcPr/>
+                </a:tc>
+                <a:extLst>
+                  <a:ext uri="{0D108BD9-81ED-4DB2-BD59-A6C34878D82A}">
+                    <a16:rowId xmlns:a16="http://schemas.microsoft.com/office/drawing/2014/main" val="1814632874"/>
+                  </a:ext>
+                </a:extLst>
+              </a:tr>
+            </a:tbl>
+          </a:graphicData>
+        </a:graphic>
+      </p:graphicFrame>
+      <p:pic>
+        <p:nvPicPr>
+          <p:cNvPr id="5" name="Picture 4">
+            <a:extLst>
+              <a:ext uri="{FF2B5EF4-FFF2-40B4-BE49-F238E27FC236}">
+                <a16:creationId xmlns:a16="http://schemas.microsoft.com/office/drawing/2014/main" id="{7B0F6806-3C1D-C4E1-A6A8-2F6184786301}"/>
+              </a:ext>
+            </a:extLst>
+          </p:cNvPr>
+          <p:cNvPicPr>
+            <a:picLocks noChangeAspect="1"/>
+          </p:cNvPicPr>
+          <p:nvPr/>
+        </p:nvPicPr>
+        <p:blipFill>
+          <a:blip r:embed="rId2"/>
+          <a:stretch>
+            <a:fillRect/>
+          </a:stretch>
+        </p:blipFill>
+        <p:spPr>
+          <a:xfrm>
+            <a:off x="609600" y="1716722"/>
+            <a:ext cx="4183171" cy="4603590"/>
+          </a:xfrm>
+          <a:prstGeom prst="rect">
+            <a:avLst/>
+          </a:prstGeom>
+        </p:spPr>
+      </p:pic>
+      <p:pic>
+        <p:nvPicPr>
+          <p:cNvPr id="9" name="Picture 8">
+            <a:extLst>
+              <a:ext uri="{FF2B5EF4-FFF2-40B4-BE49-F238E27FC236}">
+                <a16:creationId xmlns:a16="http://schemas.microsoft.com/office/drawing/2014/main" id="{18261921-997C-8144-A3B0-E33C9503EE2F}"/>
+              </a:ext>
+            </a:extLst>
+          </p:cNvPr>
+          <p:cNvPicPr>
+            <a:picLocks noChangeAspect="1"/>
+          </p:cNvPicPr>
+          <p:nvPr/>
+        </p:nvPicPr>
+        <p:blipFill rotWithShape="1">
+          <a:blip r:embed="rId3"/>
+          <a:srcRect r="7827"/>
+          <a:stretch/>
+        </p:blipFill>
+        <p:spPr>
+          <a:xfrm>
+            <a:off x="5097480" y="2006699"/>
+            <a:ext cx="3589320" cy="4023635"/>
+          </a:xfrm>
+          <a:prstGeom prst="rect">
+            <a:avLst/>
+          </a:prstGeom>
+        </p:spPr>
+      </p:pic>
+    </p:spTree>
+    <p:extLst>
+      <p:ext uri="{BB962C8B-B14F-4D97-AF65-F5344CB8AC3E}">
+        <p14:creationId xmlns:p14="http://schemas.microsoft.com/office/powerpoint/2010/main" val="3360678782"/>
+      </p:ext>
+    </p:extLst>
+  </p:cSld>
+  <p:clrMapOvr>
+    <a:masterClrMapping/>
+  </p:clrMapOvr>
+</p:sld>
+</file>
+
+<file path=ppt/slides/slide5.xml><?xml version="1.0" encoding="utf-8"?>
+<p:sld xmlns:a="http://schemas.openxmlformats.org/drawingml/2006/main" xmlns:r="http://schemas.openxmlformats.org/officeDocument/2006/relationships" xmlns:p="http://schemas.openxmlformats.org/presentationml/2006/main">
+  <p:cSld>
+    <p:spTree>
+      <p:nvGrpSpPr>
+        <p:cNvPr id="1" name=""/>
+        <p:cNvGrpSpPr/>
+        <p:nvPr/>
+      </p:nvGrpSpPr>
+      <p:grpSpPr>
+        <a:xfrm>
+          <a:off x="0" y="0"/>
+          <a:ext cx="0" cy="0"/>
+          <a:chOff x="0" y="0"/>
+          <a:chExt cx="0" cy="0"/>
+        </a:xfrm>
+      </p:grpSpPr>
+      <p:sp>
+        <p:nvSpPr>
+          <p:cNvPr id="2" name="Title 1">
+            <a:extLst>
+              <a:ext uri="{FF2B5EF4-FFF2-40B4-BE49-F238E27FC236}">
+                <a16:creationId xmlns:a16="http://schemas.microsoft.com/office/drawing/2014/main" id="{561B0710-5705-7BAA-1ED3-990CFF57DEEC}"/>
+              </a:ext>
+            </a:extLst>
+          </p:cNvPr>
+          <p:cNvSpPr>
+            <a:spLocks noGrp="1"/>
+          </p:cNvSpPr>
+          <p:nvPr>
+            <p:ph type="title"/>
+          </p:nvPr>
+        </p:nvSpPr>
+        <p:spPr/>
+        <p:txBody>
+          <a:bodyPr/>
+          <a:lstStyle/>
+          <a:p>
+            <a:r>
+              <a:rPr lang="en-US" dirty="0"/>
+              <a:t>Activity 2</a:t>
+            </a:r>
+          </a:p>
+        </p:txBody>
+      </p:sp>
+      <mc:AlternateContent xmlns:mc="http://schemas.openxmlformats.org/markup-compatibility/2006">
+        <mc:Choice xmlns:a14="http://schemas.microsoft.com/office/drawing/2010/main" Requires="a14">
+          <p:sp>
+            <p:nvSpPr>
+              <p:cNvPr id="3" name="Content Placeholder 2">
+                <a:extLst>
+                  <a:ext uri="{FF2B5EF4-FFF2-40B4-BE49-F238E27FC236}">
+                    <a16:creationId xmlns:a16="http://schemas.microsoft.com/office/drawing/2014/main" id="{FF90A426-9216-4A23-A49F-4450E6D167F7}"/>
+                  </a:ext>
+                </a:extLst>
+              </p:cNvPr>
+              <p:cNvSpPr>
+                <a:spLocks noGrp="1"/>
+              </p:cNvSpPr>
+              <p:nvPr>
+                <p:ph idx="1"/>
+              </p:nvPr>
+            </p:nvSpPr>
+            <p:spPr/>
+            <p:txBody>
+              <a:bodyPr/>
+              <a:lstStyle/>
+              <a:p>
+                <a:r>
+                  <a:rPr lang="en-US" dirty="0"/>
+                  <a:t>Filter Performance</a:t>
+                </a:r>
+              </a:p>
+              <a:p>
+                <a:pPr marL="342900" indent="-342900">
+                  <a:buFont typeface="Arial" panose="020B0604020202020204" pitchFamily="34" charset="0"/>
+                  <a:buChar char="•"/>
+                </a:pPr>
+                <a:r>
+                  <a:rPr lang="en-US" dirty="0"/>
+                  <a:t>Plot the magnitude </a:t>
+                </a:r>
+                <a14:m>
+                  <m:oMath xmlns:m="http://schemas.openxmlformats.org/officeDocument/2006/math">
+                    <m:d>
+                      <m:dPr>
+                        <m:begChr m:val="|"/>
+                        <m:endChr m:val="|"/>
+                        <m:ctrlPr>
+                          <a:rPr lang="en-US" sz="2000" i="1" smtClean="0">
+                            <a:latin typeface="Cambria Math" panose="02040503050406030204" pitchFamily="18" charset="0"/>
+                          </a:rPr>
+                        </m:ctrlPr>
+                      </m:dPr>
+                      <m:e>
+                        <m:r>
+                          <a:rPr lang="en-US" sz="2000" b="0" i="1" smtClean="0">
+                            <a:latin typeface="Cambria Math" panose="02040503050406030204" pitchFamily="18" charset="0"/>
+                          </a:rPr>
+                          <m:t>𝐻</m:t>
+                        </m:r>
+                        <m:r>
+                          <a:rPr lang="en-US" sz="2000" b="0" i="1" smtClean="0">
+                            <a:latin typeface="Cambria Math" panose="02040503050406030204" pitchFamily="18" charset="0"/>
+                          </a:rPr>
+                          <m:t>(</m:t>
+                        </m:r>
+                        <m:r>
+                          <a:rPr lang="en-US" sz="2000" b="0" i="1" smtClean="0">
+                            <a:latin typeface="Cambria Math" panose="02040503050406030204" pitchFamily="18" charset="0"/>
+                          </a:rPr>
+                          <m:t>𝑓</m:t>
+                        </m:r>
+                        <m:r>
+                          <a:rPr lang="en-US" sz="2000" b="0" i="1" smtClean="0">
+                            <a:latin typeface="Cambria Math" panose="02040503050406030204" pitchFamily="18" charset="0"/>
+                          </a:rPr>
+                          <m:t>)</m:t>
+                        </m:r>
+                      </m:e>
+                    </m:d>
+                  </m:oMath>
+                </a14:m>
+                <a:r>
+                  <a:rPr lang="en-US" dirty="0"/>
+                  <a:t> of the filter’s transfer function by:</a:t>
+                </a:r>
+              </a:p>
+              <a:p>
+                <a:pPr marL="800100" lvl="1" indent="-342900"/>
+                <a:r>
+                  <a:rPr lang="en-US" dirty="0"/>
+                  <a:t>Calculating the ratio of output amplitude to input amplitude in dB</a:t>
+                </a:r>
+              </a:p>
+              <a:p>
+                <a:pPr marL="800100" lvl="1" indent="-342900"/>
+                <a:endParaRPr lang="en-US" dirty="0"/>
+              </a:p>
+              <a:p>
+                <a:pPr lvl="1" indent="0">
+                  <a:buNone/>
+                </a:pPr>
+                <a:endParaRPr lang="en-US" dirty="0"/>
+              </a:p>
+            </p:txBody>
+          </p:sp>
+        </mc:Choice>
+        <mc:Fallback>
+          <p:sp>
+            <p:nvSpPr>
+              <p:cNvPr id="3" name="Content Placeholder 2">
+                <a:extLst>
+                  <a:ext uri="{FF2B5EF4-FFF2-40B4-BE49-F238E27FC236}">
+                    <a16:creationId xmlns:a16="http://schemas.microsoft.com/office/drawing/2014/main" id="{FF90A426-9216-4A23-A49F-4450E6D167F7}"/>
+                  </a:ext>
+                </a:extLst>
+              </p:cNvPr>
+              <p:cNvSpPr>
+                <a:spLocks noGrp="1" noRot="1" noChangeAspect="1" noMove="1" noResize="1" noEditPoints="1" noAdjustHandles="1" noChangeArrowheads="1" noChangeShapeType="1" noTextEdit="1"/>
+              </p:cNvSpPr>
+              <p:nvPr>
+                <p:ph idx="1"/>
+              </p:nvPr>
+            </p:nvSpPr>
+            <p:spPr>
+              <a:blipFill>
+                <a:blip r:embed="rId2"/>
+                <a:stretch>
+                  <a:fillRect l="-741" t="-444" r="-74"/>
+                </a:stretch>
+              </a:blipFill>
+            </p:spPr>
+            <p:txBody>
+              <a:bodyPr/>
+              <a:lstStyle/>
+              <a:p>
+                <a:r>
+                  <a:rPr lang="en-US">
+                    <a:noFill/>
+                  </a:rPr>
+                  <a:t> </a:t>
+                </a:r>
+              </a:p>
+            </p:txBody>
+          </p:sp>
+        </mc:Fallback>
+      </mc:AlternateContent>
+    </p:spTree>
+    <p:extLst>
+      <p:ext uri="{BB962C8B-B14F-4D97-AF65-F5344CB8AC3E}">
+        <p14:creationId xmlns:p14="http://schemas.microsoft.com/office/powerpoint/2010/main" val="16199144"/>
+      </p:ext>
+    </p:extLst>
+  </p:cSld>
+  <p:clrMapOvr>
+    <a:masterClrMapping/>
+  </p:clrMapOvr>
+</p:sld>
+</file>
+
+<file path=ppt/slides/slide6.xml><?xml version="1.0" encoding="utf-8"?>
+<p:sld xmlns:a="http://schemas.openxmlformats.org/drawingml/2006/main" xmlns:r="http://schemas.openxmlformats.org/officeDocument/2006/relationships" xmlns:p="http://schemas.openxmlformats.org/presentationml/2006/main">
+  <p:cSld>
+    <p:spTree>
+      <p:nvGrpSpPr>
+        <p:cNvPr id="1" name=""/>
+        <p:cNvGrpSpPr/>
+        <p:nvPr/>
+      </p:nvGrpSpPr>
+      <p:grpSpPr>
+        <a:xfrm>
+          <a:off x="0" y="0"/>
+          <a:ext cx="0" cy="0"/>
+          <a:chOff x="0" y="0"/>
+          <a:chExt cx="0" cy="0"/>
+        </a:xfrm>
+      </p:grpSpPr>
+      <p:pic>
+        <p:nvPicPr>
+          <p:cNvPr id="5" name="Picture 4">
+            <a:extLst>
+              <a:ext uri="{FF2B5EF4-FFF2-40B4-BE49-F238E27FC236}">
+                <a16:creationId xmlns:a16="http://schemas.microsoft.com/office/drawing/2014/main" id="{0CEB10C3-94EC-F983-486B-9E1CC639805D}"/>
+              </a:ext>
+            </a:extLst>
+          </p:cNvPr>
+          <p:cNvPicPr>
+            <a:picLocks noChangeAspect="1"/>
+          </p:cNvPicPr>
+          <p:nvPr/>
+        </p:nvPicPr>
+        <p:blipFill>
+          <a:blip r:embed="rId2"/>
+          <a:stretch>
+            <a:fillRect/>
+          </a:stretch>
+        </p:blipFill>
+        <p:spPr>
+          <a:xfrm>
+            <a:off x="2590798" y="58649"/>
+            <a:ext cx="6007617" cy="3402307"/>
+          </a:xfrm>
+          <a:prstGeom prst="rect">
+            <a:avLst/>
+          </a:prstGeom>
+        </p:spPr>
+      </p:pic>
+      <p:pic>
+        <p:nvPicPr>
+          <p:cNvPr id="6" name="Picture 5">
+            <a:extLst>
+              <a:ext uri="{FF2B5EF4-FFF2-40B4-BE49-F238E27FC236}">
+                <a16:creationId xmlns:a16="http://schemas.microsoft.com/office/drawing/2014/main" id="{86EDB607-4E9E-099F-CE17-95A3D969C591}"/>
+              </a:ext>
+            </a:extLst>
+          </p:cNvPr>
+          <p:cNvPicPr>
+            <a:picLocks noChangeAspect="1"/>
+          </p:cNvPicPr>
+          <p:nvPr/>
+        </p:nvPicPr>
+        <p:blipFill>
+          <a:blip r:embed="rId3"/>
+          <a:stretch>
+            <a:fillRect/>
+          </a:stretch>
+        </p:blipFill>
+        <p:spPr>
+          <a:xfrm>
+            <a:off x="2590799" y="3460956"/>
+            <a:ext cx="6007617" cy="3351688"/>
+          </a:xfrm>
+          <a:prstGeom prst="rect">
+            <a:avLst/>
+          </a:prstGeom>
+        </p:spPr>
+      </p:pic>
+      <p:sp>
+        <p:nvSpPr>
+          <p:cNvPr id="7" name="TextBox 6">
+            <a:extLst>
+              <a:ext uri="{FF2B5EF4-FFF2-40B4-BE49-F238E27FC236}">
+                <a16:creationId xmlns:a16="http://schemas.microsoft.com/office/drawing/2014/main" id="{7D8335A6-8627-D84E-AD2F-6B304E70FD0F}"/>
+              </a:ext>
+            </a:extLst>
+          </p:cNvPr>
+          <p:cNvSpPr txBox="1"/>
+          <p:nvPr/>
+        </p:nvSpPr>
+        <p:spPr>
+          <a:xfrm>
+            <a:off x="609600" y="2286000"/>
+            <a:ext cx="1371600" cy="369332"/>
+          </a:xfrm>
+          <a:prstGeom prst="rect">
+            <a:avLst/>
+          </a:prstGeom>
+          <a:noFill/>
+        </p:spPr>
+        <p:txBody>
+          <a:bodyPr wrap="square" rtlCol="0">
+            <a:spAutoFit/>
+          </a:bodyPr>
+          <a:lstStyle/>
+          <a:p>
+            <a:r>
+              <a:rPr lang="en-US" b="0" i="1" dirty="0">
+                <a:solidFill>
+                  <a:schemeClr val="accent3"/>
+                </a:solidFill>
+                <a:latin typeface="Cambria Math"/>
+              </a:rPr>
+              <a:t>10 Hz</a:t>
+            </a:r>
+          </a:p>
+        </p:txBody>
+      </p:sp>
+    </p:spTree>
+    <p:extLst>
+      <p:ext uri="{BB962C8B-B14F-4D97-AF65-F5344CB8AC3E}">
+        <p14:creationId xmlns:p14="http://schemas.microsoft.com/office/powerpoint/2010/main" val="3381277891"/>
+      </p:ext>
+    </p:extLst>
+  </p:cSld>
+  <p:clrMapOvr>
+    <a:masterClrMapping/>
+  </p:clrMapOvr>
+</p:sld>
+</file>
+
+<file path=ppt/slides/slide7.xml><?xml version="1.0" encoding="utf-8"?>
+<p:sld xmlns:a="http://schemas.openxmlformats.org/drawingml/2006/main" xmlns:r="http://schemas.openxmlformats.org/officeDocument/2006/relationships" xmlns:p="http://schemas.openxmlformats.org/presentationml/2006/main">
+  <p:cSld>
+    <p:spTree>
+      <p:nvGrpSpPr>
+        <p:cNvPr id="1" name=""/>
+        <p:cNvGrpSpPr/>
+        <p:nvPr/>
+      </p:nvGrpSpPr>
+      <p:grpSpPr>
+        <a:xfrm>
+          <a:off x="0" y="0"/>
+          <a:ext cx="0" cy="0"/>
+          <a:chOff x="0" y="0"/>
+          <a:chExt cx="0" cy="0"/>
+        </a:xfrm>
+      </p:grpSpPr>
+      <p:pic>
+        <p:nvPicPr>
+          <p:cNvPr id="5" name="Picture 4">
+            <a:extLst>
+              <a:ext uri="{FF2B5EF4-FFF2-40B4-BE49-F238E27FC236}">
+                <a16:creationId xmlns:a16="http://schemas.microsoft.com/office/drawing/2014/main" id="{D10C9C41-8C93-2BED-B20B-8003BF731F21}"/>
+              </a:ext>
+            </a:extLst>
+          </p:cNvPr>
+          <p:cNvPicPr>
+            <a:picLocks noChangeAspect="1"/>
+          </p:cNvPicPr>
+          <p:nvPr/>
+        </p:nvPicPr>
+        <p:blipFill>
+          <a:blip r:embed="rId3"/>
+          <a:stretch>
+            <a:fillRect/>
+          </a:stretch>
+        </p:blipFill>
+        <p:spPr>
+          <a:xfrm>
+            <a:off x="2481903" y="25477"/>
+            <a:ext cx="6076025" cy="3420729"/>
+          </a:xfrm>
+          <a:prstGeom prst="rect">
+            <a:avLst/>
+          </a:prstGeom>
+        </p:spPr>
+      </p:pic>
+      <p:pic>
+        <p:nvPicPr>
+          <p:cNvPr id="7" name="Picture 6">
+            <a:extLst>
+              <a:ext uri="{FF2B5EF4-FFF2-40B4-BE49-F238E27FC236}">
+                <a16:creationId xmlns:a16="http://schemas.microsoft.com/office/drawing/2014/main" id="{07F6A25E-07C5-DEFC-CD01-F7C28A99961F}"/>
+              </a:ext>
+            </a:extLst>
+          </p:cNvPr>
+          <p:cNvPicPr>
+            <a:picLocks noChangeAspect="1"/>
+          </p:cNvPicPr>
+          <p:nvPr/>
+        </p:nvPicPr>
+        <p:blipFill>
+          <a:blip r:embed="rId4"/>
+          <a:stretch>
+            <a:fillRect/>
+          </a:stretch>
+        </p:blipFill>
+        <p:spPr>
+          <a:xfrm>
+            <a:off x="2438400" y="3411794"/>
+            <a:ext cx="6119528" cy="3420729"/>
+          </a:xfrm>
+          <a:prstGeom prst="rect">
+            <a:avLst/>
+          </a:prstGeom>
+        </p:spPr>
+      </p:pic>
+      <p:sp>
+        <p:nvSpPr>
+          <p:cNvPr id="8" name="TextBox 7">
+            <a:extLst>
+              <a:ext uri="{FF2B5EF4-FFF2-40B4-BE49-F238E27FC236}">
+                <a16:creationId xmlns:a16="http://schemas.microsoft.com/office/drawing/2014/main" id="{F32A6785-36D1-17DF-3561-6376C55EE2F4}"/>
+              </a:ext>
+            </a:extLst>
+          </p:cNvPr>
+          <p:cNvSpPr txBox="1"/>
+          <p:nvPr/>
+        </p:nvSpPr>
+        <p:spPr>
+          <a:xfrm>
+            <a:off x="609600" y="2286000"/>
+            <a:ext cx="1371600" cy="369332"/>
+          </a:xfrm>
+          <a:prstGeom prst="rect">
+            <a:avLst/>
+          </a:prstGeom>
+          <a:noFill/>
+        </p:spPr>
+        <p:txBody>
+          <a:bodyPr wrap="square" rtlCol="0">
+            <a:spAutoFit/>
+          </a:bodyPr>
+          <a:lstStyle/>
+          <a:p>
+            <a:r>
+              <a:rPr lang="en-US" b="0" i="1" dirty="0">
+                <a:solidFill>
+                  <a:schemeClr val="accent3"/>
+                </a:solidFill>
+                <a:latin typeface="Cambria Math"/>
+              </a:rPr>
+              <a:t>100 Hz</a:t>
+            </a:r>
+          </a:p>
+        </p:txBody>
+      </p:sp>
+    </p:spTree>
+    <p:extLst>
+      <p:ext uri="{BB962C8B-B14F-4D97-AF65-F5344CB8AC3E}">
+        <p14:creationId xmlns:p14="http://schemas.microsoft.com/office/powerpoint/2010/main" val="436452984"/>
+      </p:ext>
+    </p:extLst>
+  </p:cSld>
+  <p:clrMapOvr>
+    <a:masterClrMapping/>
+  </p:clrMapOvr>
+</p:sld>
+</file>
+
+<file path=ppt/slides/slide8.xml><?xml version="1.0" encoding="utf-8"?>
+<p:sld xmlns:a="http://schemas.openxmlformats.org/drawingml/2006/main" xmlns:r="http://schemas.openxmlformats.org/officeDocument/2006/relationships" xmlns:p="http://schemas.openxmlformats.org/presentationml/2006/main">
+  <p:cSld>
+    <p:spTree>
+      <p:nvGrpSpPr>
+        <p:cNvPr id="1" name=""/>
+        <p:cNvGrpSpPr/>
+        <p:nvPr/>
+      </p:nvGrpSpPr>
+      <p:grpSpPr>
+        <a:xfrm>
+          <a:off x="0" y="0"/>
+          <a:ext cx="0" cy="0"/>
+          <a:chOff x="0" y="0"/>
+          <a:chExt cx="0" cy="0"/>
+        </a:xfrm>
+      </p:grpSpPr>
+      <p:pic>
+        <p:nvPicPr>
+          <p:cNvPr id="6" name="Picture 5">
+            <a:extLst>
+              <a:ext uri="{FF2B5EF4-FFF2-40B4-BE49-F238E27FC236}">
+                <a16:creationId xmlns:a16="http://schemas.microsoft.com/office/drawing/2014/main" id="{E00F7275-971B-919C-BF19-4820EBDF4FB4}"/>
+              </a:ext>
+            </a:extLst>
+          </p:cNvPr>
+          <p:cNvPicPr>
+            <a:picLocks noChangeAspect="1"/>
+          </p:cNvPicPr>
+          <p:nvPr/>
+        </p:nvPicPr>
+        <p:blipFill>
+          <a:blip r:embed="rId2"/>
+          <a:stretch>
+            <a:fillRect/>
+          </a:stretch>
+        </p:blipFill>
+        <p:spPr>
+          <a:xfrm>
+            <a:off x="2209800" y="3276600"/>
+            <a:ext cx="6317283" cy="3454550"/>
+          </a:xfrm>
+          <a:prstGeom prst="rect">
+            <a:avLst/>
+          </a:prstGeom>
+        </p:spPr>
+      </p:pic>
+      <p:pic>
+        <p:nvPicPr>
+          <p:cNvPr id="8" name="Picture 7">
+            <a:extLst>
+              <a:ext uri="{FF2B5EF4-FFF2-40B4-BE49-F238E27FC236}">
+                <a16:creationId xmlns:a16="http://schemas.microsoft.com/office/drawing/2014/main" id="{91EB571D-9FF5-26E4-C9D3-352572566EB4}"/>
+              </a:ext>
+            </a:extLst>
+          </p:cNvPr>
+          <p:cNvPicPr>
+            <a:picLocks noChangeAspect="1"/>
+          </p:cNvPicPr>
+          <p:nvPr/>
+        </p:nvPicPr>
+        <p:blipFill>
+          <a:blip r:embed="rId3"/>
+          <a:stretch>
+            <a:fillRect/>
+          </a:stretch>
+        </p:blipFill>
+        <p:spPr>
+          <a:xfrm>
+            <a:off x="2054942" y="-341315"/>
+            <a:ext cx="6469683" cy="3617915"/>
+          </a:xfrm>
+          <a:prstGeom prst="rect">
+            <a:avLst/>
+          </a:prstGeom>
+        </p:spPr>
+      </p:pic>
+      <p:sp>
+        <p:nvSpPr>
+          <p:cNvPr id="9" name="TextBox 8">
+            <a:extLst>
+              <a:ext uri="{FF2B5EF4-FFF2-40B4-BE49-F238E27FC236}">
+                <a16:creationId xmlns:a16="http://schemas.microsoft.com/office/drawing/2014/main" id="{CA210739-BD71-CE9A-3250-6E79E4C74B17}"/>
+              </a:ext>
+            </a:extLst>
+          </p:cNvPr>
+          <p:cNvSpPr txBox="1"/>
+          <p:nvPr/>
+        </p:nvSpPr>
+        <p:spPr>
+          <a:xfrm>
+            <a:off x="589878" y="2743200"/>
+            <a:ext cx="1371600" cy="369332"/>
+          </a:xfrm>
+          <a:prstGeom prst="rect">
+            <a:avLst/>
+          </a:prstGeom>
+          <a:noFill/>
+        </p:spPr>
+        <p:txBody>
+          <a:bodyPr wrap="square" rtlCol="0">
+            <a:spAutoFit/>
+          </a:bodyPr>
+          <a:lstStyle/>
+          <a:p>
+            <a:r>
+              <a:rPr lang="en-US" i="1" dirty="0">
+                <a:solidFill>
+                  <a:schemeClr val="accent3"/>
+                </a:solidFill>
+                <a:latin typeface="Cambria Math"/>
+              </a:rPr>
+              <a:t>2</a:t>
+            </a:r>
+            <a:r>
+              <a:rPr lang="en-US" b="0" i="1" dirty="0">
+                <a:solidFill>
+                  <a:schemeClr val="accent3"/>
+                </a:solidFill>
+                <a:latin typeface="Cambria Math"/>
+              </a:rPr>
+              <a:t>00 Hz</a:t>
+            </a:r>
+          </a:p>
+        </p:txBody>
+      </p:sp>
+    </p:spTree>
+    <p:extLst>
+      <p:ext uri="{BB962C8B-B14F-4D97-AF65-F5344CB8AC3E}">
+        <p14:creationId xmlns:p14="http://schemas.microsoft.com/office/powerpoint/2010/main" val="4290858901"/>
+      </p:ext>
+    </p:extLst>
+  </p:cSld>
+  <p:clrMapOvr>
+    <a:masterClrMapping/>
+  </p:clrMapOvr>
+</p:sld>
+</file>
+
+<file path=ppt/slides/slide9.xml><?xml version="1.0" encoding="utf-8"?>
+<p:sld xmlns:a="http://schemas.openxmlformats.org/drawingml/2006/main" xmlns:r="http://schemas.openxmlformats.org/officeDocument/2006/relationships" xmlns:p="http://schemas.openxmlformats.org/presentationml/2006/main">
+  <p:cSld>
+    <p:spTree>
+      <p:nvGrpSpPr>
+        <p:cNvPr id="1" name=""/>
+        <p:cNvGrpSpPr/>
+        <p:nvPr/>
+      </p:nvGrpSpPr>
+      <p:grpSpPr>
+        <a:xfrm>
+          <a:off x="0" y="0"/>
+          <a:ext cx="0" cy="0"/>
+          <a:chOff x="0" y="0"/>
+          <a:chExt cx="0" cy="0"/>
+        </a:xfrm>
+      </p:grpSpPr>
+      <p:pic>
+        <p:nvPicPr>
+          <p:cNvPr id="5" name="Picture 4">
+            <a:extLst>
+              <a:ext uri="{FF2B5EF4-FFF2-40B4-BE49-F238E27FC236}">
+                <a16:creationId xmlns:a16="http://schemas.microsoft.com/office/drawing/2014/main" id="{859352FB-F8A8-02F3-8990-C50AFBEA8AD7}"/>
+              </a:ext>
+            </a:extLst>
+          </p:cNvPr>
+          <p:cNvPicPr>
+            <a:picLocks noChangeAspect="1"/>
+          </p:cNvPicPr>
+          <p:nvPr/>
+        </p:nvPicPr>
+        <p:blipFill>
+          <a:blip r:embed="rId2"/>
+          <a:stretch>
+            <a:fillRect/>
+          </a:stretch>
+        </p:blipFill>
+        <p:spPr>
+          <a:xfrm>
+            <a:off x="2438400" y="3504039"/>
+            <a:ext cx="5993272" cy="3328864"/>
+          </a:xfrm>
+          <a:prstGeom prst="rect">
+            <a:avLst/>
+          </a:prstGeom>
+        </p:spPr>
+      </p:pic>
+      <p:pic>
+        <p:nvPicPr>
+          <p:cNvPr id="7" name="Picture 6">
+            <a:extLst>
+              <a:ext uri="{FF2B5EF4-FFF2-40B4-BE49-F238E27FC236}">
+                <a16:creationId xmlns:a16="http://schemas.microsoft.com/office/drawing/2014/main" id="{0D974006-084F-5B3A-E0C6-296D44767DF3}"/>
+              </a:ext>
+            </a:extLst>
+          </p:cNvPr>
+          <p:cNvPicPr>
+            <a:picLocks noChangeAspect="1"/>
+          </p:cNvPicPr>
+          <p:nvPr/>
+        </p:nvPicPr>
+        <p:blipFill>
+          <a:blip r:embed="rId3"/>
+          <a:stretch>
+            <a:fillRect/>
+          </a:stretch>
+        </p:blipFill>
+        <p:spPr>
+          <a:xfrm>
+            <a:off x="2431026" y="118638"/>
+            <a:ext cx="6000646" cy="3302988"/>
+          </a:xfrm>
+          <a:prstGeom prst="rect">
+            <a:avLst/>
+          </a:prstGeom>
+        </p:spPr>
+      </p:pic>
+      <p:sp>
+        <p:nvSpPr>
+          <p:cNvPr id="8" name="TextBox 7">
+            <a:extLst>
+              <a:ext uri="{FF2B5EF4-FFF2-40B4-BE49-F238E27FC236}">
+                <a16:creationId xmlns:a16="http://schemas.microsoft.com/office/drawing/2014/main" id="{AC5FAE2D-4401-4220-160B-35DF46721DDF}"/>
+              </a:ext>
+            </a:extLst>
+          </p:cNvPr>
+          <p:cNvSpPr txBox="1"/>
+          <p:nvPr/>
+        </p:nvSpPr>
+        <p:spPr>
+          <a:xfrm>
+            <a:off x="589878" y="2743200"/>
+            <a:ext cx="1371600" cy="369332"/>
+          </a:xfrm>
+          <a:prstGeom prst="rect">
+            <a:avLst/>
+          </a:prstGeom>
+          <a:noFill/>
+        </p:spPr>
+        <p:txBody>
+          <a:bodyPr wrap="square" rtlCol="0">
+            <a:spAutoFit/>
+          </a:bodyPr>
+          <a:lstStyle/>
+          <a:p>
+            <a:r>
+              <a:rPr lang="en-US" b="0" i="1" dirty="0">
+                <a:solidFill>
+                  <a:schemeClr val="accent3"/>
+                </a:solidFill>
+                <a:latin typeface="Cambria Math"/>
+              </a:rPr>
+              <a:t>400 Hz</a:t>
+            </a:r>
+          </a:p>
+        </p:txBody>
+      </p:sp>
+    </p:spTree>
+    <p:extLst>
+      <p:ext uri="{BB962C8B-B14F-4D97-AF65-F5344CB8AC3E}">
+        <p14:creationId xmlns:p14="http://schemas.microsoft.com/office/powerpoint/2010/main" val="1596276473"/>
       </p:ext>
     </p:extLst>
   </p:cSld>

--- a/FINAl_PRESENTATION.pptx
+++ b/FINAl_PRESENTATION.pptx
@@ -167,6 +167,43 @@
 </p:presentation>
 </file>
 
+<file path=ppt/revisionInfo.xml><?xml version="1.0" encoding="utf-8"?>
+<p1510:revInfo xmlns:a="http://schemas.openxmlformats.org/drawingml/2006/main" xmlns:r="http://schemas.openxmlformats.org/officeDocument/2006/relationships" xmlns:p1510="http://schemas.microsoft.com/office/powerpoint/2015/10/main">
+  <p1510:revLst>
+    <p1510:client id="{6BCE3C86-BC29-41B6-B98A-63C84030C149}" v="3" dt="2023-12-14T23:30:40.022"/>
+  </p1510:revLst>
+</p1510:revInfo>
+</file>
+
+<file path=ppt/changesInfos/changesInfo1.xml><?xml version="1.0" encoding="utf-8"?>
+<pc:chgInfo xmlns:a="http://schemas.openxmlformats.org/drawingml/2006/main" xmlns:r="http://schemas.openxmlformats.org/officeDocument/2006/relationships" xmlns:ac="http://schemas.microsoft.com/office/drawing/2013/main/command" xmlns:pc="http://schemas.microsoft.com/office/powerpoint/2013/main/command">
+  <pc:docChgLst>
+    <pc:chgData name="Chad Northey" userId="308779fc8549898c" providerId="LiveId" clId="{6BCE3C86-BC29-41B6-B98A-63C84030C149}"/>
+    <pc:docChg chg="modSld">
+      <pc:chgData name="Chad Northey" userId="308779fc8549898c" providerId="LiveId" clId="{6BCE3C86-BC29-41B6-B98A-63C84030C149}" dt="2023-12-14T23:30:35.262" v="5" actId="20577"/>
+      <pc:docMkLst>
+        <pc:docMk/>
+      </pc:docMkLst>
+      <pc:sldChg chg="modSp mod">
+        <pc:chgData name="Chad Northey" userId="308779fc8549898c" providerId="LiveId" clId="{6BCE3C86-BC29-41B6-B98A-63C84030C149}" dt="2023-12-14T23:30:35.262" v="5" actId="20577"/>
+        <pc:sldMkLst>
+          <pc:docMk/>
+          <pc:sldMk cId="25302582" sldId="271"/>
+        </pc:sldMkLst>
+        <pc:graphicFrameChg chg="modGraphic">
+          <ac:chgData name="Chad Northey" userId="308779fc8549898c" providerId="LiveId" clId="{6BCE3C86-BC29-41B6-B98A-63C84030C149}" dt="2023-12-14T23:30:35.262" v="5" actId="20577"/>
+          <ac:graphicFrameMkLst>
+            <pc:docMk/>
+            <pc:sldMk cId="25302582" sldId="271"/>
+            <ac:graphicFrameMk id="4" creationId="{48C3B839-B870-135D-50CC-28CB51D615E9}"/>
+          </ac:graphicFrameMkLst>
+        </pc:graphicFrameChg>
+      </pc:sldChg>
+    </pc:docChg>
+  </pc:docChgLst>
+</pc:chgInfo>
+</file>
+
 <file path=ppt/handoutMasters/handoutMaster1.xml><?xml version="1.0" encoding="utf-8"?>
 <p:handoutMaster xmlns:a="http://schemas.openxmlformats.org/drawingml/2006/main" xmlns:r="http://schemas.openxmlformats.org/officeDocument/2006/relationships" xmlns:p="http://schemas.openxmlformats.org/presentationml/2006/main">
   <p:cSld>
@@ -249,7 +286,7 @@
           <a:p>
             <a:fld id="{98944DA0-7E15-49AE-9E1A-06C658B442E2}" type="datetimeFigureOut">
               <a:rPr lang="en-US" smtClean="0"/>
-              <a:t>12/12/2023</a:t>
+              <a:t>12/14/2023</a:t>
             </a:fld>
             <a:endParaRPr lang="en-US"/>
           </a:p>
@@ -415,7 +452,7 @@
           <a:p>
             <a:fld id="{18A1A218-A232-42EB-9526-47647B116190}" type="datetimeFigureOut">
               <a:rPr lang="en-US" smtClean="0"/>
-              <a:t>12/12/2023</a:t>
+              <a:t>12/14/2023</a:t>
             </a:fld>
             <a:endParaRPr lang="en-US"/>
           </a:p>
@@ -4508,21 +4545,10 @@
                 <a:ea typeface="Calibri" panose="020F0502020204030204" pitchFamily="34" charset="0"/>
                 <a:cs typeface="Times New Roman" panose="02020603050405020304" pitchFamily="18" charset="0"/>
               </a:rPr>
-              <a:t>Characterize the PIS spectrum in dB value in identifying its half-power bandwidth [</a:t>
-            </a:r>
-            <a:r>
-              <a:rPr lang="en-US" kern="100" dirty="0" err="1">
-                <a:highlight>
-                  <a:srgbClr val="00FF00"/>
-                </a:highlight>
-                <a:latin typeface="Calibri" panose="020F0502020204030204" pitchFamily="34" charset="0"/>
-                <a:ea typeface="Calibri" panose="020F0502020204030204" pitchFamily="34" charset="0"/>
-                <a:cs typeface="Times New Roman" panose="02020603050405020304" pitchFamily="18" charset="0"/>
-              </a:rPr>
-              <a:t>f</a:t>
-            </a:r>
-            <a:r>
-              <a:rPr lang="en-US" kern="100" baseline="-25000" dirty="0" err="1">
+              <a:t>Characterize the PIS spectrum in dB value in identifying its half-power bandwidth [f</a:t>
+            </a:r>
+            <a:r>
+              <a:rPr lang="en-US" kern="100" baseline="-25000" dirty="0">
                 <a:highlight>
                   <a:srgbClr val="00FF00"/>
                 </a:highlight>
@@ -4541,21 +4567,10 @@
                 <a:ea typeface="Calibri" panose="020F0502020204030204" pitchFamily="34" charset="0"/>
                 <a:cs typeface="Times New Roman" panose="02020603050405020304" pitchFamily="18" charset="0"/>
               </a:rPr>
-              <a:t>, </a:t>
-            </a:r>
-            <a:r>
-              <a:rPr lang="en-US" kern="100" dirty="0" err="1">
-                <a:highlight>
-                  <a:srgbClr val="00FF00"/>
-                </a:highlight>
-                <a:latin typeface="Calibri" panose="020F0502020204030204" pitchFamily="34" charset="0"/>
-                <a:ea typeface="Calibri" panose="020F0502020204030204" pitchFamily="34" charset="0"/>
-                <a:cs typeface="Times New Roman" panose="02020603050405020304" pitchFamily="18" charset="0"/>
-              </a:rPr>
-              <a:t>f</a:t>
-            </a:r>
-            <a:r>
-              <a:rPr lang="en-US" kern="100" baseline="-25000" dirty="0" err="1">
+              <a:t>, f</a:t>
+            </a:r>
+            <a:r>
+              <a:rPr lang="en-US" kern="100" baseline="-25000" dirty="0">
                 <a:highlight>
                   <a:srgbClr val="00FF00"/>
                 </a:highlight>
@@ -4602,21 +4617,10 @@
                 <a:ea typeface="Calibri" panose="020F0502020204030204" pitchFamily="34" charset="0"/>
                 <a:cs typeface="Times New Roman" panose="02020603050405020304" pitchFamily="18" charset="0"/>
               </a:rPr>
-              <a:t>Frequency = PIS’ center frequency =(1/2)(</a:t>
-            </a:r>
-            <a:r>
-              <a:rPr lang="en-US" kern="100" dirty="0" err="1">
-                <a:highlight>
-                  <a:srgbClr val="00FF00"/>
-                </a:highlight>
-                <a:latin typeface="Calibri" panose="020F0502020204030204" pitchFamily="34" charset="0"/>
-                <a:ea typeface="Calibri" panose="020F0502020204030204" pitchFamily="34" charset="0"/>
-                <a:cs typeface="Times New Roman" panose="02020603050405020304" pitchFamily="18" charset="0"/>
-              </a:rPr>
-              <a:t>f</a:t>
-            </a:r>
-            <a:r>
-              <a:rPr lang="en-US" kern="100" baseline="-25000" dirty="0" err="1">
+              <a:t>Frequency = PIS’ center frequency =(1/2)(f</a:t>
+            </a:r>
+            <a:r>
+              <a:rPr lang="en-US" kern="100" baseline="-25000" dirty="0">
                 <a:highlight>
                   <a:srgbClr val="00FF00"/>
                 </a:highlight>
@@ -4635,21 +4639,10 @@
                 <a:ea typeface="Calibri" panose="020F0502020204030204" pitchFamily="34" charset="0"/>
                 <a:cs typeface="Times New Roman" panose="02020603050405020304" pitchFamily="18" charset="0"/>
               </a:rPr>
-              <a:t> + </a:t>
-            </a:r>
-            <a:r>
-              <a:rPr lang="en-US" kern="100" dirty="0" err="1">
-                <a:highlight>
-                  <a:srgbClr val="00FF00"/>
-                </a:highlight>
-                <a:latin typeface="Calibri" panose="020F0502020204030204" pitchFamily="34" charset="0"/>
-                <a:ea typeface="Calibri" panose="020F0502020204030204" pitchFamily="34" charset="0"/>
-                <a:cs typeface="Times New Roman" panose="02020603050405020304" pitchFamily="18" charset="0"/>
-              </a:rPr>
-              <a:t>f</a:t>
-            </a:r>
-            <a:r>
-              <a:rPr lang="en-US" kern="100" baseline="-25000" dirty="0" err="1">
+              <a:t> + f</a:t>
+            </a:r>
+            <a:r>
+              <a:rPr lang="en-US" kern="100" baseline="-25000" dirty="0">
                 <a:highlight>
                   <a:srgbClr val="00FF00"/>
                 </a:highlight>
@@ -5087,7 +5080,7 @@
             <p:ph idx="1"/>
             <p:extLst>
               <p:ext uri="{D42A27DB-BD31-4B8C-83A1-F6EECF244321}">
-                <p14:modId xmlns:p14="http://schemas.microsoft.com/office/powerpoint/2010/main" val="3216750933"/>
+                <p14:modId xmlns:p14="http://schemas.microsoft.com/office/powerpoint/2010/main" val="2401100732"/>
               </p:ext>
             </p:extLst>
           </p:nvPr>
@@ -5306,7 +5299,31 @@
                           <a:ea typeface="+mn-ea"/>
                           <a:cs typeface="+mn-cs"/>
                         </a:rPr>
-                        <a:t> 4.444 khz</a:t>
+                        <a:t> 4.444 k</a:t>
+                      </a:r>
+                      <a:r>
+                        <a:rPr lang="en-US" sz="1800" b="0" i="0" kern="1200" dirty="0">
+                          <a:solidFill>
+                            <a:schemeClr val="dk1"/>
+                          </a:solidFill>
+                          <a:effectLst/>
+                          <a:latin typeface="+mn-lt"/>
+                          <a:ea typeface="+mn-ea"/>
+                          <a:cs typeface="+mn-cs"/>
+                        </a:rPr>
+                        <a:t>H</a:t>
+                      </a:r>
+                      <a:r>
+                        <a:rPr lang="pl-PL" sz="1800" b="0" i="0" kern="1200" dirty="0">
+                          <a:solidFill>
+                            <a:schemeClr val="dk1"/>
+                          </a:solidFill>
+                          <a:effectLst/>
+                          <a:latin typeface="+mn-lt"/>
+                          <a:ea typeface="+mn-ea"/>
+                          <a:cs typeface="+mn-cs"/>
+                        </a:rPr>
+                        <a:t>z</a:t>
                       </a:r>
                       <a:r>
                         <a:rPr lang="en-US" sz="1800" b="0" i="0" kern="1200" dirty="0">
@@ -5387,13 +5404,8 @@
                       <a:pPr algn="ctr"/>
                       <a:r>
                         <a:rPr lang="en-US" dirty="0"/>
-                        <a:t>4.4095 </a:t>
+                        <a:t>4.4095 kHz</a:t>
                       </a:r>
-                      <a:r>
-                        <a:rPr lang="en-US" dirty="0" err="1"/>
-                        <a:t>khz</a:t>
-                      </a:r>
-                      <a:endParaRPr lang="en-US" dirty="0"/>
                     </a:p>
                   </a:txBody>
                   <a:tcPr/>
@@ -5426,18 +5438,10 @@
                           <a:ea typeface="Calibri" panose="020F0502020204030204" pitchFamily="34" charset="0"/>
                           <a:cs typeface="Arial" panose="020B0604020202020204" pitchFamily="34" charset="0"/>
                         </a:rPr>
-                        <a:t>(1/2)*(</a:t>
+                        <a:t>(1/2)*(f</a:t>
                       </a:r>
                       <a:r>
-                        <a:rPr lang="en-US" kern="100" dirty="0" err="1">
-                          <a:latin typeface="Arial" panose="020B0604020202020204" pitchFamily="34" charset="0"/>
-                          <a:ea typeface="Calibri" panose="020F0502020204030204" pitchFamily="34" charset="0"/>
-                          <a:cs typeface="Arial" panose="020B0604020202020204" pitchFamily="34" charset="0"/>
-                        </a:rPr>
-                        <a:t>f</a:t>
-                      </a:r>
-                      <a:r>
-                        <a:rPr lang="en-US" kern="100" baseline="-25000" dirty="0" err="1">
+                        <a:rPr lang="en-US" kern="100" baseline="-25000" dirty="0">
                           <a:latin typeface="Arial" panose="020B0604020202020204" pitchFamily="34" charset="0"/>
                           <a:ea typeface="Calibri" panose="020F0502020204030204" pitchFamily="34" charset="0"/>
                           <a:cs typeface="Arial" panose="020B0604020202020204" pitchFamily="34" charset="0"/>
@@ -5450,18 +5454,10 @@
                           <a:ea typeface="Calibri" panose="020F0502020204030204" pitchFamily="34" charset="0"/>
                           <a:cs typeface="Arial" panose="020B0604020202020204" pitchFamily="34" charset="0"/>
                         </a:rPr>
-                        <a:t> + </a:t>
+                        <a:t> + f</a:t>
                       </a:r>
                       <a:r>
-                        <a:rPr lang="en-US" kern="100" dirty="0" err="1">
-                          <a:latin typeface="Arial" panose="020B0604020202020204" pitchFamily="34" charset="0"/>
-                          <a:ea typeface="Calibri" panose="020F0502020204030204" pitchFamily="34" charset="0"/>
-                          <a:cs typeface="Arial" panose="020B0604020202020204" pitchFamily="34" charset="0"/>
-                        </a:rPr>
-                        <a:t>f</a:t>
-                      </a:r>
-                      <a:r>
-                        <a:rPr lang="en-US" kern="100" baseline="-25000" dirty="0" err="1">
+                        <a:rPr lang="en-US" kern="100" baseline="-25000" dirty="0">
                           <a:latin typeface="Arial" panose="020B0604020202020204" pitchFamily="34" charset="0"/>
                           <a:ea typeface="Calibri" panose="020F0502020204030204" pitchFamily="34" charset="0"/>
                           <a:cs typeface="Arial" panose="020B0604020202020204" pitchFamily="34" charset="0"/>
@@ -6104,18 +6100,10 @@
                 <a:ea typeface="Calibri" panose="020F0502020204030204" pitchFamily="34" charset="0"/>
                 <a:cs typeface="Times New Roman" panose="02020603050405020304" pitchFamily="18" charset="0"/>
               </a:rPr>
-              <a:t>Characterize the PIS spectrum in dB value in identifying its half-power bandwidth [</a:t>
-            </a:r>
-            <a:r>
-              <a:rPr lang="en-US" kern="100" dirty="0" err="1">
-                <a:latin typeface="Calibri" panose="020F0502020204030204" pitchFamily="34" charset="0"/>
-                <a:ea typeface="Calibri" panose="020F0502020204030204" pitchFamily="34" charset="0"/>
-                <a:cs typeface="Times New Roman" panose="02020603050405020304" pitchFamily="18" charset="0"/>
-              </a:rPr>
-              <a:t>f</a:t>
-            </a:r>
-            <a:r>
-              <a:rPr lang="en-US" kern="100" baseline="-25000" dirty="0" err="1">
+              <a:t>Characterize the PIS spectrum in dB value in identifying its half-power bandwidth [f</a:t>
+            </a:r>
+            <a:r>
+              <a:rPr lang="en-US" kern="100" baseline="-25000" dirty="0">
                 <a:latin typeface="Calibri" panose="020F0502020204030204" pitchFamily="34" charset="0"/>
                 <a:ea typeface="Calibri" panose="020F0502020204030204" pitchFamily="34" charset="0"/>
                 <a:cs typeface="Times New Roman" panose="02020603050405020304" pitchFamily="18" charset="0"/>
@@ -6128,18 +6116,10 @@
                 <a:ea typeface="Calibri" panose="020F0502020204030204" pitchFamily="34" charset="0"/>
                 <a:cs typeface="Times New Roman" panose="02020603050405020304" pitchFamily="18" charset="0"/>
               </a:rPr>
-              <a:t>, </a:t>
-            </a:r>
-            <a:r>
-              <a:rPr lang="en-US" kern="100" dirty="0" err="1">
-                <a:latin typeface="Calibri" panose="020F0502020204030204" pitchFamily="34" charset="0"/>
-                <a:ea typeface="Calibri" panose="020F0502020204030204" pitchFamily="34" charset="0"/>
-                <a:cs typeface="Times New Roman" panose="02020603050405020304" pitchFamily="18" charset="0"/>
-              </a:rPr>
-              <a:t>f</a:t>
-            </a:r>
-            <a:r>
-              <a:rPr lang="en-US" kern="100" baseline="-25000" dirty="0" err="1">
+              <a:t>, f</a:t>
+            </a:r>
+            <a:r>
+              <a:rPr lang="en-US" kern="100" baseline="-25000" dirty="0">
                 <a:latin typeface="Calibri" panose="020F0502020204030204" pitchFamily="34" charset="0"/>
                 <a:ea typeface="Calibri" panose="020F0502020204030204" pitchFamily="34" charset="0"/>
                 <a:cs typeface="Times New Roman" panose="02020603050405020304" pitchFamily="18" charset="0"/>
@@ -6188,18 +6168,10 @@
                 <a:ea typeface="Calibri" panose="020F0502020204030204" pitchFamily="34" charset="0"/>
                 <a:cs typeface="Times New Roman" panose="02020603050405020304" pitchFamily="18" charset="0"/>
               </a:rPr>
-              <a:t>Mean amplitude = PIS’ average amplitude over the half-power bandwidth [</a:t>
-            </a:r>
-            <a:r>
-              <a:rPr lang="en-US" kern="100" dirty="0" err="1">
-                <a:latin typeface="Calibri" panose="020F0502020204030204" pitchFamily="34" charset="0"/>
-                <a:ea typeface="Calibri" panose="020F0502020204030204" pitchFamily="34" charset="0"/>
-                <a:cs typeface="Times New Roman" panose="02020603050405020304" pitchFamily="18" charset="0"/>
-              </a:rPr>
-              <a:t>f</a:t>
-            </a:r>
-            <a:r>
-              <a:rPr lang="en-US" kern="100" baseline="-25000" dirty="0" err="1">
+              <a:t>Mean amplitude = PIS’ average amplitude over the half-power bandwidth [f</a:t>
+            </a:r>
+            <a:r>
+              <a:rPr lang="en-US" kern="100" baseline="-25000" dirty="0">
                 <a:latin typeface="Calibri" panose="020F0502020204030204" pitchFamily="34" charset="0"/>
                 <a:ea typeface="Calibri" panose="020F0502020204030204" pitchFamily="34" charset="0"/>
                 <a:cs typeface="Times New Roman" panose="02020603050405020304" pitchFamily="18" charset="0"/>
@@ -6212,18 +6184,10 @@
                 <a:ea typeface="Calibri" panose="020F0502020204030204" pitchFamily="34" charset="0"/>
                 <a:cs typeface="Times New Roman" panose="02020603050405020304" pitchFamily="18" charset="0"/>
               </a:rPr>
-              <a:t>, </a:t>
-            </a:r>
-            <a:r>
-              <a:rPr lang="en-US" kern="100" dirty="0" err="1">
-                <a:latin typeface="Calibri" panose="020F0502020204030204" pitchFamily="34" charset="0"/>
-                <a:ea typeface="Calibri" panose="020F0502020204030204" pitchFamily="34" charset="0"/>
-                <a:cs typeface="Times New Roman" panose="02020603050405020304" pitchFamily="18" charset="0"/>
-              </a:rPr>
-              <a:t>f</a:t>
-            </a:r>
-            <a:r>
-              <a:rPr lang="en-US" kern="100" baseline="-25000" dirty="0" err="1">
+              <a:t>, f</a:t>
+            </a:r>
+            <a:r>
+              <a:rPr lang="en-US" kern="100" baseline="-25000" dirty="0">
                 <a:latin typeface="Calibri" panose="020F0502020204030204" pitchFamily="34" charset="0"/>
                 <a:ea typeface="Calibri" panose="020F0502020204030204" pitchFamily="34" charset="0"/>
                 <a:cs typeface="Times New Roman" panose="02020603050405020304" pitchFamily="18" charset="0"/>
@@ -6247,18 +6211,10 @@
                 <a:ea typeface="Calibri" panose="020F0502020204030204" pitchFamily="34" charset="0"/>
                 <a:cs typeface="Times New Roman" panose="02020603050405020304" pitchFamily="18" charset="0"/>
               </a:rPr>
-              <a:t>Standard deviation = RMS value of the PIS spectrum over its half-power bandwidth [</a:t>
-            </a:r>
-            <a:r>
-              <a:rPr lang="en-US" kern="100" dirty="0" err="1">
-                <a:latin typeface="Calibri" panose="020F0502020204030204" pitchFamily="34" charset="0"/>
-                <a:ea typeface="Calibri" panose="020F0502020204030204" pitchFamily="34" charset="0"/>
-                <a:cs typeface="Times New Roman" panose="02020603050405020304" pitchFamily="18" charset="0"/>
-              </a:rPr>
-              <a:t>f</a:t>
-            </a:r>
-            <a:r>
-              <a:rPr lang="en-US" kern="100" baseline="-25000" dirty="0" err="1">
+              <a:t>Standard deviation = RMS value of the PIS spectrum over its half-power bandwidth [f</a:t>
+            </a:r>
+            <a:r>
+              <a:rPr lang="en-US" kern="100" baseline="-25000" dirty="0">
                 <a:latin typeface="Calibri" panose="020F0502020204030204" pitchFamily="34" charset="0"/>
                 <a:ea typeface="Calibri" panose="020F0502020204030204" pitchFamily="34" charset="0"/>
                 <a:cs typeface="Times New Roman" panose="02020603050405020304" pitchFamily="18" charset="0"/>
@@ -6271,18 +6227,10 @@
                 <a:ea typeface="Calibri" panose="020F0502020204030204" pitchFamily="34" charset="0"/>
                 <a:cs typeface="Times New Roman" panose="02020603050405020304" pitchFamily="18" charset="0"/>
               </a:rPr>
-              <a:t>, </a:t>
-            </a:r>
-            <a:r>
-              <a:rPr lang="en-US" kern="100" dirty="0" err="1">
-                <a:latin typeface="Calibri" panose="020F0502020204030204" pitchFamily="34" charset="0"/>
-                <a:ea typeface="Calibri" panose="020F0502020204030204" pitchFamily="34" charset="0"/>
-                <a:cs typeface="Times New Roman" panose="02020603050405020304" pitchFamily="18" charset="0"/>
-              </a:rPr>
-              <a:t>f</a:t>
-            </a:r>
-            <a:r>
-              <a:rPr lang="en-US" kern="100" baseline="-25000" dirty="0" err="1">
+              <a:t>, f</a:t>
+            </a:r>
+            <a:r>
+              <a:rPr lang="en-US" kern="100" baseline="-25000" dirty="0">
                 <a:latin typeface="Calibri" panose="020F0502020204030204" pitchFamily="34" charset="0"/>
                 <a:ea typeface="Calibri" panose="020F0502020204030204" pitchFamily="34" charset="0"/>
                 <a:cs typeface="Times New Roman" panose="02020603050405020304" pitchFamily="18" charset="0"/>
@@ -7283,8 +7231,8 @@
           </a:p>
         </p:txBody>
       </p:sp>
-      <mc:AlternateContent xmlns:mc="http://schemas.openxmlformats.org/markup-compatibility/2006">
-        <mc:Choice xmlns:a14="http://schemas.microsoft.com/office/drawing/2010/main" Requires="a14">
+      <mc:AlternateContent xmlns:mc="http://schemas.openxmlformats.org/markup-compatibility/2006" xmlns:a14="http://schemas.microsoft.com/office/drawing/2010/main">
+        <mc:Choice Requires="a14">
           <p:sp>
             <p:nvSpPr>
               <p:cNvPr id="3" name="Content Placeholder 2">
@@ -7386,7 +7334,7 @@
             </p:txBody>
           </p:sp>
         </mc:Choice>
-        <mc:Fallback>
+        <mc:Fallback xmlns="">
           <p:sp>
             <p:nvSpPr>
               <p:cNvPr id="3" name="Content Placeholder 2">
